--- a/b11901027_王仁軒.pptx
+++ b/b11901027_王仁軒.pptx
@@ -1803,7 +1803,7 @@
           </a:ln>
           <a:extLst>
             <a:ext uri="{91240B29-F687-4f45-9708-019B960494DF}">
-              <a14:hiddenLine xmlns:a14="http://schemas.microsoft.com/office/drawing/2010/main" xmlns="" w="9525">
+              <a14:hiddenLine xmlns="" xmlns:a14="http://schemas.microsoft.com/office/drawing/2010/main" w="9525">
                 <a:solidFill>
                   <a:srgbClr val="000000"/>
                 </a:solidFill>
@@ -1857,14 +1857,14 @@
           </a:ln>
           <a:extLst>
             <a:ext uri="{909E8E84-426E-40dd-AFC4-6F175D3DCCD1}">
-              <a14:hiddenFill xmlns:a14="http://schemas.microsoft.com/office/drawing/2010/main" xmlns="">
+              <a14:hiddenFill xmlns="" xmlns:a14="http://schemas.microsoft.com/office/drawing/2010/main">
                 <a:solidFill>
                   <a:srgbClr val="FFFFFF"/>
                 </a:solidFill>
               </a14:hiddenFill>
             </a:ext>
             <a:ext uri="{91240B29-F687-4f45-9708-019B960494DF}">
-              <a14:hiddenLine xmlns:a14="http://schemas.microsoft.com/office/drawing/2010/main" xmlns="" w="9525">
+              <a14:hiddenLine xmlns="" xmlns:a14="http://schemas.microsoft.com/office/drawing/2010/main" w="9525">
                 <a:solidFill>
                   <a:srgbClr val="000000"/>
                 </a:solidFill>
@@ -1900,7 +1900,7 @@
           </a:ln>
           <a:extLst>
             <a:ext uri="{91240B29-F687-4f45-9708-019B960494DF}">
-              <a14:hiddenLine xmlns:a14="http://schemas.microsoft.com/office/drawing/2010/main" xmlns="" w="9525">
+              <a14:hiddenLine xmlns="" xmlns:a14="http://schemas.microsoft.com/office/drawing/2010/main" w="9525">
                 <a:solidFill>
                   <a:srgbClr val="000000"/>
                 </a:solidFill>
@@ -2216,7 +2216,7 @@
           </a:ln>
           <a:extLst>
             <a:ext uri="{91240B29-F687-4f45-9708-019B960494DF}">
-              <a14:hiddenLine xmlns:a14="http://schemas.microsoft.com/office/drawing/2010/main" xmlns="" w="9525">
+              <a14:hiddenLine xmlns="" xmlns:a14="http://schemas.microsoft.com/office/drawing/2010/main" w="9525">
                 <a:solidFill>
                   <a:srgbClr val="000000"/>
                 </a:solidFill>
@@ -2267,7 +2267,7 @@
           </a:ln>
           <a:extLst>
             <a:ext uri="{91240B29-F687-4f45-9708-019B960494DF}">
-              <a14:hiddenLine xmlns:a14="http://schemas.microsoft.com/office/drawing/2010/main" xmlns="" w="9525">
+              <a14:hiddenLine xmlns="" xmlns:a14="http://schemas.microsoft.com/office/drawing/2010/main" w="9525">
                 <a:solidFill>
                   <a:srgbClr val="000000"/>
                 </a:solidFill>
@@ -13497,7 +13497,7 @@
           </a:ln>
           <a:extLst>
             <a:ext uri="{91240B29-F687-4f45-9708-019B960494DF}">
-              <a14:hiddenLine xmlns:a14="http://schemas.microsoft.com/office/drawing/2010/main" xmlns="" w="9525">
+              <a14:hiddenLine xmlns="" xmlns:a14="http://schemas.microsoft.com/office/drawing/2010/main" w="9525">
                 <a:solidFill>
                   <a:srgbClr val="000000"/>
                 </a:solidFill>
@@ -13826,14 +13826,14 @@
           </a:ln>
           <a:extLst>
             <a:ext uri="{909E8E84-426E-40dd-AFC4-6F175D3DCCD1}">
-              <a14:hiddenFill xmlns:a14="http://schemas.microsoft.com/office/drawing/2010/main" xmlns="">
+              <a14:hiddenFill xmlns="" xmlns:a14="http://schemas.microsoft.com/office/drawing/2010/main">
                 <a:solidFill>
                   <a:srgbClr val="FFFFFF"/>
                 </a:solidFill>
               </a14:hiddenFill>
             </a:ext>
             <a:ext uri="{91240B29-F687-4f45-9708-019B960494DF}">
-              <a14:hiddenLine xmlns:a14="http://schemas.microsoft.com/office/drawing/2010/main" xmlns="" w="9525">
+              <a14:hiddenLine xmlns="" xmlns:a14="http://schemas.microsoft.com/office/drawing/2010/main" w="9525">
                 <a:solidFill>
                   <a:srgbClr val="000000"/>
                 </a:solidFill>
@@ -13909,14 +13909,14 @@
           </a:ln>
           <a:extLst>
             <a:ext uri="{909E8E84-426E-40dd-AFC4-6F175D3DCCD1}">
-              <a14:hiddenFill xmlns:a14="http://schemas.microsoft.com/office/drawing/2010/main" xmlns="">
+              <a14:hiddenFill xmlns="" xmlns:a14="http://schemas.microsoft.com/office/drawing/2010/main">
                 <a:solidFill>
                   <a:srgbClr val="FFFFFF"/>
                 </a:solidFill>
               </a14:hiddenFill>
             </a:ext>
             <a:ext uri="{91240B29-F687-4f45-9708-019B960494DF}">
-              <a14:hiddenLine xmlns:a14="http://schemas.microsoft.com/office/drawing/2010/main" xmlns="" w="9525">
+              <a14:hiddenLine xmlns="" xmlns:a14="http://schemas.microsoft.com/office/drawing/2010/main" w="9525">
                 <a:solidFill>
                   <a:srgbClr val="000000"/>
                 </a:solidFill>
@@ -13987,14 +13987,14 @@
           </a:ln>
           <a:extLst>
             <a:ext uri="{909E8E84-426E-40dd-AFC4-6F175D3DCCD1}">
-              <a14:hiddenFill xmlns:a14="http://schemas.microsoft.com/office/drawing/2010/main" xmlns="">
+              <a14:hiddenFill xmlns="" xmlns:a14="http://schemas.microsoft.com/office/drawing/2010/main">
                 <a:solidFill>
                   <a:srgbClr val="FFFFFF"/>
                 </a:solidFill>
               </a14:hiddenFill>
             </a:ext>
             <a:ext uri="{91240B29-F687-4f45-9708-019B960494DF}">
-              <a14:hiddenLine xmlns:a14="http://schemas.microsoft.com/office/drawing/2010/main" xmlns="" w="9525">
+              <a14:hiddenLine xmlns="" xmlns:a14="http://schemas.microsoft.com/office/drawing/2010/main" w="9525">
                 <a:solidFill>
                   <a:srgbClr val="000000"/>
                 </a:solidFill>
@@ -14057,7 +14057,7 @@
           </a:ln>
           <a:extLst>
             <a:ext uri="{91240B29-F687-4f45-9708-019B960494DF}">
-              <a14:hiddenLine xmlns:a14="http://schemas.microsoft.com/office/drawing/2010/main" xmlns="" w="9525">
+              <a14:hiddenLine xmlns="" xmlns:a14="http://schemas.microsoft.com/office/drawing/2010/main" w="9525">
                 <a:solidFill>
                   <a:srgbClr val="000000"/>
                 </a:solidFill>

--- a/b11901027_王仁軒.pptx
+++ b/b11901027_王仁軒.pptx
@@ -11,10 +11,10 @@
     <p:sldMasterId id="2147483718" r:id="rId7"/>
   </p:sldMasterIdLst>
   <p:notesMasterIdLst>
-    <p:notesMasterId r:id="rId25"/>
+    <p:notesMasterId r:id="rId26"/>
   </p:notesMasterIdLst>
   <p:handoutMasterIdLst>
-    <p:handoutMasterId r:id="rId26"/>
+    <p:handoutMasterId r:id="rId27"/>
   </p:handoutMasterIdLst>
   <p:sldIdLst>
     <p:sldId id="256" r:id="rId8"/>
@@ -34,6 +34,7 @@
     <p:sldId id="282" r:id="rId22"/>
     <p:sldId id="277" r:id="rId23"/>
     <p:sldId id="278" r:id="rId24"/>
+    <p:sldId id="286" r:id="rId25"/>
   </p:sldIdLst>
   <p:sldSz cx="9144000" cy="6858000" type="screen4x3"/>
   <p:notesSz cx="9874250" cy="6797675"/>
@@ -5652,7 +5653,7 @@
           <a:p>
             <a:fld id="{FE9F37E1-976C-4D68-AAA1-E18BCAC423B3}" type="datetimeFigureOut">
               <a:rPr lang="zh-TW" altLang="en-US" smtClean="0"/>
-              <a:t>2025/5/18</a:t>
+              <a:t>2025/5/23</a:t>
             </a:fld>
             <a:endParaRPr lang="zh-TW" altLang="en-US"/>
           </a:p>
@@ -5817,7 +5818,7 @@
           <a:p>
             <a:fld id="{6F765A04-DEC0-490E-BE54-AD23B90E8F9F}" type="datetimeFigureOut">
               <a:rPr lang="zh-TW" altLang="en-US" smtClean="0"/>
-              <a:t>2025/5/18</a:t>
+              <a:t>2025/5/23</a:t>
             </a:fld>
             <a:endParaRPr lang="zh-TW" altLang="en-US"/>
           </a:p>
@@ -6243,6 +6244,90 @@
     <p:extLst>
       <p:ext uri="{BB962C8B-B14F-4D97-AF65-F5344CB8AC3E}">
         <p14:creationId xmlns:p14="http://schemas.microsoft.com/office/powerpoint/2010/main" val="3440733537"/>
+      </p:ext>
+    </p:extLst>
+  </p:cSld>
+  <p:clrMapOvr>
+    <a:masterClrMapping/>
+  </p:clrMapOvr>
+</p:notes>
+</file>
+
+<file path=ppt/notesSlides/notesSlide3.xml><?xml version="1.0" encoding="utf-8"?>
+<p:notes xmlns:a="http://schemas.openxmlformats.org/drawingml/2006/main" xmlns:r="http://schemas.openxmlformats.org/officeDocument/2006/relationships" xmlns:p="http://schemas.openxmlformats.org/presentationml/2006/main">
+  <p:cSld>
+    <p:spTree>
+      <p:nvGrpSpPr>
+        <p:cNvPr id="1" name=""/>
+        <p:cNvGrpSpPr/>
+        <p:nvPr/>
+      </p:nvGrpSpPr>
+      <p:grpSpPr>
+        <a:xfrm>
+          <a:off x="0" y="0"/>
+          <a:ext cx="0" cy="0"/>
+          <a:chOff x="0" y="0"/>
+          <a:chExt cx="0" cy="0"/>
+        </a:xfrm>
+      </p:grpSpPr>
+      <p:sp>
+        <p:nvSpPr>
+          <p:cNvPr id="2" name="投影片影像版面配置區 1"/>
+          <p:cNvSpPr>
+            <a:spLocks noGrp="1" noRot="1" noChangeAspect="1"/>
+          </p:cNvSpPr>
+          <p:nvPr>
+            <p:ph type="sldImg"/>
+          </p:nvPr>
+        </p:nvSpPr>
+        <p:spPr/>
+      </p:sp>
+      <p:sp>
+        <p:nvSpPr>
+          <p:cNvPr id="3" name="備忘稿版面配置區 2"/>
+          <p:cNvSpPr>
+            <a:spLocks noGrp="1"/>
+          </p:cNvSpPr>
+          <p:nvPr>
+            <p:ph type="body" idx="1"/>
+          </p:nvPr>
+        </p:nvSpPr>
+        <p:spPr/>
+        <p:txBody>
+          <a:bodyPr/>
+          <a:lstStyle/>
+          <a:p>
+            <a:endParaRPr lang="zh-TW" altLang="en-US" dirty="0"/>
+          </a:p>
+        </p:txBody>
+      </p:sp>
+      <p:sp>
+        <p:nvSpPr>
+          <p:cNvPr id="4" name="投影片編號版面配置區 3"/>
+          <p:cNvSpPr>
+            <a:spLocks noGrp="1"/>
+          </p:cNvSpPr>
+          <p:nvPr>
+            <p:ph type="sldNum" sz="quarter" idx="5"/>
+          </p:nvPr>
+        </p:nvSpPr>
+        <p:spPr/>
+        <p:txBody>
+          <a:bodyPr/>
+          <a:lstStyle/>
+          <a:p>
+            <a:fld id="{A390520D-9A8A-4E05-BB16-8C1AC1960EEA}" type="slidenum">
+              <a:rPr lang="zh-TW" altLang="en-US" smtClean="0"/>
+              <a:t>18</a:t>
+            </a:fld>
+            <a:endParaRPr lang="zh-TW" altLang="en-US"/>
+          </a:p>
+        </p:txBody>
+      </p:sp>
+    </p:spTree>
+    <p:extLst>
+      <p:ext uri="{BB962C8B-B14F-4D97-AF65-F5344CB8AC3E}">
+        <p14:creationId xmlns:p14="http://schemas.microsoft.com/office/powerpoint/2010/main" val="3147587139"/>
       </p:ext>
     </p:extLst>
   </p:cSld>
@@ -28759,8 +28844,8 @@
           </a:p>
         </p:txBody>
       </p:sp>
-      <mc:AlternateContent xmlns:mc="http://schemas.openxmlformats.org/markup-compatibility/2006">
-        <mc:Choice xmlns:a14="http://schemas.microsoft.com/office/drawing/2010/main" Requires="a14">
+      <mc:AlternateContent xmlns:mc="http://schemas.openxmlformats.org/markup-compatibility/2006" xmlns:a14="http://schemas.microsoft.com/office/drawing/2010/main">
+        <mc:Choice Requires="a14">
           <p:sp>
             <p:nvSpPr>
               <p:cNvPr id="16" name="文字方塊 15">
@@ -28839,7 +28924,7 @@
             </p:txBody>
           </p:sp>
         </mc:Choice>
-        <mc:Fallback>
+        <mc:Fallback xmlns="">
           <p:sp>
             <p:nvSpPr>
               <p:cNvPr id="16" name="文字方塊 15">
@@ -30014,9 +30099,9 @@
         <p:grpSpPr>
           <a:xfrm>
             <a:off x="4352960" y="2512258"/>
-            <a:ext cx="4583890" cy="2707601"/>
+            <a:ext cx="4539520" cy="2638992"/>
             <a:chOff x="4422296" y="2550522"/>
-            <a:chExt cx="4583890" cy="2707601"/>
+            <a:chExt cx="4539520" cy="2638992"/>
           </a:xfrm>
         </p:grpSpPr>
         <mc:AlternateContent xmlns:mc="http://schemas.openxmlformats.org/markup-compatibility/2006" xmlns:a14="http://schemas.microsoft.com/office/drawing/2010/main">
@@ -30036,7 +30121,7 @@
               <p:spPr>
                 <a:xfrm>
                   <a:off x="4422296" y="2550522"/>
-                  <a:ext cx="4583890" cy="2707601"/>
+                  <a:ext cx="4539520" cy="2638992"/>
                 </a:xfrm>
                 <a:prstGeom prst="rect">
                   <a:avLst/>
@@ -30194,16 +30279,37 @@
                                         </a:rPr>
                                         <m:t>−</m:t>
                                       </m:r>
-                                      <m:r>
-                                        <m:rPr>
-                                          <m:sty m:val="p"/>
-                                        </m:rPr>
-                                        <a:rPr lang="en-US" altLang="zh-TW" b="0" i="0" smtClean="0">
-                                          <a:latin typeface="Cambria Math" panose="02040503050406030204" pitchFamily="18" charset="0"/>
-                                          <a:ea typeface="Cambria Math" panose="02040503050406030204" pitchFamily="18" charset="0"/>
-                                        </a:rPr>
-                                        <m:t>query</m:t>
-                                      </m:r>
+                                      <m:sSub>
+                                        <m:sSubPr>
+                                          <m:ctrlPr>
+                                            <a:rPr lang="en-US" altLang="zh-TW" b="0" i="1" smtClean="0">
+                                              <a:latin typeface="Cambria Math" panose="02040503050406030204" pitchFamily="18" charset="0"/>
+                                              <a:ea typeface="Cambria Math" panose="02040503050406030204" pitchFamily="18" charset="0"/>
+                                            </a:rPr>
+                                          </m:ctrlPr>
+                                        </m:sSubPr>
+                                        <m:e>
+                                          <m:r>
+                                            <m:rPr>
+                                              <m:sty m:val="p"/>
+                                            </m:rPr>
+                                            <a:rPr lang="en-US" altLang="zh-TW" b="0" i="0" smtClean="0">
+                                              <a:latin typeface="Cambria Math" panose="02040503050406030204" pitchFamily="18" charset="0"/>
+                                              <a:ea typeface="Cambria Math" panose="02040503050406030204" pitchFamily="18" charset="0"/>
+                                            </a:rPr>
+                                            <m:t>q</m:t>
+                                          </m:r>
+                                        </m:e>
+                                        <m:sub>
+                                          <m:r>
+                                            <a:rPr lang="en-US" altLang="zh-TW" b="0" i="1" smtClean="0">
+                                              <a:latin typeface="Cambria Math" panose="02040503050406030204" pitchFamily="18" charset="0"/>
+                                              <a:ea typeface="Cambria Math" panose="02040503050406030204" pitchFamily="18" charset="0"/>
+                                            </a:rPr>
+                                            <m:t>𝑖</m:t>
+                                          </m:r>
+                                        </m:sub>
+                                      </m:sSub>
                                     </m:e>
                                   </m:d>
                                 </m:e>
@@ -30271,40 +30377,90 @@
                         </a:rPr>
                         <m:t>=2⋅</m:t>
                       </m:r>
-                      <m:sSub>
-                        <m:sSubPr>
+                      <m:d>
+                        <m:dPr>
                           <m:ctrlPr>
-                            <a:rPr lang="en-US" altLang="zh-TW" i="1">
+                            <a:rPr lang="en-US" altLang="zh-TW" b="0" i="1" smtClean="0">
                               <a:latin typeface="Cambria Math" panose="02040503050406030204" pitchFamily="18" charset="0"/>
                               <a:ea typeface="Cambria Math" panose="02040503050406030204" pitchFamily="18" charset="0"/>
                             </a:rPr>
                           </m:ctrlPr>
-                        </m:sSubPr>
+                        </m:dPr>
                         <m:e>
+                          <m:sSub>
+                            <m:sSubPr>
+                              <m:ctrlPr>
+                                <a:rPr lang="en-US" altLang="zh-TW" i="1">
+                                  <a:latin typeface="Cambria Math" panose="02040503050406030204" pitchFamily="18" charset="0"/>
+                                  <a:ea typeface="Cambria Math" panose="02040503050406030204" pitchFamily="18" charset="0"/>
+                                </a:rPr>
+                              </m:ctrlPr>
+                            </m:sSubPr>
+                            <m:e>
+                              <m:r>
+                                <m:rPr>
+                                  <m:sty m:val="p"/>
+                                </m:rPr>
+                                <a:rPr lang="en-US" altLang="zh-TW" i="0">
+                                  <a:latin typeface="Cambria Math" panose="02040503050406030204" pitchFamily="18" charset="0"/>
+                                  <a:ea typeface="Cambria Math" panose="02040503050406030204" pitchFamily="18" charset="0"/>
+                                </a:rPr>
+                                <m:t>emb</m:t>
+                              </m:r>
+                            </m:e>
+                            <m:sub>
+                              <m:r>
+                                <m:rPr>
+                                  <m:sty m:val="p"/>
+                                </m:rPr>
+                                <a:rPr lang="en-US" altLang="zh-TW" i="0">
+                                  <a:latin typeface="Cambria Math" panose="02040503050406030204" pitchFamily="18" charset="0"/>
+                                  <a:ea typeface="Cambria Math" panose="02040503050406030204" pitchFamily="18" charset="0"/>
+                                </a:rPr>
+                                <m:t>i</m:t>
+                              </m:r>
+                            </m:sub>
+                          </m:sSub>
                           <m:r>
-                            <m:rPr>
-                              <m:sty m:val="p"/>
-                            </m:rPr>
-                            <a:rPr lang="en-US" altLang="zh-TW" i="0">
+                            <a:rPr lang="en-US" altLang="zh-TW">
                               <a:latin typeface="Cambria Math" panose="02040503050406030204" pitchFamily="18" charset="0"/>
                               <a:ea typeface="Cambria Math" panose="02040503050406030204" pitchFamily="18" charset="0"/>
                             </a:rPr>
-                            <m:t>emb</m:t>
+                            <m:t>−</m:t>
                           </m:r>
+                          <m:sSub>
+                            <m:sSubPr>
+                              <m:ctrlPr>
+                                <a:rPr lang="en-US" altLang="zh-TW" i="1">
+                                  <a:latin typeface="Cambria Math" panose="02040503050406030204" pitchFamily="18" charset="0"/>
+                                  <a:ea typeface="Cambria Math" panose="02040503050406030204" pitchFamily="18" charset="0"/>
+                                </a:rPr>
+                              </m:ctrlPr>
+                            </m:sSubPr>
+                            <m:e>
+                              <m:r>
+                                <m:rPr>
+                                  <m:sty m:val="p"/>
+                                </m:rPr>
+                                <a:rPr lang="en-US" altLang="zh-TW">
+                                  <a:latin typeface="Cambria Math" panose="02040503050406030204" pitchFamily="18" charset="0"/>
+                                  <a:ea typeface="Cambria Math" panose="02040503050406030204" pitchFamily="18" charset="0"/>
+                                </a:rPr>
+                                <m:t>q</m:t>
+                              </m:r>
+                            </m:e>
+                            <m:sub>
+                              <m:r>
+                                <a:rPr lang="en-US" altLang="zh-TW" i="1">
+                                  <a:latin typeface="Cambria Math" panose="02040503050406030204" pitchFamily="18" charset="0"/>
+                                  <a:ea typeface="Cambria Math" panose="02040503050406030204" pitchFamily="18" charset="0"/>
+                                </a:rPr>
+                                <m:t>𝑖</m:t>
+                              </m:r>
+                            </m:sub>
+                          </m:sSub>
                         </m:e>
-                        <m:sub>
-                          <m:r>
-                            <m:rPr>
-                              <m:sty m:val="p"/>
-                            </m:rPr>
-                            <a:rPr lang="en-US" altLang="zh-TW" i="0">
-                              <a:latin typeface="Cambria Math" panose="02040503050406030204" pitchFamily="18" charset="0"/>
-                              <a:ea typeface="Cambria Math" panose="02040503050406030204" pitchFamily="18" charset="0"/>
-                            </a:rPr>
-                            <m:t>i</m:t>
-                          </m:r>
-                        </m:sub>
-                      </m:sSub>
+                      </m:d>
                     </m:oMath>
                   </a14:m>
                   <a:r>
@@ -30432,16 +30588,37 @@
                                 </a:rPr>
                                 <m:t>−</m:t>
                               </m:r>
-                              <m:r>
-                                <m:rPr>
-                                  <m:sty m:val="p"/>
-                                </m:rPr>
-                                <a:rPr lang="en-US" altLang="zh-TW" i="0">
-                                  <a:latin typeface="Cambria Math" panose="02040503050406030204" pitchFamily="18" charset="0"/>
-                                  <a:ea typeface="Cambria Math" panose="02040503050406030204" pitchFamily="18" charset="0"/>
-                                </a:rPr>
-                                <m:t>query</m:t>
-                              </m:r>
+                              <m:sSub>
+                                <m:sSubPr>
+                                  <m:ctrlPr>
+                                    <a:rPr lang="en-US" altLang="zh-TW" i="1">
+                                      <a:latin typeface="Cambria Math" panose="02040503050406030204" pitchFamily="18" charset="0"/>
+                                      <a:ea typeface="Cambria Math" panose="02040503050406030204" pitchFamily="18" charset="0"/>
+                                    </a:rPr>
+                                  </m:ctrlPr>
+                                </m:sSubPr>
+                                <m:e>
+                                  <m:r>
+                                    <m:rPr>
+                                      <m:sty m:val="p"/>
+                                    </m:rPr>
+                                    <a:rPr lang="en-US" altLang="zh-TW" b="0" i="0" smtClean="0">
+                                      <a:latin typeface="Cambria Math" panose="02040503050406030204" pitchFamily="18" charset="0"/>
+                                      <a:ea typeface="Cambria Math" panose="02040503050406030204" pitchFamily="18" charset="0"/>
+                                    </a:rPr>
+                                    <m:t>q</m:t>
+                                  </m:r>
+                                </m:e>
+                                <m:sub>
+                                  <m:r>
+                                    <a:rPr lang="en-US" altLang="zh-TW" b="0" i="1" smtClean="0">
+                                      <a:latin typeface="Cambria Math" panose="02040503050406030204" pitchFamily="18" charset="0"/>
+                                      <a:ea typeface="Cambria Math" panose="02040503050406030204" pitchFamily="18" charset="0"/>
+                                    </a:rPr>
+                                    <m:t>𝑖</m:t>
+                                  </m:r>
+                                </m:sub>
+                              </m:sSub>
                             </m:e>
                           </m:d>
                         </m:e>
@@ -30547,6 +30724,44 @@
                                   <a:ea typeface="Cambria Math" panose="02040503050406030204" pitchFamily="18" charset="0"/>
                                 </a:rPr>
                                 <m:t>i</m:t>
+                              </m:r>
+                            </m:sub>
+                          </m:sSub>
+                          <m:r>
+                            <a:rPr lang="en-US" altLang="zh-TW">
+                              <a:latin typeface="Cambria Math" panose="02040503050406030204" pitchFamily="18" charset="0"/>
+                              <a:ea typeface="Cambria Math" panose="02040503050406030204" pitchFamily="18" charset="0"/>
+                            </a:rPr>
+                            <m:t>−</m:t>
+                          </m:r>
+                          <m:sSub>
+                            <m:sSubPr>
+                              <m:ctrlPr>
+                                <a:rPr lang="en-US" altLang="zh-TW" i="1">
+                                  <a:latin typeface="Cambria Math" panose="02040503050406030204" pitchFamily="18" charset="0"/>
+                                  <a:ea typeface="Cambria Math" panose="02040503050406030204" pitchFamily="18" charset="0"/>
+                                </a:rPr>
+                              </m:ctrlPr>
+                            </m:sSubPr>
+                            <m:e>
+                              <m:r>
+                                <m:rPr>
+                                  <m:sty m:val="p"/>
+                                </m:rPr>
+                                <a:rPr lang="en-US" altLang="zh-TW">
+                                  <a:latin typeface="Cambria Math" panose="02040503050406030204" pitchFamily="18" charset="0"/>
+                                  <a:ea typeface="Cambria Math" panose="02040503050406030204" pitchFamily="18" charset="0"/>
+                                </a:rPr>
+                                <m:t>q</m:t>
+                              </m:r>
+                            </m:e>
+                            <m:sub>
+                              <m:r>
+                                <a:rPr lang="en-US" altLang="zh-TW" i="1">
+                                  <a:latin typeface="Cambria Math" panose="02040503050406030204" pitchFamily="18" charset="0"/>
+                                  <a:ea typeface="Cambria Math" panose="02040503050406030204" pitchFamily="18" charset="0"/>
+                                </a:rPr>
+                                <m:t>𝑖</m:t>
                               </m:r>
                             </m:sub>
                           </m:sSub>
@@ -30682,7 +30897,7 @@
                         <m:rPr>
                           <m:sty m:val="p"/>
                         </m:rPr>
-                        <a:rPr lang="en-US" altLang="zh-TW" b="0" i="0" smtClean="0">
+                        <a:rPr lang="en-US" altLang="zh-TW" sz="1600" b="0" i="0" smtClean="0">
                           <a:latin typeface="Cambria Math" panose="02040503050406030204" pitchFamily="18" charset="0"/>
                         </a:rPr>
                         <m:t>∇</m:t>
@@ -30690,7 +30905,7 @@
                       <m:sSub>
                         <m:sSubPr>
                           <m:ctrlPr>
-                            <a:rPr lang="en-US" altLang="zh-TW" b="0" i="1" smtClean="0">
+                            <a:rPr lang="en-US" altLang="zh-TW" sz="1600" b="0" i="1" smtClean="0">
                               <a:latin typeface="Cambria Math" panose="02040503050406030204" pitchFamily="18" charset="0"/>
                             </a:rPr>
                           </m:ctrlPr>
@@ -30700,7 +30915,7 @@
                             <m:rPr>
                               <m:sty m:val="p"/>
                             </m:rPr>
-                            <a:rPr lang="en-US" altLang="zh-TW" b="0" i="0" smtClean="0">
+                            <a:rPr lang="en-US" altLang="zh-TW" sz="1600" b="0" i="0" smtClean="0">
                               <a:latin typeface="Cambria Math" panose="02040503050406030204" pitchFamily="18" charset="0"/>
                             </a:rPr>
                             <m:t>L</m:t>
@@ -30708,7 +30923,7 @@
                         </m:e>
                         <m:sub>
                           <m:r>
-                            <a:rPr lang="en-US" altLang="zh-TW" b="0" i="0" smtClean="0">
+                            <a:rPr lang="en-US" altLang="zh-TW" sz="1600" b="0" i="0" smtClean="0">
                               <a:latin typeface="Cambria Math" panose="02040503050406030204" pitchFamily="18" charset="0"/>
                             </a:rPr>
                             <m:t>∞</m:t>
@@ -30716,7 +30931,7 @@
                         </m:sub>
                       </m:sSub>
                       <m:r>
-                        <a:rPr lang="en-US" altLang="zh-TW" b="0" i="0" smtClean="0">
+                        <a:rPr lang="en-US" altLang="zh-TW" sz="1600" b="0" i="0" smtClean="0">
                           <a:latin typeface="Cambria Math" panose="02040503050406030204" pitchFamily="18" charset="0"/>
                         </a:rPr>
                         <m:t>=</m:t>
@@ -30726,7 +30941,7 @@
                           <m:begChr m:val="{"/>
                           <m:endChr m:val=""/>
                           <m:ctrlPr>
-                            <a:rPr lang="en-US" altLang="zh-TW" b="0" i="1" smtClean="0">
+                            <a:rPr lang="en-US" altLang="zh-TW" sz="1600" b="0" i="1" smtClean="0">
                               <a:latin typeface="Cambria Math" panose="02040503050406030204" pitchFamily="18" charset="0"/>
                             </a:rPr>
                           </m:ctrlPr>
@@ -30735,7 +30950,7 @@
                           <m:eqArr>
                             <m:eqArrPr>
                               <m:ctrlPr>
-                                <a:rPr lang="en-US" altLang="zh-TW" b="0" i="1" smtClean="0">
+                                <a:rPr lang="en-US" altLang="zh-TW" sz="1600" b="0" i="1" smtClean="0">
                                   <a:latin typeface="Cambria Math" panose="02040503050406030204" pitchFamily="18" charset="0"/>
                                 </a:rPr>
                               </m:ctrlPr>
@@ -30745,7 +30960,7 @@
                                 <m:rPr>
                                   <m:sty m:val="p"/>
                                 </m:rPr>
-                                <a:rPr lang="en-US" altLang="zh-TW" i="0">
+                                <a:rPr lang="en-US" altLang="zh-TW" sz="1600" i="0">
                                   <a:latin typeface="Cambria Math" panose="02040503050406030204" pitchFamily="18" charset="0"/>
                                   <a:ea typeface="Cambria Math" panose="02040503050406030204" pitchFamily="18" charset="0"/>
                                 </a:rPr>
@@ -30754,7 +30969,7 @@
                               <m:d>
                                 <m:dPr>
                                   <m:ctrlPr>
-                                    <a:rPr lang="en-US" altLang="zh-TW" i="1">
+                                    <a:rPr lang="en-US" altLang="zh-TW" sz="1600" i="1">
                                       <a:latin typeface="Cambria Math" panose="02040503050406030204" pitchFamily="18" charset="0"/>
                                       <a:ea typeface="Cambria Math" panose="02040503050406030204" pitchFamily="18" charset="0"/>
                                     </a:rPr>
@@ -30764,7 +30979,7 @@
                                   <m:sSub>
                                     <m:sSubPr>
                                       <m:ctrlPr>
-                                        <a:rPr lang="en-US" altLang="zh-TW" i="1">
+                                        <a:rPr lang="en-US" altLang="zh-TW" sz="1600" i="1">
                                           <a:latin typeface="Cambria Math" panose="02040503050406030204" pitchFamily="18" charset="0"/>
                                           <a:ea typeface="Cambria Math" panose="02040503050406030204" pitchFamily="18" charset="0"/>
                                         </a:rPr>
@@ -30775,7 +30990,7 @@
                                         <m:rPr>
                                           <m:sty m:val="p"/>
                                         </m:rPr>
-                                        <a:rPr lang="en-US" altLang="zh-TW" i="0">
+                                        <a:rPr lang="en-US" altLang="zh-TW" sz="1600">
                                           <a:latin typeface="Cambria Math" panose="02040503050406030204" pitchFamily="18" charset="0"/>
                                           <a:ea typeface="Cambria Math" panose="02040503050406030204" pitchFamily="18" charset="0"/>
                                         </a:rPr>
@@ -30787,7 +31002,7 @@
                                         <m:rPr>
                                           <m:sty m:val="p"/>
                                         </m:rPr>
-                                        <a:rPr lang="en-US" altLang="zh-TW" i="0">
+                                        <a:rPr lang="en-US" altLang="zh-TW" sz="1600">
                                           <a:latin typeface="Cambria Math" panose="02040503050406030204" pitchFamily="18" charset="0"/>
                                           <a:ea typeface="Cambria Math" panose="02040503050406030204" pitchFamily="18" charset="0"/>
                                         </a:rPr>
@@ -30795,10 +31010,48 @@
                                       </m:r>
                                     </m:sub>
                                   </m:sSub>
+                                  <m:r>
+                                    <a:rPr lang="en-US" altLang="zh-TW" sz="1600">
+                                      <a:latin typeface="Cambria Math" panose="02040503050406030204" pitchFamily="18" charset="0"/>
+                                      <a:ea typeface="Cambria Math" panose="02040503050406030204" pitchFamily="18" charset="0"/>
+                                    </a:rPr>
+                                    <m:t>−</m:t>
+                                  </m:r>
+                                  <m:sSub>
+                                    <m:sSubPr>
+                                      <m:ctrlPr>
+                                        <a:rPr lang="en-US" altLang="zh-TW" sz="1600" i="1">
+                                          <a:latin typeface="Cambria Math" panose="02040503050406030204" pitchFamily="18" charset="0"/>
+                                          <a:ea typeface="Cambria Math" panose="02040503050406030204" pitchFamily="18" charset="0"/>
+                                        </a:rPr>
+                                      </m:ctrlPr>
+                                    </m:sSubPr>
+                                    <m:e>
+                                      <m:r>
+                                        <m:rPr>
+                                          <m:sty m:val="p"/>
+                                        </m:rPr>
+                                        <a:rPr lang="en-US" altLang="zh-TW" sz="1600">
+                                          <a:latin typeface="Cambria Math" panose="02040503050406030204" pitchFamily="18" charset="0"/>
+                                          <a:ea typeface="Cambria Math" panose="02040503050406030204" pitchFamily="18" charset="0"/>
+                                        </a:rPr>
+                                        <m:t>q</m:t>
+                                      </m:r>
+                                    </m:e>
+                                    <m:sub>
+                                      <m:r>
+                                        <a:rPr lang="en-US" altLang="zh-TW" sz="1600" i="1">
+                                          <a:latin typeface="Cambria Math" panose="02040503050406030204" pitchFamily="18" charset="0"/>
+                                          <a:ea typeface="Cambria Math" panose="02040503050406030204" pitchFamily="18" charset="0"/>
+                                        </a:rPr>
+                                        <m:t>𝑖</m:t>
+                                      </m:r>
+                                    </m:sub>
+                                  </m:sSub>
                                 </m:e>
                               </m:d>
                               <m:r>
-                                <a:rPr lang="en-US" altLang="zh-TW" b="0" i="0" smtClean="0">
+                                <a:rPr lang="en-US" altLang="zh-TW" sz="1600" b="0" i="0" smtClean="0">
                                   <a:latin typeface="Cambria Math" panose="02040503050406030204" pitchFamily="18" charset="0"/>
                                   <a:ea typeface="Cambria Math" panose="02040503050406030204" pitchFamily="18" charset="0"/>
                                 </a:rPr>
@@ -30807,7 +31060,7 @@
                               <m:sSub>
                                 <m:sSubPr>
                                   <m:ctrlPr>
-                                    <a:rPr lang="en-US" altLang="zh-TW" i="1">
+                                    <a:rPr lang="en-US" altLang="zh-TW" sz="1600" i="1">
                                       <a:latin typeface="Cambria Math" panose="02040503050406030204" pitchFamily="18" charset="0"/>
                                       <a:ea typeface="Cambria Math" panose="02040503050406030204" pitchFamily="18" charset="0"/>
                                     </a:rPr>
@@ -30818,7 +31071,7 @@
                                     <m:rPr>
                                       <m:sty m:val="p"/>
                                     </m:rPr>
-                                    <a:rPr lang="en-US" altLang="zh-TW" i="0">
+                                    <a:rPr lang="en-US" altLang="zh-TW" sz="1600" i="0">
                                       <a:latin typeface="Cambria Math" panose="02040503050406030204" pitchFamily="18" charset="0"/>
                                       <a:ea typeface="Cambria Math" panose="02040503050406030204" pitchFamily="18" charset="0"/>
                                     </a:rPr>
@@ -30830,7 +31083,7 @@
                                     <m:rPr>
                                       <m:sty m:val="p"/>
                                     </m:rPr>
-                                    <a:rPr lang="en-US" altLang="zh-TW" i="0">
+                                    <a:rPr lang="en-US" altLang="zh-TW" sz="1600" i="0">
                                       <a:latin typeface="Cambria Math" panose="02040503050406030204" pitchFamily="18" charset="0"/>
                                       <a:ea typeface="Cambria Math" panose="02040503050406030204" pitchFamily="18" charset="0"/>
                                     </a:rPr>
@@ -30839,7 +31092,7 @@
                                 </m:sub>
                               </m:sSub>
                               <m:r>
-                                <a:rPr lang="en-US" altLang="zh-TW" b="0" i="0" smtClean="0">
+                                <a:rPr lang="en-US" altLang="zh-TW" sz="1600" b="0" i="0" smtClean="0">
                                   <a:latin typeface="Cambria Math" panose="02040503050406030204" pitchFamily="18" charset="0"/>
                                   <a:ea typeface="Cambria Math" panose="02040503050406030204" pitchFamily="18" charset="0"/>
                                 </a:rPr>
@@ -30848,7 +31101,7 @@
                               <m:func>
                                 <m:funcPr>
                                   <m:ctrlPr>
-                                    <a:rPr lang="en-US" altLang="zh-TW" b="0" i="1" smtClean="0">
+                                    <a:rPr lang="en-US" altLang="zh-TW" sz="1600" b="0" i="1" smtClean="0">
                                       <a:latin typeface="Cambria Math" panose="02040503050406030204" pitchFamily="18" charset="0"/>
                                       <a:ea typeface="Cambria Math" panose="02040503050406030204" pitchFamily="18" charset="0"/>
                                     </a:rPr>
@@ -30859,7 +31112,7 @@
                                     <m:rPr>
                                       <m:sty m:val="p"/>
                                     </m:rPr>
-                                    <a:rPr lang="en-US" altLang="zh-TW" b="0" i="0" smtClean="0">
+                                    <a:rPr lang="en-US" altLang="zh-TW" sz="1600" b="0" i="0" smtClean="0">
                                       <a:latin typeface="Cambria Math" panose="02040503050406030204" pitchFamily="18" charset="0"/>
                                       <a:ea typeface="Cambria Math" panose="02040503050406030204" pitchFamily="18" charset="0"/>
                                     </a:rPr>
@@ -30870,7 +31123,7 @@
                                   <m:d>
                                     <m:dPr>
                                       <m:ctrlPr>
-                                        <a:rPr lang="en-US" altLang="zh-TW" b="0" i="1" smtClean="0">
+                                        <a:rPr lang="en-US" altLang="zh-TW" sz="1600" b="0" i="1" smtClean="0">
                                           <a:latin typeface="Cambria Math" panose="02040503050406030204" pitchFamily="18" charset="0"/>
                                           <a:ea typeface="Cambria Math" panose="02040503050406030204" pitchFamily="18" charset="0"/>
                                         </a:rPr>
@@ -30880,7 +31133,7 @@
                                       <m:sSub>
                                         <m:sSubPr>
                                           <m:ctrlPr>
-                                            <a:rPr lang="en-US" altLang="zh-TW" i="1">
+                                            <a:rPr lang="en-US" altLang="zh-TW" sz="1600" i="1">
                                               <a:latin typeface="Cambria Math" panose="02040503050406030204" pitchFamily="18" charset="0"/>
                                               <a:ea typeface="Cambria Math" panose="02040503050406030204" pitchFamily="18" charset="0"/>
                                             </a:rPr>
@@ -30891,7 +31144,7 @@
                                             <m:rPr>
                                               <m:sty m:val="p"/>
                                             </m:rPr>
-                                            <a:rPr lang="en-US" altLang="zh-TW" i="0">
+                                            <a:rPr lang="en-US" altLang="zh-TW" sz="1600" i="0">
                                               <a:latin typeface="Cambria Math" panose="02040503050406030204" pitchFamily="18" charset="0"/>
                                               <a:ea typeface="Cambria Math" panose="02040503050406030204" pitchFamily="18" charset="0"/>
                                             </a:rPr>
@@ -30903,11 +31156,49 @@
                                             <m:rPr>
                                               <m:sty m:val="p"/>
                                             </m:rPr>
-                                            <a:rPr lang="en-US" altLang="zh-TW" i="0">
+                                            <a:rPr lang="en-US" altLang="zh-TW" sz="1600" i="0">
                                               <a:latin typeface="Cambria Math" panose="02040503050406030204" pitchFamily="18" charset="0"/>
                                               <a:ea typeface="Cambria Math" panose="02040503050406030204" pitchFamily="18" charset="0"/>
                                             </a:rPr>
                                             <m:t>i</m:t>
+                                          </m:r>
+                                        </m:sub>
+                                      </m:sSub>
+                                      <m:r>
+                                        <a:rPr lang="en-US" altLang="zh-TW" sz="1600">
+                                          <a:latin typeface="Cambria Math" panose="02040503050406030204" pitchFamily="18" charset="0"/>
+                                          <a:ea typeface="Cambria Math" panose="02040503050406030204" pitchFamily="18" charset="0"/>
+                                        </a:rPr>
+                                        <m:t>−</m:t>
+                                      </m:r>
+                                      <m:sSub>
+                                        <m:sSubPr>
+                                          <m:ctrlPr>
+                                            <a:rPr lang="en-US" altLang="zh-TW" sz="1600" i="1">
+                                              <a:latin typeface="Cambria Math" panose="02040503050406030204" pitchFamily="18" charset="0"/>
+                                              <a:ea typeface="Cambria Math" panose="02040503050406030204" pitchFamily="18" charset="0"/>
+                                            </a:rPr>
+                                          </m:ctrlPr>
+                                        </m:sSubPr>
+                                        <m:e>
+                                          <m:r>
+                                            <m:rPr>
+                                              <m:sty m:val="p"/>
+                                            </m:rPr>
+                                            <a:rPr lang="en-US" altLang="zh-TW" sz="1600">
+                                              <a:latin typeface="Cambria Math" panose="02040503050406030204" pitchFamily="18" charset="0"/>
+                                              <a:ea typeface="Cambria Math" panose="02040503050406030204" pitchFamily="18" charset="0"/>
+                                            </a:rPr>
+                                            <m:t>q</m:t>
+                                          </m:r>
+                                        </m:e>
+                                        <m:sub>
+                                          <m:r>
+                                            <a:rPr lang="en-US" altLang="zh-TW" sz="1600" i="1">
+                                              <a:latin typeface="Cambria Math" panose="02040503050406030204" pitchFamily="18" charset="0"/>
+                                              <a:ea typeface="Cambria Math" panose="02040503050406030204" pitchFamily="18" charset="0"/>
+                                            </a:rPr>
+                                            <m:t>𝑖</m:t>
                                           </m:r>
                                         </m:sub>
                                       </m:sSub>
@@ -30921,13 +31212,13 @@
                                 <m:rPr>
                                   <m:sty m:val="p"/>
                                 </m:rPr>
-                                <a:rPr lang="en-US" altLang="zh-TW" b="0" i="0" smtClean="0">
+                                <a:rPr lang="en-US" altLang="zh-TW" sz="1600" b="0" i="0" smtClean="0">
                                   <a:latin typeface="Cambria Math" panose="02040503050406030204" pitchFamily="18" charset="0"/>
                                 </a:rPr>
                                 <m:t>None</m:t>
                               </m:r>
                               <m:r>
-                                <a:rPr lang="en-US" altLang="zh-TW" b="0" i="0" smtClean="0">
+                                <a:rPr lang="en-US" altLang="zh-TW" sz="1600" b="0" i="0" smtClean="0">
                                   <a:latin typeface="Cambria Math" panose="02040503050406030204" pitchFamily="18" charset="0"/>
                                 </a:rPr>
                                 <m:t>           , </m:t>
@@ -30936,20 +31227,20 @@
                                 <m:rPr>
                                   <m:sty m:val="p"/>
                                 </m:rPr>
-                                <a:rPr lang="en-US" altLang="zh-TW" b="0" i="0" smtClean="0">
+                                <a:rPr lang="en-US" altLang="zh-TW" sz="1600" b="0" i="0" smtClean="0">
                                   <a:latin typeface="Cambria Math" panose="02040503050406030204" pitchFamily="18" charset="0"/>
                                 </a:rPr>
                                 <m:t>else</m:t>
                               </m:r>
                               <m:r>
-                                <a:rPr lang="en-US" altLang="zh-TW" i="0" smtClean="0">
+                                <a:rPr lang="en-US" altLang="zh-TW" sz="1600" i="0" smtClean="0">
                                   <a:latin typeface="Cambria Math" panose="02040503050406030204" pitchFamily="18" charset="0"/>
                                   <a:ea typeface="Cambria Math" panose="02040503050406030204" pitchFamily="18" charset="0"/>
                                 </a:rPr>
                                 <m:t> </m:t>
                               </m:r>
                               <m:r>
-                                <a:rPr lang="en-US" altLang="zh-TW" b="0" i="0" smtClean="0">
+                                <a:rPr lang="en-US" altLang="zh-TW" sz="1600" b="0" i="0" smtClean="0">
                                   <a:latin typeface="Cambria Math" panose="02040503050406030204" pitchFamily="18" charset="0"/>
                                   <a:ea typeface="Cambria Math" panose="02040503050406030204" pitchFamily="18" charset="0"/>
                                 </a:rPr>
@@ -30987,7 +31278,7 @@
               <p:spPr>
                 <a:xfrm>
                   <a:off x="4422296" y="2550522"/>
-                  <a:ext cx="4583890" cy="2707601"/>
+                  <a:ext cx="4539520" cy="2638992"/>
                 </a:xfrm>
                 <a:prstGeom prst="rect">
                   <a:avLst/>
@@ -30995,7 +31286,7 @@
                 <a:blipFill>
                   <a:blip r:embed="rId9"/>
                   <a:stretch>
-                    <a:fillRect t="-14126"/>
+                    <a:fillRect t="-14483"/>
                   </a:stretch>
                 </a:blipFill>
                 <a:ln w="12700">
@@ -31036,7 +31327,7 @@
           <p:spPr bwMode="auto">
             <a:xfrm>
               <a:off x="5154837" y="4043205"/>
-              <a:ext cx="1080120" cy="0"/>
+              <a:ext cx="1574731" cy="0"/>
             </a:xfrm>
             <a:prstGeom prst="line">
               <a:avLst/>
@@ -31070,8 +31361,8 @@
           </p:nvCxnSpPr>
           <p:spPr bwMode="auto">
             <a:xfrm>
-              <a:off x="5341104" y="4900032"/>
-              <a:ext cx="1080120" cy="0"/>
+              <a:off x="5259823" y="4860011"/>
+              <a:ext cx="1397737" cy="0"/>
             </a:xfrm>
             <a:prstGeom prst="line">
               <a:avLst/>
@@ -31103,14 +31394,14 @@
           </p:nvSpPr>
           <p:spPr bwMode="auto">
             <a:xfrm rot="16200000" flipH="1" flipV="1">
-              <a:off x="6547497" y="2956225"/>
-              <a:ext cx="922565" cy="1175112"/>
+              <a:off x="6671556" y="3281037"/>
+              <a:ext cx="866478" cy="545690"/>
             </a:xfrm>
             <a:prstGeom prst="uturnArrow">
               <a:avLst>
                 <a:gd name="adj1" fmla="val 0"/>
-                <a:gd name="adj2" fmla="val 7149"/>
-                <a:gd name="adj3" fmla="val 12684"/>
+                <a:gd name="adj2" fmla="val 13355"/>
+                <a:gd name="adj3" fmla="val 18890"/>
                 <a:gd name="adj4" fmla="val 41449"/>
                 <a:gd name="adj5" fmla="val 100000"/>
               </a:avLst>
@@ -31181,7 +31472,7 @@
           </p:nvSpPr>
           <p:spPr>
             <a:xfrm>
-              <a:off x="7580829" y="3242459"/>
+              <a:off x="7377640" y="3292271"/>
               <a:ext cx="1012279" cy="523220"/>
             </a:xfrm>
             <a:prstGeom prst="rect">
@@ -31300,8 +31591,8 @@
           </a:p>
         </p:txBody>
       </p:sp>
-      <mc:AlternateContent xmlns:mc="http://schemas.openxmlformats.org/markup-compatibility/2006">
-        <mc:Choice xmlns:a14="http://schemas.microsoft.com/office/drawing/2010/main" Requires="a14">
+      <mc:AlternateContent xmlns:mc="http://schemas.openxmlformats.org/markup-compatibility/2006" xmlns:a14="http://schemas.microsoft.com/office/drawing/2010/main">
+        <mc:Choice Requires="a14">
           <p:sp>
             <p:nvSpPr>
               <p:cNvPr id="3" name="內容版面配置區 2">
@@ -31572,7 +31863,7 @@
             </p:txBody>
           </p:sp>
         </mc:Choice>
-        <mc:Fallback>
+        <mc:Fallback xmlns="">
           <p:sp>
             <p:nvSpPr>
               <p:cNvPr id="3" name="內容版面配置區 2">
@@ -34234,6 +34525,41 @@
           <a:chExt cx="0" cy="0"/>
         </a:xfrm>
       </p:grpSpPr>
+      <p:pic>
+        <p:nvPicPr>
+          <p:cNvPr id="73" name="圖片 72">
+            <a:extLst>
+              <a:ext uri="{FF2B5EF4-FFF2-40B4-BE49-F238E27FC236}">
+                <a16:creationId xmlns:a16="http://schemas.microsoft.com/office/drawing/2014/main" id="{3ADB260B-E50A-1130-F48C-B70207D973C2}"/>
+              </a:ext>
+            </a:extLst>
+          </p:cNvPr>
+          <p:cNvPicPr>
+            <a:picLocks noChangeAspect="1"/>
+          </p:cNvPicPr>
+          <p:nvPr/>
+        </p:nvPicPr>
+        <p:blipFill>
+          <a:blip r:embed="rId2" cstate="print">
+            <a:extLst>
+              <a:ext uri="{28A0092B-C50C-407E-A947-70E740481C1C}">
+                <a14:useLocalDpi xmlns:a14="http://schemas.microsoft.com/office/drawing/2010/main" val="0"/>
+              </a:ext>
+            </a:extLst>
+          </a:blip>
+          <a:srcRect l="1795" t="2332" r="1735" b="3795"/>
+          <a:stretch/>
+        </p:blipFill>
+        <p:spPr>
+          <a:xfrm>
+            <a:off x="54837" y="3189100"/>
+            <a:ext cx="4487201" cy="2729013"/>
+          </a:xfrm>
+          <a:prstGeom prst="rect">
+            <a:avLst/>
+          </a:prstGeom>
+        </p:spPr>
+      </p:pic>
       <p:sp>
         <p:nvSpPr>
           <p:cNvPr id="2" name="標題 1">
@@ -34255,6 +34581,10 @@
           <a:bodyPr/>
           <a:lstStyle/>
           <a:p>
+            <a:r>
+              <a:rPr lang="en-US" altLang="zh-TW" dirty="0"/>
+              <a:t>Effect of Locality-Sensitive Hashing</a:t>
+            </a:r>
             <a:endParaRPr lang="zh-TW" altLang="en-US" dirty="0"/>
           </a:p>
         </p:txBody>
@@ -34280,10 +34610,1309 @@
           <a:bodyPr/>
           <a:lstStyle/>
           <a:p>
-            <a:endParaRPr lang="zh-TW" altLang="en-US"/>
+            <a:r>
+              <a:rPr lang="en-US" altLang="zh-TW" dirty="0"/>
+              <a:t>Hashing vectors of LSH perform partitioning in Hilbert space.</a:t>
+            </a:r>
+          </a:p>
+          <a:p>
+            <a:pPr lvl="1"/>
+            <a:r>
+              <a:rPr lang="en-US" altLang="zh-TW" dirty="0"/>
+              <a:t>Hamming distance is a special case of LSH</a:t>
+            </a:r>
+            <a:br>
+              <a:rPr lang="en-US" altLang="zh-TW" dirty="0"/>
+            </a:br>
+            <a:r>
+              <a:rPr lang="en-US" altLang="zh-TW" dirty="0"/>
+              <a:t>(hashing vectors are normal vector of coordinate planes)</a:t>
+            </a:r>
+          </a:p>
+          <a:p>
+            <a:pPr lvl="1"/>
+            <a:r>
+              <a:rPr lang="en-US" altLang="zh-TW" dirty="0"/>
+              <a:t>LSH can generally performs better than Hamming distance</a:t>
+            </a:r>
+            <a:endParaRPr lang="zh-TW" altLang="en-US" dirty="0"/>
           </a:p>
         </p:txBody>
       </p:sp>
+      <p:pic>
+        <p:nvPicPr>
+          <p:cNvPr id="5" name="圖片 4">
+            <a:extLst>
+              <a:ext uri="{FF2B5EF4-FFF2-40B4-BE49-F238E27FC236}">
+                <a16:creationId xmlns:a16="http://schemas.microsoft.com/office/drawing/2014/main" id="{D033452B-B8A3-5CEC-96BA-87919918C3AC}"/>
+              </a:ext>
+            </a:extLst>
+          </p:cNvPr>
+          <p:cNvPicPr>
+            <a:picLocks noChangeAspect="1"/>
+          </p:cNvPicPr>
+          <p:nvPr/>
+        </p:nvPicPr>
+        <p:blipFill>
+          <a:blip r:embed="rId3" cstate="print">
+            <a:extLst>
+              <a:ext uri="{28A0092B-C50C-407E-A947-70E740481C1C}">
+                <a14:useLocalDpi xmlns:a14="http://schemas.microsoft.com/office/drawing/2010/main" val="0"/>
+              </a:ext>
+            </a:extLst>
+          </a:blip>
+          <a:stretch>
+            <a:fillRect/>
+          </a:stretch>
+        </p:blipFill>
+        <p:spPr>
+          <a:xfrm>
+            <a:off x="4598146" y="3166164"/>
+            <a:ext cx="3502167" cy="2501548"/>
+          </a:xfrm>
+          <a:prstGeom prst="rect">
+            <a:avLst/>
+          </a:prstGeom>
+        </p:spPr>
+      </p:pic>
+      <p:grpSp>
+        <p:nvGrpSpPr>
+          <p:cNvPr id="42" name="群組 41">
+            <a:extLst>
+              <a:ext uri="{FF2B5EF4-FFF2-40B4-BE49-F238E27FC236}">
+                <a16:creationId xmlns:a16="http://schemas.microsoft.com/office/drawing/2014/main" id="{06FF986A-24DA-3FD3-0B3C-88C3DB6F97A4}"/>
+              </a:ext>
+            </a:extLst>
+          </p:cNvPr>
+          <p:cNvGrpSpPr/>
+          <p:nvPr/>
+        </p:nvGrpSpPr>
+        <p:grpSpPr>
+          <a:xfrm>
+            <a:off x="7596336" y="5287065"/>
+            <a:ext cx="1273718" cy="1124159"/>
+            <a:chOff x="5253713" y="4221088"/>
+            <a:chExt cx="1910576" cy="1552410"/>
+          </a:xfrm>
+        </p:grpSpPr>
+        <p:grpSp>
+          <p:nvGrpSpPr>
+            <p:cNvPr id="33" name="群組 32">
+              <a:extLst>
+                <a:ext uri="{FF2B5EF4-FFF2-40B4-BE49-F238E27FC236}">
+                  <a16:creationId xmlns:a16="http://schemas.microsoft.com/office/drawing/2014/main" id="{498371A0-1EB5-1BED-B0DC-C853EBCA3E0F}"/>
+                </a:ext>
+              </a:extLst>
+            </p:cNvPr>
+            <p:cNvGrpSpPr/>
+            <p:nvPr/>
+          </p:nvGrpSpPr>
+          <p:grpSpPr>
+            <a:xfrm>
+              <a:off x="5253713" y="4221088"/>
+              <a:ext cx="1910576" cy="1503234"/>
+              <a:chOff x="5181705" y="3717032"/>
+              <a:chExt cx="1910576" cy="1503234"/>
+            </a:xfrm>
+          </p:grpSpPr>
+          <p:cxnSp>
+            <p:nvCxnSpPr>
+              <p:cNvPr id="7" name="直線單箭頭接點 6">
+                <a:extLst>
+                  <a:ext uri="{FF2B5EF4-FFF2-40B4-BE49-F238E27FC236}">
+                    <a16:creationId xmlns:a16="http://schemas.microsoft.com/office/drawing/2014/main" id="{E5A0D408-B0BE-01D5-F097-D927CAE98C58}"/>
+                  </a:ext>
+                </a:extLst>
+              </p:cNvPr>
+              <p:cNvCxnSpPr>
+                <a:cxnSpLocks/>
+              </p:cNvCxnSpPr>
+              <p:nvPr/>
+            </p:nvCxnSpPr>
+            <p:spPr bwMode="auto">
+              <a:xfrm>
+                <a:off x="5181705" y="5157191"/>
+                <a:ext cx="1910576" cy="0"/>
+              </a:xfrm>
+              <a:prstGeom prst="straightConnector1">
+                <a:avLst/>
+              </a:prstGeom>
+              <a:ln w="28575">
+                <a:solidFill>
+                  <a:schemeClr val="bg1">
+                    <a:lumMod val="50000"/>
+                  </a:schemeClr>
+                </a:solidFill>
+                <a:headEnd type="none" w="med" len="med"/>
+                <a:tailEnd type="triangle"/>
+              </a:ln>
+            </p:spPr>
+            <p:style>
+              <a:lnRef idx="1">
+                <a:schemeClr val="dk1"/>
+              </a:lnRef>
+              <a:fillRef idx="0">
+                <a:schemeClr val="dk1"/>
+              </a:fillRef>
+              <a:effectRef idx="0">
+                <a:schemeClr val="dk1"/>
+              </a:effectRef>
+              <a:fontRef idx="minor">
+                <a:schemeClr val="tx1"/>
+              </a:fontRef>
+            </p:style>
+          </p:cxnSp>
+          <p:cxnSp>
+            <p:nvCxnSpPr>
+              <p:cNvPr id="11" name="直線單箭頭接點 10">
+                <a:extLst>
+                  <a:ext uri="{FF2B5EF4-FFF2-40B4-BE49-F238E27FC236}">
+                    <a16:creationId xmlns:a16="http://schemas.microsoft.com/office/drawing/2014/main" id="{AAE98331-99E5-9681-F6DE-99C85E045514}"/>
+                  </a:ext>
+                </a:extLst>
+              </p:cNvPr>
+              <p:cNvCxnSpPr>
+                <a:cxnSpLocks/>
+              </p:cNvCxnSpPr>
+              <p:nvPr/>
+            </p:nvCxnSpPr>
+            <p:spPr bwMode="auto">
+              <a:xfrm flipV="1">
+                <a:off x="5436096" y="3717032"/>
+                <a:ext cx="0" cy="1503234"/>
+              </a:xfrm>
+              <a:prstGeom prst="straightConnector1">
+                <a:avLst/>
+              </a:prstGeom>
+              <a:ln w="28575">
+                <a:solidFill>
+                  <a:schemeClr val="bg1">
+                    <a:lumMod val="50000"/>
+                  </a:schemeClr>
+                </a:solidFill>
+                <a:headEnd type="none" w="med" len="med"/>
+                <a:tailEnd type="triangle"/>
+              </a:ln>
+            </p:spPr>
+            <p:style>
+              <a:lnRef idx="1">
+                <a:schemeClr val="dk1"/>
+              </a:lnRef>
+              <a:fillRef idx="0">
+                <a:schemeClr val="dk1"/>
+              </a:fillRef>
+              <a:effectRef idx="0">
+                <a:schemeClr val="dk1"/>
+              </a:effectRef>
+              <a:fontRef idx="minor">
+                <a:schemeClr val="tx1"/>
+              </a:fontRef>
+            </p:style>
+          </p:cxnSp>
+          <p:sp>
+            <p:nvSpPr>
+              <p:cNvPr id="15" name="橢圓 14">
+                <a:extLst>
+                  <a:ext uri="{FF2B5EF4-FFF2-40B4-BE49-F238E27FC236}">
+                    <a16:creationId xmlns:a16="http://schemas.microsoft.com/office/drawing/2014/main" id="{321AE195-22BF-BAA8-650B-C09920A5F913}"/>
+                  </a:ext>
+                </a:extLst>
+              </p:cNvPr>
+              <p:cNvSpPr/>
+              <p:nvPr/>
+            </p:nvSpPr>
+            <p:spPr bwMode="auto">
+              <a:xfrm rot="7990057">
+                <a:off x="6128625" y="4795943"/>
+                <a:ext cx="45719" cy="45719"/>
+              </a:xfrm>
+              <a:prstGeom prst="ellipse">
+                <a:avLst/>
+              </a:prstGeom>
+              <a:solidFill>
+                <a:srgbClr val="2CA02C"/>
+              </a:solidFill>
+              <a:ln w="12700" cap="flat" cmpd="sng" algn="ctr">
+                <a:solidFill>
+                  <a:srgbClr val="00B050"/>
+                </a:solidFill>
+                <a:prstDash val="solid"/>
+                <a:round/>
+                <a:headEnd type="none" w="med" len="med"/>
+                <a:tailEnd type="triangle" w="med" len="med"/>
+              </a:ln>
+              <a:effectLst/>
+            </p:spPr>
+            <p:txBody>
+              <a:bodyPr vert="horz" wrap="square" lIns="91440" tIns="45720" rIns="91440" bIns="45720" numCol="1" rtlCol="0" anchor="t" anchorCtr="0" compatLnSpc="1">
+                <a:prstTxWarp prst="textNoShape">
+                  <a:avLst/>
+                </a:prstTxWarp>
+              </a:bodyPr>
+              <a:lstStyle/>
+              <a:p>
+                <a:pPr marL="0" marR="0" indent="0" algn="l" defTabSz="914400" rtl="0" eaLnBrk="1" fontAlgn="base" latinLnBrk="0" hangingPunct="1">
+                  <a:lnSpc>
+                    <a:spcPct val="100000"/>
+                  </a:lnSpc>
+                  <a:spcBef>
+                    <a:spcPct val="0"/>
+                  </a:spcBef>
+                  <a:spcAft>
+                    <a:spcPct val="0"/>
+                  </a:spcAft>
+                  <a:buClrTx/>
+                  <a:buSzTx/>
+                  <a:buFontTx/>
+                  <a:buNone/>
+                  <a:tabLst/>
+                </a:pPr>
+                <a:endParaRPr kumimoji="1" lang="zh-TW" altLang="en-US" sz="1800" b="0" i="0" u="none" strike="noStrike" cap="none" normalizeH="0" baseline="0">
+                  <a:ln>
+                    <a:noFill/>
+                  </a:ln>
+                  <a:solidFill>
+                    <a:schemeClr val="tx1"/>
+                  </a:solidFill>
+                  <a:effectLst/>
+                  <a:latin typeface="Arial" charset="0"/>
+                  <a:ea typeface="新細明體" charset="-120"/>
+                </a:endParaRPr>
+              </a:p>
+            </p:txBody>
+          </p:sp>
+          <p:sp>
+            <p:nvSpPr>
+              <p:cNvPr id="16" name="橢圓 15">
+                <a:extLst>
+                  <a:ext uri="{FF2B5EF4-FFF2-40B4-BE49-F238E27FC236}">
+                    <a16:creationId xmlns:a16="http://schemas.microsoft.com/office/drawing/2014/main" id="{E72C1F10-372B-E9D5-1B5D-75AB7250E764}"/>
+                  </a:ext>
+                </a:extLst>
+              </p:cNvPr>
+              <p:cNvSpPr/>
+              <p:nvPr/>
+            </p:nvSpPr>
+            <p:spPr bwMode="auto">
+              <a:xfrm rot="7990057">
+                <a:off x="5929531" y="4917056"/>
+                <a:ext cx="45719" cy="45719"/>
+              </a:xfrm>
+              <a:prstGeom prst="ellipse">
+                <a:avLst/>
+              </a:prstGeom>
+              <a:solidFill>
+                <a:srgbClr val="2CA02C"/>
+              </a:solidFill>
+              <a:ln w="12700" cap="flat" cmpd="sng" algn="ctr">
+                <a:solidFill>
+                  <a:srgbClr val="00B050"/>
+                </a:solidFill>
+                <a:prstDash val="solid"/>
+                <a:round/>
+                <a:headEnd type="none" w="med" len="med"/>
+                <a:tailEnd type="triangle" w="med" len="med"/>
+              </a:ln>
+              <a:effectLst/>
+            </p:spPr>
+            <p:txBody>
+              <a:bodyPr vert="horz" wrap="square" lIns="91440" tIns="45720" rIns="91440" bIns="45720" numCol="1" rtlCol="0" anchor="t" anchorCtr="0" compatLnSpc="1">
+                <a:prstTxWarp prst="textNoShape">
+                  <a:avLst/>
+                </a:prstTxWarp>
+              </a:bodyPr>
+              <a:lstStyle/>
+              <a:p>
+                <a:pPr marL="0" marR="0" indent="0" algn="l" defTabSz="914400" rtl="0" eaLnBrk="1" fontAlgn="base" latinLnBrk="0" hangingPunct="1">
+                  <a:lnSpc>
+                    <a:spcPct val="100000"/>
+                  </a:lnSpc>
+                  <a:spcBef>
+                    <a:spcPct val="0"/>
+                  </a:spcBef>
+                  <a:spcAft>
+                    <a:spcPct val="0"/>
+                  </a:spcAft>
+                  <a:buClrTx/>
+                  <a:buSzTx/>
+                  <a:buFontTx/>
+                  <a:buNone/>
+                  <a:tabLst/>
+                </a:pPr>
+                <a:endParaRPr kumimoji="1" lang="zh-TW" altLang="en-US" sz="1800" b="0" i="0" u="none" strike="noStrike" cap="none" normalizeH="0" baseline="0">
+                  <a:ln>
+                    <a:noFill/>
+                  </a:ln>
+                  <a:solidFill>
+                    <a:schemeClr val="tx1"/>
+                  </a:solidFill>
+                  <a:effectLst/>
+                  <a:latin typeface="Arial" charset="0"/>
+                  <a:ea typeface="新細明體" charset="-120"/>
+                </a:endParaRPr>
+              </a:p>
+            </p:txBody>
+          </p:sp>
+          <p:sp>
+            <p:nvSpPr>
+              <p:cNvPr id="17" name="橢圓 16">
+                <a:extLst>
+                  <a:ext uri="{FF2B5EF4-FFF2-40B4-BE49-F238E27FC236}">
+                    <a16:creationId xmlns:a16="http://schemas.microsoft.com/office/drawing/2014/main" id="{E5118CCD-FECD-80AF-9392-0693D692E2C8}"/>
+                  </a:ext>
+                </a:extLst>
+              </p:cNvPr>
+              <p:cNvSpPr/>
+              <p:nvPr/>
+            </p:nvSpPr>
+            <p:spPr bwMode="auto">
+              <a:xfrm rot="7990057">
+                <a:off x="6395020" y="4605919"/>
+                <a:ext cx="45719" cy="45719"/>
+              </a:xfrm>
+              <a:prstGeom prst="ellipse">
+                <a:avLst/>
+              </a:prstGeom>
+              <a:solidFill>
+                <a:srgbClr val="2CA02C"/>
+              </a:solidFill>
+              <a:ln w="12700" cap="flat" cmpd="sng" algn="ctr">
+                <a:solidFill>
+                  <a:srgbClr val="00B050"/>
+                </a:solidFill>
+                <a:prstDash val="solid"/>
+                <a:round/>
+                <a:headEnd type="none" w="med" len="med"/>
+                <a:tailEnd type="triangle" w="med" len="med"/>
+              </a:ln>
+              <a:effectLst/>
+            </p:spPr>
+            <p:txBody>
+              <a:bodyPr vert="horz" wrap="square" lIns="91440" tIns="45720" rIns="91440" bIns="45720" numCol="1" rtlCol="0" anchor="t" anchorCtr="0" compatLnSpc="1">
+                <a:prstTxWarp prst="textNoShape">
+                  <a:avLst/>
+                </a:prstTxWarp>
+              </a:bodyPr>
+              <a:lstStyle/>
+              <a:p>
+                <a:pPr marL="0" marR="0" indent="0" algn="l" defTabSz="914400" rtl="0" eaLnBrk="1" fontAlgn="base" latinLnBrk="0" hangingPunct="1">
+                  <a:lnSpc>
+                    <a:spcPct val="100000"/>
+                  </a:lnSpc>
+                  <a:spcBef>
+                    <a:spcPct val="0"/>
+                  </a:spcBef>
+                  <a:spcAft>
+                    <a:spcPct val="0"/>
+                  </a:spcAft>
+                  <a:buClrTx/>
+                  <a:buSzTx/>
+                  <a:buFontTx/>
+                  <a:buNone/>
+                  <a:tabLst/>
+                </a:pPr>
+                <a:endParaRPr kumimoji="1" lang="zh-TW" altLang="en-US" sz="1800" b="0" i="0" u="none" strike="noStrike" cap="none" normalizeH="0" baseline="0">
+                  <a:ln>
+                    <a:noFill/>
+                  </a:ln>
+                  <a:solidFill>
+                    <a:schemeClr val="tx1"/>
+                  </a:solidFill>
+                  <a:effectLst/>
+                  <a:latin typeface="Arial" charset="0"/>
+                  <a:ea typeface="新細明體" charset="-120"/>
+                </a:endParaRPr>
+              </a:p>
+            </p:txBody>
+          </p:sp>
+          <p:sp>
+            <p:nvSpPr>
+              <p:cNvPr id="18" name="橢圓 17">
+                <a:extLst>
+                  <a:ext uri="{FF2B5EF4-FFF2-40B4-BE49-F238E27FC236}">
+                    <a16:creationId xmlns:a16="http://schemas.microsoft.com/office/drawing/2014/main" id="{EC872649-BC5E-8D5F-FA29-48A955BCDF33}"/>
+                  </a:ext>
+                </a:extLst>
+              </p:cNvPr>
+              <p:cNvSpPr/>
+              <p:nvPr/>
+            </p:nvSpPr>
+            <p:spPr bwMode="auto">
+              <a:xfrm rot="7990057">
+                <a:off x="6448144" y="4422185"/>
+                <a:ext cx="45719" cy="45719"/>
+              </a:xfrm>
+              <a:prstGeom prst="ellipse">
+                <a:avLst/>
+              </a:prstGeom>
+              <a:solidFill>
+                <a:srgbClr val="2CA02C"/>
+              </a:solidFill>
+              <a:ln w="12700" cap="flat" cmpd="sng" algn="ctr">
+                <a:solidFill>
+                  <a:srgbClr val="00B050"/>
+                </a:solidFill>
+                <a:prstDash val="solid"/>
+                <a:round/>
+                <a:headEnd type="none" w="med" len="med"/>
+                <a:tailEnd type="triangle" w="med" len="med"/>
+              </a:ln>
+              <a:effectLst/>
+            </p:spPr>
+            <p:txBody>
+              <a:bodyPr vert="horz" wrap="square" lIns="91440" tIns="45720" rIns="91440" bIns="45720" numCol="1" rtlCol="0" anchor="t" anchorCtr="0" compatLnSpc="1">
+                <a:prstTxWarp prst="textNoShape">
+                  <a:avLst/>
+                </a:prstTxWarp>
+              </a:bodyPr>
+              <a:lstStyle/>
+              <a:p>
+                <a:pPr marL="0" marR="0" indent="0" algn="l" defTabSz="914400" rtl="0" eaLnBrk="1" fontAlgn="base" latinLnBrk="0" hangingPunct="1">
+                  <a:lnSpc>
+                    <a:spcPct val="100000"/>
+                  </a:lnSpc>
+                  <a:spcBef>
+                    <a:spcPct val="0"/>
+                  </a:spcBef>
+                  <a:spcAft>
+                    <a:spcPct val="0"/>
+                  </a:spcAft>
+                  <a:buClrTx/>
+                  <a:buSzTx/>
+                  <a:buFontTx/>
+                  <a:buNone/>
+                  <a:tabLst/>
+                </a:pPr>
+                <a:endParaRPr kumimoji="1" lang="zh-TW" altLang="en-US" sz="1800" b="0" i="0" u="none" strike="noStrike" cap="none" normalizeH="0" baseline="0">
+                  <a:ln>
+                    <a:noFill/>
+                  </a:ln>
+                  <a:solidFill>
+                    <a:schemeClr val="tx1"/>
+                  </a:solidFill>
+                  <a:effectLst/>
+                  <a:latin typeface="Arial" charset="0"/>
+                  <a:ea typeface="新細明體" charset="-120"/>
+                </a:endParaRPr>
+              </a:p>
+            </p:txBody>
+          </p:sp>
+          <p:sp>
+            <p:nvSpPr>
+              <p:cNvPr id="19" name="橢圓 18">
+                <a:extLst>
+                  <a:ext uri="{FF2B5EF4-FFF2-40B4-BE49-F238E27FC236}">
+                    <a16:creationId xmlns:a16="http://schemas.microsoft.com/office/drawing/2014/main" id="{51DEB12F-172D-27E0-D719-8D24C4F4B8B5}"/>
+                  </a:ext>
+                </a:extLst>
+              </p:cNvPr>
+              <p:cNvSpPr/>
+              <p:nvPr/>
+            </p:nvSpPr>
+            <p:spPr bwMode="auto">
+              <a:xfrm rot="7990057">
+                <a:off x="6223296" y="4565621"/>
+                <a:ext cx="45719" cy="45719"/>
+              </a:xfrm>
+              <a:prstGeom prst="ellipse">
+                <a:avLst/>
+              </a:prstGeom>
+              <a:solidFill>
+                <a:srgbClr val="2CA02C"/>
+              </a:solidFill>
+              <a:ln w="12700" cap="flat" cmpd="sng" algn="ctr">
+                <a:solidFill>
+                  <a:srgbClr val="00B050"/>
+                </a:solidFill>
+                <a:prstDash val="solid"/>
+                <a:round/>
+                <a:headEnd type="none" w="med" len="med"/>
+                <a:tailEnd type="triangle" w="med" len="med"/>
+              </a:ln>
+              <a:effectLst/>
+            </p:spPr>
+            <p:txBody>
+              <a:bodyPr vert="horz" wrap="square" lIns="91440" tIns="45720" rIns="91440" bIns="45720" numCol="1" rtlCol="0" anchor="t" anchorCtr="0" compatLnSpc="1">
+                <a:prstTxWarp prst="textNoShape">
+                  <a:avLst/>
+                </a:prstTxWarp>
+              </a:bodyPr>
+              <a:lstStyle/>
+              <a:p>
+                <a:pPr marL="0" marR="0" indent="0" algn="l" defTabSz="914400" rtl="0" eaLnBrk="1" fontAlgn="base" latinLnBrk="0" hangingPunct="1">
+                  <a:lnSpc>
+                    <a:spcPct val="100000"/>
+                  </a:lnSpc>
+                  <a:spcBef>
+                    <a:spcPct val="0"/>
+                  </a:spcBef>
+                  <a:spcAft>
+                    <a:spcPct val="0"/>
+                  </a:spcAft>
+                  <a:buClrTx/>
+                  <a:buSzTx/>
+                  <a:buFontTx/>
+                  <a:buNone/>
+                  <a:tabLst/>
+                </a:pPr>
+                <a:endParaRPr kumimoji="1" lang="zh-TW" altLang="en-US" sz="1800" b="0" i="0" u="none" strike="noStrike" cap="none" normalizeH="0" baseline="0">
+                  <a:ln>
+                    <a:noFill/>
+                  </a:ln>
+                  <a:solidFill>
+                    <a:schemeClr val="tx1"/>
+                  </a:solidFill>
+                  <a:effectLst/>
+                  <a:latin typeface="Arial" charset="0"/>
+                  <a:ea typeface="新細明體" charset="-120"/>
+                </a:endParaRPr>
+              </a:p>
+            </p:txBody>
+          </p:sp>
+          <p:sp>
+            <p:nvSpPr>
+              <p:cNvPr id="25" name="橢圓 24">
+                <a:extLst>
+                  <a:ext uri="{FF2B5EF4-FFF2-40B4-BE49-F238E27FC236}">
+                    <a16:creationId xmlns:a16="http://schemas.microsoft.com/office/drawing/2014/main" id="{1A01E6B6-752B-F808-3B24-53676D07457A}"/>
+                  </a:ext>
+                </a:extLst>
+              </p:cNvPr>
+              <p:cNvSpPr/>
+              <p:nvPr/>
+            </p:nvSpPr>
+            <p:spPr bwMode="auto">
+              <a:xfrm rot="7990057">
+                <a:off x="6552106" y="4609849"/>
+                <a:ext cx="45719" cy="45719"/>
+              </a:xfrm>
+              <a:prstGeom prst="ellipse">
+                <a:avLst/>
+              </a:prstGeom>
+              <a:solidFill>
+                <a:srgbClr val="2CA02C"/>
+              </a:solidFill>
+              <a:ln w="12700" cap="flat" cmpd="sng" algn="ctr">
+                <a:solidFill>
+                  <a:srgbClr val="00B050"/>
+                </a:solidFill>
+                <a:prstDash val="solid"/>
+                <a:round/>
+                <a:headEnd type="none" w="med" len="med"/>
+                <a:tailEnd type="triangle" w="med" len="med"/>
+              </a:ln>
+              <a:effectLst/>
+            </p:spPr>
+            <p:txBody>
+              <a:bodyPr vert="horz" wrap="square" lIns="91440" tIns="45720" rIns="91440" bIns="45720" numCol="1" rtlCol="0" anchor="t" anchorCtr="0" compatLnSpc="1">
+                <a:prstTxWarp prst="textNoShape">
+                  <a:avLst/>
+                </a:prstTxWarp>
+              </a:bodyPr>
+              <a:lstStyle/>
+              <a:p>
+                <a:pPr marL="0" marR="0" indent="0" algn="l" defTabSz="914400" rtl="0" eaLnBrk="1" fontAlgn="base" latinLnBrk="0" hangingPunct="1">
+                  <a:lnSpc>
+                    <a:spcPct val="100000"/>
+                  </a:lnSpc>
+                  <a:spcBef>
+                    <a:spcPct val="0"/>
+                  </a:spcBef>
+                  <a:spcAft>
+                    <a:spcPct val="0"/>
+                  </a:spcAft>
+                  <a:buClrTx/>
+                  <a:buSzTx/>
+                  <a:buFontTx/>
+                  <a:buNone/>
+                  <a:tabLst/>
+                </a:pPr>
+                <a:endParaRPr kumimoji="1" lang="zh-TW" altLang="en-US" sz="1800" b="0" i="0" u="none" strike="noStrike" cap="none" normalizeH="0" baseline="0">
+                  <a:ln>
+                    <a:noFill/>
+                  </a:ln>
+                  <a:solidFill>
+                    <a:schemeClr val="tx1"/>
+                  </a:solidFill>
+                  <a:effectLst/>
+                  <a:latin typeface="Arial" charset="0"/>
+                  <a:ea typeface="新細明體" charset="-120"/>
+                </a:endParaRPr>
+              </a:p>
+            </p:txBody>
+          </p:sp>
+          <p:sp>
+            <p:nvSpPr>
+              <p:cNvPr id="26" name="橢圓 25">
+                <a:extLst>
+                  <a:ext uri="{FF2B5EF4-FFF2-40B4-BE49-F238E27FC236}">
+                    <a16:creationId xmlns:a16="http://schemas.microsoft.com/office/drawing/2014/main" id="{692CAEC6-C66C-22F4-E01B-FBF2D3648BB1}"/>
+                  </a:ext>
+                </a:extLst>
+              </p:cNvPr>
+              <p:cNvSpPr/>
+              <p:nvPr/>
+            </p:nvSpPr>
+            <p:spPr bwMode="auto">
+              <a:xfrm rot="6797803">
+                <a:off x="5765622" y="4454383"/>
+                <a:ext cx="45719" cy="45719"/>
+              </a:xfrm>
+              <a:prstGeom prst="ellipse">
+                <a:avLst/>
+              </a:prstGeom>
+              <a:solidFill>
+                <a:srgbClr val="0000FF"/>
+              </a:solidFill>
+              <a:ln w="12700" cap="flat" cmpd="sng" algn="ctr">
+                <a:solidFill>
+                  <a:srgbClr val="0000FF"/>
+                </a:solidFill>
+                <a:prstDash val="solid"/>
+                <a:round/>
+                <a:headEnd type="none" w="med" len="med"/>
+                <a:tailEnd type="triangle" w="med" len="med"/>
+              </a:ln>
+              <a:effectLst/>
+            </p:spPr>
+            <p:txBody>
+              <a:bodyPr vert="horz" wrap="square" lIns="91440" tIns="45720" rIns="91440" bIns="45720" numCol="1" rtlCol="0" anchor="t" anchorCtr="0" compatLnSpc="1">
+                <a:prstTxWarp prst="textNoShape">
+                  <a:avLst/>
+                </a:prstTxWarp>
+              </a:bodyPr>
+              <a:lstStyle/>
+              <a:p>
+                <a:pPr marL="0" marR="0" indent="0" algn="l" defTabSz="914400" rtl="0" eaLnBrk="1" fontAlgn="base" latinLnBrk="0" hangingPunct="1">
+                  <a:lnSpc>
+                    <a:spcPct val="100000"/>
+                  </a:lnSpc>
+                  <a:spcBef>
+                    <a:spcPct val="0"/>
+                  </a:spcBef>
+                  <a:spcAft>
+                    <a:spcPct val="0"/>
+                  </a:spcAft>
+                  <a:buClrTx/>
+                  <a:buSzTx/>
+                  <a:buFontTx/>
+                  <a:buNone/>
+                  <a:tabLst/>
+                </a:pPr>
+                <a:endParaRPr kumimoji="1" lang="zh-TW" altLang="en-US" sz="1800" b="0" i="0" u="none" strike="noStrike" cap="none" normalizeH="0" baseline="0">
+                  <a:ln>
+                    <a:noFill/>
+                  </a:ln>
+                  <a:solidFill>
+                    <a:schemeClr val="tx1"/>
+                  </a:solidFill>
+                  <a:effectLst/>
+                  <a:latin typeface="Arial" charset="0"/>
+                  <a:ea typeface="新細明體" charset="-120"/>
+                </a:endParaRPr>
+              </a:p>
+            </p:txBody>
+          </p:sp>
+          <p:sp>
+            <p:nvSpPr>
+              <p:cNvPr id="27" name="橢圓 26">
+                <a:extLst>
+                  <a:ext uri="{FF2B5EF4-FFF2-40B4-BE49-F238E27FC236}">
+                    <a16:creationId xmlns:a16="http://schemas.microsoft.com/office/drawing/2014/main" id="{0324A128-ADDB-8CAC-ED19-3C8439D02E1D}"/>
+                  </a:ext>
+                </a:extLst>
+              </p:cNvPr>
+              <p:cNvSpPr/>
+              <p:nvPr/>
+            </p:nvSpPr>
+            <p:spPr bwMode="auto">
+              <a:xfrm rot="6797803">
+                <a:off x="5619549" y="4635957"/>
+                <a:ext cx="45719" cy="45719"/>
+              </a:xfrm>
+              <a:prstGeom prst="ellipse">
+                <a:avLst/>
+              </a:prstGeom>
+              <a:solidFill>
+                <a:srgbClr val="0000FF"/>
+              </a:solidFill>
+              <a:ln w="12700" cap="flat" cmpd="sng" algn="ctr">
+                <a:solidFill>
+                  <a:srgbClr val="0000FF"/>
+                </a:solidFill>
+                <a:prstDash val="solid"/>
+                <a:round/>
+                <a:headEnd type="none" w="med" len="med"/>
+                <a:tailEnd type="triangle" w="med" len="med"/>
+              </a:ln>
+              <a:effectLst/>
+            </p:spPr>
+            <p:txBody>
+              <a:bodyPr vert="horz" wrap="square" lIns="91440" tIns="45720" rIns="91440" bIns="45720" numCol="1" rtlCol="0" anchor="t" anchorCtr="0" compatLnSpc="1">
+                <a:prstTxWarp prst="textNoShape">
+                  <a:avLst/>
+                </a:prstTxWarp>
+              </a:bodyPr>
+              <a:lstStyle/>
+              <a:p>
+                <a:pPr marL="0" marR="0" indent="0" algn="l" defTabSz="914400" rtl="0" eaLnBrk="1" fontAlgn="base" latinLnBrk="0" hangingPunct="1">
+                  <a:lnSpc>
+                    <a:spcPct val="100000"/>
+                  </a:lnSpc>
+                  <a:spcBef>
+                    <a:spcPct val="0"/>
+                  </a:spcBef>
+                  <a:spcAft>
+                    <a:spcPct val="0"/>
+                  </a:spcAft>
+                  <a:buClrTx/>
+                  <a:buSzTx/>
+                  <a:buFontTx/>
+                  <a:buNone/>
+                  <a:tabLst/>
+                </a:pPr>
+                <a:endParaRPr kumimoji="1" lang="zh-TW" altLang="en-US" sz="1800" b="0" i="0" u="none" strike="noStrike" cap="none" normalizeH="0" baseline="0">
+                  <a:ln>
+                    <a:noFill/>
+                  </a:ln>
+                  <a:solidFill>
+                    <a:schemeClr val="tx1"/>
+                  </a:solidFill>
+                  <a:effectLst/>
+                  <a:latin typeface="Arial" charset="0"/>
+                  <a:ea typeface="新細明體" charset="-120"/>
+                </a:endParaRPr>
+              </a:p>
+            </p:txBody>
+          </p:sp>
+          <p:sp>
+            <p:nvSpPr>
+              <p:cNvPr id="28" name="橢圓 27">
+                <a:extLst>
+                  <a:ext uri="{FF2B5EF4-FFF2-40B4-BE49-F238E27FC236}">
+                    <a16:creationId xmlns:a16="http://schemas.microsoft.com/office/drawing/2014/main" id="{7E01E10E-96BB-D96A-C144-7F7A2A4A8461}"/>
+                  </a:ext>
+                </a:extLst>
+              </p:cNvPr>
+              <p:cNvSpPr/>
+              <p:nvPr/>
+            </p:nvSpPr>
+            <p:spPr bwMode="auto">
+              <a:xfrm rot="6797803">
+                <a:off x="6032348" y="4362691"/>
+                <a:ext cx="45719" cy="45719"/>
+              </a:xfrm>
+              <a:prstGeom prst="ellipse">
+                <a:avLst/>
+              </a:prstGeom>
+              <a:solidFill>
+                <a:srgbClr val="0000FF"/>
+              </a:solidFill>
+              <a:ln w="12700" cap="flat" cmpd="sng" algn="ctr">
+                <a:solidFill>
+                  <a:srgbClr val="0000FF"/>
+                </a:solidFill>
+                <a:prstDash val="solid"/>
+                <a:round/>
+                <a:headEnd type="none" w="med" len="med"/>
+                <a:tailEnd type="triangle" w="med" len="med"/>
+              </a:ln>
+              <a:effectLst/>
+            </p:spPr>
+            <p:txBody>
+              <a:bodyPr vert="horz" wrap="square" lIns="91440" tIns="45720" rIns="91440" bIns="45720" numCol="1" rtlCol="0" anchor="t" anchorCtr="0" compatLnSpc="1">
+                <a:prstTxWarp prst="textNoShape">
+                  <a:avLst/>
+                </a:prstTxWarp>
+              </a:bodyPr>
+              <a:lstStyle/>
+              <a:p>
+                <a:pPr marL="0" marR="0" indent="0" algn="l" defTabSz="914400" rtl="0" eaLnBrk="1" fontAlgn="base" latinLnBrk="0" hangingPunct="1">
+                  <a:lnSpc>
+                    <a:spcPct val="100000"/>
+                  </a:lnSpc>
+                  <a:spcBef>
+                    <a:spcPct val="0"/>
+                  </a:spcBef>
+                  <a:spcAft>
+                    <a:spcPct val="0"/>
+                  </a:spcAft>
+                  <a:buClrTx/>
+                  <a:buSzTx/>
+                  <a:buFontTx/>
+                  <a:buNone/>
+                  <a:tabLst/>
+                </a:pPr>
+                <a:endParaRPr kumimoji="1" lang="zh-TW" altLang="en-US" sz="1800" b="0" i="0" u="none" strike="noStrike" cap="none" normalizeH="0" baseline="0">
+                  <a:ln>
+                    <a:noFill/>
+                  </a:ln>
+                  <a:solidFill>
+                    <a:schemeClr val="tx1"/>
+                  </a:solidFill>
+                  <a:effectLst/>
+                  <a:latin typeface="Arial" charset="0"/>
+                  <a:ea typeface="新細明體" charset="-120"/>
+                </a:endParaRPr>
+              </a:p>
+            </p:txBody>
+          </p:sp>
+          <p:sp>
+            <p:nvSpPr>
+              <p:cNvPr id="29" name="橢圓 28">
+                <a:extLst>
+                  <a:ext uri="{FF2B5EF4-FFF2-40B4-BE49-F238E27FC236}">
+                    <a16:creationId xmlns:a16="http://schemas.microsoft.com/office/drawing/2014/main" id="{E9558195-04C6-9A8D-CD49-2A511BA1E187}"/>
+                  </a:ext>
+                </a:extLst>
+              </p:cNvPr>
+              <p:cNvSpPr/>
+              <p:nvPr/>
+            </p:nvSpPr>
+            <p:spPr bwMode="auto">
+              <a:xfrm rot="6797803">
+                <a:off x="5754775" y="4190509"/>
+                <a:ext cx="45719" cy="45719"/>
+              </a:xfrm>
+              <a:prstGeom prst="ellipse">
+                <a:avLst/>
+              </a:prstGeom>
+              <a:solidFill>
+                <a:srgbClr val="0000FF"/>
+              </a:solidFill>
+              <a:ln w="12700" cap="flat" cmpd="sng" algn="ctr">
+                <a:solidFill>
+                  <a:srgbClr val="0000FF"/>
+                </a:solidFill>
+                <a:prstDash val="solid"/>
+                <a:round/>
+                <a:headEnd type="none" w="med" len="med"/>
+                <a:tailEnd type="triangle" w="med" len="med"/>
+              </a:ln>
+              <a:effectLst/>
+            </p:spPr>
+            <p:txBody>
+              <a:bodyPr vert="horz" wrap="square" lIns="91440" tIns="45720" rIns="91440" bIns="45720" numCol="1" rtlCol="0" anchor="t" anchorCtr="0" compatLnSpc="1">
+                <a:prstTxWarp prst="textNoShape">
+                  <a:avLst/>
+                </a:prstTxWarp>
+              </a:bodyPr>
+              <a:lstStyle/>
+              <a:p>
+                <a:pPr marL="0" marR="0" indent="0" algn="l" defTabSz="914400" rtl="0" eaLnBrk="1" fontAlgn="base" latinLnBrk="0" hangingPunct="1">
+                  <a:lnSpc>
+                    <a:spcPct val="100000"/>
+                  </a:lnSpc>
+                  <a:spcBef>
+                    <a:spcPct val="0"/>
+                  </a:spcBef>
+                  <a:spcAft>
+                    <a:spcPct val="0"/>
+                  </a:spcAft>
+                  <a:buClrTx/>
+                  <a:buSzTx/>
+                  <a:buFontTx/>
+                  <a:buNone/>
+                  <a:tabLst/>
+                </a:pPr>
+                <a:endParaRPr kumimoji="1" lang="zh-TW" altLang="en-US" sz="1800" b="0" i="0" u="none" strike="noStrike" cap="none" normalizeH="0" baseline="0">
+                  <a:ln>
+                    <a:noFill/>
+                  </a:ln>
+                  <a:solidFill>
+                    <a:schemeClr val="tx1"/>
+                  </a:solidFill>
+                  <a:effectLst/>
+                  <a:latin typeface="Arial" charset="0"/>
+                  <a:ea typeface="新細明體" charset="-120"/>
+                </a:endParaRPr>
+              </a:p>
+            </p:txBody>
+          </p:sp>
+          <p:sp>
+            <p:nvSpPr>
+              <p:cNvPr id="30" name="橢圓 29">
+                <a:extLst>
+                  <a:ext uri="{FF2B5EF4-FFF2-40B4-BE49-F238E27FC236}">
+                    <a16:creationId xmlns:a16="http://schemas.microsoft.com/office/drawing/2014/main" id="{BBBDDE7B-ADD3-4E9E-928B-857BB4D419D1}"/>
+                  </a:ext>
+                </a:extLst>
+              </p:cNvPr>
+              <p:cNvSpPr/>
+              <p:nvPr/>
+            </p:nvSpPr>
+            <p:spPr bwMode="auto">
+              <a:xfrm rot="6797803">
+                <a:off x="5945627" y="4250583"/>
+                <a:ext cx="45719" cy="45719"/>
+              </a:xfrm>
+              <a:prstGeom prst="ellipse">
+                <a:avLst/>
+              </a:prstGeom>
+              <a:solidFill>
+                <a:srgbClr val="0000FF"/>
+              </a:solidFill>
+              <a:ln w="12700" cap="flat" cmpd="sng" algn="ctr">
+                <a:solidFill>
+                  <a:srgbClr val="0000FF"/>
+                </a:solidFill>
+                <a:prstDash val="solid"/>
+                <a:round/>
+                <a:headEnd type="none" w="med" len="med"/>
+                <a:tailEnd type="triangle" w="med" len="med"/>
+              </a:ln>
+              <a:effectLst/>
+            </p:spPr>
+            <p:txBody>
+              <a:bodyPr vert="horz" wrap="square" lIns="91440" tIns="45720" rIns="91440" bIns="45720" numCol="1" rtlCol="0" anchor="t" anchorCtr="0" compatLnSpc="1">
+                <a:prstTxWarp prst="textNoShape">
+                  <a:avLst/>
+                </a:prstTxWarp>
+              </a:bodyPr>
+              <a:lstStyle/>
+              <a:p>
+                <a:pPr marL="0" marR="0" indent="0" algn="l" defTabSz="914400" rtl="0" eaLnBrk="1" fontAlgn="base" latinLnBrk="0" hangingPunct="1">
+                  <a:lnSpc>
+                    <a:spcPct val="100000"/>
+                  </a:lnSpc>
+                  <a:spcBef>
+                    <a:spcPct val="0"/>
+                  </a:spcBef>
+                  <a:spcAft>
+                    <a:spcPct val="0"/>
+                  </a:spcAft>
+                  <a:buClrTx/>
+                  <a:buSzTx/>
+                  <a:buFontTx/>
+                  <a:buNone/>
+                  <a:tabLst/>
+                </a:pPr>
+                <a:endParaRPr kumimoji="1" lang="zh-TW" altLang="en-US" sz="1800" b="0" i="0" u="none" strike="noStrike" cap="none" normalizeH="0" baseline="0">
+                  <a:ln>
+                    <a:noFill/>
+                  </a:ln>
+                  <a:solidFill>
+                    <a:schemeClr val="tx1"/>
+                  </a:solidFill>
+                  <a:effectLst/>
+                  <a:latin typeface="Arial" charset="0"/>
+                  <a:ea typeface="新細明體" charset="-120"/>
+                </a:endParaRPr>
+              </a:p>
+            </p:txBody>
+          </p:sp>
+          <p:sp>
+            <p:nvSpPr>
+              <p:cNvPr id="31" name="橢圓 30">
+                <a:extLst>
+                  <a:ext uri="{FF2B5EF4-FFF2-40B4-BE49-F238E27FC236}">
+                    <a16:creationId xmlns:a16="http://schemas.microsoft.com/office/drawing/2014/main" id="{6AF678E4-D227-0F35-3619-CFC24348E4AC}"/>
+                  </a:ext>
+                </a:extLst>
+              </p:cNvPr>
+              <p:cNvSpPr/>
+              <p:nvPr/>
+            </p:nvSpPr>
+            <p:spPr bwMode="auto">
+              <a:xfrm rot="6797803">
+                <a:off x="6285647" y="3961837"/>
+                <a:ext cx="45719" cy="45719"/>
+              </a:xfrm>
+              <a:prstGeom prst="ellipse">
+                <a:avLst/>
+              </a:prstGeom>
+              <a:solidFill>
+                <a:srgbClr val="0000FF"/>
+              </a:solidFill>
+              <a:ln w="12700" cap="flat" cmpd="sng" algn="ctr">
+                <a:solidFill>
+                  <a:srgbClr val="0000FF"/>
+                </a:solidFill>
+                <a:prstDash val="solid"/>
+                <a:round/>
+                <a:headEnd type="none" w="med" len="med"/>
+                <a:tailEnd type="triangle" w="med" len="med"/>
+              </a:ln>
+              <a:effectLst/>
+            </p:spPr>
+            <p:txBody>
+              <a:bodyPr vert="horz" wrap="square" lIns="91440" tIns="45720" rIns="91440" bIns="45720" numCol="1" rtlCol="0" anchor="t" anchorCtr="0" compatLnSpc="1">
+                <a:prstTxWarp prst="textNoShape">
+                  <a:avLst/>
+                </a:prstTxWarp>
+              </a:bodyPr>
+              <a:lstStyle/>
+              <a:p>
+                <a:pPr marL="0" marR="0" indent="0" algn="l" defTabSz="914400" rtl="0" eaLnBrk="1" fontAlgn="base" latinLnBrk="0" hangingPunct="1">
+                  <a:lnSpc>
+                    <a:spcPct val="100000"/>
+                  </a:lnSpc>
+                  <a:spcBef>
+                    <a:spcPct val="0"/>
+                  </a:spcBef>
+                  <a:spcAft>
+                    <a:spcPct val="0"/>
+                  </a:spcAft>
+                  <a:buClrTx/>
+                  <a:buSzTx/>
+                  <a:buFontTx/>
+                  <a:buNone/>
+                  <a:tabLst/>
+                </a:pPr>
+                <a:endParaRPr kumimoji="1" lang="zh-TW" altLang="en-US" sz="1800" b="0" i="0" u="none" strike="noStrike" cap="none" normalizeH="0" baseline="0">
+                  <a:ln>
+                    <a:noFill/>
+                  </a:ln>
+                  <a:solidFill>
+                    <a:schemeClr val="tx1"/>
+                  </a:solidFill>
+                  <a:effectLst/>
+                  <a:latin typeface="Arial" charset="0"/>
+                  <a:ea typeface="新細明體" charset="-120"/>
+                </a:endParaRPr>
+              </a:p>
+            </p:txBody>
+          </p:sp>
+        </p:grpSp>
+        <p:cxnSp>
+          <p:nvCxnSpPr>
+            <p:cNvPr id="35" name="直線接點 34">
+              <a:extLst>
+                <a:ext uri="{FF2B5EF4-FFF2-40B4-BE49-F238E27FC236}">
+                  <a16:creationId xmlns:a16="http://schemas.microsoft.com/office/drawing/2014/main" id="{D43CD928-0828-DCC8-37EB-8C6D659900B2}"/>
+                </a:ext>
+              </a:extLst>
+            </p:cNvPr>
+            <p:cNvCxnSpPr>
+              <a:cxnSpLocks/>
+            </p:cNvCxnSpPr>
+            <p:nvPr/>
+          </p:nvCxnSpPr>
+          <p:spPr bwMode="auto">
+            <a:xfrm flipV="1">
+              <a:off x="5419642" y="4293096"/>
+              <a:ext cx="1600630" cy="1480402"/>
+            </a:xfrm>
+            <a:prstGeom prst="line">
+              <a:avLst/>
+            </a:prstGeom>
+            <a:noFill/>
+            <a:ln w="38100" cap="flat" cmpd="sng" algn="ctr">
+              <a:solidFill>
+                <a:srgbClr val="FF0000"/>
+              </a:solidFill>
+              <a:prstDash val="sysDot"/>
+              <a:round/>
+              <a:headEnd type="none" w="med" len="med"/>
+              <a:tailEnd type="none" w="med" len="med"/>
+            </a:ln>
+            <a:effectLst/>
+          </p:spPr>
+        </p:cxnSp>
+      </p:grpSp>
+      <p:cxnSp>
+        <p:nvCxnSpPr>
+          <p:cNvPr id="44" name="直線單箭頭接點 43">
+            <a:extLst>
+              <a:ext uri="{FF2B5EF4-FFF2-40B4-BE49-F238E27FC236}">
+                <a16:creationId xmlns:a16="http://schemas.microsoft.com/office/drawing/2014/main" id="{F181DFFD-BE8A-35F8-1B68-466CD586CF41}"/>
+              </a:ext>
+            </a:extLst>
+          </p:cNvPr>
+          <p:cNvCxnSpPr>
+            <a:cxnSpLocks/>
+            <a:stCxn id="58" idx="3"/>
+          </p:cNvCxnSpPr>
+          <p:nvPr/>
+        </p:nvCxnSpPr>
+        <p:spPr bwMode="auto">
+          <a:xfrm>
+            <a:off x="7073140" y="6144167"/>
+            <a:ext cx="491537" cy="196522"/>
+          </a:xfrm>
+          <a:prstGeom prst="straightConnector1">
+            <a:avLst/>
+          </a:prstGeom>
+          <a:ln w="38100">
+            <a:headEnd type="none" w="med" len="med"/>
+            <a:tailEnd type="triangle"/>
+          </a:ln>
+        </p:spPr>
+        <p:style>
+          <a:lnRef idx="1">
+            <a:schemeClr val="dk1"/>
+          </a:lnRef>
+          <a:fillRef idx="0">
+            <a:schemeClr val="dk1"/>
+          </a:fillRef>
+          <a:effectRef idx="0">
+            <a:schemeClr val="dk1"/>
+          </a:effectRef>
+          <a:fontRef idx="minor">
+            <a:schemeClr val="tx1"/>
+          </a:fontRef>
+        </p:style>
+      </p:cxnSp>
+      <p:cxnSp>
+        <p:nvCxnSpPr>
+          <p:cNvPr id="50" name="直線單箭頭接點 49">
+            <a:extLst>
+              <a:ext uri="{FF2B5EF4-FFF2-40B4-BE49-F238E27FC236}">
+                <a16:creationId xmlns:a16="http://schemas.microsoft.com/office/drawing/2014/main" id="{3C14973D-7FA6-D7D6-67F6-C199D7DB9177}"/>
+              </a:ext>
+            </a:extLst>
+          </p:cNvPr>
+          <p:cNvCxnSpPr>
+            <a:cxnSpLocks/>
+            <a:stCxn id="58" idx="3"/>
+          </p:cNvCxnSpPr>
+          <p:nvPr/>
+        </p:nvCxnSpPr>
+        <p:spPr bwMode="auto">
+          <a:xfrm flipV="1">
+            <a:off x="7073140" y="5555501"/>
+            <a:ext cx="536321" cy="588666"/>
+          </a:xfrm>
+          <a:prstGeom prst="straightConnector1">
+            <a:avLst/>
+          </a:prstGeom>
+          <a:ln w="38100">
+            <a:headEnd type="none" w="med" len="med"/>
+            <a:tailEnd type="triangle"/>
+          </a:ln>
+        </p:spPr>
+        <p:style>
+          <a:lnRef idx="1">
+            <a:schemeClr val="dk1"/>
+          </a:lnRef>
+          <a:fillRef idx="0">
+            <a:schemeClr val="dk1"/>
+          </a:fillRef>
+          <a:effectRef idx="0">
+            <a:schemeClr val="dk1"/>
+          </a:effectRef>
+          <a:fontRef idx="minor">
+            <a:schemeClr val="tx1"/>
+          </a:fontRef>
+        </p:style>
+      </p:cxnSp>
+      <p:sp>
+        <p:nvSpPr>
+          <p:cNvPr id="54" name="文字方塊 53">
+            <a:extLst>
+              <a:ext uri="{FF2B5EF4-FFF2-40B4-BE49-F238E27FC236}">
+                <a16:creationId xmlns:a16="http://schemas.microsoft.com/office/drawing/2014/main" id="{7FB2ADE1-5722-E6EF-3B94-75BFD9F4996C}"/>
+              </a:ext>
+            </a:extLst>
+          </p:cNvPr>
+          <p:cNvSpPr txBox="1"/>
+          <p:nvPr/>
+        </p:nvSpPr>
+        <p:spPr>
+          <a:xfrm>
+            <a:off x="8442893" y="4234424"/>
+            <a:ext cx="712564" cy="523220"/>
+          </a:xfrm>
+          <a:prstGeom prst="rect">
+            <a:avLst/>
+          </a:prstGeom>
+          <a:noFill/>
+        </p:spPr>
+        <p:txBody>
+          <a:bodyPr wrap="square">
+            <a:spAutoFit/>
+          </a:bodyPr>
+          <a:lstStyle/>
+          <a:p>
+            <a:pPr algn="ctr"/>
+            <a:r>
+              <a:rPr lang="en-US" altLang="zh-TW" sz="1400" dirty="0"/>
+              <a:t>Good choice</a:t>
+            </a:r>
+            <a:endParaRPr lang="zh-TW" altLang="en-US" sz="1400" dirty="0"/>
+          </a:p>
+        </p:txBody>
+      </p:sp>
+      <p:sp>
+        <p:nvSpPr>
+          <p:cNvPr id="58" name="文字方塊 57">
+            <a:extLst>
+              <a:ext uri="{FF2B5EF4-FFF2-40B4-BE49-F238E27FC236}">
+                <a16:creationId xmlns:a16="http://schemas.microsoft.com/office/drawing/2014/main" id="{356E675A-CD7C-F2C0-A241-D3BC0D3FE921}"/>
+              </a:ext>
+            </a:extLst>
+          </p:cNvPr>
+          <p:cNvSpPr txBox="1"/>
+          <p:nvPr/>
+        </p:nvSpPr>
+        <p:spPr>
+          <a:xfrm>
+            <a:off x="5881269" y="5990278"/>
+            <a:ext cx="1191871" cy="307777"/>
+          </a:xfrm>
+          <a:prstGeom prst="rect">
+            <a:avLst/>
+          </a:prstGeom>
+          <a:noFill/>
+        </p:spPr>
+        <p:txBody>
+          <a:bodyPr wrap="square">
+            <a:spAutoFit/>
+          </a:bodyPr>
+          <a:lstStyle/>
+          <a:p>
+            <a:pPr algn="ctr"/>
+            <a:r>
+              <a:rPr lang="en-US" altLang="zh-TW" sz="1400" dirty="0"/>
+              <a:t>Bad choice</a:t>
+            </a:r>
+            <a:endParaRPr lang="zh-TW" altLang="en-US" sz="1400" dirty="0"/>
+          </a:p>
+        </p:txBody>
+      </p:sp>
+      <p:cxnSp>
+        <p:nvCxnSpPr>
+          <p:cNvPr id="59" name="直線單箭頭接點 58">
+            <a:extLst>
+              <a:ext uri="{FF2B5EF4-FFF2-40B4-BE49-F238E27FC236}">
+                <a16:creationId xmlns:a16="http://schemas.microsoft.com/office/drawing/2014/main" id="{D37F2B82-78EA-4BEB-12ED-9FF74C994205}"/>
+              </a:ext>
+            </a:extLst>
+          </p:cNvPr>
+          <p:cNvCxnSpPr>
+            <a:cxnSpLocks/>
+            <a:stCxn id="54" idx="2"/>
+          </p:cNvCxnSpPr>
+          <p:nvPr/>
+        </p:nvCxnSpPr>
+        <p:spPr bwMode="auto">
+          <a:xfrm flipH="1">
+            <a:off x="8772857" y="4757644"/>
+            <a:ext cx="26318" cy="535700"/>
+          </a:xfrm>
+          <a:prstGeom prst="straightConnector1">
+            <a:avLst/>
+          </a:prstGeom>
+          <a:ln w="38100">
+            <a:headEnd type="none" w="med" len="med"/>
+            <a:tailEnd type="triangle"/>
+          </a:ln>
+        </p:spPr>
+        <p:style>
+          <a:lnRef idx="1">
+            <a:schemeClr val="dk1"/>
+          </a:lnRef>
+          <a:fillRef idx="0">
+            <a:schemeClr val="dk1"/>
+          </a:fillRef>
+          <a:effectRef idx="0">
+            <a:schemeClr val="dk1"/>
+          </a:effectRef>
+          <a:fontRef idx="minor">
+            <a:schemeClr val="tx1"/>
+          </a:fontRef>
+        </p:style>
+      </p:cxnSp>
     </p:spTree>
     <p:extLst>
       <p:ext uri="{BB962C8B-B14F-4D97-AF65-F5344CB8AC3E}">
@@ -34379,7 +36008,7 @@
           <a:p>
             <a:r>
               <a:rPr lang="en-US" altLang="zh-TW" dirty="0"/>
-              <a:t>2-D Data Visualization</a:t>
+              <a:t>What Else Can LSH Do</a:t>
             </a:r>
             <a:endParaRPr lang="zh-TW" altLang="en-US" dirty="0"/>
           </a:p>
@@ -34413,7 +36042,7 @@
           <a:p>
             <a:r>
               <a:rPr lang="en-US" altLang="zh-TW" dirty="0"/>
-              <a:t>Visualize data using t-SNE</a:t>
+              <a:t>2-D data visualization using t-SNE method</a:t>
             </a:r>
           </a:p>
           <a:p>
@@ -34716,8 +36345,8 @@
         </p:nvSpPr>
         <p:spPr>
           <a:xfrm>
-            <a:off x="264221" y="3870638"/>
-            <a:ext cx="2226290" cy="584775"/>
+            <a:off x="369524" y="3925540"/>
+            <a:ext cx="2360945" cy="523220"/>
           </a:xfrm>
           <a:prstGeom prst="rect">
             <a:avLst/>
@@ -34739,10 +36368,10 @@
           <a:p>
             <a:pPr algn="ctr"/>
             <a:r>
-              <a:rPr lang="en-US" altLang="zh-TW" sz="1600" dirty="0"/>
-              <a:t>Unwanted behavior due to cosine distance</a:t>
-            </a:r>
-            <a:endParaRPr lang="zh-TW" altLang="en-US" sz="1600" dirty="0"/>
+              <a:rPr lang="en-US" altLang="zh-TW" sz="1400" dirty="0"/>
+              <a:t>Non-normalized distance results in linear distribution</a:t>
+            </a:r>
+            <a:endParaRPr lang="zh-TW" altLang="en-US" sz="1400" dirty="0"/>
           </a:p>
         </p:txBody>
       </p:sp>
@@ -34775,43 +36404,6 @@
           </a:prstGeom>
         </p:spPr>
       </p:pic>
-      <p:sp>
-        <p:nvSpPr>
-          <p:cNvPr id="11" name="文字方塊 10">
-            <a:extLst>
-              <a:ext uri="{FF2B5EF4-FFF2-40B4-BE49-F238E27FC236}">
-                <a16:creationId xmlns:a16="http://schemas.microsoft.com/office/drawing/2014/main" id="{A9AC0DD2-618D-DE8C-A4AE-CE998FBAB819}"/>
-              </a:ext>
-            </a:extLst>
-          </p:cNvPr>
-          <p:cNvSpPr txBox="1"/>
-          <p:nvPr/>
-        </p:nvSpPr>
-        <p:spPr>
-          <a:xfrm>
-            <a:off x="2109661" y="5350437"/>
-            <a:ext cx="2621447" cy="584775"/>
-          </a:xfrm>
-          <a:prstGeom prst="rect">
-            <a:avLst/>
-          </a:prstGeom>
-          <a:noFill/>
-        </p:spPr>
-        <p:txBody>
-          <a:bodyPr wrap="square">
-            <a:spAutoFit/>
-          </a:bodyPr>
-          <a:lstStyle/>
-          <a:p>
-            <a:pPr algn="ctr"/>
-            <a:r>
-              <a:rPr lang="en-US" altLang="zh-TW" sz="1600" dirty="0"/>
-              <a:t>Non-normalized distance results in linear distribution</a:t>
-            </a:r>
-            <a:endParaRPr lang="zh-TW" altLang="en-US" sz="1600" dirty="0"/>
-          </a:p>
-        </p:txBody>
-      </p:sp>
       <p:sp>
         <p:nvSpPr>
           <p:cNvPr id="12" name="橢圓 11">
@@ -34952,6 +36544,152 @@
           </a:p>
         </p:txBody>
       </p:sp>
+      <p:sp>
+        <p:nvSpPr>
+          <p:cNvPr id="5" name="文字方塊 4">
+            <a:extLst>
+              <a:ext uri="{FF2B5EF4-FFF2-40B4-BE49-F238E27FC236}">
+                <a16:creationId xmlns:a16="http://schemas.microsoft.com/office/drawing/2014/main" id="{2C628F2D-005C-2BC2-D386-8260B3480C02}"/>
+              </a:ext>
+            </a:extLst>
+          </p:cNvPr>
+          <p:cNvSpPr txBox="1"/>
+          <p:nvPr/>
+        </p:nvSpPr>
+        <p:spPr>
+          <a:xfrm>
+            <a:off x="1827931" y="5571915"/>
+            <a:ext cx="3196347" cy="523220"/>
+          </a:xfrm>
+          <a:prstGeom prst="rect">
+            <a:avLst/>
+          </a:prstGeom>
+          <a:noFill/>
+        </p:spPr>
+        <p:txBody>
+          <a:bodyPr wrap="square">
+            <a:spAutoFit/>
+          </a:bodyPr>
+          <a:lstStyle/>
+          <a:p>
+            <a:pPr algn="ctr"/>
+            <a:r>
+              <a:rPr lang="en-US" altLang="zh-TW" sz="1400" dirty="0"/>
+              <a:t>Use embeddings generated by model trained with cosine distance directly</a:t>
+            </a:r>
+            <a:endParaRPr lang="zh-TW" altLang="en-US" sz="1400" dirty="0"/>
+          </a:p>
+        </p:txBody>
+      </p:sp>
+      <p:cxnSp>
+        <p:nvCxnSpPr>
+          <p:cNvPr id="7" name="直線單箭頭接點 6">
+            <a:extLst>
+              <a:ext uri="{FF2B5EF4-FFF2-40B4-BE49-F238E27FC236}">
+                <a16:creationId xmlns:a16="http://schemas.microsoft.com/office/drawing/2014/main" id="{392FD721-98D2-F3EF-668F-75D03178C3AF}"/>
+              </a:ext>
+            </a:extLst>
+          </p:cNvPr>
+          <p:cNvCxnSpPr>
+            <a:cxnSpLocks/>
+            <a:stCxn id="5" idx="0"/>
+          </p:cNvCxnSpPr>
+          <p:nvPr/>
+        </p:nvCxnSpPr>
+        <p:spPr bwMode="auto">
+          <a:xfrm flipH="1" flipV="1">
+            <a:off x="3370684" y="5342367"/>
+            <a:ext cx="55421" cy="229548"/>
+          </a:xfrm>
+          <a:prstGeom prst="straightConnector1">
+            <a:avLst/>
+          </a:prstGeom>
+          <a:noFill/>
+          <a:ln w="19050" cap="flat" cmpd="sng" algn="ctr">
+            <a:solidFill>
+              <a:schemeClr val="tx1"/>
+            </a:solidFill>
+            <a:prstDash val="solid"/>
+            <a:round/>
+            <a:headEnd type="none" w="med" len="med"/>
+            <a:tailEnd type="triangle"/>
+          </a:ln>
+          <a:effectLst/>
+        </p:spPr>
+      </p:cxnSp>
+      <p:sp>
+        <p:nvSpPr>
+          <p:cNvPr id="8" name="文字方塊 7">
+            <a:extLst>
+              <a:ext uri="{FF2B5EF4-FFF2-40B4-BE49-F238E27FC236}">
+                <a16:creationId xmlns:a16="http://schemas.microsoft.com/office/drawing/2014/main" id="{D32DD4B2-0A1A-5D8D-3B66-5B08D9A34093}"/>
+              </a:ext>
+            </a:extLst>
+          </p:cNvPr>
+          <p:cNvSpPr txBox="1"/>
+          <p:nvPr/>
+        </p:nvSpPr>
+        <p:spPr>
+          <a:xfrm>
+            <a:off x="5724128" y="5786579"/>
+            <a:ext cx="2147674" cy="307777"/>
+          </a:xfrm>
+          <a:prstGeom prst="rect">
+            <a:avLst/>
+          </a:prstGeom>
+          <a:noFill/>
+        </p:spPr>
+        <p:txBody>
+          <a:bodyPr wrap="square">
+            <a:spAutoFit/>
+          </a:bodyPr>
+          <a:lstStyle/>
+          <a:p>
+            <a:pPr algn="ctr"/>
+            <a:r>
+              <a:rPr lang="en-US" altLang="zh-TW" sz="1400" dirty="0"/>
+              <a:t>Do LSH on embeddings</a:t>
+            </a:r>
+            <a:endParaRPr lang="zh-TW" altLang="en-US" sz="1400" dirty="0"/>
+          </a:p>
+        </p:txBody>
+      </p:sp>
+      <p:cxnSp>
+        <p:nvCxnSpPr>
+          <p:cNvPr id="9" name="直線單箭頭接點 8">
+            <a:extLst>
+              <a:ext uri="{FF2B5EF4-FFF2-40B4-BE49-F238E27FC236}">
+                <a16:creationId xmlns:a16="http://schemas.microsoft.com/office/drawing/2014/main" id="{12A57195-7019-6D10-744F-195807A11365}"/>
+              </a:ext>
+            </a:extLst>
+          </p:cNvPr>
+          <p:cNvCxnSpPr>
+            <a:cxnSpLocks/>
+            <a:stCxn id="8" idx="0"/>
+          </p:cNvCxnSpPr>
+          <p:nvPr/>
+        </p:nvCxnSpPr>
+        <p:spPr bwMode="auto">
+          <a:xfrm flipV="1">
+            <a:off x="6797965" y="5495319"/>
+            <a:ext cx="0" cy="291260"/>
+          </a:xfrm>
+          <a:prstGeom prst="straightConnector1">
+            <a:avLst/>
+          </a:prstGeom>
+          <a:noFill/>
+          <a:ln w="19050" cap="flat" cmpd="sng" algn="ctr">
+            <a:solidFill>
+              <a:schemeClr val="tx1"/>
+            </a:solidFill>
+            <a:prstDash val="solid"/>
+            <a:round/>
+            <a:headEnd type="none" w="med" len="med"/>
+            <a:tailEnd type="triangle"/>
+          </a:ln>
+          <a:effectLst/>
+        </p:spPr>
+      </p:cxnSp>
     </p:spTree>
     <p:extLst>
       <p:ext uri="{BB962C8B-B14F-4D97-AF65-F5344CB8AC3E}">
@@ -35036,7 +36774,7 @@
         <p:spPr>
           <a:xfrm>
             <a:off x="381000" y="1676400"/>
-            <a:ext cx="8511480" cy="4800600"/>
+            <a:ext cx="8763000" cy="4800600"/>
           </a:xfrm>
         </p:spPr>
         <p:txBody>
@@ -35045,12 +36783,8 @@
           <a:p>
             <a:r>
               <a:rPr lang="en-US" altLang="zh-TW" dirty="0"/>
-              <a:t>Visualization Result</a:t>
-            </a:r>
-            <a:endParaRPr lang="en-US" altLang="zh-TW" b="1" dirty="0"/>
-          </a:p>
-          <a:p>
-            <a:pPr lvl="1"/>
+              <a:t>Visualize clean and noisy data in experiment 1 using LSH &amp; t-SNE</a:t>
+            </a:r>
             <a:endParaRPr lang="en-US" altLang="zh-TW" b="1" dirty="0"/>
           </a:p>
           <a:p>
@@ -35684,6 +37418,292 @@
 </p:sld>
 </file>
 
+<file path=ppt/slides/slide18.xml><?xml version="1.0" encoding="utf-8"?>
+<p:sld xmlns:a="http://schemas.openxmlformats.org/drawingml/2006/main" xmlns:r="http://schemas.openxmlformats.org/officeDocument/2006/relationships" xmlns:p="http://schemas.openxmlformats.org/presentationml/2006/main">
+  <p:cSld>
+    <p:spTree>
+      <p:nvGrpSpPr>
+        <p:cNvPr id="1" name=""/>
+        <p:cNvGrpSpPr/>
+        <p:nvPr/>
+      </p:nvGrpSpPr>
+      <p:grpSpPr>
+        <a:xfrm>
+          <a:off x="0" y="0"/>
+          <a:ext cx="0" cy="0"/>
+          <a:chOff x="0" y="0"/>
+          <a:chExt cx="0" cy="0"/>
+        </a:xfrm>
+      </p:grpSpPr>
+      <p:sp>
+        <p:nvSpPr>
+          <p:cNvPr id="2" name="標題 1">
+            <a:extLst>
+              <a:ext uri="{FF2B5EF4-FFF2-40B4-BE49-F238E27FC236}">
+                <a16:creationId xmlns:a16="http://schemas.microsoft.com/office/drawing/2014/main" id="{443B1BE0-991C-0266-448F-7C8A0E2CE818}"/>
+              </a:ext>
+            </a:extLst>
+          </p:cNvPr>
+          <p:cNvSpPr>
+            <a:spLocks noGrp="1"/>
+          </p:cNvSpPr>
+          <p:nvPr>
+            <p:ph type="title"/>
+          </p:nvPr>
+        </p:nvSpPr>
+        <p:spPr/>
+        <p:txBody>
+          <a:bodyPr/>
+          <a:lstStyle/>
+          <a:p>
+            <a:r>
+              <a:rPr lang="en-US" altLang="zh-TW" dirty="0"/>
+              <a:t>Conclusion 3</a:t>
+            </a:r>
+            <a:endParaRPr lang="zh-TW" altLang="en-US" dirty="0"/>
+          </a:p>
+        </p:txBody>
+      </p:sp>
+      <p:sp>
+        <p:nvSpPr>
+          <p:cNvPr id="3" name="內容版面配置區 2">
+            <a:extLst>
+              <a:ext uri="{FF2B5EF4-FFF2-40B4-BE49-F238E27FC236}">
+                <a16:creationId xmlns:a16="http://schemas.microsoft.com/office/drawing/2014/main" id="{7AE9BD3C-2078-1D86-8A78-FFCD7F5F44DA}"/>
+              </a:ext>
+            </a:extLst>
+          </p:cNvPr>
+          <p:cNvSpPr>
+            <a:spLocks noGrp="1"/>
+          </p:cNvSpPr>
+          <p:nvPr>
+            <p:ph idx="1"/>
+          </p:nvPr>
+        </p:nvSpPr>
+        <p:spPr/>
+        <p:txBody>
+          <a:bodyPr/>
+          <a:lstStyle/>
+          <a:p>
+            <a:r>
+              <a:rPr lang="en-US" altLang="zh-TW" dirty="0"/>
+              <a:t>Approximation of cosine similarity</a:t>
+            </a:r>
+          </a:p>
+          <a:p>
+            <a:pPr lvl="1"/>
+            <a:r>
+              <a:rPr lang="en-US" altLang="zh-TW" dirty="0"/>
+              <a:t>Locality sensitive hashing is an alternative method if we can only get a model trained with cosine similarity which IMS does not support</a:t>
+            </a:r>
+          </a:p>
+          <a:p>
+            <a:pPr lvl="1"/>
+            <a:endParaRPr lang="en-US" altLang="zh-TW" dirty="0"/>
+          </a:p>
+          <a:p>
+            <a:pPr lvl="1"/>
+            <a:endParaRPr lang="en-US" altLang="zh-TW" dirty="0"/>
+          </a:p>
+          <a:p>
+            <a:pPr lvl="1"/>
+            <a:endParaRPr lang="en-US" altLang="zh-TW" dirty="0"/>
+          </a:p>
+          <a:p>
+            <a:pPr lvl="1"/>
+            <a:endParaRPr lang="en-US" altLang="zh-TW" sz="1100" dirty="0"/>
+          </a:p>
+          <a:p>
+            <a:pPr marL="341312" lvl="1" indent="0">
+              <a:buNone/>
+            </a:pPr>
+            <a:endParaRPr lang="en-US" altLang="zh-TW" dirty="0"/>
+          </a:p>
+          <a:p>
+            <a:r>
+              <a:rPr lang="en-US" altLang="zh-TW" dirty="0"/>
+              <a:t>2-D data visualization</a:t>
+            </a:r>
+          </a:p>
+          <a:p>
+            <a:pPr lvl="1"/>
+            <a:r>
+              <a:rPr lang="en-US" altLang="zh-TW" dirty="0"/>
+              <a:t>LSH converts angular metric to spatial metric which is better for t-SNE</a:t>
+            </a:r>
+          </a:p>
+          <a:p>
+            <a:pPr lvl="1"/>
+            <a:endParaRPr lang="zh-TW" altLang="en-US" dirty="0"/>
+          </a:p>
+        </p:txBody>
+      </p:sp>
+      <p:pic>
+        <p:nvPicPr>
+          <p:cNvPr id="4" name="圖片 3">
+            <a:extLst>
+              <a:ext uri="{FF2B5EF4-FFF2-40B4-BE49-F238E27FC236}">
+                <a16:creationId xmlns:a16="http://schemas.microsoft.com/office/drawing/2014/main" id="{1C1EACDC-F915-0995-6F4F-A3075E33CFAD}"/>
+              </a:ext>
+            </a:extLst>
+          </p:cNvPr>
+          <p:cNvPicPr>
+            <a:picLocks noChangeAspect="1"/>
+          </p:cNvPicPr>
+          <p:nvPr/>
+        </p:nvPicPr>
+        <p:blipFill>
+          <a:blip r:embed="rId3" cstate="print">
+            <a:extLst>
+              <a:ext uri="{28A0092B-C50C-407E-A947-70E740481C1C}">
+                <a14:useLocalDpi xmlns:a14="http://schemas.microsoft.com/office/drawing/2010/main" val="0"/>
+              </a:ext>
+            </a:extLst>
+          </a:blip>
+          <a:stretch>
+            <a:fillRect/>
+          </a:stretch>
+        </p:blipFill>
+        <p:spPr>
+          <a:xfrm>
+            <a:off x="3311860" y="2636644"/>
+            <a:ext cx="2520280" cy="1800200"/>
+          </a:xfrm>
+          <a:prstGeom prst="rect">
+            <a:avLst/>
+          </a:prstGeom>
+        </p:spPr>
+      </p:pic>
+      <p:grpSp>
+        <p:nvGrpSpPr>
+          <p:cNvPr id="14" name="群組 13">
+            <a:extLst>
+              <a:ext uri="{FF2B5EF4-FFF2-40B4-BE49-F238E27FC236}">
+                <a16:creationId xmlns:a16="http://schemas.microsoft.com/office/drawing/2014/main" id="{6B607951-E54B-355D-044B-37E83A7F321B}"/>
+              </a:ext>
+            </a:extLst>
+          </p:cNvPr>
+          <p:cNvGrpSpPr/>
+          <p:nvPr/>
+        </p:nvGrpSpPr>
+        <p:grpSpPr>
+          <a:xfrm>
+            <a:off x="2998669" y="5014414"/>
+            <a:ext cx="3146662" cy="1462586"/>
+            <a:chOff x="2874579" y="5083388"/>
+            <a:chExt cx="3146662" cy="1462586"/>
+          </a:xfrm>
+        </p:grpSpPr>
+        <p:pic>
+          <p:nvPicPr>
+            <p:cNvPr id="6" name="圖片 5">
+              <a:extLst>
+                <a:ext uri="{FF2B5EF4-FFF2-40B4-BE49-F238E27FC236}">
+                  <a16:creationId xmlns:a16="http://schemas.microsoft.com/office/drawing/2014/main" id="{DEA12F62-4395-3E17-1AF4-286E3464EC0D}"/>
+                </a:ext>
+              </a:extLst>
+            </p:cNvPr>
+            <p:cNvPicPr>
+              <a:picLocks noChangeAspect="1"/>
+            </p:cNvPicPr>
+            <p:nvPr/>
+          </p:nvPicPr>
+          <p:blipFill>
+            <a:blip r:embed="rId4"/>
+            <a:srcRect l="30120" t="68257" r="45237" b="6831"/>
+            <a:stretch/>
+          </p:blipFill>
+          <p:spPr>
+            <a:xfrm>
+              <a:off x="5157145" y="5451998"/>
+              <a:ext cx="864096" cy="741268"/>
+            </a:xfrm>
+            <a:prstGeom prst="rect">
+              <a:avLst/>
+            </a:prstGeom>
+          </p:spPr>
+        </p:pic>
+        <p:pic>
+          <p:nvPicPr>
+            <p:cNvPr id="8" name="圖片 7">
+              <a:extLst>
+                <a:ext uri="{FF2B5EF4-FFF2-40B4-BE49-F238E27FC236}">
+                  <a16:creationId xmlns:a16="http://schemas.microsoft.com/office/drawing/2014/main" id="{D1883CE4-6A4C-7EF1-8BA9-302F436FD65D}"/>
+                </a:ext>
+              </a:extLst>
+            </p:cNvPr>
+            <p:cNvPicPr>
+              <a:picLocks noChangeAspect="1"/>
+            </p:cNvPicPr>
+            <p:nvPr/>
+          </p:nvPicPr>
+          <p:blipFill>
+            <a:blip r:embed="rId5"/>
+            <a:stretch>
+              <a:fillRect/>
+            </a:stretch>
+          </p:blipFill>
+          <p:spPr>
+            <a:xfrm>
+              <a:off x="2874579" y="5083388"/>
+              <a:ext cx="999034" cy="1462586"/>
+            </a:xfrm>
+            <a:prstGeom prst="rect">
+              <a:avLst/>
+            </a:prstGeom>
+          </p:spPr>
+        </p:pic>
+        <p:cxnSp>
+          <p:nvCxnSpPr>
+            <p:cNvPr id="9" name="直線單箭頭接點 8">
+              <a:extLst>
+                <a:ext uri="{FF2B5EF4-FFF2-40B4-BE49-F238E27FC236}">
+                  <a16:creationId xmlns:a16="http://schemas.microsoft.com/office/drawing/2014/main" id="{A67979AE-5BC3-3BD8-BB3C-DFE79E2EC3C1}"/>
+                </a:ext>
+              </a:extLst>
+            </p:cNvPr>
+            <p:cNvCxnSpPr>
+              <a:cxnSpLocks/>
+              <a:stCxn id="8" idx="3"/>
+              <a:endCxn id="6" idx="1"/>
+            </p:cNvCxnSpPr>
+            <p:nvPr/>
+          </p:nvCxnSpPr>
+          <p:spPr bwMode="auto">
+            <a:xfrm>
+              <a:off x="3873613" y="5814681"/>
+              <a:ext cx="1283532" cy="7951"/>
+            </a:xfrm>
+            <a:prstGeom prst="straightConnector1">
+              <a:avLst/>
+            </a:prstGeom>
+            <a:noFill/>
+            <a:ln w="19050" cap="flat" cmpd="sng" algn="ctr">
+              <a:solidFill>
+                <a:schemeClr val="tx1"/>
+              </a:solidFill>
+              <a:prstDash val="solid"/>
+              <a:round/>
+              <a:headEnd type="none" w="med" len="med"/>
+              <a:tailEnd type="triangle"/>
+            </a:ln>
+            <a:effectLst/>
+          </p:spPr>
+        </p:cxnSp>
+      </p:grpSp>
+    </p:spTree>
+    <p:extLst>
+      <p:ext uri="{BB962C8B-B14F-4D97-AF65-F5344CB8AC3E}">
+        <p14:creationId xmlns:p14="http://schemas.microsoft.com/office/powerpoint/2010/main" val="3011284421"/>
+      </p:ext>
+    </p:extLst>
+  </p:cSld>
+  <p:clrMapOvr>
+    <a:masterClrMapping/>
+  </p:clrMapOvr>
+</p:sld>
+</file>
+
 <file path=ppt/slides/slide2.xml><?xml version="1.0" encoding="utf-8"?>
 <p:sld xmlns:a="http://schemas.openxmlformats.org/drawingml/2006/main" xmlns:r="http://schemas.openxmlformats.org/officeDocument/2006/relationships" xmlns:p="http://schemas.openxmlformats.org/presentationml/2006/main">
   <p:cSld>
@@ -35730,31 +37750,241 @@
           </a:p>
         </p:txBody>
       </p:sp>
-      <p:sp>
-        <p:nvSpPr>
-          <p:cNvPr id="3" name="內容版面配置區 2">
-            <a:extLst>
-              <a:ext uri="{FF2B5EF4-FFF2-40B4-BE49-F238E27FC236}">
-                <a16:creationId xmlns:a16="http://schemas.microsoft.com/office/drawing/2014/main" id="{7E7F710D-9324-9990-BA9E-93FCAFCC0DF1}"/>
-              </a:ext>
-            </a:extLst>
-          </p:cNvPr>
-          <p:cNvSpPr>
-            <a:spLocks noGrp="1"/>
-          </p:cNvSpPr>
-          <p:nvPr>
-            <p:ph idx="1"/>
-          </p:nvPr>
-        </p:nvSpPr>
-        <p:spPr/>
-        <p:txBody>
-          <a:bodyPr/>
-          <a:lstStyle/>
-          <a:p>
-            <a:endParaRPr lang="zh-TW" altLang="en-US" sz="2400" dirty="0"/>
-          </a:p>
-        </p:txBody>
-      </p:sp>
+      <mc:AlternateContent xmlns:mc="http://schemas.openxmlformats.org/markup-compatibility/2006">
+        <mc:Choice xmlns:a14="http://schemas.microsoft.com/office/drawing/2010/main" Requires="a14">
+          <p:sp>
+            <p:nvSpPr>
+              <p:cNvPr id="3" name="內容版面配置區 2">
+                <a:extLst>
+                  <a:ext uri="{FF2B5EF4-FFF2-40B4-BE49-F238E27FC236}">
+                    <a16:creationId xmlns:a16="http://schemas.microsoft.com/office/drawing/2014/main" id="{7E7F710D-9324-9990-BA9E-93FCAFCC0DF1}"/>
+                  </a:ext>
+                </a:extLst>
+              </p:cNvPr>
+              <p:cNvSpPr>
+                <a:spLocks noGrp="1"/>
+              </p:cNvSpPr>
+              <p:nvPr>
+                <p:ph idx="1"/>
+              </p:nvPr>
+            </p:nvSpPr>
+            <p:spPr>
+              <a:xfrm>
+                <a:off x="381000" y="1676400"/>
+                <a:ext cx="8799512" cy="4800600"/>
+              </a:xfrm>
+            </p:spPr>
+            <p:txBody>
+              <a:bodyPr/>
+              <a:lstStyle/>
+              <a:p>
+                <a:r>
+                  <a:rPr lang="en-US" altLang="zh-TW" dirty="0"/>
+                  <a:t>Method to tackle analog non-idealities in IMS</a:t>
+                </a:r>
+                <a:r>
+                  <a:rPr lang="zh-TW" altLang="en-US" dirty="0"/>
+                  <a:t> </a:t>
+                </a:r>
+                <a:r>
+                  <a:rPr lang="en-US" altLang="zh-TW" dirty="0"/>
+                  <a:t>architecture</a:t>
+                </a:r>
+              </a:p>
+              <a:p>
+                <a:pPr lvl="1"/>
+                <a:r>
+                  <a:rPr lang="en-US" altLang="zh-TW" sz="2000" dirty="0"/>
+                  <a:t>Noise-aware training</a:t>
+                </a:r>
+              </a:p>
+              <a:p>
+                <a:pPr lvl="1"/>
+                <a:r>
+                  <a:rPr lang="en-US" altLang="zh-TW" sz="2000" dirty="0"/>
+                  <a:t>Bayesian neural network</a:t>
+                </a:r>
+              </a:p>
+              <a:p>
+                <a:r>
+                  <a:rPr lang="en-US" altLang="zh-TW" dirty="0"/>
+                  <a:t>Comparison between metrics</a:t>
+                </a:r>
+              </a:p>
+              <a:p>
+                <a:pPr lvl="1"/>
+                <a:r>
+                  <a:rPr lang="en-US" altLang="zh-TW" sz="2000" dirty="0"/>
+                  <a:t>Angular metric</a:t>
+                </a:r>
+              </a:p>
+              <a:p>
+                <a:pPr lvl="2"/>
+                <a:r>
+                  <a:rPr lang="en-US" altLang="zh-TW" sz="2000" dirty="0"/>
+                  <a:t>Cosine similarity</a:t>
+                </a:r>
+              </a:p>
+              <a:p>
+                <a:pPr lvl="1"/>
+                <a:r>
+                  <a:rPr lang="en-US" altLang="zh-TW" sz="2000" dirty="0"/>
+                  <a:t>Spatial metric</a:t>
+                </a:r>
+              </a:p>
+              <a:p>
+                <a:pPr lvl="2"/>
+                <a14:m>
+                  <m:oMath xmlns:m="http://schemas.openxmlformats.org/officeDocument/2006/math">
+                    <m:sSub>
+                      <m:sSubPr>
+                        <m:ctrlPr>
+                          <a:rPr lang="en-US" altLang="zh-TW" sz="2000" b="0" i="1" dirty="0" smtClean="0">
+                            <a:latin typeface="Cambria Math" panose="02040503050406030204" pitchFamily="18" charset="0"/>
+                          </a:rPr>
+                        </m:ctrlPr>
+                      </m:sSubPr>
+                      <m:e>
+                        <m:r>
+                          <m:rPr>
+                            <m:sty m:val="p"/>
+                          </m:rPr>
+                          <a:rPr lang="en-US" altLang="zh-TW" sz="2000" b="0" i="0" dirty="0" smtClean="0">
+                            <a:latin typeface="Cambria Math" panose="02040503050406030204" pitchFamily="18" charset="0"/>
+                          </a:rPr>
+                          <m:t>L</m:t>
+                        </m:r>
+                      </m:e>
+                      <m:sub>
+                        <m:r>
+                          <a:rPr lang="en-US" altLang="zh-TW" sz="2000" b="0" i="0" dirty="0" smtClean="0">
+                            <a:latin typeface="Cambria Math" panose="02040503050406030204" pitchFamily="18" charset="0"/>
+                          </a:rPr>
+                          <m:t>1</m:t>
+                        </m:r>
+                      </m:sub>
+                    </m:sSub>
+                  </m:oMath>
+                </a14:m>
+                <a:r>
+                  <a:rPr lang="en-US" altLang="zh-TW" sz="2000" dirty="0"/>
+                  <a:t>  norm</a:t>
+                </a:r>
+              </a:p>
+              <a:p>
+                <a:pPr lvl="2"/>
+                <a14:m>
+                  <m:oMath xmlns:m="http://schemas.openxmlformats.org/officeDocument/2006/math">
+                    <m:sSub>
+                      <m:sSubPr>
+                        <m:ctrlPr>
+                          <a:rPr lang="en-US" altLang="zh-TW" sz="2000" b="0" i="1" dirty="0" smtClean="0">
+                            <a:latin typeface="Cambria Math" panose="02040503050406030204" pitchFamily="18" charset="0"/>
+                          </a:rPr>
+                        </m:ctrlPr>
+                      </m:sSubPr>
+                      <m:e>
+                        <m:r>
+                          <m:rPr>
+                            <m:sty m:val="p"/>
+                          </m:rPr>
+                          <a:rPr lang="en-US" altLang="zh-TW" sz="2000" b="0" i="0" dirty="0" smtClean="0">
+                            <a:latin typeface="Cambria Math" panose="02040503050406030204" pitchFamily="18" charset="0"/>
+                          </a:rPr>
+                          <m:t>L</m:t>
+                        </m:r>
+                      </m:e>
+                      <m:sub>
+                        <m:r>
+                          <a:rPr lang="en-US" altLang="zh-TW" sz="2000" b="0" i="1" dirty="0" smtClean="0">
+                            <a:latin typeface="Cambria Math" panose="02040503050406030204" pitchFamily="18" charset="0"/>
+                          </a:rPr>
+                          <m:t>∞</m:t>
+                        </m:r>
+                      </m:sub>
+                    </m:sSub>
+                  </m:oMath>
+                </a14:m>
+                <a:r>
+                  <a:rPr lang="en-US" altLang="zh-TW" sz="2000" dirty="0"/>
+                  <a:t> norm</a:t>
+                </a:r>
+              </a:p>
+              <a:p>
+                <a:r>
+                  <a:rPr lang="en-US" altLang="zh-TW" dirty="0"/>
+                  <a:t>Locality sensitive hashing</a:t>
+                </a:r>
+              </a:p>
+              <a:p>
+                <a:pPr lvl="1"/>
+                <a:r>
+                  <a:rPr lang="en-US" altLang="zh-TW" dirty="0"/>
+                  <a:t>Approximation of cosine similarity</a:t>
+                </a:r>
+              </a:p>
+              <a:p>
+                <a:pPr lvl="1"/>
+                <a:r>
+                  <a:rPr lang="en-US" altLang="zh-TW" dirty="0"/>
+                  <a:t>2-D projection of high-dimensional embedding with t-SNE</a:t>
+                </a:r>
+              </a:p>
+              <a:p>
+                <a:pPr lvl="1"/>
+                <a:endParaRPr lang="en-US" altLang="zh-TW" sz="2000" dirty="0"/>
+              </a:p>
+              <a:p>
+                <a:pPr lvl="1"/>
+                <a:endParaRPr lang="zh-TW" altLang="en-US" sz="2000" dirty="0"/>
+              </a:p>
+            </p:txBody>
+          </p:sp>
+        </mc:Choice>
+        <mc:Fallback>
+          <p:sp>
+            <p:nvSpPr>
+              <p:cNvPr id="3" name="內容版面配置區 2">
+                <a:extLst>
+                  <a:ext uri="{FF2B5EF4-FFF2-40B4-BE49-F238E27FC236}">
+                    <a16:creationId xmlns:a16="http://schemas.microsoft.com/office/drawing/2014/main" id="{7E7F710D-9324-9990-BA9E-93FCAFCC0DF1}"/>
+                  </a:ext>
+                </a:extLst>
+              </p:cNvPr>
+              <p:cNvSpPr>
+                <a:spLocks noGrp="1" noRot="1" noChangeAspect="1" noMove="1" noResize="1" noEditPoints="1" noAdjustHandles="1" noChangeArrowheads="1" noChangeShapeType="1" noTextEdit="1"/>
+              </p:cNvSpPr>
+              <p:nvPr>
+                <p:ph idx="1"/>
+              </p:nvPr>
+            </p:nvSpPr>
+            <p:spPr>
+              <a:xfrm>
+                <a:off x="381000" y="1676400"/>
+                <a:ext cx="8799512" cy="4800600"/>
+              </a:xfrm>
+              <a:blipFill>
+                <a:blip r:embed="rId2"/>
+                <a:stretch>
+                  <a:fillRect l="-693" t="-635"/>
+                </a:stretch>
+              </a:blipFill>
+            </p:spPr>
+            <p:txBody>
+              <a:bodyPr/>
+              <a:lstStyle/>
+              <a:p>
+                <a:r>
+                  <a:rPr lang="zh-TW" altLang="en-US">
+                    <a:noFill/>
+                  </a:rPr>
+                  <a:t> </a:t>
+                </a:r>
+              </a:p>
+            </p:txBody>
+          </p:sp>
+        </mc:Fallback>
+      </mc:AlternateContent>
     </p:spTree>
     <p:extLst>
       <p:ext uri="{BB962C8B-B14F-4D97-AF65-F5344CB8AC3E}">

--- a/b11901027_王仁軒.pptx
+++ b/b11901027_王仁軒.pptx
@@ -5653,7 +5653,7 @@
           <a:p>
             <a:fld id="{FE9F37E1-976C-4D68-AAA1-E18BCAC423B3}" type="datetimeFigureOut">
               <a:rPr lang="zh-TW" altLang="en-US" smtClean="0"/>
-              <a:t>2025/5/23</a:t>
+              <a:t>2025/5/24</a:t>
             </a:fld>
             <a:endParaRPr lang="zh-TW" altLang="en-US"/>
           </a:p>
@@ -5818,7 +5818,7 @@
           <a:p>
             <a:fld id="{6F765A04-DEC0-490E-BE54-AD23B90E8F9F}" type="datetimeFigureOut">
               <a:rPr lang="zh-TW" altLang="en-US" smtClean="0"/>
-              <a:t>2025/5/23</a:t>
+              <a:t>2025/5/24</a:t>
             </a:fld>
             <a:endParaRPr lang="zh-TW" altLang="en-US"/>
           </a:p>
@@ -6386,7 +6386,7 @@
           </a:ln>
           <a:extLst>
             <a:ext uri="{91240B29-F687-4f45-9708-019B960494DF}">
-              <a14:hiddenLine xmlns="" xmlns:a14="http://schemas.microsoft.com/office/drawing/2010/main" w="9525">
+              <a14:hiddenLine xmlns:a14="http://schemas.microsoft.com/office/drawing/2010/main" xmlns="" w="9525">
                 <a:solidFill>
                   <a:srgbClr val="000000"/>
                 </a:solidFill>
@@ -6440,14 +6440,14 @@
           </a:ln>
           <a:extLst>
             <a:ext uri="{909E8E84-426E-40dd-AFC4-6F175D3DCCD1}">
-              <a14:hiddenFill xmlns="" xmlns:a14="http://schemas.microsoft.com/office/drawing/2010/main">
+              <a14:hiddenFill xmlns:a14="http://schemas.microsoft.com/office/drawing/2010/main" xmlns="">
                 <a:solidFill>
                   <a:srgbClr val="FFFFFF"/>
                 </a:solidFill>
               </a14:hiddenFill>
             </a:ext>
             <a:ext uri="{91240B29-F687-4f45-9708-019B960494DF}">
-              <a14:hiddenLine xmlns="" xmlns:a14="http://schemas.microsoft.com/office/drawing/2010/main" w="9525">
+              <a14:hiddenLine xmlns:a14="http://schemas.microsoft.com/office/drawing/2010/main" xmlns="" w="9525">
                 <a:solidFill>
                   <a:srgbClr val="000000"/>
                 </a:solidFill>
@@ -6483,7 +6483,7 @@
           </a:ln>
           <a:extLst>
             <a:ext uri="{91240B29-F687-4f45-9708-019B960494DF}">
-              <a14:hiddenLine xmlns="" xmlns:a14="http://schemas.microsoft.com/office/drawing/2010/main" w="9525">
+              <a14:hiddenLine xmlns:a14="http://schemas.microsoft.com/office/drawing/2010/main" xmlns="" w="9525">
                 <a:solidFill>
                   <a:srgbClr val="000000"/>
                 </a:solidFill>
@@ -6799,7 +6799,7 @@
           </a:ln>
           <a:extLst>
             <a:ext uri="{91240B29-F687-4f45-9708-019B960494DF}">
-              <a14:hiddenLine xmlns="" xmlns:a14="http://schemas.microsoft.com/office/drawing/2010/main" w="9525">
+              <a14:hiddenLine xmlns:a14="http://schemas.microsoft.com/office/drawing/2010/main" xmlns="" w="9525">
                 <a:solidFill>
                   <a:srgbClr val="000000"/>
                 </a:solidFill>
@@ -6850,7 +6850,7 @@
           </a:ln>
           <a:extLst>
             <a:ext uri="{91240B29-F687-4f45-9708-019B960494DF}">
-              <a14:hiddenLine xmlns="" xmlns:a14="http://schemas.microsoft.com/office/drawing/2010/main" w="9525">
+              <a14:hiddenLine xmlns:a14="http://schemas.microsoft.com/office/drawing/2010/main" xmlns="" w="9525">
                 <a:solidFill>
                   <a:srgbClr val="000000"/>
                 </a:solidFill>
@@ -18080,7 +18080,7 @@
           </a:ln>
           <a:extLst>
             <a:ext uri="{91240B29-F687-4f45-9708-019B960494DF}">
-              <a14:hiddenLine xmlns="" xmlns:a14="http://schemas.microsoft.com/office/drawing/2010/main" w="9525">
+              <a14:hiddenLine xmlns:a14="http://schemas.microsoft.com/office/drawing/2010/main" xmlns="" w="9525">
                 <a:solidFill>
                   <a:srgbClr val="000000"/>
                 </a:solidFill>
@@ -18409,14 +18409,14 @@
           </a:ln>
           <a:extLst>
             <a:ext uri="{909E8E84-426E-40dd-AFC4-6F175D3DCCD1}">
-              <a14:hiddenFill xmlns="" xmlns:a14="http://schemas.microsoft.com/office/drawing/2010/main">
+              <a14:hiddenFill xmlns:a14="http://schemas.microsoft.com/office/drawing/2010/main" xmlns="">
                 <a:solidFill>
                   <a:srgbClr val="FFFFFF"/>
                 </a:solidFill>
               </a14:hiddenFill>
             </a:ext>
             <a:ext uri="{91240B29-F687-4f45-9708-019B960494DF}">
-              <a14:hiddenLine xmlns="" xmlns:a14="http://schemas.microsoft.com/office/drawing/2010/main" w="9525">
+              <a14:hiddenLine xmlns:a14="http://schemas.microsoft.com/office/drawing/2010/main" xmlns="" w="9525">
                 <a:solidFill>
                   <a:srgbClr val="000000"/>
                 </a:solidFill>
@@ -18492,14 +18492,14 @@
           </a:ln>
           <a:extLst>
             <a:ext uri="{909E8E84-426E-40dd-AFC4-6F175D3DCCD1}">
-              <a14:hiddenFill xmlns="" xmlns:a14="http://schemas.microsoft.com/office/drawing/2010/main">
+              <a14:hiddenFill xmlns:a14="http://schemas.microsoft.com/office/drawing/2010/main" xmlns="">
                 <a:solidFill>
                   <a:srgbClr val="FFFFFF"/>
                 </a:solidFill>
               </a14:hiddenFill>
             </a:ext>
             <a:ext uri="{91240B29-F687-4f45-9708-019B960494DF}">
-              <a14:hiddenLine xmlns="" xmlns:a14="http://schemas.microsoft.com/office/drawing/2010/main" w="9525">
+              <a14:hiddenLine xmlns:a14="http://schemas.microsoft.com/office/drawing/2010/main" xmlns="" w="9525">
                 <a:solidFill>
                   <a:srgbClr val="000000"/>
                 </a:solidFill>
@@ -18570,14 +18570,14 @@
           </a:ln>
           <a:extLst>
             <a:ext uri="{909E8E84-426E-40dd-AFC4-6F175D3DCCD1}">
-              <a14:hiddenFill xmlns="" xmlns:a14="http://schemas.microsoft.com/office/drawing/2010/main">
+              <a14:hiddenFill xmlns:a14="http://schemas.microsoft.com/office/drawing/2010/main" xmlns="">
                 <a:solidFill>
                   <a:srgbClr val="FFFFFF"/>
                 </a:solidFill>
               </a14:hiddenFill>
             </a:ext>
             <a:ext uri="{91240B29-F687-4f45-9708-019B960494DF}">
-              <a14:hiddenLine xmlns="" xmlns:a14="http://schemas.microsoft.com/office/drawing/2010/main" w="9525">
+              <a14:hiddenLine xmlns:a14="http://schemas.microsoft.com/office/drawing/2010/main" xmlns="" w="9525">
                 <a:solidFill>
                   <a:srgbClr val="000000"/>
                 </a:solidFill>
@@ -18640,7 +18640,7 @@
           </a:ln>
           <a:extLst>
             <a:ext uri="{91240B29-F687-4f45-9708-019B960494DF}">
-              <a14:hiddenLine xmlns="" xmlns:a14="http://schemas.microsoft.com/office/drawing/2010/main" w="9525">
+              <a14:hiddenLine xmlns:a14="http://schemas.microsoft.com/office/drawing/2010/main" xmlns="" w="9525">
                 <a:solidFill>
                   <a:srgbClr val="000000"/>
                 </a:solidFill>
@@ -26149,7 +26149,7 @@
           <a:p>
             <a:r>
               <a:rPr lang="en-US" altLang="zh-TW" dirty="0"/>
-              <a:t>Date : 2025/05/02</a:t>
+              <a:t>Date : 2025/06/??</a:t>
             </a:r>
             <a:endParaRPr lang="zh-TW" altLang="en-US" dirty="0"/>
           </a:p>
@@ -37750,8 +37750,8 @@
           </a:p>
         </p:txBody>
       </p:sp>
-      <mc:AlternateContent xmlns:mc="http://schemas.openxmlformats.org/markup-compatibility/2006">
-        <mc:Choice xmlns:a14="http://schemas.microsoft.com/office/drawing/2010/main" Requires="a14">
+      <mc:AlternateContent xmlns:mc="http://schemas.openxmlformats.org/markup-compatibility/2006" xmlns:a14="http://schemas.microsoft.com/office/drawing/2010/main">
+        <mc:Choice Requires="a14">
           <p:sp>
             <p:nvSpPr>
               <p:cNvPr id="3" name="內容版面配置區 2">
@@ -37941,7 +37941,7 @@
             </p:txBody>
           </p:sp>
         </mc:Choice>
-        <mc:Fallback>
+        <mc:Fallback xmlns="">
           <p:sp>
             <p:nvSpPr>
               <p:cNvPr id="3" name="內容版面配置區 2">

--- a/b11901027_王仁軒.pptx
+++ b/b11901027_王仁軒.pptx
@@ -11,10 +11,10 @@
     <p:sldMasterId id="2147483718" r:id="rId7"/>
   </p:sldMasterIdLst>
   <p:notesMasterIdLst>
-    <p:notesMasterId r:id="rId26"/>
+    <p:notesMasterId r:id="rId31"/>
   </p:notesMasterIdLst>
   <p:handoutMasterIdLst>
-    <p:handoutMasterId r:id="rId27"/>
+    <p:handoutMasterId r:id="rId32"/>
   </p:handoutMasterIdLst>
   <p:sldIdLst>
     <p:sldId id="256" r:id="rId8"/>
@@ -35,6 +35,11 @@
     <p:sldId id="277" r:id="rId23"/>
     <p:sldId id="278" r:id="rId24"/>
     <p:sldId id="286" r:id="rId25"/>
+    <p:sldId id="287" r:id="rId26"/>
+    <p:sldId id="288" r:id="rId27"/>
+    <p:sldId id="289" r:id="rId28"/>
+    <p:sldId id="290" r:id="rId29"/>
+    <p:sldId id="291" r:id="rId30"/>
   </p:sldIdLst>
   <p:sldSz cx="9144000" cy="6858000" type="screen4x3"/>
   <p:notesSz cx="9874250" cy="6797675"/>
@@ -5653,7 +5658,7 @@
           <a:p>
             <a:fld id="{FE9F37E1-976C-4D68-AAA1-E18BCAC423B3}" type="datetimeFigureOut">
               <a:rPr lang="zh-TW" altLang="en-US" smtClean="0"/>
-              <a:t>2025/5/24</a:t>
+              <a:t>2025/5/29</a:t>
             </a:fld>
             <a:endParaRPr lang="zh-TW" altLang="en-US"/>
           </a:p>
@@ -5818,7 +5823,7 @@
           <a:p>
             <a:fld id="{6F765A04-DEC0-490E-BE54-AD23B90E8F9F}" type="datetimeFigureOut">
               <a:rPr lang="zh-TW" altLang="en-US" smtClean="0"/>
-              <a:t>2025/5/24</a:t>
+              <a:t>2025/5/29</a:t>
             </a:fld>
             <a:endParaRPr lang="zh-TW" altLang="en-US"/>
           </a:p>
@@ -6386,7 +6391,7 @@
           </a:ln>
           <a:extLst>
             <a:ext uri="{91240B29-F687-4f45-9708-019B960494DF}">
-              <a14:hiddenLine xmlns:a14="http://schemas.microsoft.com/office/drawing/2010/main" xmlns="" w="9525">
+              <a14:hiddenLine xmlns="" xmlns:a14="http://schemas.microsoft.com/office/drawing/2010/main" w="9525">
                 <a:solidFill>
                   <a:srgbClr val="000000"/>
                 </a:solidFill>
@@ -6440,14 +6445,14 @@
           </a:ln>
           <a:extLst>
             <a:ext uri="{909E8E84-426E-40dd-AFC4-6F175D3DCCD1}">
-              <a14:hiddenFill xmlns:a14="http://schemas.microsoft.com/office/drawing/2010/main" xmlns="">
+              <a14:hiddenFill xmlns="" xmlns:a14="http://schemas.microsoft.com/office/drawing/2010/main">
                 <a:solidFill>
                   <a:srgbClr val="FFFFFF"/>
                 </a:solidFill>
               </a14:hiddenFill>
             </a:ext>
             <a:ext uri="{91240B29-F687-4f45-9708-019B960494DF}">
-              <a14:hiddenLine xmlns:a14="http://schemas.microsoft.com/office/drawing/2010/main" xmlns="" w="9525">
+              <a14:hiddenLine xmlns="" xmlns:a14="http://schemas.microsoft.com/office/drawing/2010/main" w="9525">
                 <a:solidFill>
                   <a:srgbClr val="000000"/>
                 </a:solidFill>
@@ -6483,7 +6488,7 @@
           </a:ln>
           <a:extLst>
             <a:ext uri="{91240B29-F687-4f45-9708-019B960494DF}">
-              <a14:hiddenLine xmlns:a14="http://schemas.microsoft.com/office/drawing/2010/main" xmlns="" w="9525">
+              <a14:hiddenLine xmlns="" xmlns:a14="http://schemas.microsoft.com/office/drawing/2010/main" w="9525">
                 <a:solidFill>
                   <a:srgbClr val="000000"/>
                 </a:solidFill>
@@ -6799,7 +6804,7 @@
           </a:ln>
           <a:extLst>
             <a:ext uri="{91240B29-F687-4f45-9708-019B960494DF}">
-              <a14:hiddenLine xmlns:a14="http://schemas.microsoft.com/office/drawing/2010/main" xmlns="" w="9525">
+              <a14:hiddenLine xmlns="" xmlns:a14="http://schemas.microsoft.com/office/drawing/2010/main" w="9525">
                 <a:solidFill>
                   <a:srgbClr val="000000"/>
                 </a:solidFill>
@@ -6850,7 +6855,7 @@
           </a:ln>
           <a:extLst>
             <a:ext uri="{91240B29-F687-4f45-9708-019B960494DF}">
-              <a14:hiddenLine xmlns:a14="http://schemas.microsoft.com/office/drawing/2010/main" xmlns="" w="9525">
+              <a14:hiddenLine xmlns="" xmlns:a14="http://schemas.microsoft.com/office/drawing/2010/main" w="9525">
                 <a:solidFill>
                   <a:srgbClr val="000000"/>
                 </a:solidFill>
@@ -18080,7 +18085,7 @@
           </a:ln>
           <a:extLst>
             <a:ext uri="{91240B29-F687-4f45-9708-019B960494DF}">
-              <a14:hiddenLine xmlns:a14="http://schemas.microsoft.com/office/drawing/2010/main" xmlns="" w="9525">
+              <a14:hiddenLine xmlns="" xmlns:a14="http://schemas.microsoft.com/office/drawing/2010/main" w="9525">
                 <a:solidFill>
                   <a:srgbClr val="000000"/>
                 </a:solidFill>
@@ -18409,14 +18414,14 @@
           </a:ln>
           <a:extLst>
             <a:ext uri="{909E8E84-426E-40dd-AFC4-6F175D3DCCD1}">
-              <a14:hiddenFill xmlns:a14="http://schemas.microsoft.com/office/drawing/2010/main" xmlns="">
+              <a14:hiddenFill xmlns="" xmlns:a14="http://schemas.microsoft.com/office/drawing/2010/main">
                 <a:solidFill>
                   <a:srgbClr val="FFFFFF"/>
                 </a:solidFill>
               </a14:hiddenFill>
             </a:ext>
             <a:ext uri="{91240B29-F687-4f45-9708-019B960494DF}">
-              <a14:hiddenLine xmlns:a14="http://schemas.microsoft.com/office/drawing/2010/main" xmlns="" w="9525">
+              <a14:hiddenLine xmlns="" xmlns:a14="http://schemas.microsoft.com/office/drawing/2010/main" w="9525">
                 <a:solidFill>
                   <a:srgbClr val="000000"/>
                 </a:solidFill>
@@ -18492,14 +18497,14 @@
           </a:ln>
           <a:extLst>
             <a:ext uri="{909E8E84-426E-40dd-AFC4-6F175D3DCCD1}">
-              <a14:hiddenFill xmlns:a14="http://schemas.microsoft.com/office/drawing/2010/main" xmlns="">
+              <a14:hiddenFill xmlns="" xmlns:a14="http://schemas.microsoft.com/office/drawing/2010/main">
                 <a:solidFill>
                   <a:srgbClr val="FFFFFF"/>
                 </a:solidFill>
               </a14:hiddenFill>
             </a:ext>
             <a:ext uri="{91240B29-F687-4f45-9708-019B960494DF}">
-              <a14:hiddenLine xmlns:a14="http://schemas.microsoft.com/office/drawing/2010/main" xmlns="" w="9525">
+              <a14:hiddenLine xmlns="" xmlns:a14="http://schemas.microsoft.com/office/drawing/2010/main" w="9525">
                 <a:solidFill>
                   <a:srgbClr val="000000"/>
                 </a:solidFill>
@@ -18570,14 +18575,14 @@
           </a:ln>
           <a:extLst>
             <a:ext uri="{909E8E84-426E-40dd-AFC4-6F175D3DCCD1}">
-              <a14:hiddenFill xmlns:a14="http://schemas.microsoft.com/office/drawing/2010/main" xmlns="">
+              <a14:hiddenFill xmlns="" xmlns:a14="http://schemas.microsoft.com/office/drawing/2010/main">
                 <a:solidFill>
                   <a:srgbClr val="FFFFFF"/>
                 </a:solidFill>
               </a14:hiddenFill>
             </a:ext>
             <a:ext uri="{91240B29-F687-4f45-9708-019B960494DF}">
-              <a14:hiddenLine xmlns:a14="http://schemas.microsoft.com/office/drawing/2010/main" xmlns="" w="9525">
+              <a14:hiddenLine xmlns="" xmlns:a14="http://schemas.microsoft.com/office/drawing/2010/main" w="9525">
                 <a:solidFill>
                   <a:srgbClr val="000000"/>
                 </a:solidFill>
@@ -18640,7 +18645,7 @@
           </a:ln>
           <a:extLst>
             <a:ext uri="{91240B29-F687-4f45-9708-019B960494DF}">
-              <a14:hiddenLine xmlns:a14="http://schemas.microsoft.com/office/drawing/2010/main" xmlns="" w="9525">
+              <a14:hiddenLine xmlns="" xmlns:a14="http://schemas.microsoft.com/office/drawing/2010/main" w="9525">
                 <a:solidFill>
                   <a:srgbClr val="000000"/>
                 </a:solidFill>
@@ -37704,6 +37709,320 @@
 </p:sld>
 </file>
 
+<file path=ppt/slides/slide19.xml><?xml version="1.0" encoding="utf-8"?>
+<p:sld xmlns:a="http://schemas.openxmlformats.org/drawingml/2006/main" xmlns:r="http://schemas.openxmlformats.org/officeDocument/2006/relationships" xmlns:p="http://schemas.openxmlformats.org/presentationml/2006/main">
+  <p:cSld>
+    <p:spTree>
+      <p:nvGrpSpPr>
+        <p:cNvPr id="1" name=""/>
+        <p:cNvGrpSpPr/>
+        <p:nvPr/>
+      </p:nvGrpSpPr>
+      <p:grpSpPr>
+        <a:xfrm>
+          <a:off x="0" y="0"/>
+          <a:ext cx="0" cy="0"/>
+          <a:chOff x="0" y="0"/>
+          <a:chExt cx="0" cy="0"/>
+        </a:xfrm>
+      </p:grpSpPr>
+      <p:sp>
+        <p:nvSpPr>
+          <p:cNvPr id="2" name="標題 1">
+            <a:extLst>
+              <a:ext uri="{FF2B5EF4-FFF2-40B4-BE49-F238E27FC236}">
+                <a16:creationId xmlns:a16="http://schemas.microsoft.com/office/drawing/2014/main" id="{91A3DF21-3579-F425-187E-2004CCB883CA}"/>
+              </a:ext>
+            </a:extLst>
+          </p:cNvPr>
+          <p:cNvSpPr>
+            <a:spLocks noGrp="1"/>
+          </p:cNvSpPr>
+          <p:nvPr>
+            <p:ph type="title"/>
+          </p:nvPr>
+        </p:nvSpPr>
+        <p:spPr/>
+        <p:txBody>
+          <a:bodyPr/>
+          <a:lstStyle/>
+          <a:p>
+            <a:r>
+              <a:rPr lang="en-US" altLang="zh-TW" dirty="0"/>
+              <a:t>A</a:t>
+            </a:r>
+            <a:r>
+              <a:rPr lang="zh-TW" altLang="en-US" dirty="0"/>
+              <a:t> </a:t>
+            </a:r>
+            <a:r>
+              <a:rPr lang="en-US" altLang="zh-TW" dirty="0"/>
+              <a:t>General Way to Resolve Metric Issue</a:t>
+            </a:r>
+            <a:endParaRPr lang="zh-TW" altLang="en-US" dirty="0"/>
+          </a:p>
+        </p:txBody>
+      </p:sp>
+      <p:sp>
+        <p:nvSpPr>
+          <p:cNvPr id="3" name="內容版面配置區 2">
+            <a:extLst>
+              <a:ext uri="{FF2B5EF4-FFF2-40B4-BE49-F238E27FC236}">
+                <a16:creationId xmlns:a16="http://schemas.microsoft.com/office/drawing/2014/main" id="{ACE697A3-462D-3262-DC7C-A6511A1EEB60}"/>
+              </a:ext>
+            </a:extLst>
+          </p:cNvPr>
+          <p:cNvSpPr>
+            <a:spLocks noGrp="1"/>
+          </p:cNvSpPr>
+          <p:nvPr>
+            <p:ph idx="1"/>
+          </p:nvPr>
+        </p:nvSpPr>
+        <p:spPr/>
+        <p:txBody>
+          <a:bodyPr/>
+          <a:lstStyle/>
+          <a:p>
+            <a:r>
+              <a:rPr lang="en-US" altLang="zh-TW" dirty="0"/>
+              <a:t>Can we train a general model that has acceptable accuracy on each distance metric? </a:t>
+            </a:r>
+          </a:p>
+          <a:p>
+            <a:pPr lvl="1"/>
+            <a:r>
+              <a:rPr lang="en-US" altLang="zh-TW" dirty="0"/>
+              <a:t>View different metric as a noisy version of cosine similarity</a:t>
+            </a:r>
+          </a:p>
+          <a:p>
+            <a:pPr lvl="1"/>
+            <a:r>
+              <a:rPr lang="en-US" altLang="zh-TW" dirty="0"/>
+              <a:t>Train a noise-resilient model using cosine similarity</a:t>
+            </a:r>
+          </a:p>
+          <a:p>
+            <a:pPr lvl="1"/>
+            <a:endParaRPr lang="en-US" altLang="zh-TW" dirty="0"/>
+          </a:p>
+          <a:p>
+            <a:pPr lvl="1"/>
+            <a:endParaRPr lang="en-US" altLang="zh-TW" dirty="0"/>
+          </a:p>
+          <a:p>
+            <a:pPr lvl="1"/>
+            <a:endParaRPr lang="en-US" altLang="zh-TW" dirty="0"/>
+          </a:p>
+          <a:p>
+            <a:pPr lvl="1"/>
+            <a:endParaRPr lang="en-US" altLang="zh-TW" dirty="0"/>
+          </a:p>
+          <a:p>
+            <a:pPr lvl="1"/>
+            <a:endParaRPr lang="en-US" altLang="zh-TW" dirty="0"/>
+          </a:p>
+        </p:txBody>
+      </p:sp>
+      <p:sp>
+        <p:nvSpPr>
+          <p:cNvPr id="9" name="文字方塊 8">
+            <a:extLst>
+              <a:ext uri="{FF2B5EF4-FFF2-40B4-BE49-F238E27FC236}">
+                <a16:creationId xmlns:a16="http://schemas.microsoft.com/office/drawing/2014/main" id="{65691CE3-83F7-34FF-953B-B94436EE7F68}"/>
+              </a:ext>
+            </a:extLst>
+          </p:cNvPr>
+          <p:cNvSpPr txBox="1"/>
+          <p:nvPr/>
+        </p:nvSpPr>
+        <p:spPr>
+          <a:xfrm>
+            <a:off x="6948264" y="3738146"/>
+            <a:ext cx="1493912" cy="338554"/>
+          </a:xfrm>
+          <a:prstGeom prst="rect">
+            <a:avLst/>
+          </a:prstGeom>
+          <a:noFill/>
+          <a:ln w="12700">
+            <a:solidFill>
+              <a:schemeClr val="tx1"/>
+            </a:solidFill>
+          </a:ln>
+        </p:spPr>
+        <p:txBody>
+          <a:bodyPr wrap="square">
+            <a:spAutoFit/>
+          </a:bodyPr>
+          <a:lstStyle/>
+          <a:p>
+            <a:pPr algn="ctr"/>
+            <a:r>
+              <a:rPr lang="en-US" altLang="zh-TW" sz="1600" dirty="0"/>
+              <a:t>Bayesian NN </a:t>
+            </a:r>
+            <a:endParaRPr lang="zh-TW" altLang="en-US" sz="1600" dirty="0"/>
+          </a:p>
+        </p:txBody>
+      </p:sp>
+      <p:sp>
+        <p:nvSpPr>
+          <p:cNvPr id="11" name="文字方塊 10">
+            <a:extLst>
+              <a:ext uri="{FF2B5EF4-FFF2-40B4-BE49-F238E27FC236}">
+                <a16:creationId xmlns:a16="http://schemas.microsoft.com/office/drawing/2014/main" id="{2B66C078-BC94-6453-2599-BF019A4B3936}"/>
+              </a:ext>
+            </a:extLst>
+          </p:cNvPr>
+          <p:cNvSpPr txBox="1"/>
+          <p:nvPr/>
+        </p:nvSpPr>
+        <p:spPr>
+          <a:xfrm>
+            <a:off x="3851920" y="3738146"/>
+            <a:ext cx="2160240" cy="338554"/>
+          </a:xfrm>
+          <a:prstGeom prst="rect">
+            <a:avLst/>
+          </a:prstGeom>
+          <a:noFill/>
+          <a:ln w="12700">
+            <a:solidFill>
+              <a:schemeClr val="tx1"/>
+            </a:solidFill>
+          </a:ln>
+        </p:spPr>
+        <p:txBody>
+          <a:bodyPr wrap="square">
+            <a:spAutoFit/>
+          </a:bodyPr>
+          <a:lstStyle/>
+          <a:p>
+            <a:pPr algn="ctr"/>
+            <a:r>
+              <a:rPr lang="en-US" altLang="zh-TW" sz="1600" dirty="0"/>
+              <a:t>Noise-aware model</a:t>
+            </a:r>
+            <a:endParaRPr lang="zh-TW" altLang="en-US" sz="1600" dirty="0"/>
+          </a:p>
+        </p:txBody>
+      </p:sp>
+      <p:cxnSp>
+        <p:nvCxnSpPr>
+          <p:cNvPr id="13" name="直線單箭頭接點 12">
+            <a:extLst>
+              <a:ext uri="{FF2B5EF4-FFF2-40B4-BE49-F238E27FC236}">
+                <a16:creationId xmlns:a16="http://schemas.microsoft.com/office/drawing/2014/main" id="{36335AAC-54D0-57F1-C2D2-4D360225F70E}"/>
+              </a:ext>
+            </a:extLst>
+          </p:cNvPr>
+          <p:cNvCxnSpPr>
+            <a:cxnSpLocks/>
+          </p:cNvCxnSpPr>
+          <p:nvPr/>
+        </p:nvCxnSpPr>
+        <p:spPr bwMode="auto">
+          <a:xfrm>
+            <a:off x="4860032" y="4076700"/>
+            <a:ext cx="360040" cy="424036"/>
+          </a:xfrm>
+          <a:prstGeom prst="straightConnector1">
+            <a:avLst/>
+          </a:prstGeom>
+          <a:noFill/>
+          <a:ln w="28575" cap="flat" cmpd="sng" algn="ctr">
+            <a:solidFill>
+              <a:schemeClr val="tx1"/>
+            </a:solidFill>
+            <a:prstDash val="solid"/>
+            <a:round/>
+            <a:headEnd type="none" w="med" len="med"/>
+            <a:tailEnd type="triangle"/>
+          </a:ln>
+          <a:effectLst/>
+        </p:spPr>
+      </p:cxnSp>
+      <p:cxnSp>
+        <p:nvCxnSpPr>
+          <p:cNvPr id="15" name="直線單箭頭接點 14">
+            <a:extLst>
+              <a:ext uri="{FF2B5EF4-FFF2-40B4-BE49-F238E27FC236}">
+                <a16:creationId xmlns:a16="http://schemas.microsoft.com/office/drawing/2014/main" id="{99CFD7B0-FAFB-06F6-0902-96D9629ADD53}"/>
+              </a:ext>
+            </a:extLst>
+          </p:cNvPr>
+          <p:cNvCxnSpPr>
+            <a:cxnSpLocks/>
+            <a:stCxn id="9" idx="2"/>
+          </p:cNvCxnSpPr>
+          <p:nvPr/>
+        </p:nvCxnSpPr>
+        <p:spPr bwMode="auto">
+          <a:xfrm flipH="1">
+            <a:off x="7268462" y="4076700"/>
+            <a:ext cx="426758" cy="424036"/>
+          </a:xfrm>
+          <a:prstGeom prst="straightConnector1">
+            <a:avLst/>
+          </a:prstGeom>
+          <a:noFill/>
+          <a:ln w="28575" cap="flat" cmpd="sng" algn="ctr">
+            <a:solidFill>
+              <a:schemeClr val="tx1"/>
+            </a:solidFill>
+            <a:prstDash val="solid"/>
+            <a:round/>
+            <a:headEnd type="none" w="med" len="med"/>
+            <a:tailEnd type="triangle"/>
+          </a:ln>
+          <a:effectLst/>
+        </p:spPr>
+      </p:cxnSp>
+      <p:pic>
+        <p:nvPicPr>
+          <p:cNvPr id="6" name="圖片 5">
+            <a:extLst>
+              <a:ext uri="{FF2B5EF4-FFF2-40B4-BE49-F238E27FC236}">
+                <a16:creationId xmlns:a16="http://schemas.microsoft.com/office/drawing/2014/main" id="{F03F2681-3213-DBE2-C891-667FF152B882}"/>
+              </a:ext>
+            </a:extLst>
+          </p:cNvPr>
+          <p:cNvPicPr>
+            <a:picLocks noChangeAspect="1"/>
+          </p:cNvPicPr>
+          <p:nvPr/>
+        </p:nvPicPr>
+        <p:blipFill>
+          <a:blip r:embed="rId2"/>
+          <a:stretch>
+            <a:fillRect/>
+          </a:stretch>
+        </p:blipFill>
+        <p:spPr>
+          <a:xfrm>
+            <a:off x="1115616" y="4577221"/>
+            <a:ext cx="7344816" cy="1882144"/>
+          </a:xfrm>
+          <a:prstGeom prst="rect">
+            <a:avLst/>
+          </a:prstGeom>
+        </p:spPr>
+      </p:pic>
+    </p:spTree>
+    <p:extLst>
+      <p:ext uri="{BB962C8B-B14F-4D97-AF65-F5344CB8AC3E}">
+        <p14:creationId xmlns:p14="http://schemas.microsoft.com/office/powerpoint/2010/main" val="3613274845"/>
+      </p:ext>
+    </p:extLst>
+  </p:cSld>
+  <p:clrMapOvr>
+    <a:masterClrMapping/>
+  </p:clrMapOvr>
+</p:sld>
+</file>
+
 <file path=ppt/slides/slide2.xml><?xml version="1.0" encoding="utf-8"?>
 <p:sld xmlns:a="http://schemas.openxmlformats.org/drawingml/2006/main" xmlns:r="http://schemas.openxmlformats.org/officeDocument/2006/relationships" xmlns:p="http://schemas.openxmlformats.org/presentationml/2006/main">
   <p:cSld>
@@ -37750,6 +38069,1177 @@
           </a:p>
         </p:txBody>
       </p:sp>
+      <p:sp>
+        <p:nvSpPr>
+          <p:cNvPr id="4" name="矩形: 圓角 3">
+            <a:extLst>
+              <a:ext uri="{FF2B5EF4-FFF2-40B4-BE49-F238E27FC236}">
+                <a16:creationId xmlns:a16="http://schemas.microsoft.com/office/drawing/2014/main" id="{2BA6BC60-41E9-4227-115F-7FA9171D5863}"/>
+              </a:ext>
+            </a:extLst>
+          </p:cNvPr>
+          <p:cNvSpPr/>
+          <p:nvPr/>
+        </p:nvSpPr>
+        <p:spPr bwMode="auto">
+          <a:xfrm>
+            <a:off x="467544" y="1772816"/>
+            <a:ext cx="3456384" cy="1224136"/>
+          </a:xfrm>
+          <a:prstGeom prst="roundRect">
+            <a:avLst>
+              <a:gd name="adj" fmla="val 20817"/>
+            </a:avLst>
+          </a:prstGeom>
+          <a:noFill/>
+          <a:ln w="19050" cap="flat" cmpd="sng" algn="ctr">
+            <a:solidFill>
+              <a:srgbClr val="0000FF"/>
+            </a:solidFill>
+            <a:prstDash val="solid"/>
+            <a:round/>
+            <a:headEnd type="none" w="med" len="med"/>
+            <a:tailEnd type="triangle" w="med" len="med"/>
+          </a:ln>
+          <a:effectLst/>
+        </p:spPr>
+        <p:txBody>
+          <a:bodyPr vert="horz" wrap="square" lIns="91440" tIns="45720" rIns="91440" bIns="45720" numCol="1" rtlCol="0" anchor="t" anchorCtr="0" compatLnSpc="1">
+            <a:prstTxWarp prst="textNoShape">
+              <a:avLst/>
+            </a:prstTxWarp>
+          </a:bodyPr>
+          <a:lstStyle/>
+          <a:p>
+            <a:pPr marL="341313" marR="0" lvl="0" indent="-341313" algn="l" defTabSz="914400" rtl="0" eaLnBrk="1" fontAlgn="base" latinLnBrk="0" hangingPunct="1">
+              <a:lnSpc>
+                <a:spcPct val="100000"/>
+              </a:lnSpc>
+              <a:spcBef>
+                <a:spcPct val="20000"/>
+              </a:spcBef>
+              <a:spcAft>
+                <a:spcPct val="0"/>
+              </a:spcAft>
+              <a:buClr>
+                <a:srgbClr val="3333CC"/>
+              </a:buClr>
+              <a:buSzTx/>
+              <a:buFont typeface="Wingdings" pitchFamily="2" charset="2"/>
+              <a:buChar char="v"/>
+              <a:tabLst/>
+              <a:defRPr/>
+            </a:pPr>
+            <a:r>
+              <a:rPr kumimoji="1" lang="en-US" altLang="zh-TW" sz="1600" b="0" i="0" u="none" strike="noStrike" kern="0" cap="none" spc="0" normalizeH="0" baseline="0" noProof="0" dirty="0">
+                <a:ln>
+                  <a:noFill/>
+                </a:ln>
+                <a:solidFill>
+                  <a:prstClr val="black"/>
+                </a:solidFill>
+                <a:effectLst/>
+                <a:uLnTx/>
+                <a:uFillTx/>
+                <a:latin typeface="Arial"/>
+                <a:ea typeface="標楷體" pitchFamily="65" charset="-120"/>
+              </a:rPr>
+              <a:t>Method to tackle analog non-idealities in IMS</a:t>
+            </a:r>
+            <a:r>
+              <a:rPr kumimoji="1" lang="zh-TW" altLang="en-US" sz="1600" b="0" i="0" u="none" strike="noStrike" kern="0" cap="none" spc="0" normalizeH="0" baseline="0" noProof="0" dirty="0">
+                <a:ln>
+                  <a:noFill/>
+                </a:ln>
+                <a:solidFill>
+                  <a:prstClr val="black"/>
+                </a:solidFill>
+                <a:effectLst/>
+                <a:uLnTx/>
+                <a:uFillTx/>
+                <a:latin typeface="Arial"/>
+                <a:ea typeface="標楷體" pitchFamily="65" charset="-120"/>
+              </a:rPr>
+              <a:t> </a:t>
+            </a:r>
+            <a:r>
+              <a:rPr kumimoji="1" lang="en-US" altLang="zh-TW" sz="1600" b="0" i="0" u="none" strike="noStrike" kern="0" cap="none" spc="0" normalizeH="0" baseline="0" noProof="0" dirty="0">
+                <a:ln>
+                  <a:noFill/>
+                </a:ln>
+                <a:solidFill>
+                  <a:prstClr val="black"/>
+                </a:solidFill>
+                <a:effectLst/>
+                <a:uLnTx/>
+                <a:uFillTx/>
+                <a:latin typeface="Arial"/>
+                <a:ea typeface="標楷體" pitchFamily="65" charset="-120"/>
+              </a:rPr>
+              <a:t>architecture</a:t>
+            </a:r>
+          </a:p>
+          <a:p>
+            <a:pPr marL="625475" marR="0" lvl="1" indent="-284163" algn="l" defTabSz="914400" rtl="0" eaLnBrk="1" fontAlgn="base" latinLnBrk="0" hangingPunct="1">
+              <a:lnSpc>
+                <a:spcPct val="100000"/>
+              </a:lnSpc>
+              <a:spcBef>
+                <a:spcPct val="20000"/>
+              </a:spcBef>
+              <a:spcAft>
+                <a:spcPct val="0"/>
+              </a:spcAft>
+              <a:buClr>
+                <a:srgbClr val="FF0000"/>
+              </a:buClr>
+              <a:buSzTx/>
+              <a:buFont typeface="Wingdings" pitchFamily="2" charset="2"/>
+              <a:buChar char="v"/>
+              <a:tabLst/>
+              <a:defRPr/>
+            </a:pPr>
+            <a:r>
+              <a:rPr kumimoji="1" lang="en-US" altLang="zh-TW" sz="1400" b="0" i="0" u="none" strike="noStrike" kern="0" cap="none" spc="0" normalizeH="0" baseline="0" noProof="0" dirty="0">
+                <a:ln>
+                  <a:noFill/>
+                </a:ln>
+                <a:solidFill>
+                  <a:prstClr val="black"/>
+                </a:solidFill>
+                <a:effectLst/>
+                <a:uLnTx/>
+                <a:uFillTx/>
+                <a:latin typeface="Arial"/>
+                <a:ea typeface="標楷體" pitchFamily="65" charset="-120"/>
+              </a:rPr>
+              <a:t>Noise-aware training</a:t>
+            </a:r>
+          </a:p>
+          <a:p>
+            <a:pPr marL="625475" marR="0" lvl="1" indent="-284163" algn="l" defTabSz="914400" rtl="0" eaLnBrk="1" fontAlgn="base" latinLnBrk="0" hangingPunct="1">
+              <a:lnSpc>
+                <a:spcPct val="100000"/>
+              </a:lnSpc>
+              <a:spcBef>
+                <a:spcPct val="20000"/>
+              </a:spcBef>
+              <a:spcAft>
+                <a:spcPct val="0"/>
+              </a:spcAft>
+              <a:buClr>
+                <a:srgbClr val="FF0000"/>
+              </a:buClr>
+              <a:buSzTx/>
+              <a:buFont typeface="Wingdings" pitchFamily="2" charset="2"/>
+              <a:buChar char="v"/>
+              <a:tabLst/>
+              <a:defRPr/>
+            </a:pPr>
+            <a:r>
+              <a:rPr kumimoji="1" lang="en-US" altLang="zh-TW" sz="1400" b="0" i="0" u="none" strike="noStrike" kern="0" cap="none" spc="0" normalizeH="0" baseline="0" noProof="0" dirty="0">
+                <a:ln>
+                  <a:noFill/>
+                </a:ln>
+                <a:solidFill>
+                  <a:prstClr val="black"/>
+                </a:solidFill>
+                <a:effectLst/>
+                <a:uLnTx/>
+                <a:uFillTx/>
+                <a:latin typeface="Arial"/>
+                <a:ea typeface="標楷體" pitchFamily="65" charset="-120"/>
+              </a:rPr>
+              <a:t>Bayesian neural network</a:t>
+            </a:r>
+            <a:endParaRPr kumimoji="1" lang="zh-TW" altLang="en-US" sz="1200" b="0" i="0" u="none" strike="noStrike" cap="none" normalizeH="0" baseline="0" dirty="0">
+              <a:ln>
+                <a:noFill/>
+              </a:ln>
+              <a:solidFill>
+                <a:schemeClr val="tx1"/>
+              </a:solidFill>
+              <a:effectLst/>
+              <a:latin typeface="Arial" charset="0"/>
+              <a:ea typeface="新細明體" charset="-120"/>
+            </a:endParaRPr>
+          </a:p>
+        </p:txBody>
+      </p:sp>
+      <mc:AlternateContent xmlns:mc="http://schemas.openxmlformats.org/markup-compatibility/2006" xmlns:a14="http://schemas.microsoft.com/office/drawing/2010/main">
+        <mc:Choice Requires="a14">
+          <p:sp>
+            <p:nvSpPr>
+              <p:cNvPr id="5" name="矩形: 圓角 4">
+                <a:extLst>
+                  <a:ext uri="{FF2B5EF4-FFF2-40B4-BE49-F238E27FC236}">
+                    <a16:creationId xmlns:a16="http://schemas.microsoft.com/office/drawing/2014/main" id="{5DB18868-2E7F-BA65-B209-C02D3876A216}"/>
+                  </a:ext>
+                </a:extLst>
+              </p:cNvPr>
+              <p:cNvSpPr/>
+              <p:nvPr/>
+            </p:nvSpPr>
+            <p:spPr bwMode="auto">
+              <a:xfrm>
+                <a:off x="5220074" y="1772816"/>
+                <a:ext cx="3456384" cy="1224136"/>
+              </a:xfrm>
+              <a:prstGeom prst="roundRect">
+                <a:avLst>
+                  <a:gd name="adj" fmla="val 20817"/>
+                </a:avLst>
+              </a:prstGeom>
+              <a:noFill/>
+              <a:ln w="19050" cap="flat" cmpd="sng" algn="ctr">
+                <a:solidFill>
+                  <a:srgbClr val="0000FF"/>
+                </a:solidFill>
+                <a:prstDash val="solid"/>
+                <a:round/>
+                <a:headEnd type="none" w="med" len="med"/>
+                <a:tailEnd type="triangle" w="med" len="med"/>
+              </a:ln>
+              <a:effectLst/>
+            </p:spPr>
+            <p:txBody>
+              <a:bodyPr vert="horz" wrap="square" lIns="91440" tIns="45720" rIns="91440" bIns="45720" numCol="1" rtlCol="0" anchor="t" anchorCtr="0" compatLnSpc="1">
+                <a:prstTxWarp prst="textNoShape">
+                  <a:avLst/>
+                </a:prstTxWarp>
+              </a:bodyPr>
+              <a:lstStyle/>
+              <a:p>
+                <a:pPr marL="342900" lvl="0" indent="-342900" fontAlgn="base">
+                  <a:spcBef>
+                    <a:spcPct val="20000"/>
+                  </a:spcBef>
+                  <a:spcAft>
+                    <a:spcPct val="0"/>
+                  </a:spcAft>
+                  <a:buClr>
+                    <a:srgbClr val="3333CC"/>
+                  </a:buClr>
+                  <a:buFont typeface="Wingdings" pitchFamily="2" charset="2"/>
+                  <a:buChar char="v"/>
+                  <a:defRPr/>
+                </a:pPr>
+                <a:r>
+                  <a:rPr kumimoji="1" lang="en-US" altLang="zh-TW" sz="1600" kern="0" dirty="0">
+                    <a:solidFill>
+                      <a:prstClr val="black"/>
+                    </a:solidFill>
+                    <a:latin typeface="Arial"/>
+                    <a:ea typeface="標楷體" pitchFamily="65" charset="-120"/>
+                  </a:rPr>
+                  <a:t>Comparison between metrics</a:t>
+                </a:r>
+              </a:p>
+              <a:p>
+                <a:pPr marL="684212" lvl="1" indent="-342900" fontAlgn="base">
+                  <a:spcBef>
+                    <a:spcPct val="20000"/>
+                  </a:spcBef>
+                  <a:spcAft>
+                    <a:spcPct val="0"/>
+                  </a:spcAft>
+                  <a:buClr>
+                    <a:srgbClr val="FF0000"/>
+                  </a:buClr>
+                  <a:buFont typeface="Wingdings" pitchFamily="2" charset="2"/>
+                  <a:buChar char="v"/>
+                  <a:defRPr/>
+                </a:pPr>
+                <a:r>
+                  <a:rPr kumimoji="1" lang="en-US" altLang="zh-TW" sz="1400" kern="0" dirty="0">
+                    <a:solidFill>
+                      <a:prstClr val="black"/>
+                    </a:solidFill>
+                    <a:latin typeface="Arial"/>
+                    <a:ea typeface="標楷體" pitchFamily="65" charset="-120"/>
+                  </a:rPr>
+                  <a:t>Angular metric</a:t>
+                </a:r>
+                <a:r>
+                  <a:rPr kumimoji="1" lang="zh-TW" altLang="en-US" sz="1400" kern="0" dirty="0">
+                    <a:solidFill>
+                      <a:prstClr val="black"/>
+                    </a:solidFill>
+                    <a:latin typeface="Arial"/>
+                    <a:ea typeface="標楷體" pitchFamily="65" charset="-120"/>
+                  </a:rPr>
+                  <a:t> </a:t>
+                </a:r>
+                <a:r>
+                  <a:rPr kumimoji="1" lang="en-US" altLang="zh-TW" sz="1400" kern="0" dirty="0">
+                    <a:solidFill>
+                      <a:prstClr val="black"/>
+                    </a:solidFill>
+                    <a:latin typeface="Arial"/>
+                    <a:ea typeface="標楷體" pitchFamily="65" charset="-120"/>
+                  </a:rPr>
+                  <a:t>(Cosine)</a:t>
+                </a:r>
+              </a:p>
+              <a:p>
+                <a:pPr marL="684212" lvl="1" indent="-342900" fontAlgn="base">
+                  <a:spcBef>
+                    <a:spcPct val="20000"/>
+                  </a:spcBef>
+                  <a:spcAft>
+                    <a:spcPct val="0"/>
+                  </a:spcAft>
+                  <a:buClr>
+                    <a:srgbClr val="FF0000"/>
+                  </a:buClr>
+                  <a:buFont typeface="Wingdings" pitchFamily="2" charset="2"/>
+                  <a:buChar char="v"/>
+                  <a:defRPr/>
+                </a:pPr>
+                <a:r>
+                  <a:rPr kumimoji="1" lang="en-US" altLang="zh-TW" sz="1400" kern="0" dirty="0">
+                    <a:solidFill>
+                      <a:prstClr val="black"/>
+                    </a:solidFill>
+                    <a:latin typeface="Arial"/>
+                    <a:ea typeface="標楷體" pitchFamily="65" charset="-120"/>
+                  </a:rPr>
+                  <a:t>Spatial metric (</a:t>
+                </a:r>
+                <a14:m>
+                  <m:oMath xmlns:m="http://schemas.openxmlformats.org/officeDocument/2006/math">
+                    <m:sSub>
+                      <m:sSubPr>
+                        <m:ctrlPr>
+                          <a:rPr lang="en-US" altLang="zh-TW" sz="1400" b="0" i="1" dirty="0" smtClean="0">
+                            <a:latin typeface="Cambria Math" panose="02040503050406030204" pitchFamily="18" charset="0"/>
+                          </a:rPr>
+                        </m:ctrlPr>
+                      </m:sSubPr>
+                      <m:e>
+                        <m:r>
+                          <m:rPr>
+                            <m:sty m:val="p"/>
+                          </m:rPr>
+                          <a:rPr lang="en-US" altLang="zh-TW" sz="1400" b="0" i="0" dirty="0" smtClean="0">
+                            <a:latin typeface="Cambria Math" panose="02040503050406030204" pitchFamily="18" charset="0"/>
+                          </a:rPr>
+                          <m:t>L</m:t>
+                        </m:r>
+                      </m:e>
+                      <m:sub>
+                        <m:r>
+                          <a:rPr lang="en-US" altLang="zh-TW" sz="1400" b="0" i="0" dirty="0" smtClean="0">
+                            <a:latin typeface="Cambria Math" panose="02040503050406030204" pitchFamily="18" charset="0"/>
+                          </a:rPr>
+                          <m:t>1</m:t>
+                        </m:r>
+                      </m:sub>
+                    </m:sSub>
+                    <m:r>
+                      <a:rPr lang="en-US" altLang="zh-TW" sz="1400" b="0" i="0" dirty="0" smtClean="0">
+                        <a:latin typeface="Cambria Math" panose="02040503050406030204" pitchFamily="18" charset="0"/>
+                      </a:rPr>
+                      <m:t>, </m:t>
+                    </m:r>
+                    <m:sSub>
+                      <m:sSubPr>
+                        <m:ctrlPr>
+                          <a:rPr lang="en-US" altLang="zh-TW" sz="1400" i="1" dirty="0">
+                            <a:latin typeface="Cambria Math" panose="02040503050406030204" pitchFamily="18" charset="0"/>
+                          </a:rPr>
+                        </m:ctrlPr>
+                      </m:sSubPr>
+                      <m:e>
+                        <m:r>
+                          <m:rPr>
+                            <m:sty m:val="p"/>
+                          </m:rPr>
+                          <a:rPr lang="en-US" altLang="zh-TW" sz="1400" dirty="0">
+                            <a:latin typeface="Cambria Math" panose="02040503050406030204" pitchFamily="18" charset="0"/>
+                          </a:rPr>
+                          <m:t>L</m:t>
+                        </m:r>
+                      </m:e>
+                      <m:sub>
+                        <m:r>
+                          <a:rPr lang="en-US" altLang="zh-TW" sz="1400" i="1" dirty="0">
+                            <a:latin typeface="Cambria Math" panose="02040503050406030204" pitchFamily="18" charset="0"/>
+                          </a:rPr>
+                          <m:t>∞</m:t>
+                        </m:r>
+                      </m:sub>
+                    </m:sSub>
+                  </m:oMath>
+                </a14:m>
+                <a:r>
+                  <a:rPr kumimoji="1" lang="en-US" altLang="zh-TW" sz="1400" kern="0" dirty="0">
+                    <a:solidFill>
+                      <a:prstClr val="black"/>
+                    </a:solidFill>
+                    <a:latin typeface="Arial"/>
+                    <a:ea typeface="標楷體" pitchFamily="65" charset="-120"/>
+                  </a:rPr>
+                  <a:t>)</a:t>
+                </a:r>
+              </a:p>
+            </p:txBody>
+          </p:sp>
+        </mc:Choice>
+        <mc:Fallback xmlns="">
+          <p:sp>
+            <p:nvSpPr>
+              <p:cNvPr id="5" name="矩形: 圓角 4">
+                <a:extLst>
+                  <a:ext uri="{FF2B5EF4-FFF2-40B4-BE49-F238E27FC236}">
+                    <a16:creationId xmlns:a16="http://schemas.microsoft.com/office/drawing/2014/main" id="{5DB18868-2E7F-BA65-B209-C02D3876A216}"/>
+                  </a:ext>
+                </a:extLst>
+              </p:cNvPr>
+              <p:cNvSpPr>
+                <a:spLocks noRot="1" noChangeAspect="1" noMove="1" noResize="1" noEditPoints="1" noAdjustHandles="1" noChangeArrowheads="1" noChangeShapeType="1" noTextEdit="1"/>
+              </p:cNvSpPr>
+              <p:nvPr/>
+            </p:nvSpPr>
+            <p:spPr bwMode="auto">
+              <a:xfrm>
+                <a:off x="5220074" y="1772816"/>
+                <a:ext cx="3456384" cy="1224136"/>
+              </a:xfrm>
+              <a:prstGeom prst="roundRect">
+                <a:avLst>
+                  <a:gd name="adj" fmla="val 20817"/>
+                </a:avLst>
+              </a:prstGeom>
+              <a:blipFill>
+                <a:blip r:embed="rId2"/>
+                <a:stretch>
+                  <a:fillRect/>
+                </a:stretch>
+              </a:blipFill>
+              <a:ln w="19050" cap="flat" cmpd="sng" algn="ctr">
+                <a:solidFill>
+                  <a:srgbClr val="0000FF"/>
+                </a:solidFill>
+                <a:prstDash val="solid"/>
+                <a:round/>
+                <a:headEnd type="none" w="med" len="med"/>
+                <a:tailEnd type="triangle" w="med" len="med"/>
+              </a:ln>
+              <a:effectLst/>
+            </p:spPr>
+            <p:txBody>
+              <a:bodyPr/>
+              <a:lstStyle/>
+              <a:p>
+                <a:r>
+                  <a:rPr lang="zh-TW" altLang="en-US">
+                    <a:noFill/>
+                  </a:rPr>
+                  <a:t> </a:t>
+                </a:r>
+              </a:p>
+            </p:txBody>
+          </p:sp>
+        </mc:Fallback>
+      </mc:AlternateContent>
+      <p:sp>
+        <p:nvSpPr>
+          <p:cNvPr id="6" name="矩形: 圓角 5">
+            <a:extLst>
+              <a:ext uri="{FF2B5EF4-FFF2-40B4-BE49-F238E27FC236}">
+                <a16:creationId xmlns:a16="http://schemas.microsoft.com/office/drawing/2014/main" id="{C23A02B5-8D4D-C007-642C-983C429EE58D}"/>
+              </a:ext>
+            </a:extLst>
+          </p:cNvPr>
+          <p:cNvSpPr/>
+          <p:nvPr/>
+        </p:nvSpPr>
+        <p:spPr bwMode="auto">
+          <a:xfrm>
+            <a:off x="2717794" y="3429000"/>
+            <a:ext cx="3708412" cy="1224136"/>
+          </a:xfrm>
+          <a:prstGeom prst="roundRect">
+            <a:avLst>
+              <a:gd name="adj" fmla="val 20817"/>
+            </a:avLst>
+          </a:prstGeom>
+          <a:noFill/>
+          <a:ln w="19050" cap="flat" cmpd="sng" algn="ctr">
+            <a:solidFill>
+              <a:srgbClr val="0000FF"/>
+            </a:solidFill>
+            <a:prstDash val="solid"/>
+            <a:round/>
+            <a:headEnd type="none" w="med" len="med"/>
+            <a:tailEnd type="triangle" w="med" len="med"/>
+          </a:ln>
+          <a:effectLst/>
+        </p:spPr>
+        <p:txBody>
+          <a:bodyPr vert="horz" wrap="square" lIns="91440" tIns="45720" rIns="91440" bIns="45720" numCol="1" rtlCol="0" anchor="t" anchorCtr="0" compatLnSpc="1">
+            <a:prstTxWarp prst="textNoShape">
+              <a:avLst/>
+            </a:prstTxWarp>
+          </a:bodyPr>
+          <a:lstStyle/>
+          <a:p>
+            <a:pPr marL="342900" lvl="0" indent="-342900" fontAlgn="base">
+              <a:spcBef>
+                <a:spcPct val="20000"/>
+              </a:spcBef>
+              <a:spcAft>
+                <a:spcPct val="0"/>
+              </a:spcAft>
+              <a:buClr>
+                <a:srgbClr val="3333CC"/>
+              </a:buClr>
+              <a:buFont typeface="Wingdings" pitchFamily="2" charset="2"/>
+              <a:buChar char="v"/>
+              <a:defRPr/>
+            </a:pPr>
+            <a:r>
+              <a:rPr kumimoji="1" lang="en-US" altLang="zh-TW" sz="1600" kern="0" dirty="0">
+                <a:solidFill>
+                  <a:prstClr val="black"/>
+                </a:solidFill>
+                <a:latin typeface="Arial"/>
+                <a:ea typeface="標楷體" pitchFamily="65" charset="-120"/>
+              </a:rPr>
+              <a:t>Locality sensitive hashing</a:t>
+            </a:r>
+          </a:p>
+          <a:p>
+            <a:pPr marL="684212" lvl="1" indent="-342900" fontAlgn="base">
+              <a:spcBef>
+                <a:spcPct val="20000"/>
+              </a:spcBef>
+              <a:spcAft>
+                <a:spcPct val="0"/>
+              </a:spcAft>
+              <a:buClr>
+                <a:srgbClr val="FF0000"/>
+              </a:buClr>
+              <a:buFont typeface="Wingdings" pitchFamily="2" charset="2"/>
+              <a:buChar char="v"/>
+              <a:defRPr/>
+            </a:pPr>
+            <a:r>
+              <a:rPr kumimoji="1" lang="en-US" altLang="zh-TW" sz="1400" kern="0" dirty="0">
+                <a:solidFill>
+                  <a:prstClr val="black"/>
+                </a:solidFill>
+                <a:latin typeface="Arial"/>
+                <a:ea typeface="標楷體" pitchFamily="65" charset="-120"/>
+              </a:rPr>
+              <a:t>Approximation of cosine similarity</a:t>
+            </a:r>
+          </a:p>
+          <a:p>
+            <a:pPr marL="684212" lvl="1" indent="-342900" fontAlgn="base">
+              <a:spcBef>
+                <a:spcPct val="20000"/>
+              </a:spcBef>
+              <a:spcAft>
+                <a:spcPct val="0"/>
+              </a:spcAft>
+              <a:buClr>
+                <a:srgbClr val="FF0000"/>
+              </a:buClr>
+              <a:buFont typeface="Wingdings" pitchFamily="2" charset="2"/>
+              <a:buChar char="v"/>
+              <a:defRPr/>
+            </a:pPr>
+            <a:r>
+              <a:rPr kumimoji="1" lang="en-US" altLang="zh-TW" sz="1400" kern="0" dirty="0">
+                <a:solidFill>
+                  <a:prstClr val="black"/>
+                </a:solidFill>
+                <a:ea typeface="標楷體" pitchFamily="65" charset="-120"/>
+              </a:rPr>
+              <a:t>2-D projection of high-dimensional embedding with t-SNE</a:t>
+            </a:r>
+          </a:p>
+        </p:txBody>
+      </p:sp>
+      <p:cxnSp>
+        <p:nvCxnSpPr>
+          <p:cNvPr id="10" name="直線單箭頭接點 9">
+            <a:extLst>
+              <a:ext uri="{FF2B5EF4-FFF2-40B4-BE49-F238E27FC236}">
+                <a16:creationId xmlns:a16="http://schemas.microsoft.com/office/drawing/2014/main" id="{4BDA9B04-A1FA-CAF2-54E5-71C75E9E0CFF}"/>
+              </a:ext>
+            </a:extLst>
+          </p:cNvPr>
+          <p:cNvCxnSpPr>
+            <a:cxnSpLocks/>
+            <a:stCxn id="4" idx="2"/>
+          </p:cNvCxnSpPr>
+          <p:nvPr/>
+        </p:nvCxnSpPr>
+        <p:spPr bwMode="auto">
+          <a:xfrm>
+            <a:off x="2195736" y="2996952"/>
+            <a:ext cx="576064" cy="504056"/>
+          </a:xfrm>
+          <a:prstGeom prst="straightConnector1">
+            <a:avLst/>
+          </a:prstGeom>
+          <a:noFill/>
+          <a:ln w="28575" cap="flat" cmpd="sng" algn="ctr">
+            <a:solidFill>
+              <a:schemeClr val="tx1"/>
+            </a:solidFill>
+            <a:prstDash val="solid"/>
+            <a:round/>
+            <a:headEnd type="none" w="med" len="med"/>
+            <a:tailEnd type="triangle"/>
+          </a:ln>
+          <a:effectLst/>
+        </p:spPr>
+      </p:cxnSp>
+      <p:cxnSp>
+        <p:nvCxnSpPr>
+          <p:cNvPr id="12" name="直線單箭頭接點 11">
+            <a:extLst>
+              <a:ext uri="{FF2B5EF4-FFF2-40B4-BE49-F238E27FC236}">
+                <a16:creationId xmlns:a16="http://schemas.microsoft.com/office/drawing/2014/main" id="{537BEC07-B4E5-D659-9030-AC13EC96561D}"/>
+              </a:ext>
+            </a:extLst>
+          </p:cNvPr>
+          <p:cNvCxnSpPr>
+            <a:cxnSpLocks/>
+            <a:stCxn id="5" idx="2"/>
+          </p:cNvCxnSpPr>
+          <p:nvPr/>
+        </p:nvCxnSpPr>
+        <p:spPr bwMode="auto">
+          <a:xfrm flipH="1">
+            <a:off x="6372202" y="2996952"/>
+            <a:ext cx="576064" cy="504056"/>
+          </a:xfrm>
+          <a:prstGeom prst="straightConnector1">
+            <a:avLst/>
+          </a:prstGeom>
+          <a:noFill/>
+          <a:ln w="28575" cap="flat" cmpd="sng" algn="ctr">
+            <a:solidFill>
+              <a:schemeClr val="tx1"/>
+            </a:solidFill>
+            <a:prstDash val="solid"/>
+            <a:round/>
+            <a:headEnd type="none" w="med" len="med"/>
+            <a:tailEnd type="triangle"/>
+          </a:ln>
+          <a:effectLst/>
+        </p:spPr>
+      </p:cxnSp>
+      <p:sp>
+        <p:nvSpPr>
+          <p:cNvPr id="15" name="矩形: 圓角 14">
+            <a:extLst>
+              <a:ext uri="{FF2B5EF4-FFF2-40B4-BE49-F238E27FC236}">
+                <a16:creationId xmlns:a16="http://schemas.microsoft.com/office/drawing/2014/main" id="{0F80B85C-B711-A568-6E39-0677EC1162E3}"/>
+              </a:ext>
+            </a:extLst>
+          </p:cNvPr>
+          <p:cNvSpPr/>
+          <p:nvPr/>
+        </p:nvSpPr>
+        <p:spPr bwMode="auto">
+          <a:xfrm>
+            <a:off x="2714242" y="5085184"/>
+            <a:ext cx="3708412" cy="1224136"/>
+          </a:xfrm>
+          <a:prstGeom prst="roundRect">
+            <a:avLst>
+              <a:gd name="adj" fmla="val 20817"/>
+            </a:avLst>
+          </a:prstGeom>
+          <a:noFill/>
+          <a:ln w="19050" cap="flat" cmpd="sng" algn="ctr">
+            <a:solidFill>
+              <a:srgbClr val="0000FF"/>
+            </a:solidFill>
+            <a:prstDash val="solid"/>
+            <a:round/>
+            <a:headEnd type="none" w="med" len="med"/>
+            <a:tailEnd type="triangle" w="med" len="med"/>
+          </a:ln>
+          <a:effectLst/>
+        </p:spPr>
+        <p:txBody>
+          <a:bodyPr vert="horz" wrap="square" lIns="91440" tIns="45720" rIns="91440" bIns="45720" numCol="1" rtlCol="0" anchor="t" anchorCtr="0" compatLnSpc="1">
+            <a:prstTxWarp prst="textNoShape">
+              <a:avLst/>
+            </a:prstTxWarp>
+          </a:bodyPr>
+          <a:lstStyle/>
+          <a:p>
+            <a:pPr marL="342900" lvl="0" indent="-342900" fontAlgn="base">
+              <a:spcBef>
+                <a:spcPct val="20000"/>
+              </a:spcBef>
+              <a:spcAft>
+                <a:spcPct val="0"/>
+              </a:spcAft>
+              <a:buClr>
+                <a:srgbClr val="3333CC"/>
+              </a:buClr>
+              <a:buFont typeface="Wingdings" pitchFamily="2" charset="2"/>
+              <a:buChar char="v"/>
+              <a:defRPr/>
+            </a:pPr>
+            <a:r>
+              <a:rPr kumimoji="1" lang="en-US" altLang="zh-TW" sz="1600" kern="0" dirty="0">
+                <a:solidFill>
+                  <a:prstClr val="black"/>
+                </a:solidFill>
+                <a:latin typeface="Arial"/>
+                <a:ea typeface="標楷體" pitchFamily="65" charset="-120"/>
+              </a:rPr>
+              <a:t>View metric difference as noise</a:t>
+            </a:r>
+          </a:p>
+          <a:p>
+            <a:pPr marL="684212" lvl="1" indent="-342900" fontAlgn="base">
+              <a:spcBef>
+                <a:spcPct val="20000"/>
+              </a:spcBef>
+              <a:spcAft>
+                <a:spcPct val="0"/>
+              </a:spcAft>
+              <a:buClr>
+                <a:srgbClr val="FF0000"/>
+              </a:buClr>
+              <a:buFont typeface="Wingdings" pitchFamily="2" charset="2"/>
+              <a:buChar char="v"/>
+              <a:defRPr/>
+            </a:pPr>
+            <a:r>
+              <a:rPr kumimoji="1" lang="en-US" altLang="zh-TW" sz="1400" kern="0" dirty="0">
+                <a:solidFill>
+                  <a:prstClr val="black"/>
+                </a:solidFill>
+                <a:latin typeface="Arial"/>
+                <a:ea typeface="標楷體" pitchFamily="65" charset="-120"/>
+              </a:rPr>
+              <a:t>Approximation of cosine similarity</a:t>
+            </a:r>
+          </a:p>
+          <a:p>
+            <a:pPr marL="684212" lvl="1" indent="-342900" fontAlgn="base">
+              <a:spcBef>
+                <a:spcPct val="20000"/>
+              </a:spcBef>
+              <a:spcAft>
+                <a:spcPct val="0"/>
+              </a:spcAft>
+              <a:buClr>
+                <a:srgbClr val="FF0000"/>
+              </a:buClr>
+              <a:buFont typeface="Wingdings" pitchFamily="2" charset="2"/>
+              <a:buChar char="v"/>
+              <a:defRPr/>
+            </a:pPr>
+            <a:r>
+              <a:rPr kumimoji="1" lang="en-US" altLang="zh-TW" sz="1400" kern="0" dirty="0">
+                <a:solidFill>
+                  <a:prstClr val="black"/>
+                </a:solidFill>
+                <a:ea typeface="標楷體" pitchFamily="65" charset="-120"/>
+              </a:rPr>
+              <a:t>2-D projection of high-dimensional embedding with t-SNE</a:t>
+            </a:r>
+          </a:p>
+        </p:txBody>
+      </p:sp>
+      <p:cxnSp>
+        <p:nvCxnSpPr>
+          <p:cNvPr id="20" name="接點: 弧形 19">
+            <a:extLst>
+              <a:ext uri="{FF2B5EF4-FFF2-40B4-BE49-F238E27FC236}">
+                <a16:creationId xmlns:a16="http://schemas.microsoft.com/office/drawing/2014/main" id="{83650E9B-7151-5A1A-3EC4-B8C64A951BC9}"/>
+              </a:ext>
+            </a:extLst>
+          </p:cNvPr>
+          <p:cNvCxnSpPr>
+            <a:cxnSpLocks/>
+            <a:stCxn id="4" idx="2"/>
+            <a:endCxn id="15" idx="1"/>
+          </p:cNvCxnSpPr>
+          <p:nvPr/>
+        </p:nvCxnSpPr>
+        <p:spPr bwMode="auto">
+          <a:xfrm rot="16200000" flipH="1">
+            <a:off x="1104839" y="4087849"/>
+            <a:ext cx="2700300" cy="518506"/>
+          </a:xfrm>
+          <a:prstGeom prst="curvedConnector2">
+            <a:avLst/>
+          </a:prstGeom>
+          <a:noFill/>
+          <a:ln w="28575" cap="flat" cmpd="sng" algn="ctr">
+            <a:solidFill>
+              <a:schemeClr val="tx1"/>
+            </a:solidFill>
+            <a:prstDash val="solid"/>
+            <a:round/>
+            <a:headEnd type="none" w="med" len="med"/>
+            <a:tailEnd type="triangle"/>
+          </a:ln>
+          <a:effectLst/>
+        </p:spPr>
+      </p:cxnSp>
+      <p:cxnSp>
+        <p:nvCxnSpPr>
+          <p:cNvPr id="22" name="接點: 弧形 21">
+            <a:extLst>
+              <a:ext uri="{FF2B5EF4-FFF2-40B4-BE49-F238E27FC236}">
+                <a16:creationId xmlns:a16="http://schemas.microsoft.com/office/drawing/2014/main" id="{A180942A-CC19-98F7-F1B7-3D107392D871}"/>
+              </a:ext>
+            </a:extLst>
+          </p:cNvPr>
+          <p:cNvCxnSpPr>
+            <a:cxnSpLocks/>
+            <a:stCxn id="5" idx="2"/>
+            <a:endCxn id="15" idx="3"/>
+          </p:cNvCxnSpPr>
+          <p:nvPr/>
+        </p:nvCxnSpPr>
+        <p:spPr bwMode="auto">
+          <a:xfrm rot="5400000">
+            <a:off x="5335310" y="4084296"/>
+            <a:ext cx="2700300" cy="525612"/>
+          </a:xfrm>
+          <a:prstGeom prst="curvedConnector2">
+            <a:avLst/>
+          </a:prstGeom>
+          <a:noFill/>
+          <a:ln w="28575" cap="flat" cmpd="sng" algn="ctr">
+            <a:solidFill>
+              <a:schemeClr val="tx1"/>
+            </a:solidFill>
+            <a:prstDash val="solid"/>
+            <a:round/>
+            <a:headEnd type="none" w="med" len="med"/>
+            <a:tailEnd type="triangle"/>
+          </a:ln>
+          <a:effectLst/>
+        </p:spPr>
+      </p:cxnSp>
+      <p:cxnSp>
+        <p:nvCxnSpPr>
+          <p:cNvPr id="26" name="直線單箭頭接點 25">
+            <a:extLst>
+              <a:ext uri="{FF2B5EF4-FFF2-40B4-BE49-F238E27FC236}">
+                <a16:creationId xmlns:a16="http://schemas.microsoft.com/office/drawing/2014/main" id="{78DE80D7-C88E-A72E-E2D7-730679BC03EA}"/>
+              </a:ext>
+            </a:extLst>
+          </p:cNvPr>
+          <p:cNvCxnSpPr>
+            <a:stCxn id="6" idx="2"/>
+            <a:endCxn id="15" idx="0"/>
+          </p:cNvCxnSpPr>
+          <p:nvPr/>
+        </p:nvCxnSpPr>
+        <p:spPr bwMode="auto">
+          <a:xfrm flipH="1">
+            <a:off x="4568448" y="4653136"/>
+            <a:ext cx="3552" cy="432048"/>
+          </a:xfrm>
+          <a:prstGeom prst="straightConnector1">
+            <a:avLst/>
+          </a:prstGeom>
+          <a:noFill/>
+          <a:ln w="28575" cap="flat" cmpd="sng" algn="ctr">
+            <a:solidFill>
+              <a:schemeClr val="tx1"/>
+            </a:solidFill>
+            <a:prstDash val="solid"/>
+            <a:round/>
+            <a:headEnd type="none" w="med" len="med"/>
+            <a:tailEnd type="triangle"/>
+          </a:ln>
+          <a:effectLst/>
+        </p:spPr>
+      </p:cxnSp>
+      <p:sp>
+        <p:nvSpPr>
+          <p:cNvPr id="28" name="文字方塊 27">
+            <a:extLst>
+              <a:ext uri="{FF2B5EF4-FFF2-40B4-BE49-F238E27FC236}">
+                <a16:creationId xmlns:a16="http://schemas.microsoft.com/office/drawing/2014/main" id="{68AB7EA0-6046-E0B6-FBE3-243B66CC0804}"/>
+              </a:ext>
+            </a:extLst>
+          </p:cNvPr>
+          <p:cNvSpPr txBox="1"/>
+          <p:nvPr/>
+        </p:nvSpPr>
+        <p:spPr>
+          <a:xfrm>
+            <a:off x="3242921" y="2730990"/>
+            <a:ext cx="720080" cy="307777"/>
+          </a:xfrm>
+          <a:prstGeom prst="rect">
+            <a:avLst/>
+          </a:prstGeom>
+          <a:ln>
+            <a:solidFill>
+              <a:srgbClr val="0000FF"/>
+            </a:solidFill>
+          </a:ln>
+        </p:spPr>
+        <p:style>
+          <a:lnRef idx="2">
+            <a:schemeClr val="accent1"/>
+          </a:lnRef>
+          <a:fillRef idx="1">
+            <a:schemeClr val="lt1"/>
+          </a:fillRef>
+          <a:effectRef idx="0">
+            <a:schemeClr val="accent1"/>
+          </a:effectRef>
+          <a:fontRef idx="minor">
+            <a:schemeClr val="dk1"/>
+          </a:fontRef>
+        </p:style>
+        <p:txBody>
+          <a:bodyPr wrap="square">
+            <a:spAutoFit/>
+          </a:bodyPr>
+          <a:lstStyle/>
+          <a:p>
+            <a:r>
+              <a:rPr lang="en-US" altLang="zh-TW" sz="1400" dirty="0"/>
+              <a:t>Part 1</a:t>
+            </a:r>
+            <a:endParaRPr lang="zh-TW" altLang="en-US" sz="1400" dirty="0"/>
+          </a:p>
+        </p:txBody>
+      </p:sp>
+      <p:sp>
+        <p:nvSpPr>
+          <p:cNvPr id="29" name="文字方塊 28">
+            <a:extLst>
+              <a:ext uri="{FF2B5EF4-FFF2-40B4-BE49-F238E27FC236}">
+                <a16:creationId xmlns:a16="http://schemas.microsoft.com/office/drawing/2014/main" id="{E334A88B-6979-B1C0-16D2-07E4E002EB29}"/>
+              </a:ext>
+            </a:extLst>
+          </p:cNvPr>
+          <p:cNvSpPr txBox="1"/>
+          <p:nvPr/>
+        </p:nvSpPr>
+        <p:spPr>
+          <a:xfrm>
+            <a:off x="8006830" y="2730990"/>
+            <a:ext cx="720080" cy="307777"/>
+          </a:xfrm>
+          <a:prstGeom prst="rect">
+            <a:avLst/>
+          </a:prstGeom>
+          <a:ln>
+            <a:solidFill>
+              <a:srgbClr val="0000FF"/>
+            </a:solidFill>
+          </a:ln>
+        </p:spPr>
+        <p:style>
+          <a:lnRef idx="2">
+            <a:schemeClr val="accent1"/>
+          </a:lnRef>
+          <a:fillRef idx="1">
+            <a:schemeClr val="lt1"/>
+          </a:fillRef>
+          <a:effectRef idx="0">
+            <a:schemeClr val="accent1"/>
+          </a:effectRef>
+          <a:fontRef idx="minor">
+            <a:schemeClr val="dk1"/>
+          </a:fontRef>
+        </p:style>
+        <p:txBody>
+          <a:bodyPr wrap="square">
+            <a:spAutoFit/>
+          </a:bodyPr>
+          <a:lstStyle/>
+          <a:p>
+            <a:r>
+              <a:rPr lang="en-US" altLang="zh-TW" sz="1400" dirty="0"/>
+              <a:t>Part 2</a:t>
+            </a:r>
+            <a:endParaRPr lang="zh-TW" altLang="en-US" sz="1400" dirty="0"/>
+          </a:p>
+        </p:txBody>
+      </p:sp>
+      <p:sp>
+        <p:nvSpPr>
+          <p:cNvPr id="30" name="文字方塊 29">
+            <a:extLst>
+              <a:ext uri="{FF2B5EF4-FFF2-40B4-BE49-F238E27FC236}">
+                <a16:creationId xmlns:a16="http://schemas.microsoft.com/office/drawing/2014/main" id="{EA9CAD99-8295-06AF-69B3-9138193EC868}"/>
+              </a:ext>
+            </a:extLst>
+          </p:cNvPr>
+          <p:cNvSpPr txBox="1"/>
+          <p:nvPr/>
+        </p:nvSpPr>
+        <p:spPr>
+          <a:xfrm>
+            <a:off x="5756578" y="4378542"/>
+            <a:ext cx="720080" cy="307777"/>
+          </a:xfrm>
+          <a:prstGeom prst="rect">
+            <a:avLst/>
+          </a:prstGeom>
+          <a:ln>
+            <a:solidFill>
+              <a:srgbClr val="0000FF"/>
+            </a:solidFill>
+          </a:ln>
+        </p:spPr>
+        <p:style>
+          <a:lnRef idx="2">
+            <a:schemeClr val="accent1"/>
+          </a:lnRef>
+          <a:fillRef idx="1">
+            <a:schemeClr val="lt1"/>
+          </a:fillRef>
+          <a:effectRef idx="0">
+            <a:schemeClr val="accent1"/>
+          </a:effectRef>
+          <a:fontRef idx="minor">
+            <a:schemeClr val="dk1"/>
+          </a:fontRef>
+        </p:style>
+        <p:txBody>
+          <a:bodyPr wrap="square">
+            <a:spAutoFit/>
+          </a:bodyPr>
+          <a:lstStyle/>
+          <a:p>
+            <a:r>
+              <a:rPr lang="en-US" altLang="zh-TW" sz="1400" dirty="0"/>
+              <a:t>Part 3</a:t>
+            </a:r>
+            <a:endParaRPr lang="zh-TW" altLang="en-US" sz="1400" dirty="0"/>
+          </a:p>
+        </p:txBody>
+      </p:sp>
+      <p:sp>
+        <p:nvSpPr>
+          <p:cNvPr id="31" name="文字方塊 30">
+            <a:extLst>
+              <a:ext uri="{FF2B5EF4-FFF2-40B4-BE49-F238E27FC236}">
+                <a16:creationId xmlns:a16="http://schemas.microsoft.com/office/drawing/2014/main" id="{D5C972C9-8F14-6B76-DE00-07CCC2545AA6}"/>
+              </a:ext>
+            </a:extLst>
+          </p:cNvPr>
+          <p:cNvSpPr txBox="1"/>
+          <p:nvPr/>
+        </p:nvSpPr>
+        <p:spPr>
+          <a:xfrm>
+            <a:off x="5757929" y="6048830"/>
+            <a:ext cx="720080" cy="307777"/>
+          </a:xfrm>
+          <a:prstGeom prst="rect">
+            <a:avLst/>
+          </a:prstGeom>
+          <a:ln>
+            <a:solidFill>
+              <a:srgbClr val="0000FF"/>
+            </a:solidFill>
+          </a:ln>
+        </p:spPr>
+        <p:style>
+          <a:lnRef idx="2">
+            <a:schemeClr val="accent1"/>
+          </a:lnRef>
+          <a:fillRef idx="1">
+            <a:schemeClr val="lt1"/>
+          </a:fillRef>
+          <a:effectRef idx="0">
+            <a:schemeClr val="accent1"/>
+          </a:effectRef>
+          <a:fontRef idx="minor">
+            <a:schemeClr val="dk1"/>
+          </a:fontRef>
+        </p:style>
+        <p:txBody>
+          <a:bodyPr wrap="square">
+            <a:spAutoFit/>
+          </a:bodyPr>
+          <a:lstStyle/>
+          <a:p>
+            <a:r>
+              <a:rPr lang="en-US" altLang="zh-TW" sz="1400" dirty="0"/>
+              <a:t>Part 4</a:t>
+            </a:r>
+            <a:endParaRPr lang="zh-TW" altLang="en-US" sz="1400" dirty="0"/>
+          </a:p>
+        </p:txBody>
+      </p:sp>
+    </p:spTree>
+    <p:extLst>
+      <p:ext uri="{BB962C8B-B14F-4D97-AF65-F5344CB8AC3E}">
+        <p14:creationId xmlns:p14="http://schemas.microsoft.com/office/powerpoint/2010/main" val="2537484141"/>
+      </p:ext>
+    </p:extLst>
+  </p:cSld>
+  <p:clrMapOvr>
+    <a:masterClrMapping/>
+  </p:clrMapOvr>
+</p:sld>
+</file>
+
+<file path=ppt/slides/slide20.xml><?xml version="1.0" encoding="utf-8"?>
+<p:sld xmlns:a="http://schemas.openxmlformats.org/drawingml/2006/main" xmlns:r="http://schemas.openxmlformats.org/officeDocument/2006/relationships" xmlns:p="http://schemas.openxmlformats.org/presentationml/2006/main">
+  <p:cSld>
+    <p:spTree>
+      <p:nvGrpSpPr>
+        <p:cNvPr id="1" name=""/>
+        <p:cNvGrpSpPr/>
+        <p:nvPr/>
+      </p:nvGrpSpPr>
+      <p:grpSpPr>
+        <a:xfrm>
+          <a:off x="0" y="0"/>
+          <a:ext cx="0" cy="0"/>
+          <a:chOff x="0" y="0"/>
+          <a:chExt cx="0" cy="0"/>
+        </a:xfrm>
+      </p:grpSpPr>
+      <p:sp>
+        <p:nvSpPr>
+          <p:cNvPr id="2" name="標題 1">
+            <a:extLst>
+              <a:ext uri="{FF2B5EF4-FFF2-40B4-BE49-F238E27FC236}">
+                <a16:creationId xmlns:a16="http://schemas.microsoft.com/office/drawing/2014/main" id="{EDC39E7B-5902-F51D-D5FE-57BA41BAA990}"/>
+              </a:ext>
+            </a:extLst>
+          </p:cNvPr>
+          <p:cNvSpPr>
+            <a:spLocks noGrp="1"/>
+          </p:cNvSpPr>
+          <p:nvPr>
+            <p:ph type="title"/>
+          </p:nvPr>
+        </p:nvSpPr>
+        <p:spPr/>
+        <p:txBody>
+          <a:bodyPr/>
+          <a:lstStyle/>
+          <a:p>
+            <a:r>
+              <a:rPr lang="en-US" altLang="zh-TW" dirty="0"/>
+              <a:t>Noise Strength of Metrics</a:t>
+            </a:r>
+            <a:endParaRPr lang="zh-TW" altLang="en-US" dirty="0"/>
+          </a:p>
+        </p:txBody>
+      </p:sp>
       <mc:AlternateContent xmlns:mc="http://schemas.openxmlformats.org/markup-compatibility/2006" xmlns:a14="http://schemas.microsoft.com/office/drawing/2010/main">
         <mc:Choice Requires="a14">
           <p:sp>
@@ -37757,7 +39247,7 @@
               <p:cNvPr id="3" name="內容版面配置區 2">
                 <a:extLst>
                   <a:ext uri="{FF2B5EF4-FFF2-40B4-BE49-F238E27FC236}">
-                    <a16:creationId xmlns:a16="http://schemas.microsoft.com/office/drawing/2014/main" id="{7E7F710D-9324-9990-BA9E-93FCAFCC0DF1}"/>
+                    <a16:creationId xmlns:a16="http://schemas.microsoft.com/office/drawing/2014/main" id="{09941194-743C-2E6F-46B7-4DBA11DFAB70}"/>
                   </a:ext>
                 </a:extLst>
               </p:cNvPr>
@@ -37768,78 +39258,35 @@
                 <p:ph idx="1"/>
               </p:nvPr>
             </p:nvSpPr>
-            <p:spPr>
-              <a:xfrm>
-                <a:off x="381000" y="1676400"/>
-                <a:ext cx="8799512" cy="4800600"/>
-              </a:xfrm>
-            </p:spPr>
+            <p:spPr/>
             <p:txBody>
               <a:bodyPr/>
               <a:lstStyle/>
               <a:p>
                 <a:r>
                   <a:rPr lang="en-US" altLang="zh-TW" dirty="0"/>
-                  <a:t>Method to tackle analog non-idealities in IMS</a:t>
-                </a:r>
-                <a:r>
-                  <a:rPr lang="zh-TW" altLang="en-US" dirty="0"/>
-                  <a:t> </a:t>
-                </a:r>
-                <a:r>
-                  <a:rPr lang="en-US" altLang="zh-TW" dirty="0"/>
-                  <a:t>architecture</a:t>
+                  <a:t>Observation of the magnitude of each distance metric if we regard them as the source of noise</a:t>
                 </a:r>
               </a:p>
               <a:p>
                 <a:pPr lvl="1"/>
                 <a:r>
-                  <a:rPr lang="en-US" altLang="zh-TW" sz="2000" dirty="0"/>
-                  <a:t>Noise-aware training</a:t>
+                  <a:rPr lang="en-US" altLang="zh-TW" dirty="0"/>
+                  <a:t>Clean signal : cosine similarity</a:t>
                 </a:r>
               </a:p>
               <a:p>
                 <a:pPr lvl="1"/>
                 <a:r>
-                  <a:rPr lang="en-US" altLang="zh-TW" sz="2000" dirty="0"/>
-                  <a:t>Bayesian neural network</a:t>
+                  <a:rPr lang="en-US" altLang="zh-TW" dirty="0"/>
+                  <a:t>Relative noise : LSH &lt; </a:t>
                 </a:r>
-              </a:p>
-              <a:p>
-                <a:r>
-                  <a:rPr lang="en-US" altLang="zh-TW" dirty="0"/>
-                  <a:t>Comparison between metrics</a:t>
-                </a:r>
-              </a:p>
-              <a:p>
-                <a:pPr lvl="1"/>
-                <a:r>
-                  <a:rPr lang="en-US" altLang="zh-TW" sz="2000" dirty="0"/>
-                  <a:t>Angular metric</a:t>
-                </a:r>
-              </a:p>
-              <a:p>
-                <a:pPr lvl="2"/>
-                <a:r>
-                  <a:rPr lang="en-US" altLang="zh-TW" sz="2000" dirty="0"/>
-                  <a:t>Cosine similarity</a:t>
-                </a:r>
-              </a:p>
-              <a:p>
-                <a:pPr lvl="1"/>
-                <a:r>
-                  <a:rPr lang="en-US" altLang="zh-TW" sz="2000" dirty="0"/>
-                  <a:t>Spatial metric</a:t>
-                </a:r>
-              </a:p>
-              <a:p>
-                <a:pPr lvl="2"/>
                 <a14:m>
                   <m:oMath xmlns:m="http://schemas.openxmlformats.org/officeDocument/2006/math">
                     <m:sSub>
                       <m:sSubPr>
                         <m:ctrlPr>
-                          <a:rPr lang="en-US" altLang="zh-TW" sz="2000" b="0" i="1" dirty="0" smtClean="0">
+                          <a:rPr lang="en-US" altLang="zh-TW" i="1" dirty="0" smtClean="0">
                             <a:latin typeface="Cambria Math" panose="02040503050406030204" pitchFamily="18" charset="0"/>
                           </a:rPr>
                         </m:ctrlPr>
@@ -37849,7 +39296,7 @@
                           <m:rPr>
                             <m:sty m:val="p"/>
                           </m:rPr>
-                          <a:rPr lang="en-US" altLang="zh-TW" sz="2000" b="0" i="0" dirty="0" smtClean="0">
+                          <a:rPr lang="en-US" altLang="zh-TW" dirty="0">
                             <a:latin typeface="Cambria Math" panose="02040503050406030204" pitchFamily="18" charset="0"/>
                           </a:rPr>
                           <m:t>L</m:t>
@@ -37857,7 +39304,43 @@
                       </m:e>
                       <m:sub>
                         <m:r>
-                          <a:rPr lang="en-US" altLang="zh-TW" sz="2000" b="0" i="0" dirty="0" smtClean="0">
+                          <a:rPr lang="en-US" altLang="zh-TW" b="0" i="1" dirty="0" smtClean="0">
+                            <a:latin typeface="Cambria Math" panose="02040503050406030204" pitchFamily="18" charset="0"/>
+                          </a:rPr>
+                          <m:t>2</m:t>
+                        </m:r>
+                      </m:sub>
+                    </m:sSub>
+                  </m:oMath>
+                </a14:m>
+                <a:r>
+                  <a:rPr lang="en-US" altLang="zh-TW" dirty="0"/>
+                  <a:t> &lt; </a:t>
+                </a:r>
+                <a14:m>
+                  <m:oMath xmlns:m="http://schemas.openxmlformats.org/officeDocument/2006/math">
+                    <m:sSub>
+                      <m:sSubPr>
+                        <m:ctrlPr>
+                          <a:rPr lang="en-US" altLang="zh-TW" i="1" dirty="0">
+                            <a:latin typeface="Cambria Math" panose="02040503050406030204" pitchFamily="18" charset="0"/>
+                          </a:rPr>
+                        </m:ctrlPr>
+                      </m:sSubPr>
+                      <m:e>
+                        <m:r>
+                          <m:rPr>
+                            <m:sty m:val="p"/>
+                          </m:rPr>
+                          <a:rPr lang="en-US" altLang="zh-TW" dirty="0">
+                            <a:latin typeface="Cambria Math" panose="02040503050406030204" pitchFamily="18" charset="0"/>
+                          </a:rPr>
+                          <m:t>L</m:t>
+                        </m:r>
+                      </m:e>
+                      <m:sub>
+                        <m:r>
+                          <a:rPr lang="en-US" altLang="zh-TW" b="0" i="1" dirty="0" smtClean="0">
                             <a:latin typeface="Cambria Math" panose="02040503050406030204" pitchFamily="18" charset="0"/>
                           </a:rPr>
                           <m:t>1</m:t>
@@ -37867,18 +39350,15 @@
                   </m:oMath>
                 </a14:m>
                 <a:r>
-                  <a:rPr lang="en-US" altLang="zh-TW" sz="2000" dirty="0"/>
-                  <a:t>  norm</a:t>
+                  <a:rPr lang="en-US" altLang="zh-TW" dirty="0"/>
+                  <a:t> &lt; </a:t>
                 </a:r>
-              </a:p>
-              <a:p>
-                <a:pPr lvl="2"/>
                 <a14:m>
                   <m:oMath xmlns:m="http://schemas.openxmlformats.org/officeDocument/2006/math">
                     <m:sSub>
                       <m:sSubPr>
                         <m:ctrlPr>
-                          <a:rPr lang="en-US" altLang="zh-TW" sz="2000" b="0" i="1" dirty="0" smtClean="0">
+                          <a:rPr lang="en-US" altLang="zh-TW" i="1" dirty="0">
                             <a:latin typeface="Cambria Math" panose="02040503050406030204" pitchFamily="18" charset="0"/>
                           </a:rPr>
                         </m:ctrlPr>
@@ -37888,7 +39368,7 @@
                           <m:rPr>
                             <m:sty m:val="p"/>
                           </m:rPr>
-                          <a:rPr lang="en-US" altLang="zh-TW" sz="2000" b="0" i="0" dirty="0" smtClean="0">
+                          <a:rPr lang="en-US" altLang="zh-TW" dirty="0">
                             <a:latin typeface="Cambria Math" panose="02040503050406030204" pitchFamily="18" charset="0"/>
                           </a:rPr>
                           <m:t>L</m:t>
@@ -37896,7 +39376,7 @@
                       </m:e>
                       <m:sub>
                         <m:r>
-                          <a:rPr lang="en-US" altLang="zh-TW" sz="2000" b="0" i="1" dirty="0" smtClean="0">
+                          <a:rPr lang="en-US" altLang="zh-TW" b="0" i="1" dirty="0" smtClean="0">
                             <a:latin typeface="Cambria Math" panose="02040503050406030204" pitchFamily="18" charset="0"/>
                           </a:rPr>
                           <m:t>∞</m:t>
@@ -37906,37 +39386,10 @@
                   </m:oMath>
                 </a14:m>
                 <a:r>
-                  <a:rPr lang="en-US" altLang="zh-TW" sz="2000" dirty="0"/>
-                  <a:t> norm</a:t>
+                  <a:rPr lang="en-US" altLang="zh-TW" dirty="0"/>
+                  <a:t> </a:t>
                 </a:r>
-              </a:p>
-              <a:p>
-                <a:r>
-                  <a:rPr lang="en-US" altLang="zh-TW" dirty="0"/>
-                  <a:t>Locality sensitive hashing</a:t>
-                </a:r>
-              </a:p>
-              <a:p>
-                <a:pPr lvl="1"/>
-                <a:r>
-                  <a:rPr lang="en-US" altLang="zh-TW" dirty="0"/>
-                  <a:t>Approximation of cosine similarity</a:t>
-                </a:r>
-              </a:p>
-              <a:p>
-                <a:pPr lvl="1"/>
-                <a:r>
-                  <a:rPr lang="en-US" altLang="zh-TW" dirty="0"/>
-                  <a:t>2-D projection of high-dimensional embedding with t-SNE</a:t>
-                </a:r>
-              </a:p>
-              <a:p>
-                <a:pPr lvl="1"/>
-                <a:endParaRPr lang="en-US" altLang="zh-TW" sz="2000" dirty="0"/>
-              </a:p>
-              <a:p>
-                <a:pPr lvl="1"/>
-                <a:endParaRPr lang="zh-TW" altLang="en-US" sz="2000" dirty="0"/>
+                <a:endParaRPr lang="zh-TW" altLang="en-US" dirty="0"/>
               </a:p>
             </p:txBody>
           </p:sp>
@@ -37947,7 +39400,7 @@
               <p:cNvPr id="3" name="內容版面配置區 2">
                 <a:extLst>
                   <a:ext uri="{FF2B5EF4-FFF2-40B4-BE49-F238E27FC236}">
-                    <a16:creationId xmlns:a16="http://schemas.microsoft.com/office/drawing/2014/main" id="{7E7F710D-9324-9990-BA9E-93FCAFCC0DF1}"/>
+                    <a16:creationId xmlns:a16="http://schemas.microsoft.com/office/drawing/2014/main" id="{09941194-743C-2E6F-46B7-4DBA11DFAB70}"/>
                   </a:ext>
                 </a:extLst>
               </p:cNvPr>
@@ -37959,14 +39412,1063 @@
               </p:nvPr>
             </p:nvSpPr>
             <p:spPr>
-              <a:xfrm>
-                <a:off x="381000" y="1676400"/>
-                <a:ext cx="8799512" cy="4800600"/>
-              </a:xfrm>
               <a:blipFill>
                 <a:blip r:embed="rId2"/>
                 <a:stretch>
-                  <a:fillRect l="-693" t="-635"/>
+                  <a:fillRect l="-727" t="-635"/>
+                </a:stretch>
+              </a:blipFill>
+            </p:spPr>
+            <p:txBody>
+              <a:bodyPr/>
+              <a:lstStyle/>
+              <a:p>
+                <a:r>
+                  <a:rPr lang="zh-TW" altLang="en-US">
+                    <a:noFill/>
+                  </a:rPr>
+                  <a:t> </a:t>
+                </a:r>
+              </a:p>
+            </p:txBody>
+          </p:sp>
+        </mc:Fallback>
+      </mc:AlternateContent>
+      <p:pic>
+        <p:nvPicPr>
+          <p:cNvPr id="26" name="圖片 25">
+            <a:extLst>
+              <a:ext uri="{FF2B5EF4-FFF2-40B4-BE49-F238E27FC236}">
+                <a16:creationId xmlns:a16="http://schemas.microsoft.com/office/drawing/2014/main" id="{653D4425-84FB-0A31-CEA4-9BCE0FAD8431}"/>
+              </a:ext>
+            </a:extLst>
+          </p:cNvPr>
+          <p:cNvPicPr>
+            <a:picLocks noChangeAspect="1"/>
+          </p:cNvPicPr>
+          <p:nvPr/>
+        </p:nvPicPr>
+        <p:blipFill>
+          <a:blip r:embed="rId3" cstate="print">
+            <a:extLst>
+              <a:ext uri="{28A0092B-C50C-407E-A947-70E740481C1C}">
+                <a14:useLocalDpi xmlns:a14="http://schemas.microsoft.com/office/drawing/2010/main" val="0"/>
+              </a:ext>
+            </a:extLst>
+          </a:blip>
+          <a:stretch>
+            <a:fillRect/>
+          </a:stretch>
+        </p:blipFill>
+        <p:spPr>
+          <a:xfrm>
+            <a:off x="35496" y="3212977"/>
+            <a:ext cx="5146258" cy="3416424"/>
+          </a:xfrm>
+          <a:prstGeom prst="rect">
+            <a:avLst/>
+          </a:prstGeom>
+        </p:spPr>
+      </p:pic>
+      <p:pic>
+        <p:nvPicPr>
+          <p:cNvPr id="28" name="圖片 27">
+            <a:extLst>
+              <a:ext uri="{FF2B5EF4-FFF2-40B4-BE49-F238E27FC236}">
+                <a16:creationId xmlns:a16="http://schemas.microsoft.com/office/drawing/2014/main" id="{F1574361-D1EC-C22C-B1DE-1A2E5A6478A8}"/>
+              </a:ext>
+            </a:extLst>
+          </p:cNvPr>
+          <p:cNvPicPr>
+            <a:picLocks noChangeAspect="1"/>
+          </p:cNvPicPr>
+          <p:nvPr/>
+        </p:nvPicPr>
+        <p:blipFill>
+          <a:blip r:embed="rId4" cstate="print">
+            <a:extLst>
+              <a:ext uri="{28A0092B-C50C-407E-A947-70E740481C1C}">
+                <a14:useLocalDpi xmlns:a14="http://schemas.microsoft.com/office/drawing/2010/main" val="0"/>
+              </a:ext>
+            </a:extLst>
+          </a:blip>
+          <a:stretch>
+            <a:fillRect/>
+          </a:stretch>
+        </p:blipFill>
+        <p:spPr>
+          <a:xfrm>
+            <a:off x="5128034" y="4798980"/>
+            <a:ext cx="3429201" cy="2048974"/>
+          </a:xfrm>
+          <a:prstGeom prst="rect">
+            <a:avLst/>
+          </a:prstGeom>
+        </p:spPr>
+      </p:pic>
+      <p:pic>
+        <p:nvPicPr>
+          <p:cNvPr id="30" name="圖片 29">
+            <a:extLst>
+              <a:ext uri="{FF2B5EF4-FFF2-40B4-BE49-F238E27FC236}">
+                <a16:creationId xmlns:a16="http://schemas.microsoft.com/office/drawing/2014/main" id="{5641F4C9-464B-DDDE-C7FC-EB8E86248725}"/>
+              </a:ext>
+            </a:extLst>
+          </p:cNvPr>
+          <p:cNvPicPr>
+            <a:picLocks noChangeAspect="1"/>
+          </p:cNvPicPr>
+          <p:nvPr/>
+        </p:nvPicPr>
+        <p:blipFill>
+          <a:blip r:embed="rId5" cstate="print">
+            <a:extLst>
+              <a:ext uri="{28A0092B-C50C-407E-A947-70E740481C1C}">
+                <a14:useLocalDpi xmlns:a14="http://schemas.microsoft.com/office/drawing/2010/main" val="0"/>
+              </a:ext>
+            </a:extLst>
+          </a:blip>
+          <a:stretch>
+            <a:fillRect/>
+          </a:stretch>
+        </p:blipFill>
+        <p:spPr>
+          <a:xfrm>
+            <a:off x="5130906" y="2750006"/>
+            <a:ext cx="3430356" cy="2048974"/>
+          </a:xfrm>
+          <a:prstGeom prst="rect">
+            <a:avLst/>
+          </a:prstGeom>
+        </p:spPr>
+      </p:pic>
+      <p:sp>
+        <p:nvSpPr>
+          <p:cNvPr id="20" name="文字方塊 19">
+            <a:extLst>
+              <a:ext uri="{FF2B5EF4-FFF2-40B4-BE49-F238E27FC236}">
+                <a16:creationId xmlns:a16="http://schemas.microsoft.com/office/drawing/2014/main" id="{60EB9715-70EC-CEE1-BF3C-B6D4714D9E0A}"/>
+              </a:ext>
+            </a:extLst>
+          </p:cNvPr>
+          <p:cNvSpPr txBox="1"/>
+          <p:nvPr/>
+        </p:nvSpPr>
+        <p:spPr>
+          <a:xfrm>
+            <a:off x="755576" y="5012323"/>
+            <a:ext cx="2963440" cy="338554"/>
+          </a:xfrm>
+          <a:prstGeom prst="rect">
+            <a:avLst/>
+          </a:prstGeom>
+          <a:solidFill>
+            <a:schemeClr val="bg1"/>
+          </a:solidFill>
+          <a:ln>
+            <a:solidFill>
+              <a:schemeClr val="tx1"/>
+            </a:solidFill>
+          </a:ln>
+        </p:spPr>
+        <p:txBody>
+          <a:bodyPr wrap="square">
+            <a:spAutoFit/>
+          </a:bodyPr>
+          <a:lstStyle/>
+          <a:p>
+            <a:pPr algn="ctr"/>
+            <a:r>
+              <a:rPr lang="en-US" altLang="zh-TW" sz="1600" dirty="0"/>
+              <a:t>Spatial metric has larger noise</a:t>
+            </a:r>
+            <a:endParaRPr lang="zh-TW" altLang="en-US" sz="1600" dirty="0"/>
+          </a:p>
+        </p:txBody>
+      </p:sp>
+    </p:spTree>
+    <p:extLst>
+      <p:ext uri="{BB962C8B-B14F-4D97-AF65-F5344CB8AC3E}">
+        <p14:creationId xmlns:p14="http://schemas.microsoft.com/office/powerpoint/2010/main" val="4294002506"/>
+      </p:ext>
+    </p:extLst>
+  </p:cSld>
+  <p:clrMapOvr>
+    <a:masterClrMapping/>
+  </p:clrMapOvr>
+</p:sld>
+</file>
+
+<file path=ppt/slides/slide21.xml><?xml version="1.0" encoding="utf-8"?>
+<p:sld xmlns:a="http://schemas.openxmlformats.org/drawingml/2006/main" xmlns:r="http://schemas.openxmlformats.org/officeDocument/2006/relationships" xmlns:p="http://schemas.openxmlformats.org/presentationml/2006/main">
+  <p:cSld>
+    <p:spTree>
+      <p:nvGrpSpPr>
+        <p:cNvPr id="1" name=""/>
+        <p:cNvGrpSpPr/>
+        <p:nvPr/>
+      </p:nvGrpSpPr>
+      <p:grpSpPr>
+        <a:xfrm>
+          <a:off x="0" y="0"/>
+          <a:ext cx="0" cy="0"/>
+          <a:chOff x="0" y="0"/>
+          <a:chExt cx="0" cy="0"/>
+        </a:xfrm>
+      </p:grpSpPr>
+      <p:sp>
+        <p:nvSpPr>
+          <p:cNvPr id="2" name="標題 1">
+            <a:extLst>
+              <a:ext uri="{FF2B5EF4-FFF2-40B4-BE49-F238E27FC236}">
+                <a16:creationId xmlns:a16="http://schemas.microsoft.com/office/drawing/2014/main" id="{F0855C14-29E9-DCCE-5362-0C7C384C6536}"/>
+              </a:ext>
+            </a:extLst>
+          </p:cNvPr>
+          <p:cNvSpPr>
+            <a:spLocks noGrp="1"/>
+          </p:cNvSpPr>
+          <p:nvPr>
+            <p:ph type="title"/>
+          </p:nvPr>
+        </p:nvSpPr>
+        <p:spPr>
+          <a:xfrm>
+            <a:off x="35496" y="762000"/>
+            <a:ext cx="9073008" cy="762000"/>
+          </a:xfrm>
+        </p:spPr>
+        <p:txBody>
+          <a:bodyPr/>
+          <a:lstStyle/>
+          <a:p>
+            <a:r>
+              <a:rPr lang="en-US" altLang="zh-TW" dirty="0"/>
+              <a:t>Noise-Resilient Model Resolves Metric Issue</a:t>
+            </a:r>
+            <a:endParaRPr lang="zh-TW" altLang="en-US" dirty="0"/>
+          </a:p>
+        </p:txBody>
+      </p:sp>
+      <p:sp>
+        <p:nvSpPr>
+          <p:cNvPr id="3" name="內容版面配置區 2">
+            <a:extLst>
+              <a:ext uri="{FF2B5EF4-FFF2-40B4-BE49-F238E27FC236}">
+                <a16:creationId xmlns:a16="http://schemas.microsoft.com/office/drawing/2014/main" id="{DE6A1FB8-D9EA-62B5-3EA4-D6B0F523268E}"/>
+              </a:ext>
+            </a:extLst>
+          </p:cNvPr>
+          <p:cNvSpPr>
+            <a:spLocks noGrp="1"/>
+          </p:cNvSpPr>
+          <p:nvPr>
+            <p:ph idx="1"/>
+          </p:nvPr>
+        </p:nvSpPr>
+        <p:spPr/>
+        <p:txBody>
+          <a:bodyPr/>
+          <a:lstStyle/>
+          <a:p>
+            <a:r>
+              <a:rPr lang="en-US" altLang="zh-TW" dirty="0"/>
+              <a:t>Noise-Resilient Model achieves higher accuracy when distance metric is not cosine distance</a:t>
+            </a:r>
+          </a:p>
+          <a:p>
+            <a:pPr lvl="1"/>
+            <a:r>
+              <a:rPr lang="en-US" altLang="zh-TW" dirty="0"/>
+              <a:t>Original CNN model has highest accuracy on cosine similarity</a:t>
+            </a:r>
+          </a:p>
+        </p:txBody>
+      </p:sp>
+      <p:pic>
+        <p:nvPicPr>
+          <p:cNvPr id="7" name="圖片 6">
+            <a:extLst>
+              <a:ext uri="{FF2B5EF4-FFF2-40B4-BE49-F238E27FC236}">
+                <a16:creationId xmlns:a16="http://schemas.microsoft.com/office/drawing/2014/main" id="{768E0855-3C25-58F9-F390-EA45B76AC607}"/>
+              </a:ext>
+            </a:extLst>
+          </p:cNvPr>
+          <p:cNvPicPr>
+            <a:picLocks noChangeAspect="1"/>
+          </p:cNvPicPr>
+          <p:nvPr/>
+        </p:nvPicPr>
+        <p:blipFill>
+          <a:blip r:embed="rId2" cstate="print">
+            <a:extLst>
+              <a:ext uri="{28A0092B-C50C-407E-A947-70E740481C1C}">
+                <a14:useLocalDpi xmlns:a14="http://schemas.microsoft.com/office/drawing/2010/main" val="0"/>
+              </a:ext>
+            </a:extLst>
+          </a:blip>
+          <a:srcRect b="2410"/>
+          <a:stretch/>
+        </p:blipFill>
+        <p:spPr>
+          <a:xfrm>
+            <a:off x="467544" y="2995617"/>
+            <a:ext cx="4824536" cy="3862383"/>
+          </a:xfrm>
+          <a:prstGeom prst="rect">
+            <a:avLst/>
+          </a:prstGeom>
+        </p:spPr>
+      </p:pic>
+      <p:sp>
+        <p:nvSpPr>
+          <p:cNvPr id="13" name="文字方塊 12">
+            <a:extLst>
+              <a:ext uri="{FF2B5EF4-FFF2-40B4-BE49-F238E27FC236}">
+                <a16:creationId xmlns:a16="http://schemas.microsoft.com/office/drawing/2014/main" id="{2AEA6B1D-6490-958E-30F9-0BC232B3AFB0}"/>
+              </a:ext>
+            </a:extLst>
+          </p:cNvPr>
+          <p:cNvSpPr txBox="1"/>
+          <p:nvPr/>
+        </p:nvSpPr>
+        <p:spPr>
+          <a:xfrm>
+            <a:off x="5724128" y="5301208"/>
+            <a:ext cx="3312368" cy="584775"/>
+          </a:xfrm>
+          <a:prstGeom prst="rect">
+            <a:avLst/>
+          </a:prstGeom>
+          <a:noFill/>
+          <a:ln w="28575">
+            <a:solidFill>
+              <a:srgbClr val="2CA02C"/>
+            </a:solidFill>
+          </a:ln>
+        </p:spPr>
+        <p:txBody>
+          <a:bodyPr wrap="square">
+            <a:spAutoFit/>
+          </a:bodyPr>
+          <a:lstStyle/>
+          <a:p>
+            <a:pPr algn="ctr"/>
+            <a:r>
+              <a:rPr lang="en-US" altLang="zh-TW" sz="1600" dirty="0"/>
+              <a:t>Bayesian model has similar results, but has lower accuracy in general</a:t>
+            </a:r>
+          </a:p>
+        </p:txBody>
+      </p:sp>
+      <p:cxnSp>
+        <p:nvCxnSpPr>
+          <p:cNvPr id="15" name="直線單箭頭接點 14">
+            <a:extLst>
+              <a:ext uri="{FF2B5EF4-FFF2-40B4-BE49-F238E27FC236}">
+                <a16:creationId xmlns:a16="http://schemas.microsoft.com/office/drawing/2014/main" id="{1C1DFEAB-2A1E-53B2-4DFA-80A4D7BF364E}"/>
+              </a:ext>
+            </a:extLst>
+          </p:cNvPr>
+          <p:cNvCxnSpPr>
+            <a:cxnSpLocks/>
+            <a:stCxn id="13" idx="1"/>
+          </p:cNvCxnSpPr>
+          <p:nvPr/>
+        </p:nvCxnSpPr>
+        <p:spPr bwMode="auto">
+          <a:xfrm flipH="1">
+            <a:off x="5277544" y="5593596"/>
+            <a:ext cx="446584" cy="67652"/>
+          </a:xfrm>
+          <a:prstGeom prst="straightConnector1">
+            <a:avLst/>
+          </a:prstGeom>
+          <a:noFill/>
+          <a:ln w="28575" cap="flat" cmpd="sng" algn="ctr">
+            <a:solidFill>
+              <a:schemeClr val="tx1"/>
+            </a:solidFill>
+            <a:prstDash val="solid"/>
+            <a:round/>
+            <a:headEnd type="none" w="med" len="med"/>
+            <a:tailEnd type="triangle"/>
+          </a:ln>
+          <a:effectLst/>
+        </p:spPr>
+      </p:cxnSp>
+      <p:sp>
+        <p:nvSpPr>
+          <p:cNvPr id="19" name="文字方塊 18">
+            <a:extLst>
+              <a:ext uri="{FF2B5EF4-FFF2-40B4-BE49-F238E27FC236}">
+                <a16:creationId xmlns:a16="http://schemas.microsoft.com/office/drawing/2014/main" id="{FC705084-CF1D-658E-25BD-0998D77F8653}"/>
+              </a:ext>
+            </a:extLst>
+          </p:cNvPr>
+          <p:cNvSpPr txBox="1"/>
+          <p:nvPr/>
+        </p:nvSpPr>
+        <p:spPr>
+          <a:xfrm>
+            <a:off x="5724128" y="3900681"/>
+            <a:ext cx="3312368" cy="584775"/>
+          </a:xfrm>
+          <a:prstGeom prst="rect">
+            <a:avLst/>
+          </a:prstGeom>
+          <a:noFill/>
+          <a:ln w="28575">
+            <a:solidFill>
+              <a:srgbClr val="FF983E"/>
+            </a:solidFill>
+          </a:ln>
+        </p:spPr>
+        <p:txBody>
+          <a:bodyPr wrap="square">
+            <a:spAutoFit/>
+          </a:bodyPr>
+          <a:lstStyle/>
+          <a:p>
+            <a:pPr algn="ctr"/>
+            <a:r>
+              <a:rPr lang="en-US" altLang="zh-TW" sz="1600" dirty="0"/>
+              <a:t>noise-aware model has highest accuracy on other metric</a:t>
+            </a:r>
+            <a:endParaRPr lang="zh-TW" altLang="en-US" sz="1600" dirty="0"/>
+          </a:p>
+        </p:txBody>
+      </p:sp>
+      <p:cxnSp>
+        <p:nvCxnSpPr>
+          <p:cNvPr id="20" name="直線單箭頭接點 19">
+            <a:extLst>
+              <a:ext uri="{FF2B5EF4-FFF2-40B4-BE49-F238E27FC236}">
+                <a16:creationId xmlns:a16="http://schemas.microsoft.com/office/drawing/2014/main" id="{EBCBD4C4-CFE9-9B10-7083-E8496526396E}"/>
+              </a:ext>
+            </a:extLst>
+          </p:cNvPr>
+          <p:cNvCxnSpPr>
+            <a:cxnSpLocks/>
+            <a:stCxn id="19" idx="1"/>
+          </p:cNvCxnSpPr>
+          <p:nvPr/>
+        </p:nvCxnSpPr>
+        <p:spPr bwMode="auto">
+          <a:xfrm flipH="1" flipV="1">
+            <a:off x="5148064" y="4125417"/>
+            <a:ext cx="576064" cy="67652"/>
+          </a:xfrm>
+          <a:prstGeom prst="straightConnector1">
+            <a:avLst/>
+          </a:prstGeom>
+          <a:noFill/>
+          <a:ln w="28575" cap="flat" cmpd="sng" algn="ctr">
+            <a:solidFill>
+              <a:schemeClr val="tx1"/>
+            </a:solidFill>
+            <a:prstDash val="solid"/>
+            <a:round/>
+            <a:headEnd type="none" w="med" len="med"/>
+            <a:tailEnd type="triangle"/>
+          </a:ln>
+          <a:effectLst/>
+        </p:spPr>
+      </p:cxnSp>
+    </p:spTree>
+    <p:extLst>
+      <p:ext uri="{BB962C8B-B14F-4D97-AF65-F5344CB8AC3E}">
+        <p14:creationId xmlns:p14="http://schemas.microsoft.com/office/powerpoint/2010/main" val="2096315030"/>
+      </p:ext>
+    </p:extLst>
+  </p:cSld>
+  <p:clrMapOvr>
+    <a:masterClrMapping/>
+  </p:clrMapOvr>
+</p:sld>
+</file>
+
+<file path=ppt/slides/slide22.xml><?xml version="1.0" encoding="utf-8"?>
+<p:sld xmlns:a="http://schemas.openxmlformats.org/drawingml/2006/main" xmlns:r="http://schemas.openxmlformats.org/officeDocument/2006/relationships" xmlns:p="http://schemas.openxmlformats.org/presentationml/2006/main">
+  <p:cSld>
+    <p:spTree>
+      <p:nvGrpSpPr>
+        <p:cNvPr id="1" name=""/>
+        <p:cNvGrpSpPr/>
+        <p:nvPr/>
+      </p:nvGrpSpPr>
+      <p:grpSpPr>
+        <a:xfrm>
+          <a:off x="0" y="0"/>
+          <a:ext cx="0" cy="0"/>
+          <a:chOff x="0" y="0"/>
+          <a:chExt cx="0" cy="0"/>
+        </a:xfrm>
+      </p:grpSpPr>
+      <p:sp>
+        <p:nvSpPr>
+          <p:cNvPr id="2" name="標題 1">
+            <a:extLst>
+              <a:ext uri="{FF2B5EF4-FFF2-40B4-BE49-F238E27FC236}">
+                <a16:creationId xmlns:a16="http://schemas.microsoft.com/office/drawing/2014/main" id="{A640E383-458B-C2EE-61FE-E8A6FAD6C73B}"/>
+              </a:ext>
+            </a:extLst>
+          </p:cNvPr>
+          <p:cNvSpPr>
+            <a:spLocks noGrp="1"/>
+          </p:cNvSpPr>
+          <p:nvPr>
+            <p:ph type="title"/>
+          </p:nvPr>
+        </p:nvSpPr>
+        <p:spPr/>
+        <p:txBody>
+          <a:bodyPr/>
+          <a:lstStyle/>
+          <a:p>
+            <a:r>
+              <a:rPr lang="en-US" altLang="zh-TW" dirty="0"/>
+              <a:t>Conclusion 4</a:t>
+            </a:r>
+            <a:endParaRPr lang="zh-TW" altLang="en-US" dirty="0"/>
+          </a:p>
+        </p:txBody>
+      </p:sp>
+      <mc:AlternateContent xmlns:mc="http://schemas.openxmlformats.org/markup-compatibility/2006">
+        <mc:Choice xmlns:a14="http://schemas.microsoft.com/office/drawing/2010/main" Requires="a14">
+          <p:sp>
+            <p:nvSpPr>
+              <p:cNvPr id="3" name="內容版面配置區 2">
+                <a:extLst>
+                  <a:ext uri="{FF2B5EF4-FFF2-40B4-BE49-F238E27FC236}">
+                    <a16:creationId xmlns:a16="http://schemas.microsoft.com/office/drawing/2014/main" id="{746EB162-5DEF-2B81-E7CC-03DCA41ACF03}"/>
+                  </a:ext>
+                </a:extLst>
+              </p:cNvPr>
+              <p:cNvSpPr>
+                <a:spLocks noGrp="1"/>
+              </p:cNvSpPr>
+              <p:nvPr>
+                <p:ph idx="1"/>
+              </p:nvPr>
+            </p:nvSpPr>
+            <p:spPr/>
+            <p:txBody>
+              <a:bodyPr/>
+              <a:lstStyle/>
+              <a:p>
+                <a:r>
+                  <a:rPr lang="en-US" altLang="zh-TW" dirty="0"/>
+                  <a:t>View different metrics as inaccurate versions of cosine similarity</a:t>
+                </a:r>
+              </a:p>
+              <a:p>
+                <a:pPr lvl="1"/>
+                <a14:m>
+                  <m:oMath xmlns:m="http://schemas.openxmlformats.org/officeDocument/2006/math">
+                    <m:sSub>
+                      <m:sSubPr>
+                        <m:ctrlPr>
+                          <a:rPr lang="en-US" altLang="zh-TW" b="0" i="1" dirty="0" smtClean="0">
+                            <a:latin typeface="Cambria Math" panose="02040503050406030204" pitchFamily="18" charset="0"/>
+                          </a:rPr>
+                        </m:ctrlPr>
+                      </m:sSubPr>
+                      <m:e>
+                        <m:r>
+                          <m:rPr>
+                            <m:sty m:val="p"/>
+                          </m:rPr>
+                          <a:rPr lang="en-US" altLang="zh-TW" b="0" i="0" dirty="0" smtClean="0">
+                            <a:latin typeface="Cambria Math" panose="02040503050406030204" pitchFamily="18" charset="0"/>
+                          </a:rPr>
+                          <m:t>L</m:t>
+                        </m:r>
+                      </m:e>
+                      <m:sub>
+                        <m:r>
+                          <a:rPr lang="en-US" altLang="zh-TW" b="0" i="0" dirty="0" smtClean="0">
+                            <a:latin typeface="Cambria Math" panose="02040503050406030204" pitchFamily="18" charset="0"/>
+                          </a:rPr>
+                          <m:t>2</m:t>
+                        </m:r>
+                      </m:sub>
+                    </m:sSub>
+                  </m:oMath>
+                </a14:m>
+                <a:r>
+                  <a:rPr lang="en-US" altLang="zh-TW" dirty="0"/>
+                  <a:t>  norm : Non-normalized cosine distance</a:t>
+                </a:r>
+              </a:p>
+              <a:p>
+                <a:pPr lvl="1"/>
+                <a14:m>
+                  <m:oMath xmlns:m="http://schemas.openxmlformats.org/officeDocument/2006/math">
+                    <m:sSub>
+                      <m:sSubPr>
+                        <m:ctrlPr>
+                          <a:rPr lang="en-US" altLang="zh-TW" b="0" i="1" dirty="0" smtClean="0">
+                            <a:latin typeface="Cambria Math" panose="02040503050406030204" pitchFamily="18" charset="0"/>
+                          </a:rPr>
+                        </m:ctrlPr>
+                      </m:sSubPr>
+                      <m:e>
+                        <m:r>
+                          <m:rPr>
+                            <m:sty m:val="p"/>
+                          </m:rPr>
+                          <a:rPr lang="en-US" altLang="zh-TW" b="0" i="0" dirty="0" smtClean="0">
+                            <a:latin typeface="Cambria Math" panose="02040503050406030204" pitchFamily="18" charset="0"/>
+                          </a:rPr>
+                          <m:t>L</m:t>
+                        </m:r>
+                      </m:e>
+                      <m:sub>
+                        <m:r>
+                          <a:rPr lang="en-US" altLang="zh-TW" b="0" i="0" dirty="0" smtClean="0">
+                            <a:latin typeface="Cambria Math" panose="02040503050406030204" pitchFamily="18" charset="0"/>
+                          </a:rPr>
+                          <m:t>1</m:t>
+                        </m:r>
+                      </m:sub>
+                    </m:sSub>
+                  </m:oMath>
+                </a14:m>
+                <a:r>
+                  <a:rPr lang="en-US" altLang="zh-TW" dirty="0"/>
+                  <a:t>  norm : Upper bound of </a:t>
+                </a:r>
+                <a14:m>
+                  <m:oMath xmlns:m="http://schemas.openxmlformats.org/officeDocument/2006/math">
+                    <m:sSub>
+                      <m:sSubPr>
+                        <m:ctrlPr>
+                          <a:rPr lang="en-US" altLang="zh-TW" i="1" dirty="0">
+                            <a:solidFill>
+                              <a:prstClr val="black"/>
+                            </a:solidFill>
+                            <a:latin typeface="Cambria Math" panose="02040503050406030204" pitchFamily="18" charset="0"/>
+                          </a:rPr>
+                        </m:ctrlPr>
+                      </m:sSubPr>
+                      <m:e>
+                        <m:r>
+                          <m:rPr>
+                            <m:sty m:val="p"/>
+                          </m:rPr>
+                          <a:rPr lang="en-US" altLang="zh-TW" dirty="0">
+                            <a:solidFill>
+                              <a:prstClr val="black"/>
+                            </a:solidFill>
+                            <a:latin typeface="Cambria Math" panose="02040503050406030204" pitchFamily="18" charset="0"/>
+                          </a:rPr>
+                          <m:t>L</m:t>
+                        </m:r>
+                      </m:e>
+                      <m:sub>
+                        <m:r>
+                          <a:rPr lang="en-US" altLang="zh-TW" dirty="0">
+                            <a:solidFill>
+                              <a:prstClr val="black"/>
+                            </a:solidFill>
+                            <a:latin typeface="Cambria Math" panose="02040503050406030204" pitchFamily="18" charset="0"/>
+                          </a:rPr>
+                          <m:t>2</m:t>
+                        </m:r>
+                      </m:sub>
+                    </m:sSub>
+                  </m:oMath>
+                </a14:m>
+                <a:r>
+                  <a:rPr lang="en-US" altLang="zh-TW" dirty="0">
+                    <a:solidFill>
+                      <a:prstClr val="black"/>
+                    </a:solidFill>
+                  </a:rPr>
+                  <a:t> norm </a:t>
+                </a:r>
+                <a:endParaRPr lang="en-US" altLang="zh-TW" dirty="0"/>
+              </a:p>
+              <a:p>
+                <a:pPr lvl="1"/>
+                <a14:m>
+                  <m:oMath xmlns:m="http://schemas.openxmlformats.org/officeDocument/2006/math">
+                    <m:sSub>
+                      <m:sSubPr>
+                        <m:ctrlPr>
+                          <a:rPr lang="en-US" altLang="zh-TW" b="0" i="1" dirty="0" smtClean="0">
+                            <a:latin typeface="Cambria Math" panose="02040503050406030204" pitchFamily="18" charset="0"/>
+                          </a:rPr>
+                        </m:ctrlPr>
+                      </m:sSubPr>
+                      <m:e>
+                        <m:r>
+                          <m:rPr>
+                            <m:sty m:val="p"/>
+                          </m:rPr>
+                          <a:rPr lang="en-US" altLang="zh-TW" b="0" i="0" dirty="0" smtClean="0">
+                            <a:latin typeface="Cambria Math" panose="02040503050406030204" pitchFamily="18" charset="0"/>
+                          </a:rPr>
+                          <m:t>L</m:t>
+                        </m:r>
+                      </m:e>
+                      <m:sub>
+                        <m:r>
+                          <a:rPr lang="en-US" altLang="zh-TW" b="0" i="1" dirty="0" smtClean="0">
+                            <a:latin typeface="Cambria Math" panose="02040503050406030204" pitchFamily="18" charset="0"/>
+                          </a:rPr>
+                          <m:t>∞</m:t>
+                        </m:r>
+                      </m:sub>
+                    </m:sSub>
+                  </m:oMath>
+                </a14:m>
+                <a:r>
+                  <a:rPr lang="en-US" altLang="zh-TW" dirty="0"/>
+                  <a:t> norm : Lower bound of </a:t>
+                </a:r>
+                <a14:m>
+                  <m:oMath xmlns:m="http://schemas.openxmlformats.org/officeDocument/2006/math">
+                    <m:sSub>
+                      <m:sSubPr>
+                        <m:ctrlPr>
+                          <a:rPr lang="en-US" altLang="zh-TW" i="1" dirty="0">
+                            <a:solidFill>
+                              <a:prstClr val="black"/>
+                            </a:solidFill>
+                            <a:latin typeface="Cambria Math" panose="02040503050406030204" pitchFamily="18" charset="0"/>
+                          </a:rPr>
+                        </m:ctrlPr>
+                      </m:sSubPr>
+                      <m:e>
+                        <m:r>
+                          <m:rPr>
+                            <m:sty m:val="p"/>
+                          </m:rPr>
+                          <a:rPr lang="en-US" altLang="zh-TW" dirty="0">
+                            <a:solidFill>
+                              <a:prstClr val="black"/>
+                            </a:solidFill>
+                            <a:latin typeface="Cambria Math" panose="02040503050406030204" pitchFamily="18" charset="0"/>
+                          </a:rPr>
+                          <m:t>L</m:t>
+                        </m:r>
+                      </m:e>
+                      <m:sub>
+                        <m:r>
+                          <a:rPr lang="en-US" altLang="zh-TW" dirty="0">
+                            <a:solidFill>
+                              <a:prstClr val="black"/>
+                            </a:solidFill>
+                            <a:latin typeface="Cambria Math" panose="02040503050406030204" pitchFamily="18" charset="0"/>
+                          </a:rPr>
+                          <m:t>2</m:t>
+                        </m:r>
+                      </m:sub>
+                    </m:sSub>
+                  </m:oMath>
+                </a14:m>
+                <a:r>
+                  <a:rPr lang="en-US" altLang="zh-TW" dirty="0">
+                    <a:solidFill>
+                      <a:prstClr val="black"/>
+                    </a:solidFill>
+                  </a:rPr>
+                  <a:t> norm </a:t>
+                </a:r>
+                <a:endParaRPr lang="en-US" altLang="zh-TW" dirty="0"/>
+              </a:p>
+              <a:p>
+                <a:pPr lvl="1"/>
+                <a:endParaRPr lang="en-US" altLang="zh-TW" sz="1600" dirty="0"/>
+              </a:p>
+              <a:p>
+                <a:pPr marL="0" indent="0">
+                  <a:buNone/>
+                </a:pPr>
+                <a:endParaRPr lang="en-US" altLang="zh-TW" dirty="0"/>
+              </a:p>
+              <a:p>
+                <a:pPr marL="0" indent="0">
+                  <a:buNone/>
+                </a:pPr>
+                <a:endParaRPr lang="en-US" altLang="zh-TW" dirty="0"/>
+              </a:p>
+              <a:p>
+                <a:r>
+                  <a:rPr lang="en-US" altLang="zh-TW" dirty="0"/>
+                  <a:t>Train a model that performs well on general distance metrics</a:t>
+                </a:r>
+              </a:p>
+              <a:p>
+                <a:pPr lvl="1"/>
+                <a:r>
+                  <a:rPr lang="en-US" altLang="zh-TW" dirty="0"/>
+                  <a:t>Noise-aware model can achieve better performance in general cases</a:t>
+                </a:r>
+              </a:p>
+              <a:p>
+                <a:pPr lvl="1"/>
+                <a:r>
+                  <a:rPr lang="en-US" altLang="zh-TW" dirty="0"/>
+                  <a:t>Bayesian model has similar behavior</a:t>
+                </a:r>
+                <a:endParaRPr lang="zh-TW" altLang="en-US" dirty="0"/>
+              </a:p>
+            </p:txBody>
+          </p:sp>
+        </mc:Choice>
+        <mc:Fallback>
+          <p:sp>
+            <p:nvSpPr>
+              <p:cNvPr id="3" name="內容版面配置區 2">
+                <a:extLst>
+                  <a:ext uri="{FF2B5EF4-FFF2-40B4-BE49-F238E27FC236}">
+                    <a16:creationId xmlns:a16="http://schemas.microsoft.com/office/drawing/2014/main" id="{746EB162-5DEF-2B81-E7CC-03DCA41ACF03}"/>
+                  </a:ext>
+                </a:extLst>
+              </p:cNvPr>
+              <p:cNvSpPr>
+                <a:spLocks noGrp="1" noRot="1" noChangeAspect="1" noMove="1" noResize="1" noEditPoints="1" noAdjustHandles="1" noChangeArrowheads="1" noChangeShapeType="1" noTextEdit="1"/>
+              </p:cNvSpPr>
+              <p:nvPr>
+                <p:ph idx="1"/>
+              </p:nvPr>
+            </p:nvSpPr>
+            <p:spPr>
+              <a:blipFill>
+                <a:blip r:embed="rId2"/>
+                <a:stretch>
+                  <a:fillRect l="-727" t="-635"/>
+                </a:stretch>
+              </a:blipFill>
+            </p:spPr>
+            <p:txBody>
+              <a:bodyPr/>
+              <a:lstStyle/>
+              <a:p>
+                <a:r>
+                  <a:rPr lang="zh-TW" altLang="en-US">
+                    <a:noFill/>
+                  </a:rPr>
+                  <a:t> </a:t>
+                </a:r>
+              </a:p>
+            </p:txBody>
+          </p:sp>
+        </mc:Fallback>
+      </mc:AlternateContent>
+      <mc:AlternateContent xmlns:mc="http://schemas.openxmlformats.org/markup-compatibility/2006">
+        <mc:Choice xmlns:a14="http://schemas.microsoft.com/office/drawing/2010/main" Requires="a14">
+          <p:sp>
+            <p:nvSpPr>
+              <p:cNvPr id="5" name="文字方塊 4">
+                <a:extLst>
+                  <a:ext uri="{FF2B5EF4-FFF2-40B4-BE49-F238E27FC236}">
+                    <a16:creationId xmlns:a16="http://schemas.microsoft.com/office/drawing/2014/main" id="{5E1C04BC-A529-911E-FC01-012A56A5A0AB}"/>
+                  </a:ext>
+                </a:extLst>
+              </p:cNvPr>
+              <p:cNvSpPr txBox="1"/>
+              <p:nvPr/>
+            </p:nvSpPr>
+            <p:spPr>
+              <a:xfrm>
+                <a:off x="3104964" y="3244334"/>
+                <a:ext cx="2934072" cy="369332"/>
+              </a:xfrm>
+              <a:prstGeom prst="rect">
+                <a:avLst/>
+              </a:prstGeom>
+              <a:noFill/>
+            </p:spPr>
+            <p:txBody>
+              <a:bodyPr wrap="square">
+                <a:spAutoFit/>
+              </a:bodyPr>
+              <a:lstStyle/>
+              <a:p>
+                <a:pPr algn="ctr"/>
+                <a14:m>
+                  <m:oMathPara xmlns:m="http://schemas.openxmlformats.org/officeDocument/2006/math">
+                    <m:oMathParaPr>
+                      <m:jc m:val="center"/>
+                    </m:oMathParaPr>
+                    <m:oMath xmlns:m="http://schemas.openxmlformats.org/officeDocument/2006/math">
+                      <m:d>
+                        <m:dPr>
+                          <m:begChr m:val="‖"/>
+                          <m:endChr m:val="‖"/>
+                          <m:ctrlPr>
+                            <a:rPr lang="en-US" altLang="zh-TW" i="1" dirty="0" smtClean="0">
+                              <a:latin typeface="Cambria Math" panose="02040503050406030204" pitchFamily="18" charset="0"/>
+                            </a:rPr>
+                          </m:ctrlPr>
+                        </m:dPr>
+                        <m:e>
+                          <m:sSub>
+                            <m:sSubPr>
+                              <m:ctrlPr>
+                                <a:rPr lang="en-US" altLang="zh-TW" i="1" dirty="0">
+                                  <a:latin typeface="Cambria Math" panose="02040503050406030204" pitchFamily="18" charset="0"/>
+                                </a:rPr>
+                              </m:ctrlPr>
+                            </m:sSubPr>
+                            <m:e>
+                              <m:r>
+                                <a:rPr lang="en-US" altLang="zh-TW" i="1" dirty="0">
+                                  <a:latin typeface="Cambria Math" panose="02040503050406030204" pitchFamily="18" charset="0"/>
+                                </a:rPr>
+                                <m:t>𝐿</m:t>
+                              </m:r>
+                            </m:e>
+                            <m:sub>
+                              <m:r>
+                                <a:rPr lang="en-US" altLang="zh-TW" i="1" dirty="0" smtClean="0">
+                                  <a:latin typeface="Cambria Math" panose="02040503050406030204" pitchFamily="18" charset="0"/>
+                                </a:rPr>
+                                <m:t>∞</m:t>
+                              </m:r>
+                            </m:sub>
+                          </m:sSub>
+                        </m:e>
+                      </m:d>
+                      <m:r>
+                        <a:rPr lang="en-US" altLang="zh-TW" i="1" dirty="0">
+                          <a:latin typeface="Cambria Math" panose="02040503050406030204" pitchFamily="18" charset="0"/>
+                        </a:rPr>
+                        <m:t>&lt;</m:t>
+                      </m:r>
+                      <m:d>
+                        <m:dPr>
+                          <m:begChr m:val="‖"/>
+                          <m:endChr m:val="‖"/>
+                          <m:ctrlPr>
+                            <a:rPr lang="en-US" altLang="zh-TW" dirty="0" smtClean="0">
+                              <a:solidFill>
+                                <a:schemeClr val="tx1"/>
+                              </a:solidFill>
+                              <a:latin typeface="Cambria Math" panose="02040503050406030204" pitchFamily="18" charset="0"/>
+                            </a:rPr>
+                          </m:ctrlPr>
+                        </m:dPr>
+                        <m:e>
+                          <m:sSub>
+                            <m:sSubPr>
+                              <m:ctrlPr>
+                                <a:rPr lang="en-US" altLang="zh-TW" dirty="0">
+                                  <a:solidFill>
+                                    <a:schemeClr val="tx1"/>
+                                  </a:solidFill>
+                                  <a:latin typeface="Cambria Math" panose="02040503050406030204" pitchFamily="18" charset="0"/>
+                                </a:rPr>
+                              </m:ctrlPr>
+                            </m:sSubPr>
+                            <m:e>
+                              <m:r>
+                                <a:rPr lang="en-US" altLang="zh-TW" i="1" dirty="0">
+                                  <a:solidFill>
+                                    <a:schemeClr val="tx1"/>
+                                  </a:solidFill>
+                                  <a:latin typeface="Cambria Math" panose="02040503050406030204" pitchFamily="18" charset="0"/>
+                                </a:rPr>
+                                <m:t>𝐿</m:t>
+                              </m:r>
+                            </m:e>
+                            <m:sub>
+                              <m:r>
+                                <a:rPr lang="en-US" altLang="zh-TW" i="0" dirty="0">
+                                  <a:solidFill>
+                                    <a:schemeClr val="tx1"/>
+                                  </a:solidFill>
+                                  <a:latin typeface="Cambria Math" panose="02040503050406030204" pitchFamily="18" charset="0"/>
+                                </a:rPr>
+                                <m:t>2</m:t>
+                              </m:r>
+                            </m:sub>
+                          </m:sSub>
+                        </m:e>
+                      </m:d>
+                      <m:r>
+                        <a:rPr lang="en-US" altLang="zh-TW" i="1" dirty="0">
+                          <a:latin typeface="Cambria Math" panose="02040503050406030204" pitchFamily="18" charset="0"/>
+                        </a:rPr>
+                        <m:t>&lt;</m:t>
+                      </m:r>
+                      <m:d>
+                        <m:dPr>
+                          <m:begChr m:val="‖"/>
+                          <m:endChr m:val="‖"/>
+                          <m:ctrlPr>
+                            <a:rPr lang="en-US" altLang="zh-TW" i="1" dirty="0">
+                              <a:latin typeface="Cambria Math" panose="02040503050406030204" pitchFamily="18" charset="0"/>
+                            </a:rPr>
+                          </m:ctrlPr>
+                        </m:dPr>
+                        <m:e>
+                          <m:sSub>
+                            <m:sSubPr>
+                              <m:ctrlPr>
+                                <a:rPr lang="en-US" altLang="zh-TW" i="1" dirty="0">
+                                  <a:latin typeface="Cambria Math" panose="02040503050406030204" pitchFamily="18" charset="0"/>
+                                </a:rPr>
+                              </m:ctrlPr>
+                            </m:sSubPr>
+                            <m:e>
+                              <m:r>
+                                <a:rPr lang="en-US" altLang="zh-TW" i="1" dirty="0">
+                                  <a:latin typeface="Cambria Math" panose="02040503050406030204" pitchFamily="18" charset="0"/>
+                                </a:rPr>
+                                <m:t>𝐿</m:t>
+                              </m:r>
+                            </m:e>
+                            <m:sub>
+                              <m:r>
+                                <a:rPr lang="en-US" altLang="zh-TW" b="0" i="0" dirty="0" smtClean="0">
+                                  <a:latin typeface="Cambria Math" panose="02040503050406030204" pitchFamily="18" charset="0"/>
+                                </a:rPr>
+                                <m:t>1</m:t>
+                              </m:r>
+                            </m:sub>
+                          </m:sSub>
+                        </m:e>
+                      </m:d>
+                    </m:oMath>
+                  </m:oMathPara>
+                </a14:m>
+                <a:endParaRPr lang="zh-TW" altLang="en-US" dirty="0"/>
+              </a:p>
+            </p:txBody>
+          </p:sp>
+        </mc:Choice>
+        <mc:Fallback>
+          <p:sp>
+            <p:nvSpPr>
+              <p:cNvPr id="5" name="文字方塊 4">
+                <a:extLst>
+                  <a:ext uri="{FF2B5EF4-FFF2-40B4-BE49-F238E27FC236}">
+                    <a16:creationId xmlns:a16="http://schemas.microsoft.com/office/drawing/2014/main" id="{5E1C04BC-A529-911E-FC01-012A56A5A0AB}"/>
+                  </a:ext>
+                </a:extLst>
+              </p:cNvPr>
+              <p:cNvSpPr txBox="1">
+                <a:spLocks noRot="1" noChangeAspect="1" noMove="1" noResize="1" noEditPoints="1" noAdjustHandles="1" noChangeArrowheads="1" noChangeShapeType="1" noTextEdit="1"/>
+              </p:cNvSpPr>
+              <p:nvPr/>
+            </p:nvSpPr>
+            <p:spPr>
+              <a:xfrm>
+                <a:off x="3104964" y="3244334"/>
+                <a:ext cx="2934072" cy="369332"/>
+              </a:xfrm>
+              <a:prstGeom prst="rect">
+                <a:avLst/>
+              </a:prstGeom>
+              <a:blipFill>
+                <a:blip r:embed="rId3"/>
+                <a:stretch>
+                  <a:fillRect/>
                 </a:stretch>
               </a:blipFill>
             </p:spPr>
@@ -37988,7 +40490,806 @@
     </p:spTree>
     <p:extLst>
       <p:ext uri="{BB962C8B-B14F-4D97-AF65-F5344CB8AC3E}">
-        <p14:creationId xmlns:p14="http://schemas.microsoft.com/office/powerpoint/2010/main" val="2537484141"/>
+        <p14:creationId xmlns:p14="http://schemas.microsoft.com/office/powerpoint/2010/main" val="3027433648"/>
+      </p:ext>
+    </p:extLst>
+  </p:cSld>
+  <p:clrMapOvr>
+    <a:masterClrMapping/>
+  </p:clrMapOvr>
+</p:sld>
+</file>
+
+<file path=ppt/slides/slide23.xml><?xml version="1.0" encoding="utf-8"?>
+<p:sld xmlns:a="http://schemas.openxmlformats.org/drawingml/2006/main" xmlns:r="http://schemas.openxmlformats.org/officeDocument/2006/relationships" xmlns:p="http://schemas.openxmlformats.org/presentationml/2006/main">
+  <p:cSld>
+    <p:spTree>
+      <p:nvGrpSpPr>
+        <p:cNvPr id="1" name=""/>
+        <p:cNvGrpSpPr/>
+        <p:nvPr/>
+      </p:nvGrpSpPr>
+      <p:grpSpPr>
+        <a:xfrm>
+          <a:off x="0" y="0"/>
+          <a:ext cx="0" cy="0"/>
+          <a:chOff x="0" y="0"/>
+          <a:chExt cx="0" cy="0"/>
+        </a:xfrm>
+      </p:grpSpPr>
+      <p:sp>
+        <p:nvSpPr>
+          <p:cNvPr id="2" name="標題 1">
+            <a:extLst>
+              <a:ext uri="{FF2B5EF4-FFF2-40B4-BE49-F238E27FC236}">
+                <a16:creationId xmlns:a16="http://schemas.microsoft.com/office/drawing/2014/main" id="{5AF7202D-E2EA-A6C2-4189-1C9559555A8C}"/>
+              </a:ext>
+            </a:extLst>
+          </p:cNvPr>
+          <p:cNvSpPr>
+            <a:spLocks noGrp="1"/>
+          </p:cNvSpPr>
+          <p:nvPr>
+            <p:ph type="title"/>
+          </p:nvPr>
+        </p:nvSpPr>
+        <p:spPr/>
+        <p:txBody>
+          <a:bodyPr/>
+          <a:lstStyle/>
+          <a:p>
+            <a:r>
+              <a:rPr lang="en-US" altLang="zh-TW" dirty="0"/>
+              <a:t>Conclusion of All Experiments</a:t>
+            </a:r>
+            <a:endParaRPr lang="zh-TW" altLang="en-US" dirty="0"/>
+          </a:p>
+        </p:txBody>
+      </p:sp>
+      <p:sp>
+        <p:nvSpPr>
+          <p:cNvPr id="4" name="矩形: 圓角 3">
+            <a:extLst>
+              <a:ext uri="{FF2B5EF4-FFF2-40B4-BE49-F238E27FC236}">
+                <a16:creationId xmlns:a16="http://schemas.microsoft.com/office/drawing/2014/main" id="{D1F47D83-2CB0-FC3D-C146-F4D89D734872}"/>
+              </a:ext>
+            </a:extLst>
+          </p:cNvPr>
+          <p:cNvSpPr/>
+          <p:nvPr/>
+        </p:nvSpPr>
+        <p:spPr bwMode="auto">
+          <a:xfrm>
+            <a:off x="424979" y="2044092"/>
+            <a:ext cx="3456384" cy="664827"/>
+          </a:xfrm>
+          <a:prstGeom prst="roundRect">
+            <a:avLst>
+              <a:gd name="adj" fmla="val 20817"/>
+            </a:avLst>
+          </a:prstGeom>
+          <a:noFill/>
+          <a:ln w="19050" cap="flat" cmpd="sng" algn="ctr">
+            <a:solidFill>
+              <a:srgbClr val="0000FF"/>
+            </a:solidFill>
+            <a:prstDash val="solid"/>
+            <a:round/>
+            <a:headEnd type="none" w="med" len="med"/>
+            <a:tailEnd type="triangle" w="med" len="med"/>
+          </a:ln>
+          <a:effectLst/>
+        </p:spPr>
+        <p:txBody>
+          <a:bodyPr vert="horz" wrap="square" lIns="91440" tIns="45720" rIns="91440" bIns="45720" numCol="1" rtlCol="0" anchor="t" anchorCtr="0" compatLnSpc="1">
+            <a:prstTxWarp prst="textNoShape">
+              <a:avLst/>
+            </a:prstTxWarp>
+          </a:bodyPr>
+          <a:lstStyle/>
+          <a:p>
+            <a:pPr marL="341313" marR="0" lvl="0" indent="-341313" defTabSz="914400" rtl="0" eaLnBrk="1" fontAlgn="base" latinLnBrk="0" hangingPunct="1">
+              <a:lnSpc>
+                <a:spcPct val="100000"/>
+              </a:lnSpc>
+              <a:spcBef>
+                <a:spcPct val="20000"/>
+              </a:spcBef>
+              <a:spcAft>
+                <a:spcPct val="0"/>
+              </a:spcAft>
+              <a:buClr>
+                <a:srgbClr val="3333CC"/>
+              </a:buClr>
+              <a:buSzTx/>
+              <a:buFont typeface="Wingdings" pitchFamily="2" charset="2"/>
+              <a:buChar char="v"/>
+              <a:tabLst/>
+              <a:defRPr/>
+            </a:pPr>
+            <a:r>
+              <a:rPr kumimoji="1" lang="en-US" altLang="zh-TW" sz="1600" b="0" i="0" u="none" strike="noStrike" kern="0" cap="none" spc="0" normalizeH="0" baseline="0" noProof="0" dirty="0">
+                <a:ln>
+                  <a:noFill/>
+                </a:ln>
+                <a:solidFill>
+                  <a:prstClr val="black"/>
+                </a:solidFill>
+                <a:effectLst/>
+                <a:uLnTx/>
+                <a:uFillTx/>
+                <a:latin typeface="Arial"/>
+                <a:ea typeface="標楷體" pitchFamily="65" charset="-120"/>
+              </a:rPr>
+              <a:t>Let the model get used to noise in training phase</a:t>
+            </a:r>
+            <a:endParaRPr kumimoji="1" lang="zh-TW" altLang="en-US" sz="1200" b="0" i="0" u="none" strike="noStrike" cap="none" normalizeH="0" baseline="0" dirty="0">
+              <a:ln>
+                <a:noFill/>
+              </a:ln>
+              <a:solidFill>
+                <a:schemeClr val="tx1"/>
+              </a:solidFill>
+              <a:effectLst/>
+              <a:latin typeface="Arial" charset="0"/>
+              <a:ea typeface="新細明體" charset="-120"/>
+            </a:endParaRPr>
+          </a:p>
+        </p:txBody>
+      </p:sp>
+      <p:sp>
+        <p:nvSpPr>
+          <p:cNvPr id="5" name="矩形: 圓角 4">
+            <a:extLst>
+              <a:ext uri="{FF2B5EF4-FFF2-40B4-BE49-F238E27FC236}">
+                <a16:creationId xmlns:a16="http://schemas.microsoft.com/office/drawing/2014/main" id="{459CCB7F-0FD5-9B48-C587-22C5156DD256}"/>
+              </a:ext>
+            </a:extLst>
+          </p:cNvPr>
+          <p:cNvSpPr/>
+          <p:nvPr/>
+        </p:nvSpPr>
+        <p:spPr bwMode="auto">
+          <a:xfrm>
+            <a:off x="5220074" y="2044093"/>
+            <a:ext cx="3456384" cy="664826"/>
+          </a:xfrm>
+          <a:prstGeom prst="roundRect">
+            <a:avLst>
+              <a:gd name="adj" fmla="val 20817"/>
+            </a:avLst>
+          </a:prstGeom>
+          <a:noFill/>
+          <a:ln w="19050" cap="flat" cmpd="sng" algn="ctr">
+            <a:solidFill>
+              <a:srgbClr val="0000FF"/>
+            </a:solidFill>
+            <a:prstDash val="solid"/>
+            <a:round/>
+            <a:headEnd type="none" w="med" len="med"/>
+            <a:tailEnd type="triangle" w="med" len="med"/>
+          </a:ln>
+          <a:effectLst/>
+        </p:spPr>
+        <p:txBody>
+          <a:bodyPr vert="horz" wrap="square" lIns="91440" tIns="45720" rIns="91440" bIns="45720" numCol="1" rtlCol="0" anchor="t" anchorCtr="0" compatLnSpc="1">
+            <a:prstTxWarp prst="textNoShape">
+              <a:avLst/>
+            </a:prstTxWarp>
+          </a:bodyPr>
+          <a:lstStyle/>
+          <a:p>
+            <a:pPr marL="342900" lvl="0" indent="-342900" fontAlgn="base">
+              <a:spcBef>
+                <a:spcPct val="20000"/>
+              </a:spcBef>
+              <a:spcAft>
+                <a:spcPct val="0"/>
+              </a:spcAft>
+              <a:buClr>
+                <a:srgbClr val="3333CC"/>
+              </a:buClr>
+              <a:buFont typeface="Wingdings" pitchFamily="2" charset="2"/>
+              <a:buChar char="v"/>
+              <a:defRPr/>
+            </a:pPr>
+            <a:r>
+              <a:rPr kumimoji="1" lang="en-US" altLang="zh-TW" sz="1600" kern="0" dirty="0">
+                <a:solidFill>
+                  <a:prstClr val="black"/>
+                </a:solidFill>
+                <a:latin typeface="Arial"/>
+                <a:ea typeface="標楷體" pitchFamily="65" charset="-120"/>
+              </a:rPr>
+              <a:t>Train a model that uses same metric as IMS device</a:t>
+            </a:r>
+            <a:endParaRPr kumimoji="1" lang="en-US" altLang="zh-TW" sz="1400" kern="0" dirty="0">
+              <a:solidFill>
+                <a:prstClr val="black"/>
+              </a:solidFill>
+              <a:latin typeface="Arial"/>
+              <a:ea typeface="標楷體" pitchFamily="65" charset="-120"/>
+            </a:endParaRPr>
+          </a:p>
+        </p:txBody>
+      </p:sp>
+      <p:cxnSp>
+        <p:nvCxnSpPr>
+          <p:cNvPr id="7" name="直線單箭頭接點 6">
+            <a:extLst>
+              <a:ext uri="{FF2B5EF4-FFF2-40B4-BE49-F238E27FC236}">
+                <a16:creationId xmlns:a16="http://schemas.microsoft.com/office/drawing/2014/main" id="{FA6ED059-0A2E-6576-C37D-342C549F4D07}"/>
+              </a:ext>
+            </a:extLst>
+          </p:cNvPr>
+          <p:cNvCxnSpPr>
+            <a:cxnSpLocks/>
+            <a:stCxn id="4" idx="2"/>
+          </p:cNvCxnSpPr>
+          <p:nvPr/>
+        </p:nvCxnSpPr>
+        <p:spPr bwMode="auto">
+          <a:xfrm>
+            <a:off x="2153171" y="2708919"/>
+            <a:ext cx="648071" cy="707746"/>
+          </a:xfrm>
+          <a:prstGeom prst="straightConnector1">
+            <a:avLst/>
+          </a:prstGeom>
+          <a:noFill/>
+          <a:ln w="28575" cap="flat" cmpd="sng" algn="ctr">
+            <a:solidFill>
+              <a:schemeClr val="tx1"/>
+            </a:solidFill>
+            <a:prstDash val="solid"/>
+            <a:round/>
+            <a:headEnd type="none" w="med" len="med"/>
+            <a:tailEnd type="triangle"/>
+          </a:ln>
+          <a:effectLst/>
+        </p:spPr>
+      </p:cxnSp>
+      <p:cxnSp>
+        <p:nvCxnSpPr>
+          <p:cNvPr id="8" name="直線單箭頭接點 7">
+            <a:extLst>
+              <a:ext uri="{FF2B5EF4-FFF2-40B4-BE49-F238E27FC236}">
+                <a16:creationId xmlns:a16="http://schemas.microsoft.com/office/drawing/2014/main" id="{92F438C7-02AB-7F58-D433-6487844208D9}"/>
+              </a:ext>
+            </a:extLst>
+          </p:cNvPr>
+          <p:cNvCxnSpPr>
+            <a:cxnSpLocks/>
+            <a:stCxn id="5" idx="2"/>
+          </p:cNvCxnSpPr>
+          <p:nvPr/>
+        </p:nvCxnSpPr>
+        <p:spPr bwMode="auto">
+          <a:xfrm flipH="1">
+            <a:off x="6342760" y="2708919"/>
+            <a:ext cx="605506" cy="681895"/>
+          </a:xfrm>
+          <a:prstGeom prst="straightConnector1">
+            <a:avLst/>
+          </a:prstGeom>
+          <a:noFill/>
+          <a:ln w="28575" cap="flat" cmpd="sng" algn="ctr">
+            <a:solidFill>
+              <a:schemeClr val="tx1"/>
+            </a:solidFill>
+            <a:prstDash val="solid"/>
+            <a:round/>
+            <a:headEnd type="none" w="med" len="med"/>
+            <a:tailEnd type="triangle"/>
+          </a:ln>
+          <a:effectLst/>
+        </p:spPr>
+      </p:cxnSp>
+      <p:sp>
+        <p:nvSpPr>
+          <p:cNvPr id="9" name="矩形: 圓角 8">
+            <a:extLst>
+              <a:ext uri="{FF2B5EF4-FFF2-40B4-BE49-F238E27FC236}">
+                <a16:creationId xmlns:a16="http://schemas.microsoft.com/office/drawing/2014/main" id="{66195486-07AB-2CBD-04D5-AF1FDCC450B7}"/>
+              </a:ext>
+            </a:extLst>
+          </p:cNvPr>
+          <p:cNvSpPr/>
+          <p:nvPr/>
+        </p:nvSpPr>
+        <p:spPr bwMode="auto">
+          <a:xfrm>
+            <a:off x="2710690" y="5085184"/>
+            <a:ext cx="3715516" cy="1224136"/>
+          </a:xfrm>
+          <a:prstGeom prst="roundRect">
+            <a:avLst>
+              <a:gd name="adj" fmla="val 20817"/>
+            </a:avLst>
+          </a:prstGeom>
+          <a:noFill/>
+          <a:ln w="19050" cap="flat" cmpd="sng" algn="ctr">
+            <a:solidFill>
+              <a:srgbClr val="0000FF"/>
+            </a:solidFill>
+            <a:prstDash val="solid"/>
+            <a:round/>
+            <a:headEnd type="none" w="med" len="med"/>
+            <a:tailEnd type="triangle" w="med" len="med"/>
+          </a:ln>
+          <a:effectLst/>
+        </p:spPr>
+        <p:txBody>
+          <a:bodyPr vert="horz" wrap="square" lIns="91440" tIns="45720" rIns="91440" bIns="45720" numCol="1" rtlCol="0" anchor="t" anchorCtr="0" compatLnSpc="1">
+            <a:prstTxWarp prst="textNoShape">
+              <a:avLst/>
+            </a:prstTxWarp>
+          </a:bodyPr>
+          <a:lstStyle/>
+          <a:p>
+            <a:pPr lvl="0" fontAlgn="base">
+              <a:spcBef>
+                <a:spcPct val="20000"/>
+              </a:spcBef>
+              <a:spcAft>
+                <a:spcPct val="0"/>
+              </a:spcAft>
+              <a:buClr>
+                <a:srgbClr val="3333CC"/>
+              </a:buClr>
+              <a:defRPr/>
+            </a:pPr>
+            <a:r>
+              <a:rPr kumimoji="1" lang="en-US" altLang="zh-TW" sz="1600" kern="0" dirty="0">
+                <a:solidFill>
+                  <a:prstClr val="black"/>
+                </a:solidFill>
+                <a:ea typeface="標楷體" pitchFamily="65" charset="-120"/>
+              </a:rPr>
+              <a:t>We can regard different metric as a noisy version of cosine similarity, thus use the method in part 1 to resolve this problem</a:t>
+            </a:r>
+          </a:p>
+        </p:txBody>
+      </p:sp>
+      <p:cxnSp>
+        <p:nvCxnSpPr>
+          <p:cNvPr id="10" name="接點: 弧形 9">
+            <a:extLst>
+              <a:ext uri="{FF2B5EF4-FFF2-40B4-BE49-F238E27FC236}">
+                <a16:creationId xmlns:a16="http://schemas.microsoft.com/office/drawing/2014/main" id="{EC624153-B430-132B-960C-8751392C5846}"/>
+              </a:ext>
+            </a:extLst>
+          </p:cNvPr>
+          <p:cNvCxnSpPr>
+            <a:cxnSpLocks/>
+            <a:stCxn id="4" idx="2"/>
+            <a:endCxn id="9" idx="1"/>
+          </p:cNvCxnSpPr>
+          <p:nvPr/>
+        </p:nvCxnSpPr>
+        <p:spPr bwMode="auto">
+          <a:xfrm rot="16200000" flipH="1">
+            <a:off x="937764" y="3924325"/>
+            <a:ext cx="2988333" cy="557519"/>
+          </a:xfrm>
+          <a:prstGeom prst="curvedConnector2">
+            <a:avLst/>
+          </a:prstGeom>
+          <a:noFill/>
+          <a:ln w="28575" cap="flat" cmpd="sng" algn="ctr">
+            <a:solidFill>
+              <a:schemeClr val="tx1"/>
+            </a:solidFill>
+            <a:prstDash val="solid"/>
+            <a:round/>
+            <a:headEnd type="none" w="med" len="med"/>
+            <a:tailEnd type="triangle"/>
+          </a:ln>
+          <a:effectLst/>
+        </p:spPr>
+      </p:cxnSp>
+      <p:cxnSp>
+        <p:nvCxnSpPr>
+          <p:cNvPr id="11" name="接點: 弧形 10">
+            <a:extLst>
+              <a:ext uri="{FF2B5EF4-FFF2-40B4-BE49-F238E27FC236}">
+                <a16:creationId xmlns:a16="http://schemas.microsoft.com/office/drawing/2014/main" id="{F973BFB3-3D09-DAB8-72E5-0CD00E2A7168}"/>
+              </a:ext>
+            </a:extLst>
+          </p:cNvPr>
+          <p:cNvCxnSpPr>
+            <a:cxnSpLocks/>
+            <a:stCxn id="5" idx="2"/>
+            <a:endCxn id="9" idx="3"/>
+          </p:cNvCxnSpPr>
+          <p:nvPr/>
+        </p:nvCxnSpPr>
+        <p:spPr bwMode="auto">
+          <a:xfrm rot="5400000">
+            <a:off x="5193070" y="3942055"/>
+            <a:ext cx="2988333" cy="522060"/>
+          </a:xfrm>
+          <a:prstGeom prst="curvedConnector2">
+            <a:avLst/>
+          </a:prstGeom>
+          <a:noFill/>
+          <a:ln w="28575" cap="flat" cmpd="sng" algn="ctr">
+            <a:solidFill>
+              <a:schemeClr val="tx1"/>
+            </a:solidFill>
+            <a:prstDash val="solid"/>
+            <a:round/>
+            <a:headEnd type="none" w="med" len="med"/>
+            <a:tailEnd type="triangle"/>
+          </a:ln>
+          <a:effectLst/>
+        </p:spPr>
+      </p:cxnSp>
+      <p:cxnSp>
+        <p:nvCxnSpPr>
+          <p:cNvPr id="12" name="直線單箭頭接點 11">
+            <a:extLst>
+              <a:ext uri="{FF2B5EF4-FFF2-40B4-BE49-F238E27FC236}">
+                <a16:creationId xmlns:a16="http://schemas.microsoft.com/office/drawing/2014/main" id="{C2353687-1C4F-D7CD-CEEF-A31B71D02B6C}"/>
+              </a:ext>
+            </a:extLst>
+          </p:cNvPr>
+          <p:cNvCxnSpPr>
+            <a:cxnSpLocks/>
+            <a:stCxn id="6" idx="2"/>
+            <a:endCxn id="9" idx="0"/>
+          </p:cNvCxnSpPr>
+          <p:nvPr/>
+        </p:nvCxnSpPr>
+        <p:spPr bwMode="auto">
+          <a:xfrm flipH="1">
+            <a:off x="4568448" y="4332917"/>
+            <a:ext cx="5453" cy="752267"/>
+          </a:xfrm>
+          <a:prstGeom prst="straightConnector1">
+            <a:avLst/>
+          </a:prstGeom>
+          <a:noFill/>
+          <a:ln w="28575" cap="flat" cmpd="sng" algn="ctr">
+            <a:solidFill>
+              <a:schemeClr val="tx1"/>
+            </a:solidFill>
+            <a:prstDash val="solid"/>
+            <a:round/>
+            <a:headEnd type="none" w="med" len="med"/>
+            <a:tailEnd type="triangle"/>
+          </a:ln>
+          <a:effectLst/>
+        </p:spPr>
+      </p:cxnSp>
+      <p:sp>
+        <p:nvSpPr>
+          <p:cNvPr id="13" name="文字方塊 12">
+            <a:extLst>
+              <a:ext uri="{FF2B5EF4-FFF2-40B4-BE49-F238E27FC236}">
+                <a16:creationId xmlns:a16="http://schemas.microsoft.com/office/drawing/2014/main" id="{83423AA8-C826-0BF0-30C5-B94D0C116223}"/>
+              </a:ext>
+            </a:extLst>
+          </p:cNvPr>
+          <p:cNvSpPr txBox="1"/>
+          <p:nvPr/>
+        </p:nvSpPr>
+        <p:spPr>
+          <a:xfrm>
+            <a:off x="3200356" y="2442958"/>
+            <a:ext cx="720080" cy="307777"/>
+          </a:xfrm>
+          <a:prstGeom prst="rect">
+            <a:avLst/>
+          </a:prstGeom>
+          <a:ln>
+            <a:solidFill>
+              <a:srgbClr val="0000FF"/>
+            </a:solidFill>
+          </a:ln>
+        </p:spPr>
+        <p:style>
+          <a:lnRef idx="2">
+            <a:schemeClr val="accent1"/>
+          </a:lnRef>
+          <a:fillRef idx="1">
+            <a:schemeClr val="lt1"/>
+          </a:fillRef>
+          <a:effectRef idx="0">
+            <a:schemeClr val="accent1"/>
+          </a:effectRef>
+          <a:fontRef idx="minor">
+            <a:schemeClr val="dk1"/>
+          </a:fontRef>
+        </p:style>
+        <p:txBody>
+          <a:bodyPr wrap="square">
+            <a:spAutoFit/>
+          </a:bodyPr>
+          <a:lstStyle/>
+          <a:p>
+            <a:r>
+              <a:rPr lang="en-US" altLang="zh-TW" sz="1400" dirty="0"/>
+              <a:t>Part 1</a:t>
+            </a:r>
+            <a:endParaRPr lang="zh-TW" altLang="en-US" sz="1400" dirty="0"/>
+          </a:p>
+        </p:txBody>
+      </p:sp>
+      <p:sp>
+        <p:nvSpPr>
+          <p:cNvPr id="14" name="文字方塊 13">
+            <a:extLst>
+              <a:ext uri="{FF2B5EF4-FFF2-40B4-BE49-F238E27FC236}">
+                <a16:creationId xmlns:a16="http://schemas.microsoft.com/office/drawing/2014/main" id="{0AC4D3CA-B410-008C-84C3-44FCCE3498F9}"/>
+              </a:ext>
+            </a:extLst>
+          </p:cNvPr>
+          <p:cNvSpPr txBox="1"/>
+          <p:nvPr/>
+        </p:nvSpPr>
+        <p:spPr>
+          <a:xfrm>
+            <a:off x="8028349" y="2442958"/>
+            <a:ext cx="720080" cy="307777"/>
+          </a:xfrm>
+          <a:prstGeom prst="rect">
+            <a:avLst/>
+          </a:prstGeom>
+          <a:ln>
+            <a:solidFill>
+              <a:srgbClr val="0000FF"/>
+            </a:solidFill>
+          </a:ln>
+        </p:spPr>
+        <p:style>
+          <a:lnRef idx="2">
+            <a:schemeClr val="accent1"/>
+          </a:lnRef>
+          <a:fillRef idx="1">
+            <a:schemeClr val="lt1"/>
+          </a:fillRef>
+          <a:effectRef idx="0">
+            <a:schemeClr val="accent1"/>
+          </a:effectRef>
+          <a:fontRef idx="minor">
+            <a:schemeClr val="dk1"/>
+          </a:fontRef>
+        </p:style>
+        <p:txBody>
+          <a:bodyPr wrap="square">
+            <a:spAutoFit/>
+          </a:bodyPr>
+          <a:lstStyle/>
+          <a:p>
+            <a:r>
+              <a:rPr lang="en-US" altLang="zh-TW" sz="1400" dirty="0"/>
+              <a:t>Part 2</a:t>
+            </a:r>
+            <a:endParaRPr lang="zh-TW" altLang="en-US" sz="1400" dirty="0"/>
+          </a:p>
+        </p:txBody>
+      </p:sp>
+      <p:grpSp>
+        <p:nvGrpSpPr>
+          <p:cNvPr id="54" name="群組 53">
+            <a:extLst>
+              <a:ext uri="{FF2B5EF4-FFF2-40B4-BE49-F238E27FC236}">
+                <a16:creationId xmlns:a16="http://schemas.microsoft.com/office/drawing/2014/main" id="{79281C19-0170-CCDA-3C57-75F2B8397BE9}"/>
+              </a:ext>
+            </a:extLst>
+          </p:cNvPr>
+          <p:cNvGrpSpPr/>
+          <p:nvPr/>
+        </p:nvGrpSpPr>
+        <p:grpSpPr>
+          <a:xfrm>
+            <a:off x="2719695" y="3349474"/>
+            <a:ext cx="3758864" cy="1016627"/>
+            <a:chOff x="2717794" y="3669692"/>
+            <a:chExt cx="3758864" cy="1016627"/>
+          </a:xfrm>
+        </p:grpSpPr>
+        <p:sp>
+          <p:nvSpPr>
+            <p:cNvPr id="6" name="矩形: 圓角 5">
+              <a:extLst>
+                <a:ext uri="{FF2B5EF4-FFF2-40B4-BE49-F238E27FC236}">
+                  <a16:creationId xmlns:a16="http://schemas.microsoft.com/office/drawing/2014/main" id="{22DD263B-B916-780D-B511-D69FD0B4FCB7}"/>
+                </a:ext>
+              </a:extLst>
+            </p:cNvPr>
+            <p:cNvSpPr/>
+            <p:nvPr/>
+          </p:nvSpPr>
+          <p:spPr bwMode="auto">
+            <a:xfrm>
+              <a:off x="2717794" y="3669692"/>
+              <a:ext cx="3708412" cy="983443"/>
+            </a:xfrm>
+            <a:prstGeom prst="roundRect">
+              <a:avLst>
+                <a:gd name="adj" fmla="val 20817"/>
+              </a:avLst>
+            </a:prstGeom>
+            <a:noFill/>
+            <a:ln w="19050" cap="flat" cmpd="sng" algn="ctr">
+              <a:solidFill>
+                <a:srgbClr val="0000FF"/>
+              </a:solidFill>
+              <a:prstDash val="solid"/>
+              <a:round/>
+              <a:headEnd type="none" w="med" len="med"/>
+              <a:tailEnd type="triangle" w="med" len="med"/>
+            </a:ln>
+            <a:effectLst/>
+          </p:spPr>
+          <p:txBody>
+            <a:bodyPr vert="horz" wrap="square" lIns="91440" tIns="45720" rIns="91440" bIns="45720" numCol="1" rtlCol="0" anchor="t" anchorCtr="0" compatLnSpc="1">
+              <a:prstTxWarp prst="textNoShape">
+                <a:avLst/>
+              </a:prstTxWarp>
+            </a:bodyPr>
+            <a:lstStyle/>
+            <a:p>
+              <a:pPr lvl="0" fontAlgn="base">
+                <a:spcBef>
+                  <a:spcPct val="20000"/>
+                </a:spcBef>
+                <a:spcAft>
+                  <a:spcPct val="0"/>
+                </a:spcAft>
+                <a:buClr>
+                  <a:srgbClr val="3333CC"/>
+                </a:buClr>
+                <a:defRPr/>
+              </a:pPr>
+              <a:r>
+                <a:rPr kumimoji="1" lang="en-US" altLang="zh-TW" sz="1600" kern="0" dirty="0">
+                  <a:solidFill>
+                    <a:prstClr val="black"/>
+                  </a:solidFill>
+                  <a:latin typeface="Arial"/>
+                  <a:ea typeface="標楷體" pitchFamily="65" charset="-120"/>
+                </a:rPr>
+                <a:t>LSH</a:t>
+              </a:r>
+              <a:r>
+                <a:rPr kumimoji="1" lang="zh-TW" altLang="en-US" sz="1600" kern="0" dirty="0">
+                  <a:solidFill>
+                    <a:prstClr val="black"/>
+                  </a:solidFill>
+                  <a:latin typeface="Arial"/>
+                  <a:ea typeface="標楷體" pitchFamily="65" charset="-120"/>
+                </a:rPr>
+                <a:t> </a:t>
+              </a:r>
+              <a:r>
+                <a:rPr kumimoji="1" lang="en-US" altLang="zh-TW" sz="1600" kern="0" dirty="0">
+                  <a:solidFill>
+                    <a:prstClr val="black"/>
+                  </a:solidFill>
+                  <a:latin typeface="Arial"/>
+                  <a:ea typeface="標楷體" pitchFamily="65" charset="-120"/>
+                </a:rPr>
+                <a:t>can simulate the performance of cosine similarity with Hamming distance as metric</a:t>
+              </a:r>
+            </a:p>
+          </p:txBody>
+        </p:sp>
+        <p:sp>
+          <p:nvSpPr>
+            <p:cNvPr id="15" name="文字方塊 14">
+              <a:extLst>
+                <a:ext uri="{FF2B5EF4-FFF2-40B4-BE49-F238E27FC236}">
+                  <a16:creationId xmlns:a16="http://schemas.microsoft.com/office/drawing/2014/main" id="{31DEAE89-0842-EAF5-48AC-F7E0588EC074}"/>
+                </a:ext>
+              </a:extLst>
+            </p:cNvPr>
+            <p:cNvSpPr txBox="1"/>
+            <p:nvPr/>
+          </p:nvSpPr>
+          <p:spPr>
+            <a:xfrm>
+              <a:off x="5756578" y="4378542"/>
+              <a:ext cx="720080" cy="307777"/>
+            </a:xfrm>
+            <a:prstGeom prst="rect">
+              <a:avLst/>
+            </a:prstGeom>
+            <a:ln>
+              <a:solidFill>
+                <a:srgbClr val="0000FF"/>
+              </a:solidFill>
+            </a:ln>
+          </p:spPr>
+          <p:style>
+            <a:lnRef idx="2">
+              <a:schemeClr val="accent1"/>
+            </a:lnRef>
+            <a:fillRef idx="1">
+              <a:schemeClr val="lt1"/>
+            </a:fillRef>
+            <a:effectRef idx="0">
+              <a:schemeClr val="accent1"/>
+            </a:effectRef>
+            <a:fontRef idx="minor">
+              <a:schemeClr val="dk1"/>
+            </a:fontRef>
+          </p:style>
+          <p:txBody>
+            <a:bodyPr wrap="square">
+              <a:spAutoFit/>
+            </a:bodyPr>
+            <a:lstStyle/>
+            <a:p>
+              <a:r>
+                <a:rPr lang="en-US" altLang="zh-TW" sz="1400" dirty="0"/>
+                <a:t>Part 3</a:t>
+              </a:r>
+              <a:endParaRPr lang="zh-TW" altLang="en-US" sz="1400" dirty="0"/>
+            </a:p>
+          </p:txBody>
+        </p:sp>
+      </p:grpSp>
+      <p:sp>
+        <p:nvSpPr>
+          <p:cNvPr id="16" name="文字方塊 15">
+            <a:extLst>
+              <a:ext uri="{FF2B5EF4-FFF2-40B4-BE49-F238E27FC236}">
+                <a16:creationId xmlns:a16="http://schemas.microsoft.com/office/drawing/2014/main" id="{06633C01-AD5E-22D2-D00F-23D94CF8FC16}"/>
+              </a:ext>
+            </a:extLst>
+          </p:cNvPr>
+          <p:cNvSpPr txBox="1"/>
+          <p:nvPr/>
+        </p:nvSpPr>
+        <p:spPr>
+          <a:xfrm>
+            <a:off x="5757929" y="6048830"/>
+            <a:ext cx="720080" cy="307777"/>
+          </a:xfrm>
+          <a:prstGeom prst="rect">
+            <a:avLst/>
+          </a:prstGeom>
+          <a:ln>
+            <a:solidFill>
+              <a:srgbClr val="0000FF"/>
+            </a:solidFill>
+          </a:ln>
+        </p:spPr>
+        <p:style>
+          <a:lnRef idx="2">
+            <a:schemeClr val="accent1"/>
+          </a:lnRef>
+          <a:fillRef idx="1">
+            <a:schemeClr val="lt1"/>
+          </a:fillRef>
+          <a:effectRef idx="0">
+            <a:schemeClr val="accent1"/>
+          </a:effectRef>
+          <a:fontRef idx="minor">
+            <a:schemeClr val="dk1"/>
+          </a:fontRef>
+        </p:style>
+        <p:txBody>
+          <a:bodyPr wrap="square">
+            <a:spAutoFit/>
+          </a:bodyPr>
+          <a:lstStyle/>
+          <a:p>
+            <a:r>
+              <a:rPr lang="en-US" altLang="zh-TW" sz="1400" dirty="0"/>
+              <a:t>Part 4</a:t>
+            </a:r>
+            <a:endParaRPr lang="zh-TW" altLang="en-US" sz="1400" dirty="0"/>
+          </a:p>
+        </p:txBody>
+      </p:sp>
+    </p:spTree>
+    <p:extLst>
+      <p:ext uri="{BB962C8B-B14F-4D97-AF65-F5344CB8AC3E}">
+        <p14:creationId xmlns:p14="http://schemas.microsoft.com/office/powerpoint/2010/main" val="2649375108"/>
       </p:ext>
     </p:extLst>
   </p:cSld>
@@ -43568,8 +46869,8 @@
           </a:p>
         </p:txBody>
       </p:sp>
-      <mc:AlternateContent xmlns:mc="http://schemas.openxmlformats.org/markup-compatibility/2006" xmlns:a14="http://schemas.microsoft.com/office/drawing/2010/main">
-        <mc:Choice Requires="a14">
+      <mc:AlternateContent xmlns:mc="http://schemas.openxmlformats.org/markup-compatibility/2006">
+        <mc:Choice xmlns:a14="http://schemas.microsoft.com/office/drawing/2010/main" Requires="a14">
           <p:sp>
             <p:nvSpPr>
               <p:cNvPr id="60" name="文字方塊 59">
@@ -43585,7 +46886,7 @@
             <p:spPr>
               <a:xfrm>
                 <a:off x="4185116" y="5446185"/>
-                <a:ext cx="2323864" cy="349006"/>
+                <a:ext cx="2323864" cy="331757"/>
               </a:xfrm>
               <a:prstGeom prst="rect">
                 <a:avLst/>
@@ -43607,120 +46908,94 @@
                     <m:oMath xmlns:m="http://schemas.openxmlformats.org/officeDocument/2006/math">
                       <m:d>
                         <m:dPr>
-                          <m:begChr m:val="|"/>
-                          <m:endChr m:val="|"/>
+                          <m:begChr m:val="‖"/>
+                          <m:endChr m:val="‖"/>
                           <m:ctrlPr>
-                            <a:rPr lang="en-US" altLang="zh-TW" sz="1400" i="1" dirty="0" smtClean="0">
+                            <a:rPr lang="en-US" altLang="zh-TW" sz="1400" dirty="0">
                               <a:latin typeface="Cambria Math" panose="02040503050406030204" pitchFamily="18" charset="0"/>
                             </a:rPr>
                           </m:ctrlPr>
                         </m:dPr>
                         <m:e>
-                          <m:d>
-                            <m:dPr>
-                              <m:begChr m:val="|"/>
-                              <m:endChr m:val="|"/>
+                          <m:sSub>
+                            <m:sSubPr>
                               <m:ctrlPr>
-                                <a:rPr lang="en-US" altLang="zh-TW" sz="1400" i="1" dirty="0">
+                                <a:rPr lang="en-US" altLang="zh-TW" sz="1400" dirty="0">
                                   <a:latin typeface="Cambria Math" panose="02040503050406030204" pitchFamily="18" charset="0"/>
                                 </a:rPr>
                               </m:ctrlPr>
-                            </m:dPr>
+                            </m:sSubPr>
                             <m:e>
-                              <m:sSub>
-                                <m:sSubPr>
-                                  <m:ctrlPr>
-                                    <a:rPr lang="en-US" altLang="zh-TW" sz="1400" i="1" dirty="0">
-                                      <a:latin typeface="Cambria Math" panose="02040503050406030204" pitchFamily="18" charset="0"/>
-                                    </a:rPr>
-                                  </m:ctrlPr>
-                                </m:sSubPr>
-                                <m:e>
-                                  <m:r>
-                                    <m:rPr>
-                                      <m:sty m:val="p"/>
-                                    </m:rPr>
-                                    <a:rPr lang="en-US" altLang="zh-TW" sz="1400" dirty="0">
-                                      <a:latin typeface="Cambria Math" panose="02040503050406030204" pitchFamily="18" charset="0"/>
-                                    </a:rPr>
-                                    <m:t>L</m:t>
-                                  </m:r>
-                                </m:e>
-                                <m:sub>
-                                  <m:r>
-                                    <a:rPr lang="en-US" altLang="zh-TW" sz="1400" b="0" i="0" dirty="0" smtClean="0">
-                                      <a:latin typeface="Cambria Math" panose="02040503050406030204" pitchFamily="18" charset="0"/>
-                                    </a:rPr>
-                                    <m:t>2</m:t>
-                                  </m:r>
-                                </m:sub>
-                              </m:sSub>
+                              <m:r>
+                                <m:rPr>
+                                  <m:sty m:val="p"/>
+                                </m:rPr>
+                                <a:rPr lang="en-US" altLang="zh-TW" sz="1400" i="0" dirty="0">
+                                  <a:latin typeface="Cambria Math" panose="02040503050406030204" pitchFamily="18" charset="0"/>
+                                </a:rPr>
+                                <m:t>L</m:t>
+                              </m:r>
                             </m:e>
-                          </m:d>
+                            <m:sub>
+                              <m:r>
+                                <a:rPr lang="en-US" altLang="zh-TW" sz="1400" i="0" dirty="0">
+                                  <a:latin typeface="Cambria Math" panose="02040503050406030204" pitchFamily="18" charset="0"/>
+                                </a:rPr>
+                                <m:t>2</m:t>
+                              </m:r>
+                            </m:sub>
+                          </m:sSub>
                         </m:e>
                       </m:d>
                       <m:r>
-                        <a:rPr lang="en-US" altLang="zh-TW" sz="1400" b="0" i="1" dirty="0" smtClean="0">
+                        <a:rPr lang="en-US" altLang="zh-TW" sz="1400" b="0" i="0" dirty="0" smtClean="0">
                           <a:latin typeface="Cambria Math" panose="02040503050406030204" pitchFamily="18" charset="0"/>
                         </a:rPr>
                         <m:t>&lt;</m:t>
                       </m:r>
                       <m:d>
                         <m:dPr>
-                          <m:begChr m:val="|"/>
-                          <m:endChr m:val="|"/>
+                          <m:begChr m:val="‖"/>
+                          <m:endChr m:val="‖"/>
                           <m:ctrlPr>
-                            <a:rPr lang="en-US" altLang="zh-TW" sz="1400" b="0" i="1" dirty="0" smtClean="0">
+                            <a:rPr lang="en-US" altLang="zh-TW" sz="1400" dirty="0">
                               <a:latin typeface="Cambria Math" panose="02040503050406030204" pitchFamily="18" charset="0"/>
                             </a:rPr>
                           </m:ctrlPr>
                         </m:dPr>
                         <m:e>
-                          <m:d>
-                            <m:dPr>
-                              <m:begChr m:val="|"/>
-                              <m:endChr m:val="|"/>
+                          <m:sSub>
+                            <m:sSubPr>
                               <m:ctrlPr>
-                                <a:rPr lang="en-US" altLang="zh-TW" sz="1400" b="0" i="1" dirty="0" smtClean="0">
+                                <a:rPr lang="en-US" altLang="zh-TW" sz="1400" dirty="0">
                                   <a:latin typeface="Cambria Math" panose="02040503050406030204" pitchFamily="18" charset="0"/>
                                 </a:rPr>
                               </m:ctrlPr>
-                            </m:dPr>
+                            </m:sSubPr>
                             <m:e>
-                              <m:sSub>
-                                <m:sSubPr>
-                                  <m:ctrlPr>
-                                    <a:rPr lang="en-US" altLang="zh-TW" sz="1400" b="0" i="1" dirty="0" smtClean="0">
-                                      <a:latin typeface="Cambria Math" panose="02040503050406030204" pitchFamily="18" charset="0"/>
-                                    </a:rPr>
-                                  </m:ctrlPr>
-                                </m:sSubPr>
-                                <m:e>
-                                  <m:r>
-                                    <m:rPr>
-                                      <m:sty m:val="p"/>
-                                    </m:rPr>
-                                    <a:rPr lang="en-US" altLang="zh-TW" sz="1400" b="0" i="0" dirty="0" smtClean="0">
-                                      <a:latin typeface="Cambria Math" panose="02040503050406030204" pitchFamily="18" charset="0"/>
-                                    </a:rPr>
-                                    <m:t>L</m:t>
-                                  </m:r>
-                                </m:e>
-                                <m:sub>
-                                  <m:r>
-                                    <a:rPr lang="en-US" altLang="zh-TW" sz="1400" b="0" i="0" dirty="0" smtClean="0">
-                                      <a:latin typeface="Cambria Math" panose="02040503050406030204" pitchFamily="18" charset="0"/>
-                                    </a:rPr>
-                                    <m:t>1</m:t>
-                                  </m:r>
-                                </m:sub>
-                              </m:sSub>
+                              <m:r>
+                                <m:rPr>
+                                  <m:sty m:val="p"/>
+                                </m:rPr>
+                                <a:rPr lang="en-US" altLang="zh-TW" sz="1400" i="0" dirty="0">
+                                  <a:latin typeface="Cambria Math" panose="02040503050406030204" pitchFamily="18" charset="0"/>
+                                </a:rPr>
+                                <m:t>L</m:t>
+                              </m:r>
                             </m:e>
-                          </m:d>
+                            <m:sub>
+                              <m:r>
+                                <a:rPr lang="en-US" altLang="zh-TW" sz="1400" i="0" dirty="0">
+                                  <a:latin typeface="Cambria Math" panose="02040503050406030204" pitchFamily="18" charset="0"/>
+                                </a:rPr>
+                                <m:t>1</m:t>
+                              </m:r>
+                            </m:sub>
+                          </m:sSub>
                         </m:e>
                       </m:d>
                       <m:r>
-                        <a:rPr lang="en-US" altLang="zh-TW" sz="1400" i="1" dirty="0">
+                        <a:rPr lang="en-US" altLang="zh-TW" sz="1400" i="0" dirty="0">
                           <a:latin typeface="Cambria Math" panose="02040503050406030204" pitchFamily="18" charset="0"/>
                         </a:rPr>
                         <m:t>&lt;</m:t>
@@ -43729,7 +47004,7 @@
                         <m:radPr>
                           <m:degHide m:val="on"/>
                           <m:ctrlPr>
-                            <a:rPr lang="en-US" altLang="zh-TW" sz="1400" b="0" i="1" dirty="0" smtClean="0">
+                            <a:rPr lang="en-US" altLang="zh-TW" sz="1400" b="0" dirty="0" smtClean="0">
                               <a:latin typeface="Cambria Math" panose="02040503050406030204" pitchFamily="18" charset="0"/>
                             </a:rPr>
                           </m:ctrlPr>
@@ -43737,65 +47012,55 @@
                         <m:deg/>
                         <m:e>
                           <m:r>
-                            <a:rPr lang="en-US" altLang="zh-TW" sz="1400" b="0" i="1" dirty="0" smtClean="0">
+                            <m:rPr>
+                              <m:sty m:val="p"/>
+                            </m:rPr>
+                            <a:rPr lang="en-US" altLang="zh-TW" sz="1400" b="0" i="0" dirty="0" smtClean="0">
                               <a:latin typeface="Cambria Math" panose="02040503050406030204" pitchFamily="18" charset="0"/>
                             </a:rPr>
-                            <m:t>𝐷</m:t>
+                            <m:t>D</m:t>
                           </m:r>
                         </m:e>
                       </m:rad>
                       <m:d>
                         <m:dPr>
-                          <m:begChr m:val="|"/>
-                          <m:endChr m:val="|"/>
+                          <m:begChr m:val="‖"/>
+                          <m:endChr m:val="‖"/>
                           <m:ctrlPr>
-                            <a:rPr lang="en-US" altLang="zh-TW" sz="1400" i="1" dirty="0">
+                            <a:rPr lang="en-US" altLang="zh-TW" sz="1400" dirty="0">
                               <a:latin typeface="Cambria Math" panose="02040503050406030204" pitchFamily="18" charset="0"/>
                             </a:rPr>
                           </m:ctrlPr>
                         </m:dPr>
                         <m:e>
-                          <m:d>
-                            <m:dPr>
-                              <m:begChr m:val="|"/>
-                              <m:endChr m:val="|"/>
+                          <m:sSub>
+                            <m:sSubPr>
                               <m:ctrlPr>
-                                <a:rPr lang="en-US" altLang="zh-TW" sz="1400" i="1" dirty="0">
+                                <a:rPr lang="en-US" altLang="zh-TW" sz="1400" dirty="0">
                                   <a:latin typeface="Cambria Math" panose="02040503050406030204" pitchFamily="18" charset="0"/>
                                 </a:rPr>
                               </m:ctrlPr>
-                            </m:dPr>
+                            </m:sSubPr>
                             <m:e>
-                              <m:sSub>
-                                <m:sSubPr>
-                                  <m:ctrlPr>
-                                    <a:rPr lang="en-US" altLang="zh-TW" sz="1400" i="1" dirty="0">
-                                      <a:latin typeface="Cambria Math" panose="02040503050406030204" pitchFamily="18" charset="0"/>
-                                    </a:rPr>
-                                  </m:ctrlPr>
-                                </m:sSubPr>
-                                <m:e>
-                                  <m:r>
-                                    <m:rPr>
-                                      <m:sty m:val="p"/>
-                                    </m:rPr>
-                                    <a:rPr lang="en-US" altLang="zh-TW" sz="1400" dirty="0">
-                                      <a:latin typeface="Cambria Math" panose="02040503050406030204" pitchFamily="18" charset="0"/>
-                                    </a:rPr>
-                                    <m:t>L</m:t>
-                                  </m:r>
-                                </m:e>
-                                <m:sub>
-                                  <m:r>
-                                    <a:rPr lang="en-US" altLang="zh-TW" sz="1400" b="0" i="0" dirty="0" smtClean="0">
-                                      <a:latin typeface="Cambria Math" panose="02040503050406030204" pitchFamily="18" charset="0"/>
-                                    </a:rPr>
-                                    <m:t>2</m:t>
-                                  </m:r>
-                                </m:sub>
-                              </m:sSub>
+                              <m:r>
+                                <m:rPr>
+                                  <m:sty m:val="p"/>
+                                </m:rPr>
+                                <a:rPr lang="en-US" altLang="zh-TW" sz="1400" i="0" dirty="0">
+                                  <a:latin typeface="Cambria Math" panose="02040503050406030204" pitchFamily="18" charset="0"/>
+                                </a:rPr>
+                                <m:t>L</m:t>
+                              </m:r>
                             </m:e>
-                          </m:d>
+                            <m:sub>
+                              <m:r>
+                                <a:rPr lang="en-US" altLang="zh-TW" sz="1400" i="0" dirty="0">
+                                  <a:latin typeface="Cambria Math" panose="02040503050406030204" pitchFamily="18" charset="0"/>
+                                </a:rPr>
+                                <m:t>2</m:t>
+                              </m:r>
+                            </m:sub>
+                          </m:sSub>
                         </m:e>
                       </m:d>
                     </m:oMath>
@@ -43806,7 +47071,7 @@
             </p:txBody>
           </p:sp>
         </mc:Choice>
-        <mc:Fallback xmlns="">
+        <mc:Fallback>
           <p:sp>
             <p:nvSpPr>
               <p:cNvPr id="60" name="文字方塊 59">
@@ -43824,7 +47089,7 @@
             <p:spPr>
               <a:xfrm>
                 <a:off x="4185116" y="5446185"/>
-                <a:ext cx="2323864" cy="349006"/>
+                <a:ext cx="2323864" cy="331757"/>
               </a:xfrm>
               <a:prstGeom prst="rect">
                 <a:avLst/>
@@ -44094,8 +47359,8 @@
           </a:p>
         </p:txBody>
       </p:sp>
-      <mc:AlternateContent xmlns:mc="http://schemas.openxmlformats.org/markup-compatibility/2006" xmlns:a14="http://schemas.microsoft.com/office/drawing/2010/main">
-        <mc:Choice Requires="a14">
+      <mc:AlternateContent xmlns:mc="http://schemas.openxmlformats.org/markup-compatibility/2006">
+        <mc:Choice xmlns:a14="http://schemas.microsoft.com/office/drawing/2010/main" Requires="a14">
           <p:sp>
             <p:nvSpPr>
               <p:cNvPr id="4" name="文字方塊 3">
@@ -44134,14 +47399,14 @@
                       <m:f>
                         <m:fPr>
                           <m:ctrlPr>
-                            <a:rPr lang="en-US" altLang="zh-TW" sz="1400" b="0" i="1" dirty="0" smtClean="0">
+                            <a:rPr lang="en-US" altLang="zh-TW" sz="1400" b="0" dirty="0" smtClean="0">
                               <a:latin typeface="Cambria Math" panose="02040503050406030204" pitchFamily="18" charset="0"/>
                             </a:rPr>
                           </m:ctrlPr>
                         </m:fPr>
                         <m:num>
                           <m:r>
-                            <a:rPr lang="en-US" altLang="zh-TW" sz="1400" b="0" i="1" dirty="0" smtClean="0">
+                            <a:rPr lang="en-US" altLang="zh-TW" sz="1400" b="0" i="0" dirty="0" smtClean="0">
                               <a:latin typeface="Cambria Math" panose="02040503050406030204" pitchFamily="18" charset="0"/>
                             </a:rPr>
                             <m:t>1</m:t>
@@ -44152,7 +47417,7 @@
                             <m:radPr>
                               <m:degHide m:val="on"/>
                               <m:ctrlPr>
-                                <a:rPr lang="en-US" altLang="zh-TW" sz="1400" i="1" dirty="0">
+                                <a:rPr lang="en-US" altLang="zh-TW" sz="1400" dirty="0">
                                   <a:latin typeface="Cambria Math" panose="02040503050406030204" pitchFamily="18" charset="0"/>
                                 </a:rPr>
                               </m:ctrlPr>
@@ -44160,10 +47425,13 @@
                             <m:deg/>
                             <m:e>
                               <m:r>
-                                <a:rPr lang="en-US" altLang="zh-TW" sz="1400" i="1" dirty="0">
+                                <m:rPr>
+                                  <m:sty m:val="p"/>
+                                </m:rPr>
+                                <a:rPr lang="en-US" altLang="zh-TW" sz="1400" i="0" dirty="0">
                                   <a:latin typeface="Cambria Math" panose="02040503050406030204" pitchFamily="18" charset="0"/>
                                 </a:rPr>
-                                <m:t>𝐷</m:t>
+                                <m:t>D</m:t>
                               </m:r>
                             </m:e>
                           </m:rad>
@@ -44171,176 +47439,137 @@
                       </m:f>
                       <m:d>
                         <m:dPr>
-                          <m:begChr m:val="|"/>
-                          <m:endChr m:val="|"/>
+                          <m:begChr m:val="‖"/>
+                          <m:endChr m:val="‖"/>
                           <m:ctrlPr>
-                            <a:rPr lang="en-US" altLang="zh-TW" sz="1400" i="1" dirty="0" smtClean="0">
+                            <a:rPr lang="en-US" altLang="zh-TW" sz="1400" dirty="0">
                               <a:latin typeface="Cambria Math" panose="02040503050406030204" pitchFamily="18" charset="0"/>
                             </a:rPr>
                           </m:ctrlPr>
                         </m:dPr>
                         <m:e>
-                          <m:d>
-                            <m:dPr>
-                              <m:begChr m:val="|"/>
-                              <m:endChr m:val="|"/>
+                          <m:sSub>
+                            <m:sSubPr>
                               <m:ctrlPr>
-                                <a:rPr lang="en-US" altLang="zh-TW" sz="1400" i="1" dirty="0">
+                                <a:rPr lang="en-US" altLang="zh-TW" sz="1400" dirty="0">
                                   <a:latin typeface="Cambria Math" panose="02040503050406030204" pitchFamily="18" charset="0"/>
                                 </a:rPr>
                               </m:ctrlPr>
-                            </m:dPr>
+                            </m:sSubPr>
                             <m:e>
-                              <m:sSub>
-                                <m:sSubPr>
-                                  <m:ctrlPr>
-                                    <a:rPr lang="en-US" altLang="zh-TW" sz="1400" i="1" dirty="0">
-                                      <a:latin typeface="Cambria Math" panose="02040503050406030204" pitchFamily="18" charset="0"/>
-                                    </a:rPr>
-                                  </m:ctrlPr>
-                                </m:sSubPr>
-                                <m:e>
-                                  <m:r>
-                                    <m:rPr>
-                                      <m:sty m:val="p"/>
-                                    </m:rPr>
-                                    <a:rPr lang="en-US" altLang="zh-TW" sz="1400" dirty="0">
-                                      <a:latin typeface="Cambria Math" panose="02040503050406030204" pitchFamily="18" charset="0"/>
-                                    </a:rPr>
-                                    <m:t>L</m:t>
-                                  </m:r>
-                                </m:e>
-                                <m:sub>
-                                  <m:r>
-                                    <a:rPr lang="en-US" altLang="zh-TW" sz="1400" b="0" i="0" dirty="0" smtClean="0">
-                                      <a:latin typeface="Cambria Math" panose="02040503050406030204" pitchFamily="18" charset="0"/>
-                                    </a:rPr>
-                                    <m:t>2</m:t>
-                                  </m:r>
-                                </m:sub>
-                              </m:sSub>
+                              <m:r>
+                                <m:rPr>
+                                  <m:sty m:val="p"/>
+                                </m:rPr>
+                                <a:rPr lang="en-US" altLang="zh-TW" sz="1400" i="0" dirty="0">
+                                  <a:latin typeface="Cambria Math" panose="02040503050406030204" pitchFamily="18" charset="0"/>
+                                </a:rPr>
+                                <m:t>L</m:t>
+                              </m:r>
                             </m:e>
-                          </m:d>
+                            <m:sub>
+                              <m:r>
+                                <a:rPr lang="en-US" altLang="zh-TW" sz="1400" i="0" dirty="0">
+                                  <a:latin typeface="Cambria Math" panose="02040503050406030204" pitchFamily="18" charset="0"/>
+                                </a:rPr>
+                                <m:t>2</m:t>
+                              </m:r>
+                            </m:sub>
+                          </m:sSub>
                         </m:e>
                       </m:d>
                       <m:r>
-                        <a:rPr lang="en-US" altLang="zh-TW" sz="1400" b="0" i="1" dirty="0" smtClean="0">
+                        <a:rPr lang="en-US" altLang="zh-TW" sz="1400" b="0" i="0" dirty="0" smtClean="0">
                           <a:latin typeface="Cambria Math" panose="02040503050406030204" pitchFamily="18" charset="0"/>
                         </a:rPr>
                         <m:t>&lt;</m:t>
                       </m:r>
                       <m:d>
                         <m:dPr>
-                          <m:begChr m:val="|"/>
-                          <m:endChr m:val="|"/>
+                          <m:begChr m:val="‖"/>
+                          <m:endChr m:val="‖"/>
                           <m:ctrlPr>
-                            <a:rPr lang="en-US" altLang="zh-TW" sz="1400" b="0" i="1" dirty="0" smtClean="0">
+                            <a:rPr lang="en-US" altLang="zh-TW" sz="1400" dirty="0">
                               <a:latin typeface="Cambria Math" panose="02040503050406030204" pitchFamily="18" charset="0"/>
                             </a:rPr>
                           </m:ctrlPr>
                         </m:dPr>
                         <m:e>
-                          <m:d>
-                            <m:dPr>
-                              <m:begChr m:val="|"/>
-                              <m:endChr m:val="|"/>
+                          <m:sSub>
+                            <m:sSubPr>
                               <m:ctrlPr>
-                                <a:rPr lang="en-US" altLang="zh-TW" sz="1400" b="0" i="1" dirty="0" smtClean="0">
+                                <a:rPr lang="en-US" altLang="zh-TW" sz="1400" dirty="0">
                                   <a:latin typeface="Cambria Math" panose="02040503050406030204" pitchFamily="18" charset="0"/>
                                 </a:rPr>
                               </m:ctrlPr>
-                            </m:dPr>
+                            </m:sSubPr>
                             <m:e>
-                              <m:sSub>
-                                <m:sSubPr>
-                                  <m:ctrlPr>
-                                    <a:rPr lang="en-US" altLang="zh-TW" sz="1400" b="0" i="1" dirty="0" smtClean="0">
-                                      <a:latin typeface="Cambria Math" panose="02040503050406030204" pitchFamily="18" charset="0"/>
-                                    </a:rPr>
-                                  </m:ctrlPr>
-                                </m:sSubPr>
-                                <m:e>
-                                  <m:r>
-                                    <m:rPr>
-                                      <m:sty m:val="p"/>
-                                    </m:rPr>
-                                    <a:rPr lang="en-US" altLang="zh-TW" sz="1400" b="0" i="0" dirty="0" smtClean="0">
-                                      <a:latin typeface="Cambria Math" panose="02040503050406030204" pitchFamily="18" charset="0"/>
-                                    </a:rPr>
-                                    <m:t>L</m:t>
-                                  </m:r>
-                                </m:e>
-                                <m:sub>
-                                  <m:r>
-                                    <a:rPr lang="en-US" altLang="zh-TW" sz="1400" b="0" i="1" dirty="0" smtClean="0">
-                                      <a:latin typeface="Cambria Math" panose="02040503050406030204" pitchFamily="18" charset="0"/>
-                                    </a:rPr>
-                                    <m:t>∞</m:t>
-                                  </m:r>
-                                </m:sub>
-                              </m:sSub>
+                              <m:r>
+                                <m:rPr>
+                                  <m:sty m:val="p"/>
+                                </m:rPr>
+                                <a:rPr lang="en-US" altLang="zh-TW" sz="1400" i="0" dirty="0">
+                                  <a:latin typeface="Cambria Math" panose="02040503050406030204" pitchFamily="18" charset="0"/>
+                                </a:rPr>
+                                <m:t>L</m:t>
+                              </m:r>
                             </m:e>
-                          </m:d>
+                            <m:sub>
+                              <m:r>
+                                <a:rPr lang="en-US" altLang="zh-TW" sz="1400" b="0" i="0" dirty="0" smtClean="0">
+                                  <a:latin typeface="Cambria Math" panose="02040503050406030204" pitchFamily="18" charset="0"/>
+                                </a:rPr>
+                                <m:t>∞</m:t>
+                              </m:r>
+                            </m:sub>
+                          </m:sSub>
                         </m:e>
                       </m:d>
                       <m:r>
-                        <a:rPr lang="en-US" altLang="zh-TW" sz="1400" i="1" dirty="0">
+                        <a:rPr lang="en-US" altLang="zh-TW" sz="1400" i="0" dirty="0">
                           <a:latin typeface="Cambria Math" panose="02040503050406030204" pitchFamily="18" charset="0"/>
                         </a:rPr>
                         <m:t>&lt;</m:t>
                       </m:r>
                       <m:d>
                         <m:dPr>
-                          <m:begChr m:val="|"/>
-                          <m:endChr m:val="|"/>
+                          <m:begChr m:val="‖"/>
+                          <m:endChr m:val="‖"/>
                           <m:ctrlPr>
-                            <a:rPr lang="en-US" altLang="zh-TW" sz="1400" i="1" dirty="0">
+                            <a:rPr lang="en-US" altLang="zh-TW" sz="1400" dirty="0">
                               <a:latin typeface="Cambria Math" panose="02040503050406030204" pitchFamily="18" charset="0"/>
                             </a:rPr>
                           </m:ctrlPr>
                         </m:dPr>
                         <m:e>
-                          <m:d>
-                            <m:dPr>
-                              <m:begChr m:val="|"/>
-                              <m:endChr m:val="|"/>
+                          <m:sSub>
+                            <m:sSubPr>
                               <m:ctrlPr>
-                                <a:rPr lang="en-US" altLang="zh-TW" sz="1400" i="1" dirty="0">
+                                <a:rPr lang="en-US" altLang="zh-TW" sz="1400" dirty="0">
                                   <a:latin typeface="Cambria Math" panose="02040503050406030204" pitchFamily="18" charset="0"/>
                                 </a:rPr>
                               </m:ctrlPr>
-                            </m:dPr>
+                            </m:sSubPr>
                             <m:e>
-                              <m:sSub>
-                                <m:sSubPr>
-                                  <m:ctrlPr>
-                                    <a:rPr lang="en-US" altLang="zh-TW" sz="1400" i="1" dirty="0">
-                                      <a:latin typeface="Cambria Math" panose="02040503050406030204" pitchFamily="18" charset="0"/>
-                                    </a:rPr>
-                                  </m:ctrlPr>
-                                </m:sSubPr>
-                                <m:e>
-                                  <m:r>
-                                    <m:rPr>
-                                      <m:sty m:val="p"/>
-                                    </m:rPr>
-                                    <a:rPr lang="en-US" altLang="zh-TW" sz="1400" dirty="0">
-                                      <a:latin typeface="Cambria Math" panose="02040503050406030204" pitchFamily="18" charset="0"/>
-                                    </a:rPr>
-                                    <m:t>L</m:t>
-                                  </m:r>
-                                </m:e>
-                                <m:sub>
-                                  <m:r>
-                                    <a:rPr lang="en-US" altLang="zh-TW" sz="1400" b="0" i="0" dirty="0" smtClean="0">
-                                      <a:latin typeface="Cambria Math" panose="02040503050406030204" pitchFamily="18" charset="0"/>
-                                    </a:rPr>
-                                    <m:t>2</m:t>
-                                  </m:r>
-                                </m:sub>
-                              </m:sSub>
+                              <m:r>
+                                <m:rPr>
+                                  <m:sty m:val="p"/>
+                                </m:rPr>
+                                <a:rPr lang="en-US" altLang="zh-TW" sz="1400" i="0" dirty="0">
+                                  <a:latin typeface="Cambria Math" panose="02040503050406030204" pitchFamily="18" charset="0"/>
+                                </a:rPr>
+                                <m:t>L</m:t>
+                              </m:r>
                             </m:e>
-                          </m:d>
+                            <m:sub>
+                              <m:r>
+                                <a:rPr lang="en-US" altLang="zh-TW" sz="1400" i="0" dirty="0">
+                                  <a:latin typeface="Cambria Math" panose="02040503050406030204" pitchFamily="18" charset="0"/>
+                                </a:rPr>
+                                <m:t>2</m:t>
+                              </m:r>
+                            </m:sub>
+                          </m:sSub>
                         </m:e>
                       </m:d>
                     </m:oMath>
@@ -44351,7 +47580,7 @@
             </p:txBody>
           </p:sp>
         </mc:Choice>
-        <mc:Fallback xmlns="">
+        <mc:Fallback>
           <p:sp>
             <p:nvSpPr>
               <p:cNvPr id="4" name="文字方塊 3">

--- a/b11901027_王仁軒.pptx
+++ b/b11901027_王仁軒.pptx
@@ -5658,7 +5658,7 @@
           <a:p>
             <a:fld id="{FE9F37E1-976C-4D68-AAA1-E18BCAC423B3}" type="datetimeFigureOut">
               <a:rPr lang="zh-TW" altLang="en-US" smtClean="0"/>
-              <a:t>2025/5/29</a:t>
+              <a:t>2025/6/7</a:t>
             </a:fld>
             <a:endParaRPr lang="zh-TW" altLang="en-US"/>
           </a:p>
@@ -5823,7 +5823,7 @@
           <a:p>
             <a:fld id="{6F765A04-DEC0-490E-BE54-AD23B90E8F9F}" type="datetimeFigureOut">
               <a:rPr lang="zh-TW" altLang="en-US" smtClean="0"/>
-              <a:t>2025/5/29</a:t>
+              <a:t>2025/6/7</a:t>
             </a:fld>
             <a:endParaRPr lang="zh-TW" altLang="en-US"/>
           </a:p>
@@ -6391,7 +6391,7 @@
           </a:ln>
           <a:extLst>
             <a:ext uri="{91240B29-F687-4f45-9708-019B960494DF}">
-              <a14:hiddenLine xmlns="" xmlns:a14="http://schemas.microsoft.com/office/drawing/2010/main" w="9525">
+              <a14:hiddenLine xmlns:a14="http://schemas.microsoft.com/office/drawing/2010/main" xmlns="" w="9525">
                 <a:solidFill>
                   <a:srgbClr val="000000"/>
                 </a:solidFill>
@@ -6445,14 +6445,14 @@
           </a:ln>
           <a:extLst>
             <a:ext uri="{909E8E84-426E-40dd-AFC4-6F175D3DCCD1}">
-              <a14:hiddenFill xmlns="" xmlns:a14="http://schemas.microsoft.com/office/drawing/2010/main">
+              <a14:hiddenFill xmlns:a14="http://schemas.microsoft.com/office/drawing/2010/main" xmlns="">
                 <a:solidFill>
                   <a:srgbClr val="FFFFFF"/>
                 </a:solidFill>
               </a14:hiddenFill>
             </a:ext>
             <a:ext uri="{91240B29-F687-4f45-9708-019B960494DF}">
-              <a14:hiddenLine xmlns="" xmlns:a14="http://schemas.microsoft.com/office/drawing/2010/main" w="9525">
+              <a14:hiddenLine xmlns:a14="http://schemas.microsoft.com/office/drawing/2010/main" xmlns="" w="9525">
                 <a:solidFill>
                   <a:srgbClr val="000000"/>
                 </a:solidFill>
@@ -6488,7 +6488,7 @@
           </a:ln>
           <a:extLst>
             <a:ext uri="{91240B29-F687-4f45-9708-019B960494DF}">
-              <a14:hiddenLine xmlns="" xmlns:a14="http://schemas.microsoft.com/office/drawing/2010/main" w="9525">
+              <a14:hiddenLine xmlns:a14="http://schemas.microsoft.com/office/drawing/2010/main" xmlns="" w="9525">
                 <a:solidFill>
                   <a:srgbClr val="000000"/>
                 </a:solidFill>
@@ -6804,7 +6804,7 @@
           </a:ln>
           <a:extLst>
             <a:ext uri="{91240B29-F687-4f45-9708-019B960494DF}">
-              <a14:hiddenLine xmlns="" xmlns:a14="http://schemas.microsoft.com/office/drawing/2010/main" w="9525">
+              <a14:hiddenLine xmlns:a14="http://schemas.microsoft.com/office/drawing/2010/main" xmlns="" w="9525">
                 <a:solidFill>
                   <a:srgbClr val="000000"/>
                 </a:solidFill>
@@ -6855,7 +6855,7 @@
           </a:ln>
           <a:extLst>
             <a:ext uri="{91240B29-F687-4f45-9708-019B960494DF}">
-              <a14:hiddenLine xmlns="" xmlns:a14="http://schemas.microsoft.com/office/drawing/2010/main" w="9525">
+              <a14:hiddenLine xmlns:a14="http://schemas.microsoft.com/office/drawing/2010/main" xmlns="" w="9525">
                 <a:solidFill>
                   <a:srgbClr val="000000"/>
                 </a:solidFill>
@@ -18085,7 +18085,7 @@
           </a:ln>
           <a:extLst>
             <a:ext uri="{91240B29-F687-4f45-9708-019B960494DF}">
-              <a14:hiddenLine xmlns="" xmlns:a14="http://schemas.microsoft.com/office/drawing/2010/main" w="9525">
+              <a14:hiddenLine xmlns:a14="http://schemas.microsoft.com/office/drawing/2010/main" xmlns="" w="9525">
                 <a:solidFill>
                   <a:srgbClr val="000000"/>
                 </a:solidFill>
@@ -18414,14 +18414,14 @@
           </a:ln>
           <a:extLst>
             <a:ext uri="{909E8E84-426E-40dd-AFC4-6F175D3DCCD1}">
-              <a14:hiddenFill xmlns="" xmlns:a14="http://schemas.microsoft.com/office/drawing/2010/main">
+              <a14:hiddenFill xmlns:a14="http://schemas.microsoft.com/office/drawing/2010/main" xmlns="">
                 <a:solidFill>
                   <a:srgbClr val="FFFFFF"/>
                 </a:solidFill>
               </a14:hiddenFill>
             </a:ext>
             <a:ext uri="{91240B29-F687-4f45-9708-019B960494DF}">
-              <a14:hiddenLine xmlns="" xmlns:a14="http://schemas.microsoft.com/office/drawing/2010/main" w="9525">
+              <a14:hiddenLine xmlns:a14="http://schemas.microsoft.com/office/drawing/2010/main" xmlns="" w="9525">
                 <a:solidFill>
                   <a:srgbClr val="000000"/>
                 </a:solidFill>
@@ -18497,14 +18497,14 @@
           </a:ln>
           <a:extLst>
             <a:ext uri="{909E8E84-426E-40dd-AFC4-6F175D3DCCD1}">
-              <a14:hiddenFill xmlns="" xmlns:a14="http://schemas.microsoft.com/office/drawing/2010/main">
+              <a14:hiddenFill xmlns:a14="http://schemas.microsoft.com/office/drawing/2010/main" xmlns="">
                 <a:solidFill>
                   <a:srgbClr val="FFFFFF"/>
                 </a:solidFill>
               </a14:hiddenFill>
             </a:ext>
             <a:ext uri="{91240B29-F687-4f45-9708-019B960494DF}">
-              <a14:hiddenLine xmlns="" xmlns:a14="http://schemas.microsoft.com/office/drawing/2010/main" w="9525">
+              <a14:hiddenLine xmlns:a14="http://schemas.microsoft.com/office/drawing/2010/main" xmlns="" w="9525">
                 <a:solidFill>
                   <a:srgbClr val="000000"/>
                 </a:solidFill>
@@ -18575,14 +18575,14 @@
           </a:ln>
           <a:extLst>
             <a:ext uri="{909E8E84-426E-40dd-AFC4-6F175D3DCCD1}">
-              <a14:hiddenFill xmlns="" xmlns:a14="http://schemas.microsoft.com/office/drawing/2010/main">
+              <a14:hiddenFill xmlns:a14="http://schemas.microsoft.com/office/drawing/2010/main" xmlns="">
                 <a:solidFill>
                   <a:srgbClr val="FFFFFF"/>
                 </a:solidFill>
               </a14:hiddenFill>
             </a:ext>
             <a:ext uri="{91240B29-F687-4f45-9708-019B960494DF}">
-              <a14:hiddenLine xmlns="" xmlns:a14="http://schemas.microsoft.com/office/drawing/2010/main" w="9525">
+              <a14:hiddenLine xmlns:a14="http://schemas.microsoft.com/office/drawing/2010/main" xmlns="" w="9525">
                 <a:solidFill>
                   <a:srgbClr val="000000"/>
                 </a:solidFill>
@@ -18645,7 +18645,7 @@
           </a:ln>
           <a:extLst>
             <a:ext uri="{91240B29-F687-4f45-9708-019B960494DF}">
-              <a14:hiddenLine xmlns="" xmlns:a14="http://schemas.microsoft.com/office/drawing/2010/main" w="9525">
+              <a14:hiddenLine xmlns:a14="http://schemas.microsoft.com/office/drawing/2010/main" xmlns="" w="9525">
                 <a:solidFill>
                   <a:srgbClr val="000000"/>
                 </a:solidFill>
@@ -39934,8 +39934,8 @@
           </a:p>
         </p:txBody>
       </p:sp>
-      <mc:AlternateContent xmlns:mc="http://schemas.openxmlformats.org/markup-compatibility/2006">
-        <mc:Choice xmlns:a14="http://schemas.microsoft.com/office/drawing/2010/main" Requires="a14">
+      <mc:AlternateContent xmlns:mc="http://schemas.openxmlformats.org/markup-compatibility/2006" xmlns:a14="http://schemas.microsoft.com/office/drawing/2010/main">
+        <mc:Choice Requires="a14">
           <p:sp>
             <p:nvSpPr>
               <p:cNvPr id="3" name="內容版面配置區 2">
@@ -40219,7 +40219,7 @@
             </p:txBody>
           </p:sp>
         </mc:Choice>
-        <mc:Fallback>
+        <mc:Fallback xmlns="">
           <p:sp>
             <p:nvSpPr>
               <p:cNvPr id="3" name="內容版面配置區 2">
@@ -40259,8 +40259,8 @@
           </p:sp>
         </mc:Fallback>
       </mc:AlternateContent>
-      <mc:AlternateContent xmlns:mc="http://schemas.openxmlformats.org/markup-compatibility/2006">
-        <mc:Choice xmlns:a14="http://schemas.microsoft.com/office/drawing/2010/main" Requires="a14">
+      <mc:AlternateContent xmlns:mc="http://schemas.openxmlformats.org/markup-compatibility/2006" xmlns:a14="http://schemas.microsoft.com/office/drawing/2010/main">
+        <mc:Choice Requires="a14">
           <p:sp>
             <p:nvSpPr>
               <p:cNvPr id="5" name="文字方塊 4">
@@ -40345,7 +40345,7 @@
                           <m:begChr m:val="‖"/>
                           <m:endChr m:val="‖"/>
                           <m:ctrlPr>
-                            <a:rPr lang="en-US" altLang="zh-TW" dirty="0" smtClean="0">
+                            <a:rPr lang="en-US" altLang="zh-TW" i="1" dirty="0" smtClean="0">
                               <a:solidFill>
                                 <a:schemeClr val="tx1"/>
                               </a:solidFill>
@@ -40357,7 +40357,7 @@
                           <m:sSub>
                             <m:sSubPr>
                               <m:ctrlPr>
-                                <a:rPr lang="en-US" altLang="zh-TW" dirty="0">
+                                <a:rPr lang="en-US" altLang="zh-TW" i="1" dirty="0">
                                   <a:solidFill>
                                     <a:schemeClr val="tx1"/>
                                   </a:solidFill>
@@ -40442,7 +40442,7 @@
             </p:txBody>
           </p:sp>
         </mc:Choice>
-        <mc:Fallback>
+        <mc:Fallback xmlns="">
           <p:sp>
             <p:nvSpPr>
               <p:cNvPr id="5" name="文字方塊 4">
@@ -40588,7 +40588,7 @@
           </a:bodyPr>
           <a:lstStyle/>
           <a:p>
-            <a:pPr marL="341313" marR="0" lvl="0" indent="-341313" defTabSz="914400" rtl="0" eaLnBrk="1" fontAlgn="base" latinLnBrk="0" hangingPunct="1">
+            <a:pPr marR="0" lvl="0" defTabSz="914400" rtl="0" eaLnBrk="1" fontAlgn="base" latinLnBrk="0" hangingPunct="1">
               <a:lnSpc>
                 <a:spcPct val="100000"/>
               </a:lnSpc>
@@ -40602,8 +40602,6 @@
                 <a:srgbClr val="3333CC"/>
               </a:buClr>
               <a:buSzTx/>
-              <a:buFont typeface="Wingdings" pitchFamily="2" charset="2"/>
-              <a:buChar char="v"/>
               <a:tabLst/>
               <a:defRPr/>
             </a:pPr>
@@ -40679,7 +40677,7 @@
           </a:bodyPr>
           <a:lstStyle/>
           <a:p>
-            <a:pPr marL="342900" lvl="0" indent="-342900" fontAlgn="base">
+            <a:pPr lvl="0" fontAlgn="base">
               <a:spcBef>
                 <a:spcPct val="20000"/>
               </a:spcBef>
@@ -40689,8 +40687,6 @@
               <a:buClr>
                 <a:srgbClr val="3333CC"/>
               </a:buClr>
-              <a:buFont typeface="Wingdings" pitchFamily="2" charset="2"/>
-              <a:buChar char="v"/>
               <a:defRPr/>
             </a:pPr>
             <a:r>
@@ -46869,8 +46865,8 @@
           </a:p>
         </p:txBody>
       </p:sp>
-      <mc:AlternateContent xmlns:mc="http://schemas.openxmlformats.org/markup-compatibility/2006">
-        <mc:Choice xmlns:a14="http://schemas.microsoft.com/office/drawing/2010/main" Requires="a14">
+      <mc:AlternateContent xmlns:mc="http://schemas.openxmlformats.org/markup-compatibility/2006" xmlns:a14="http://schemas.microsoft.com/office/drawing/2010/main">
+        <mc:Choice Requires="a14">
           <p:sp>
             <p:nvSpPr>
               <p:cNvPr id="60" name="文字方塊 59">
@@ -46911,7 +46907,7 @@
                           <m:begChr m:val="‖"/>
                           <m:endChr m:val="‖"/>
                           <m:ctrlPr>
-                            <a:rPr lang="en-US" altLang="zh-TW" sz="1400" dirty="0">
+                            <a:rPr lang="en-US" altLang="zh-TW" sz="1400" i="1" dirty="0">
                               <a:latin typeface="Cambria Math" panose="02040503050406030204" pitchFamily="18" charset="0"/>
                             </a:rPr>
                           </m:ctrlPr>
@@ -46920,7 +46916,7 @@
                           <m:sSub>
                             <m:sSubPr>
                               <m:ctrlPr>
-                                <a:rPr lang="en-US" altLang="zh-TW" sz="1400" dirty="0">
+                                <a:rPr lang="en-US" altLang="zh-TW" sz="1400" i="1" dirty="0">
                                   <a:latin typeface="Cambria Math" panose="02040503050406030204" pitchFamily="18" charset="0"/>
                                 </a:rPr>
                               </m:ctrlPr>
@@ -46958,7 +46954,7 @@
                           <m:begChr m:val="‖"/>
                           <m:endChr m:val="‖"/>
                           <m:ctrlPr>
-                            <a:rPr lang="en-US" altLang="zh-TW" sz="1400" dirty="0">
+                            <a:rPr lang="en-US" altLang="zh-TW" sz="1400" i="1" dirty="0">
                               <a:latin typeface="Cambria Math" panose="02040503050406030204" pitchFamily="18" charset="0"/>
                             </a:rPr>
                           </m:ctrlPr>
@@ -46967,7 +46963,7 @@
                           <m:sSub>
                             <m:sSubPr>
                               <m:ctrlPr>
-                                <a:rPr lang="en-US" altLang="zh-TW" sz="1400" dirty="0">
+                                <a:rPr lang="en-US" altLang="zh-TW" sz="1400" i="1" dirty="0">
                                   <a:latin typeface="Cambria Math" panose="02040503050406030204" pitchFamily="18" charset="0"/>
                                 </a:rPr>
                               </m:ctrlPr>
@@ -47004,7 +47000,7 @@
                         <m:radPr>
                           <m:degHide m:val="on"/>
                           <m:ctrlPr>
-                            <a:rPr lang="en-US" altLang="zh-TW" sz="1400" b="0" dirty="0" smtClean="0">
+                            <a:rPr lang="en-US" altLang="zh-TW" sz="1400" b="0" i="1" dirty="0" smtClean="0">
                               <a:latin typeface="Cambria Math" panose="02040503050406030204" pitchFamily="18" charset="0"/>
                             </a:rPr>
                           </m:ctrlPr>
@@ -47027,7 +47023,7 @@
                           <m:begChr m:val="‖"/>
                           <m:endChr m:val="‖"/>
                           <m:ctrlPr>
-                            <a:rPr lang="en-US" altLang="zh-TW" sz="1400" dirty="0">
+                            <a:rPr lang="en-US" altLang="zh-TW" sz="1400" i="1" dirty="0">
                               <a:latin typeface="Cambria Math" panose="02040503050406030204" pitchFamily="18" charset="0"/>
                             </a:rPr>
                           </m:ctrlPr>
@@ -47036,7 +47032,7 @@
                           <m:sSub>
                             <m:sSubPr>
                               <m:ctrlPr>
-                                <a:rPr lang="en-US" altLang="zh-TW" sz="1400" dirty="0">
+                                <a:rPr lang="en-US" altLang="zh-TW" sz="1400" i="1" dirty="0">
                                   <a:latin typeface="Cambria Math" panose="02040503050406030204" pitchFamily="18" charset="0"/>
                                 </a:rPr>
                               </m:ctrlPr>
@@ -47071,7 +47067,7 @@
             </p:txBody>
           </p:sp>
         </mc:Choice>
-        <mc:Fallback>
+        <mc:Fallback xmlns="">
           <p:sp>
             <p:nvSpPr>
               <p:cNvPr id="60" name="文字方塊 59">
@@ -47359,8 +47355,8 @@
           </a:p>
         </p:txBody>
       </p:sp>
-      <mc:AlternateContent xmlns:mc="http://schemas.openxmlformats.org/markup-compatibility/2006">
-        <mc:Choice xmlns:a14="http://schemas.microsoft.com/office/drawing/2010/main" Requires="a14">
+      <mc:AlternateContent xmlns:mc="http://schemas.openxmlformats.org/markup-compatibility/2006" xmlns:a14="http://schemas.microsoft.com/office/drawing/2010/main">
+        <mc:Choice Requires="a14">
           <p:sp>
             <p:nvSpPr>
               <p:cNvPr id="4" name="文字方塊 3">
@@ -47399,7 +47395,7 @@
                       <m:f>
                         <m:fPr>
                           <m:ctrlPr>
-                            <a:rPr lang="en-US" altLang="zh-TW" sz="1400" b="0" dirty="0" smtClean="0">
+                            <a:rPr lang="en-US" altLang="zh-TW" sz="1400" b="0" i="1" dirty="0" smtClean="0">
                               <a:latin typeface="Cambria Math" panose="02040503050406030204" pitchFamily="18" charset="0"/>
                             </a:rPr>
                           </m:ctrlPr>
@@ -47417,7 +47413,7 @@
                             <m:radPr>
                               <m:degHide m:val="on"/>
                               <m:ctrlPr>
-                                <a:rPr lang="en-US" altLang="zh-TW" sz="1400" dirty="0">
+                                <a:rPr lang="en-US" altLang="zh-TW" sz="1400" i="1" dirty="0">
                                   <a:latin typeface="Cambria Math" panose="02040503050406030204" pitchFamily="18" charset="0"/>
                                 </a:rPr>
                               </m:ctrlPr>
@@ -47442,7 +47438,7 @@
                           <m:begChr m:val="‖"/>
                           <m:endChr m:val="‖"/>
                           <m:ctrlPr>
-                            <a:rPr lang="en-US" altLang="zh-TW" sz="1400" dirty="0">
+                            <a:rPr lang="en-US" altLang="zh-TW" sz="1400" i="1" dirty="0">
                               <a:latin typeface="Cambria Math" panose="02040503050406030204" pitchFamily="18" charset="0"/>
                             </a:rPr>
                           </m:ctrlPr>
@@ -47451,7 +47447,7 @@
                           <m:sSub>
                             <m:sSubPr>
                               <m:ctrlPr>
-                                <a:rPr lang="en-US" altLang="zh-TW" sz="1400" dirty="0">
+                                <a:rPr lang="en-US" altLang="zh-TW" sz="1400" i="1" dirty="0">
                                   <a:latin typeface="Cambria Math" panose="02040503050406030204" pitchFamily="18" charset="0"/>
                                 </a:rPr>
                               </m:ctrlPr>
@@ -47489,7 +47485,7 @@
                           <m:begChr m:val="‖"/>
                           <m:endChr m:val="‖"/>
                           <m:ctrlPr>
-                            <a:rPr lang="en-US" altLang="zh-TW" sz="1400" dirty="0">
+                            <a:rPr lang="en-US" altLang="zh-TW" sz="1400" i="1" dirty="0">
                               <a:latin typeface="Cambria Math" panose="02040503050406030204" pitchFamily="18" charset="0"/>
                             </a:rPr>
                           </m:ctrlPr>
@@ -47498,7 +47494,7 @@
                           <m:sSub>
                             <m:sSubPr>
                               <m:ctrlPr>
-                                <a:rPr lang="en-US" altLang="zh-TW" sz="1400" dirty="0">
+                                <a:rPr lang="en-US" altLang="zh-TW" sz="1400" i="1" dirty="0">
                                   <a:latin typeface="Cambria Math" panose="02040503050406030204" pitchFamily="18" charset="0"/>
                                 </a:rPr>
                               </m:ctrlPr>
@@ -47536,7 +47532,7 @@
                           <m:begChr m:val="‖"/>
                           <m:endChr m:val="‖"/>
                           <m:ctrlPr>
-                            <a:rPr lang="en-US" altLang="zh-TW" sz="1400" dirty="0">
+                            <a:rPr lang="en-US" altLang="zh-TW" sz="1400" i="1" dirty="0">
                               <a:latin typeface="Cambria Math" panose="02040503050406030204" pitchFamily="18" charset="0"/>
                             </a:rPr>
                           </m:ctrlPr>
@@ -47545,7 +47541,7 @@
                           <m:sSub>
                             <m:sSubPr>
                               <m:ctrlPr>
-                                <a:rPr lang="en-US" altLang="zh-TW" sz="1400" dirty="0">
+                                <a:rPr lang="en-US" altLang="zh-TW" sz="1400" i="1" dirty="0">
                                   <a:latin typeface="Cambria Math" panose="02040503050406030204" pitchFamily="18" charset="0"/>
                                 </a:rPr>
                               </m:ctrlPr>
@@ -47580,7 +47576,7 @@
             </p:txBody>
           </p:sp>
         </mc:Choice>
-        <mc:Fallback>
+        <mc:Fallback xmlns="">
           <p:sp>
             <p:nvSpPr>
               <p:cNvPr id="4" name="文字方塊 3">

--- a/b11901027_王仁軒.pptx
+++ b/b11901027_王仁軒.pptx
@@ -5658,7 +5658,7 @@
           <a:p>
             <a:fld id="{FE9F37E1-976C-4D68-AAA1-E18BCAC423B3}" type="datetimeFigureOut">
               <a:rPr lang="zh-TW" altLang="en-US" smtClean="0"/>
-              <a:t>2025/6/7</a:t>
+              <a:t>2025/6/11</a:t>
             </a:fld>
             <a:endParaRPr lang="zh-TW" altLang="en-US"/>
           </a:p>
@@ -5823,7 +5823,7 @@
           <a:p>
             <a:fld id="{6F765A04-DEC0-490E-BE54-AD23B90E8F9F}" type="datetimeFigureOut">
               <a:rPr lang="zh-TW" altLang="en-US" smtClean="0"/>
-              <a:t>2025/6/7</a:t>
+              <a:t>2025/6/11</a:t>
             </a:fld>
             <a:endParaRPr lang="zh-TW" altLang="en-US"/>
           </a:p>
@@ -6391,7 +6391,7 @@
           </a:ln>
           <a:extLst>
             <a:ext uri="{91240B29-F687-4f45-9708-019B960494DF}">
-              <a14:hiddenLine xmlns:a14="http://schemas.microsoft.com/office/drawing/2010/main" xmlns="" w="9525">
+              <a14:hiddenLine xmlns="" xmlns:a14="http://schemas.microsoft.com/office/drawing/2010/main" w="9525">
                 <a:solidFill>
                   <a:srgbClr val="000000"/>
                 </a:solidFill>
@@ -6445,14 +6445,14 @@
           </a:ln>
           <a:extLst>
             <a:ext uri="{909E8E84-426E-40dd-AFC4-6F175D3DCCD1}">
-              <a14:hiddenFill xmlns:a14="http://schemas.microsoft.com/office/drawing/2010/main" xmlns="">
+              <a14:hiddenFill xmlns="" xmlns:a14="http://schemas.microsoft.com/office/drawing/2010/main">
                 <a:solidFill>
                   <a:srgbClr val="FFFFFF"/>
                 </a:solidFill>
               </a14:hiddenFill>
             </a:ext>
             <a:ext uri="{91240B29-F687-4f45-9708-019B960494DF}">
-              <a14:hiddenLine xmlns:a14="http://schemas.microsoft.com/office/drawing/2010/main" xmlns="" w="9525">
+              <a14:hiddenLine xmlns="" xmlns:a14="http://schemas.microsoft.com/office/drawing/2010/main" w="9525">
                 <a:solidFill>
                   <a:srgbClr val="000000"/>
                 </a:solidFill>
@@ -6488,7 +6488,7 @@
           </a:ln>
           <a:extLst>
             <a:ext uri="{91240B29-F687-4f45-9708-019B960494DF}">
-              <a14:hiddenLine xmlns:a14="http://schemas.microsoft.com/office/drawing/2010/main" xmlns="" w="9525">
+              <a14:hiddenLine xmlns="" xmlns:a14="http://schemas.microsoft.com/office/drawing/2010/main" w="9525">
                 <a:solidFill>
                   <a:srgbClr val="000000"/>
                 </a:solidFill>
@@ -6804,7 +6804,7 @@
           </a:ln>
           <a:extLst>
             <a:ext uri="{91240B29-F687-4f45-9708-019B960494DF}">
-              <a14:hiddenLine xmlns:a14="http://schemas.microsoft.com/office/drawing/2010/main" xmlns="" w="9525">
+              <a14:hiddenLine xmlns="" xmlns:a14="http://schemas.microsoft.com/office/drawing/2010/main" w="9525">
                 <a:solidFill>
                   <a:srgbClr val="000000"/>
                 </a:solidFill>
@@ -6855,7 +6855,7 @@
           </a:ln>
           <a:extLst>
             <a:ext uri="{91240B29-F687-4f45-9708-019B960494DF}">
-              <a14:hiddenLine xmlns:a14="http://schemas.microsoft.com/office/drawing/2010/main" xmlns="" w="9525">
+              <a14:hiddenLine xmlns="" xmlns:a14="http://schemas.microsoft.com/office/drawing/2010/main" w="9525">
                 <a:solidFill>
                   <a:srgbClr val="000000"/>
                 </a:solidFill>
@@ -18085,7 +18085,7 @@
           </a:ln>
           <a:extLst>
             <a:ext uri="{91240B29-F687-4f45-9708-019B960494DF}">
-              <a14:hiddenLine xmlns:a14="http://schemas.microsoft.com/office/drawing/2010/main" xmlns="" w="9525">
+              <a14:hiddenLine xmlns="" xmlns:a14="http://schemas.microsoft.com/office/drawing/2010/main" w="9525">
                 <a:solidFill>
                   <a:srgbClr val="000000"/>
                 </a:solidFill>
@@ -18414,14 +18414,14 @@
           </a:ln>
           <a:extLst>
             <a:ext uri="{909E8E84-426E-40dd-AFC4-6F175D3DCCD1}">
-              <a14:hiddenFill xmlns:a14="http://schemas.microsoft.com/office/drawing/2010/main" xmlns="">
+              <a14:hiddenFill xmlns="" xmlns:a14="http://schemas.microsoft.com/office/drawing/2010/main">
                 <a:solidFill>
                   <a:srgbClr val="FFFFFF"/>
                 </a:solidFill>
               </a14:hiddenFill>
             </a:ext>
             <a:ext uri="{91240B29-F687-4f45-9708-019B960494DF}">
-              <a14:hiddenLine xmlns:a14="http://schemas.microsoft.com/office/drawing/2010/main" xmlns="" w="9525">
+              <a14:hiddenLine xmlns="" xmlns:a14="http://schemas.microsoft.com/office/drawing/2010/main" w="9525">
                 <a:solidFill>
                   <a:srgbClr val="000000"/>
                 </a:solidFill>
@@ -18497,14 +18497,14 @@
           </a:ln>
           <a:extLst>
             <a:ext uri="{909E8E84-426E-40dd-AFC4-6F175D3DCCD1}">
-              <a14:hiddenFill xmlns:a14="http://schemas.microsoft.com/office/drawing/2010/main" xmlns="">
+              <a14:hiddenFill xmlns="" xmlns:a14="http://schemas.microsoft.com/office/drawing/2010/main">
                 <a:solidFill>
                   <a:srgbClr val="FFFFFF"/>
                 </a:solidFill>
               </a14:hiddenFill>
             </a:ext>
             <a:ext uri="{91240B29-F687-4f45-9708-019B960494DF}">
-              <a14:hiddenLine xmlns:a14="http://schemas.microsoft.com/office/drawing/2010/main" xmlns="" w="9525">
+              <a14:hiddenLine xmlns="" xmlns:a14="http://schemas.microsoft.com/office/drawing/2010/main" w="9525">
                 <a:solidFill>
                   <a:srgbClr val="000000"/>
                 </a:solidFill>
@@ -18575,14 +18575,14 @@
           </a:ln>
           <a:extLst>
             <a:ext uri="{909E8E84-426E-40dd-AFC4-6F175D3DCCD1}">
-              <a14:hiddenFill xmlns:a14="http://schemas.microsoft.com/office/drawing/2010/main" xmlns="">
+              <a14:hiddenFill xmlns="" xmlns:a14="http://schemas.microsoft.com/office/drawing/2010/main">
                 <a:solidFill>
                   <a:srgbClr val="FFFFFF"/>
                 </a:solidFill>
               </a14:hiddenFill>
             </a:ext>
             <a:ext uri="{91240B29-F687-4f45-9708-019B960494DF}">
-              <a14:hiddenLine xmlns:a14="http://schemas.microsoft.com/office/drawing/2010/main" xmlns="" w="9525">
+              <a14:hiddenLine xmlns="" xmlns:a14="http://schemas.microsoft.com/office/drawing/2010/main" w="9525">
                 <a:solidFill>
                   <a:srgbClr val="000000"/>
                 </a:solidFill>
@@ -18645,7 +18645,7 @@
           </a:ln>
           <a:extLst>
             <a:ext uri="{91240B29-F687-4f45-9708-019B960494DF}">
-              <a14:hiddenLine xmlns:a14="http://schemas.microsoft.com/office/drawing/2010/main" xmlns="" w="9525">
+              <a14:hiddenLine xmlns="" xmlns:a14="http://schemas.microsoft.com/office/drawing/2010/main" w="9525">
                 <a:solidFill>
                   <a:srgbClr val="000000"/>
                 </a:solidFill>
@@ -26092,8 +26092,8 @@
         </p:nvSpPr>
         <p:spPr>
           <a:xfrm>
-            <a:off x="-252524" y="2133600"/>
-            <a:ext cx="9649060" cy="1214438"/>
+            <a:off x="0" y="2133600"/>
+            <a:ext cx="9144000" cy="1214438"/>
           </a:xfrm>
         </p:spPr>
         <p:txBody>
@@ -26101,10 +26101,10 @@
           <a:lstStyle/>
           <a:p>
             <a:r>
-              <a:rPr lang="en-US" altLang="zh-TW" dirty="0"/>
-              <a:t>Title</a:t>
-            </a:r>
-            <a:endParaRPr lang="zh-TW" altLang="en-US" dirty="0"/>
+              <a:rPr lang="en-US" altLang="zh-TW" sz="3200" dirty="0"/>
+              <a:t>Handling Noise and Metric Issue in Few-Shot Learning Tasks with In-Memory Search</a:t>
+            </a:r>
+            <a:endParaRPr lang="zh-TW" altLang="en-US" sz="3200" dirty="0"/>
           </a:p>
         </p:txBody>
       </p:sp>

--- a/b11901027_王仁軒.pptx
+++ b/b11901027_王仁軒.pptx
@@ -5658,7 +5658,7 @@
           <a:p>
             <a:fld id="{FE9F37E1-976C-4D68-AAA1-E18BCAC423B3}" type="datetimeFigureOut">
               <a:rPr lang="zh-TW" altLang="en-US" smtClean="0"/>
-              <a:t>2025/6/11</a:t>
+              <a:t>2025/6/13</a:t>
             </a:fld>
             <a:endParaRPr lang="zh-TW" altLang="en-US"/>
           </a:p>
@@ -5823,7 +5823,7 @@
           <a:p>
             <a:fld id="{6F765A04-DEC0-490E-BE54-AD23B90E8F9F}" type="datetimeFigureOut">
               <a:rPr lang="zh-TW" altLang="en-US" smtClean="0"/>
-              <a:t>2025/6/11</a:t>
+              <a:t>2025/6/13</a:t>
             </a:fld>
             <a:endParaRPr lang="zh-TW" altLang="en-US"/>
           </a:p>
@@ -6391,7 +6391,7 @@
           </a:ln>
           <a:extLst>
             <a:ext uri="{91240B29-F687-4f45-9708-019B960494DF}">
-              <a14:hiddenLine xmlns="" xmlns:a14="http://schemas.microsoft.com/office/drawing/2010/main" w="9525">
+              <a14:hiddenLine xmlns:a14="http://schemas.microsoft.com/office/drawing/2010/main" xmlns="" w="9525">
                 <a:solidFill>
                   <a:srgbClr val="000000"/>
                 </a:solidFill>
@@ -6445,14 +6445,14 @@
           </a:ln>
           <a:extLst>
             <a:ext uri="{909E8E84-426E-40dd-AFC4-6F175D3DCCD1}">
-              <a14:hiddenFill xmlns="" xmlns:a14="http://schemas.microsoft.com/office/drawing/2010/main">
+              <a14:hiddenFill xmlns:a14="http://schemas.microsoft.com/office/drawing/2010/main" xmlns="">
                 <a:solidFill>
                   <a:srgbClr val="FFFFFF"/>
                 </a:solidFill>
               </a14:hiddenFill>
             </a:ext>
             <a:ext uri="{91240B29-F687-4f45-9708-019B960494DF}">
-              <a14:hiddenLine xmlns="" xmlns:a14="http://schemas.microsoft.com/office/drawing/2010/main" w="9525">
+              <a14:hiddenLine xmlns:a14="http://schemas.microsoft.com/office/drawing/2010/main" xmlns="" w="9525">
                 <a:solidFill>
                   <a:srgbClr val="000000"/>
                 </a:solidFill>
@@ -6488,7 +6488,7 @@
           </a:ln>
           <a:extLst>
             <a:ext uri="{91240B29-F687-4f45-9708-019B960494DF}">
-              <a14:hiddenLine xmlns="" xmlns:a14="http://schemas.microsoft.com/office/drawing/2010/main" w="9525">
+              <a14:hiddenLine xmlns:a14="http://schemas.microsoft.com/office/drawing/2010/main" xmlns="" w="9525">
                 <a:solidFill>
                   <a:srgbClr val="000000"/>
                 </a:solidFill>
@@ -6804,7 +6804,7 @@
           </a:ln>
           <a:extLst>
             <a:ext uri="{91240B29-F687-4f45-9708-019B960494DF}">
-              <a14:hiddenLine xmlns="" xmlns:a14="http://schemas.microsoft.com/office/drawing/2010/main" w="9525">
+              <a14:hiddenLine xmlns:a14="http://schemas.microsoft.com/office/drawing/2010/main" xmlns="" w="9525">
                 <a:solidFill>
                   <a:srgbClr val="000000"/>
                 </a:solidFill>
@@ -6855,7 +6855,7 @@
           </a:ln>
           <a:extLst>
             <a:ext uri="{91240B29-F687-4f45-9708-019B960494DF}">
-              <a14:hiddenLine xmlns="" xmlns:a14="http://schemas.microsoft.com/office/drawing/2010/main" w="9525">
+              <a14:hiddenLine xmlns:a14="http://schemas.microsoft.com/office/drawing/2010/main" xmlns="" w="9525">
                 <a:solidFill>
                   <a:srgbClr val="000000"/>
                 </a:solidFill>
@@ -18085,7 +18085,7 @@
           </a:ln>
           <a:extLst>
             <a:ext uri="{91240B29-F687-4f45-9708-019B960494DF}">
-              <a14:hiddenLine xmlns="" xmlns:a14="http://schemas.microsoft.com/office/drawing/2010/main" w="9525">
+              <a14:hiddenLine xmlns:a14="http://schemas.microsoft.com/office/drawing/2010/main" xmlns="" w="9525">
                 <a:solidFill>
                   <a:srgbClr val="000000"/>
                 </a:solidFill>
@@ -18414,14 +18414,14 @@
           </a:ln>
           <a:extLst>
             <a:ext uri="{909E8E84-426E-40dd-AFC4-6F175D3DCCD1}">
-              <a14:hiddenFill xmlns="" xmlns:a14="http://schemas.microsoft.com/office/drawing/2010/main">
+              <a14:hiddenFill xmlns:a14="http://schemas.microsoft.com/office/drawing/2010/main" xmlns="">
                 <a:solidFill>
                   <a:srgbClr val="FFFFFF"/>
                 </a:solidFill>
               </a14:hiddenFill>
             </a:ext>
             <a:ext uri="{91240B29-F687-4f45-9708-019B960494DF}">
-              <a14:hiddenLine xmlns="" xmlns:a14="http://schemas.microsoft.com/office/drawing/2010/main" w="9525">
+              <a14:hiddenLine xmlns:a14="http://schemas.microsoft.com/office/drawing/2010/main" xmlns="" w="9525">
                 <a:solidFill>
                   <a:srgbClr val="000000"/>
                 </a:solidFill>
@@ -18497,14 +18497,14 @@
           </a:ln>
           <a:extLst>
             <a:ext uri="{909E8E84-426E-40dd-AFC4-6F175D3DCCD1}">
-              <a14:hiddenFill xmlns="" xmlns:a14="http://schemas.microsoft.com/office/drawing/2010/main">
+              <a14:hiddenFill xmlns:a14="http://schemas.microsoft.com/office/drawing/2010/main" xmlns="">
                 <a:solidFill>
                   <a:srgbClr val="FFFFFF"/>
                 </a:solidFill>
               </a14:hiddenFill>
             </a:ext>
             <a:ext uri="{91240B29-F687-4f45-9708-019B960494DF}">
-              <a14:hiddenLine xmlns="" xmlns:a14="http://schemas.microsoft.com/office/drawing/2010/main" w="9525">
+              <a14:hiddenLine xmlns:a14="http://schemas.microsoft.com/office/drawing/2010/main" xmlns="" w="9525">
                 <a:solidFill>
                   <a:srgbClr val="000000"/>
                 </a:solidFill>
@@ -18575,14 +18575,14 @@
           </a:ln>
           <a:extLst>
             <a:ext uri="{909E8E84-426E-40dd-AFC4-6F175D3DCCD1}">
-              <a14:hiddenFill xmlns="" xmlns:a14="http://schemas.microsoft.com/office/drawing/2010/main">
+              <a14:hiddenFill xmlns:a14="http://schemas.microsoft.com/office/drawing/2010/main" xmlns="">
                 <a:solidFill>
                   <a:srgbClr val="FFFFFF"/>
                 </a:solidFill>
               </a14:hiddenFill>
             </a:ext>
             <a:ext uri="{91240B29-F687-4f45-9708-019B960494DF}">
-              <a14:hiddenLine xmlns="" xmlns:a14="http://schemas.microsoft.com/office/drawing/2010/main" w="9525">
+              <a14:hiddenLine xmlns:a14="http://schemas.microsoft.com/office/drawing/2010/main" xmlns="" w="9525">
                 <a:solidFill>
                   <a:srgbClr val="000000"/>
                 </a:solidFill>
@@ -18645,7 +18645,7 @@
           </a:ln>
           <a:extLst>
             <a:ext uri="{91240B29-F687-4f45-9708-019B960494DF}">
-              <a14:hiddenLine xmlns="" xmlns:a14="http://schemas.microsoft.com/office/drawing/2010/main" w="9525">
+              <a14:hiddenLine xmlns:a14="http://schemas.microsoft.com/office/drawing/2010/main" xmlns="" w="9525">
                 <a:solidFill>
                   <a:srgbClr val="000000"/>
                 </a:solidFill>
@@ -27534,8 +27534,8 @@
           </p:txBody>
         </p:sp>
       </p:grpSp>
-      <mc:AlternateContent xmlns:mc="http://schemas.openxmlformats.org/markup-compatibility/2006" xmlns:a14="http://schemas.microsoft.com/office/drawing/2010/main">
-        <mc:Choice Requires="a14">
+      <mc:AlternateContent xmlns:mc="http://schemas.openxmlformats.org/markup-compatibility/2006">
+        <mc:Choice xmlns:a14="http://schemas.microsoft.com/office/drawing/2010/main" Requires="a14">
           <p:sp>
             <p:nvSpPr>
               <p:cNvPr id="48" name="文字方塊 47">
@@ -27551,7 +27551,7 @@
             <p:spPr>
               <a:xfrm>
                 <a:off x="5712900" y="3163230"/>
-                <a:ext cx="3324739" cy="1104598"/>
+                <a:ext cx="3431100" cy="1104598"/>
               </a:xfrm>
               <a:prstGeom prst="rect">
                 <a:avLst/>
@@ -27789,6 +27789,20 @@
                               </m:dPr>
                               <m:e>
                                 <m:r>
+                                  <a:rPr lang="en-US" altLang="zh-TW" sz="1600" i="1" dirty="0" smtClean="0">
+                                    <a:latin typeface="Cambria Math" panose="02040503050406030204" pitchFamily="18" charset="0"/>
+                                    <a:ea typeface="Cambria Math" panose="02040503050406030204" pitchFamily="18" charset="0"/>
+                                  </a:rPr>
+                                  <m:t>𝜅</m:t>
+                                </m:r>
+                                <m:r>
+                                  <a:rPr lang="en-US" altLang="zh-TW" sz="1600" b="0" i="0" dirty="0" smtClean="0">
+                                    <a:latin typeface="Cambria Math" panose="02040503050406030204" pitchFamily="18" charset="0"/>
+                                    <a:ea typeface="Cambria Math" panose="02040503050406030204" pitchFamily="18" charset="0"/>
+                                  </a:rPr>
+                                  <m:t> </m:t>
+                                </m:r>
+                                <m:r>
                                   <m:rPr>
                                     <m:sty m:val="p"/>
                                   </m:rPr>
@@ -27825,7 +27839,7 @@
             </p:txBody>
           </p:sp>
         </mc:Choice>
-        <mc:Fallback xmlns="">
+        <mc:Fallback>
           <p:sp>
             <p:nvSpPr>
               <p:cNvPr id="48" name="文字方塊 47">
@@ -27843,7 +27857,7 @@
             <p:spPr>
               <a:xfrm>
                 <a:off x="5712900" y="3163230"/>
-                <a:ext cx="3324739" cy="1104598"/>
+                <a:ext cx="3431100" cy="1104598"/>
               </a:xfrm>
               <a:prstGeom prst="rect">
                 <a:avLst/>
@@ -27851,7 +27865,7 @@
               <a:blipFill>
                 <a:blip r:embed="rId7"/>
                 <a:stretch>
-                  <a:fillRect l="-916" t="-1657" b="-39227"/>
+                  <a:fillRect l="-888" t="-1657" b="-39227"/>
                 </a:stretch>
               </a:blipFill>
             </p:spPr>

--- a/b11901027_王仁軒.pptx
+++ b/b11901027_王仁軒.pptx
@@ -5610,8 +5610,8 @@
         </p:nvSpPr>
         <p:spPr>
           <a:xfrm>
-            <a:off x="0" y="0"/>
-            <a:ext cx="4278842" cy="339884"/>
+            <a:off x="1" y="0"/>
+            <a:ext cx="4278841" cy="339884"/>
           </a:xfrm>
           <a:prstGeom prst="rect">
             <a:avLst/>
@@ -5641,8 +5641,8 @@
         </p:nvSpPr>
         <p:spPr>
           <a:xfrm>
-            <a:off x="5593123" y="0"/>
-            <a:ext cx="4278842" cy="339884"/>
+            <a:off x="5593125" y="0"/>
+            <a:ext cx="4278841" cy="339884"/>
           </a:xfrm>
           <a:prstGeom prst="rect">
             <a:avLst/>
@@ -5658,7 +5658,7 @@
           <a:p>
             <a:fld id="{FE9F37E1-976C-4D68-AAA1-E18BCAC423B3}" type="datetimeFigureOut">
               <a:rPr lang="zh-TW" altLang="en-US" smtClean="0"/>
-              <a:t>2025/6/13</a:t>
+              <a:t>2025/6/16</a:t>
             </a:fld>
             <a:endParaRPr lang="zh-TW" altLang="en-US"/>
           </a:p>
@@ -5676,8 +5676,8 @@
         </p:nvSpPr>
         <p:spPr>
           <a:xfrm>
-            <a:off x="0" y="6456612"/>
-            <a:ext cx="4278842" cy="339884"/>
+            <a:off x="1" y="6456612"/>
+            <a:ext cx="4278841" cy="339884"/>
           </a:xfrm>
           <a:prstGeom prst="rect">
             <a:avLst/>
@@ -5707,8 +5707,8 @@
         </p:nvSpPr>
         <p:spPr>
           <a:xfrm>
-            <a:off x="5593123" y="6456612"/>
-            <a:ext cx="4278842" cy="339884"/>
+            <a:off x="5593125" y="6456612"/>
+            <a:ext cx="4278841" cy="339884"/>
           </a:xfrm>
           <a:prstGeom prst="rect">
             <a:avLst/>
@@ -5775,8 +5775,8 @@
         </p:nvSpPr>
         <p:spPr>
           <a:xfrm>
-            <a:off x="0" y="0"/>
-            <a:ext cx="4278842" cy="339884"/>
+            <a:off x="1" y="0"/>
+            <a:ext cx="4278841" cy="339884"/>
           </a:xfrm>
           <a:prstGeom prst="rect">
             <a:avLst/>
@@ -5806,8 +5806,8 @@
         </p:nvSpPr>
         <p:spPr>
           <a:xfrm>
-            <a:off x="5593123" y="0"/>
-            <a:ext cx="4278842" cy="339884"/>
+            <a:off x="5593125" y="0"/>
+            <a:ext cx="4278841" cy="339884"/>
           </a:xfrm>
           <a:prstGeom prst="rect">
             <a:avLst/>
@@ -5823,7 +5823,7 @@
           <a:p>
             <a:fld id="{6F765A04-DEC0-490E-BE54-AD23B90E8F9F}" type="datetimeFigureOut">
               <a:rPr lang="zh-TW" altLang="en-US" smtClean="0"/>
-              <a:t>2025/6/13</a:t>
+              <a:t>2025/6/16</a:t>
             </a:fld>
             <a:endParaRPr lang="zh-TW" altLang="en-US"/>
           </a:p>
@@ -5874,7 +5874,7 @@
         </p:nvSpPr>
         <p:spPr>
           <a:xfrm>
-            <a:off x="987425" y="3228896"/>
+            <a:off x="987426" y="3228896"/>
             <a:ext cx="7899400" cy="3058954"/>
           </a:xfrm>
           <a:prstGeom prst="rect">
@@ -5933,8 +5933,8 @@
         </p:nvSpPr>
         <p:spPr>
           <a:xfrm>
-            <a:off x="0" y="6456612"/>
-            <a:ext cx="4278842" cy="339884"/>
+            <a:off x="1" y="6456612"/>
+            <a:ext cx="4278841" cy="339884"/>
           </a:xfrm>
           <a:prstGeom prst="rect">
             <a:avLst/>
@@ -5964,8 +5964,8 @@
         </p:nvSpPr>
         <p:spPr>
           <a:xfrm>
-            <a:off x="5593123" y="6456612"/>
-            <a:ext cx="4278842" cy="339884"/>
+            <a:off x="5593125" y="6456612"/>
+            <a:ext cx="4278841" cy="339884"/>
           </a:xfrm>
           <a:prstGeom prst="rect">
             <a:avLst/>
@@ -6391,7 +6391,7 @@
           </a:ln>
           <a:extLst>
             <a:ext uri="{91240B29-F687-4f45-9708-019B960494DF}">
-              <a14:hiddenLine xmlns:a14="http://schemas.microsoft.com/office/drawing/2010/main" xmlns="" w="9525">
+              <a14:hiddenLine xmlns="" xmlns:a14="http://schemas.microsoft.com/office/drawing/2010/main" w="9525">
                 <a:solidFill>
                   <a:srgbClr val="000000"/>
                 </a:solidFill>
@@ -6445,14 +6445,14 @@
           </a:ln>
           <a:extLst>
             <a:ext uri="{909E8E84-426E-40dd-AFC4-6F175D3DCCD1}">
-              <a14:hiddenFill xmlns:a14="http://schemas.microsoft.com/office/drawing/2010/main" xmlns="">
+              <a14:hiddenFill xmlns="" xmlns:a14="http://schemas.microsoft.com/office/drawing/2010/main">
                 <a:solidFill>
                   <a:srgbClr val="FFFFFF"/>
                 </a:solidFill>
               </a14:hiddenFill>
             </a:ext>
             <a:ext uri="{91240B29-F687-4f45-9708-019B960494DF}">
-              <a14:hiddenLine xmlns:a14="http://schemas.microsoft.com/office/drawing/2010/main" xmlns="" w="9525">
+              <a14:hiddenLine xmlns="" xmlns:a14="http://schemas.microsoft.com/office/drawing/2010/main" w="9525">
                 <a:solidFill>
                   <a:srgbClr val="000000"/>
                 </a:solidFill>
@@ -6488,7 +6488,7 @@
           </a:ln>
           <a:extLst>
             <a:ext uri="{91240B29-F687-4f45-9708-019B960494DF}">
-              <a14:hiddenLine xmlns:a14="http://schemas.microsoft.com/office/drawing/2010/main" xmlns="" w="9525">
+              <a14:hiddenLine xmlns="" xmlns:a14="http://schemas.microsoft.com/office/drawing/2010/main" w="9525">
                 <a:solidFill>
                   <a:srgbClr val="000000"/>
                 </a:solidFill>
@@ -6804,7 +6804,7 @@
           </a:ln>
           <a:extLst>
             <a:ext uri="{91240B29-F687-4f45-9708-019B960494DF}">
-              <a14:hiddenLine xmlns:a14="http://schemas.microsoft.com/office/drawing/2010/main" xmlns="" w="9525">
+              <a14:hiddenLine xmlns="" xmlns:a14="http://schemas.microsoft.com/office/drawing/2010/main" w="9525">
                 <a:solidFill>
                   <a:srgbClr val="000000"/>
                 </a:solidFill>
@@ -6855,7 +6855,7 @@
           </a:ln>
           <a:extLst>
             <a:ext uri="{91240B29-F687-4f45-9708-019B960494DF}">
-              <a14:hiddenLine xmlns:a14="http://schemas.microsoft.com/office/drawing/2010/main" xmlns="" w="9525">
+              <a14:hiddenLine xmlns="" xmlns:a14="http://schemas.microsoft.com/office/drawing/2010/main" w="9525">
                 <a:solidFill>
                   <a:srgbClr val="000000"/>
                 </a:solidFill>
@@ -18085,7 +18085,7 @@
           </a:ln>
           <a:extLst>
             <a:ext uri="{91240B29-F687-4f45-9708-019B960494DF}">
-              <a14:hiddenLine xmlns:a14="http://schemas.microsoft.com/office/drawing/2010/main" xmlns="" w="9525">
+              <a14:hiddenLine xmlns="" xmlns:a14="http://schemas.microsoft.com/office/drawing/2010/main" w="9525">
                 <a:solidFill>
                   <a:srgbClr val="000000"/>
                 </a:solidFill>
@@ -18414,14 +18414,14 @@
           </a:ln>
           <a:extLst>
             <a:ext uri="{909E8E84-426E-40dd-AFC4-6F175D3DCCD1}">
-              <a14:hiddenFill xmlns:a14="http://schemas.microsoft.com/office/drawing/2010/main" xmlns="">
+              <a14:hiddenFill xmlns="" xmlns:a14="http://schemas.microsoft.com/office/drawing/2010/main">
                 <a:solidFill>
                   <a:srgbClr val="FFFFFF"/>
                 </a:solidFill>
               </a14:hiddenFill>
             </a:ext>
             <a:ext uri="{91240B29-F687-4f45-9708-019B960494DF}">
-              <a14:hiddenLine xmlns:a14="http://schemas.microsoft.com/office/drawing/2010/main" xmlns="" w="9525">
+              <a14:hiddenLine xmlns="" xmlns:a14="http://schemas.microsoft.com/office/drawing/2010/main" w="9525">
                 <a:solidFill>
                   <a:srgbClr val="000000"/>
                 </a:solidFill>
@@ -18497,14 +18497,14 @@
           </a:ln>
           <a:extLst>
             <a:ext uri="{909E8E84-426E-40dd-AFC4-6F175D3DCCD1}">
-              <a14:hiddenFill xmlns:a14="http://schemas.microsoft.com/office/drawing/2010/main" xmlns="">
+              <a14:hiddenFill xmlns="" xmlns:a14="http://schemas.microsoft.com/office/drawing/2010/main">
                 <a:solidFill>
                   <a:srgbClr val="FFFFFF"/>
                 </a:solidFill>
               </a14:hiddenFill>
             </a:ext>
             <a:ext uri="{91240B29-F687-4f45-9708-019B960494DF}">
-              <a14:hiddenLine xmlns:a14="http://schemas.microsoft.com/office/drawing/2010/main" xmlns="" w="9525">
+              <a14:hiddenLine xmlns="" xmlns:a14="http://schemas.microsoft.com/office/drawing/2010/main" w="9525">
                 <a:solidFill>
                   <a:srgbClr val="000000"/>
                 </a:solidFill>
@@ -18575,14 +18575,14 @@
           </a:ln>
           <a:extLst>
             <a:ext uri="{909E8E84-426E-40dd-AFC4-6F175D3DCCD1}">
-              <a14:hiddenFill xmlns:a14="http://schemas.microsoft.com/office/drawing/2010/main" xmlns="">
+              <a14:hiddenFill xmlns="" xmlns:a14="http://schemas.microsoft.com/office/drawing/2010/main">
                 <a:solidFill>
                   <a:srgbClr val="FFFFFF"/>
                 </a:solidFill>
               </a14:hiddenFill>
             </a:ext>
             <a:ext uri="{91240B29-F687-4f45-9708-019B960494DF}">
-              <a14:hiddenLine xmlns:a14="http://schemas.microsoft.com/office/drawing/2010/main" xmlns="" w="9525">
+              <a14:hiddenLine xmlns="" xmlns:a14="http://schemas.microsoft.com/office/drawing/2010/main" w="9525">
                 <a:solidFill>
                   <a:srgbClr val="000000"/>
                 </a:solidFill>
@@ -18645,7 +18645,7 @@
           </a:ln>
           <a:extLst>
             <a:ext uri="{91240B29-F687-4f45-9708-019B960494DF}">
-              <a14:hiddenLine xmlns:a14="http://schemas.microsoft.com/office/drawing/2010/main" xmlns="" w="9525">
+              <a14:hiddenLine xmlns="" xmlns:a14="http://schemas.microsoft.com/office/drawing/2010/main" w="9525">
                 <a:solidFill>
                   <a:srgbClr val="000000"/>
                 </a:solidFill>
@@ -27534,8 +27534,8 @@
           </p:txBody>
         </p:sp>
       </p:grpSp>
-      <mc:AlternateContent xmlns:mc="http://schemas.openxmlformats.org/markup-compatibility/2006">
-        <mc:Choice xmlns:a14="http://schemas.microsoft.com/office/drawing/2010/main" Requires="a14">
+      <mc:AlternateContent xmlns:mc="http://schemas.openxmlformats.org/markup-compatibility/2006" xmlns:a14="http://schemas.microsoft.com/office/drawing/2010/main">
+        <mc:Choice Requires="a14">
           <p:sp>
             <p:nvSpPr>
               <p:cNvPr id="48" name="文字方塊 47">
@@ -27839,7 +27839,7 @@
             </p:txBody>
           </p:sp>
         </mc:Choice>
-        <mc:Fallback>
+        <mc:Fallback xmlns="">
           <p:sp>
             <p:nvSpPr>
               <p:cNvPr id="48" name="文字方塊 47">

--- a/b11901027_王仁軒.pptx
+++ b/b11901027_王仁軒.pptx
@@ -6391,7 +6391,7 @@
           </a:ln>
           <a:extLst>
             <a:ext uri="{91240B29-F687-4f45-9708-019B960494DF}">
-              <a14:hiddenLine xmlns="" xmlns:a14="http://schemas.microsoft.com/office/drawing/2010/main" w="9525">
+              <a14:hiddenLine xmlns:a14="http://schemas.microsoft.com/office/drawing/2010/main" xmlns="" w="9525">
                 <a:solidFill>
                   <a:srgbClr val="000000"/>
                 </a:solidFill>
@@ -6445,14 +6445,14 @@
           </a:ln>
           <a:extLst>
             <a:ext uri="{909E8E84-426E-40dd-AFC4-6F175D3DCCD1}">
-              <a14:hiddenFill xmlns="" xmlns:a14="http://schemas.microsoft.com/office/drawing/2010/main">
+              <a14:hiddenFill xmlns:a14="http://schemas.microsoft.com/office/drawing/2010/main" xmlns="">
                 <a:solidFill>
                   <a:srgbClr val="FFFFFF"/>
                 </a:solidFill>
               </a14:hiddenFill>
             </a:ext>
             <a:ext uri="{91240B29-F687-4f45-9708-019B960494DF}">
-              <a14:hiddenLine xmlns="" xmlns:a14="http://schemas.microsoft.com/office/drawing/2010/main" w="9525">
+              <a14:hiddenLine xmlns:a14="http://schemas.microsoft.com/office/drawing/2010/main" xmlns="" w="9525">
                 <a:solidFill>
                   <a:srgbClr val="000000"/>
                 </a:solidFill>
@@ -6488,7 +6488,7 @@
           </a:ln>
           <a:extLst>
             <a:ext uri="{91240B29-F687-4f45-9708-019B960494DF}">
-              <a14:hiddenLine xmlns="" xmlns:a14="http://schemas.microsoft.com/office/drawing/2010/main" w="9525">
+              <a14:hiddenLine xmlns:a14="http://schemas.microsoft.com/office/drawing/2010/main" xmlns="" w="9525">
                 <a:solidFill>
                   <a:srgbClr val="000000"/>
                 </a:solidFill>
@@ -6804,7 +6804,7 @@
           </a:ln>
           <a:extLst>
             <a:ext uri="{91240B29-F687-4f45-9708-019B960494DF}">
-              <a14:hiddenLine xmlns="" xmlns:a14="http://schemas.microsoft.com/office/drawing/2010/main" w="9525">
+              <a14:hiddenLine xmlns:a14="http://schemas.microsoft.com/office/drawing/2010/main" xmlns="" w="9525">
                 <a:solidFill>
                   <a:srgbClr val="000000"/>
                 </a:solidFill>
@@ -6855,7 +6855,7 @@
           </a:ln>
           <a:extLst>
             <a:ext uri="{91240B29-F687-4f45-9708-019B960494DF}">
-              <a14:hiddenLine xmlns="" xmlns:a14="http://schemas.microsoft.com/office/drawing/2010/main" w="9525">
+              <a14:hiddenLine xmlns:a14="http://schemas.microsoft.com/office/drawing/2010/main" xmlns="" w="9525">
                 <a:solidFill>
                   <a:srgbClr val="000000"/>
                 </a:solidFill>
@@ -18085,7 +18085,7 @@
           </a:ln>
           <a:extLst>
             <a:ext uri="{91240B29-F687-4f45-9708-019B960494DF}">
-              <a14:hiddenLine xmlns="" xmlns:a14="http://schemas.microsoft.com/office/drawing/2010/main" w="9525">
+              <a14:hiddenLine xmlns:a14="http://schemas.microsoft.com/office/drawing/2010/main" xmlns="" w="9525">
                 <a:solidFill>
                   <a:srgbClr val="000000"/>
                 </a:solidFill>
@@ -18414,14 +18414,14 @@
           </a:ln>
           <a:extLst>
             <a:ext uri="{909E8E84-426E-40dd-AFC4-6F175D3DCCD1}">
-              <a14:hiddenFill xmlns="" xmlns:a14="http://schemas.microsoft.com/office/drawing/2010/main">
+              <a14:hiddenFill xmlns:a14="http://schemas.microsoft.com/office/drawing/2010/main" xmlns="">
                 <a:solidFill>
                   <a:srgbClr val="FFFFFF"/>
                 </a:solidFill>
               </a14:hiddenFill>
             </a:ext>
             <a:ext uri="{91240B29-F687-4f45-9708-019B960494DF}">
-              <a14:hiddenLine xmlns="" xmlns:a14="http://schemas.microsoft.com/office/drawing/2010/main" w="9525">
+              <a14:hiddenLine xmlns:a14="http://schemas.microsoft.com/office/drawing/2010/main" xmlns="" w="9525">
                 <a:solidFill>
                   <a:srgbClr val="000000"/>
                 </a:solidFill>
@@ -18497,14 +18497,14 @@
           </a:ln>
           <a:extLst>
             <a:ext uri="{909E8E84-426E-40dd-AFC4-6F175D3DCCD1}">
-              <a14:hiddenFill xmlns="" xmlns:a14="http://schemas.microsoft.com/office/drawing/2010/main">
+              <a14:hiddenFill xmlns:a14="http://schemas.microsoft.com/office/drawing/2010/main" xmlns="">
                 <a:solidFill>
                   <a:srgbClr val="FFFFFF"/>
                 </a:solidFill>
               </a14:hiddenFill>
             </a:ext>
             <a:ext uri="{91240B29-F687-4f45-9708-019B960494DF}">
-              <a14:hiddenLine xmlns="" xmlns:a14="http://schemas.microsoft.com/office/drawing/2010/main" w="9525">
+              <a14:hiddenLine xmlns:a14="http://schemas.microsoft.com/office/drawing/2010/main" xmlns="" w="9525">
                 <a:solidFill>
                   <a:srgbClr val="000000"/>
                 </a:solidFill>
@@ -18575,14 +18575,14 @@
           </a:ln>
           <a:extLst>
             <a:ext uri="{909E8E84-426E-40dd-AFC4-6F175D3DCCD1}">
-              <a14:hiddenFill xmlns="" xmlns:a14="http://schemas.microsoft.com/office/drawing/2010/main">
+              <a14:hiddenFill xmlns:a14="http://schemas.microsoft.com/office/drawing/2010/main" xmlns="">
                 <a:solidFill>
                   <a:srgbClr val="FFFFFF"/>
                 </a:solidFill>
               </a14:hiddenFill>
             </a:ext>
             <a:ext uri="{91240B29-F687-4f45-9708-019B960494DF}">
-              <a14:hiddenLine xmlns="" xmlns:a14="http://schemas.microsoft.com/office/drawing/2010/main" w="9525">
+              <a14:hiddenLine xmlns:a14="http://schemas.microsoft.com/office/drawing/2010/main" xmlns="" w="9525">
                 <a:solidFill>
                   <a:srgbClr val="000000"/>
                 </a:solidFill>
@@ -18645,7 +18645,7 @@
           </a:ln>
           <a:extLst>
             <a:ext uri="{91240B29-F687-4f45-9708-019B960494DF}">
-              <a14:hiddenLine xmlns="" xmlns:a14="http://schemas.microsoft.com/office/drawing/2010/main" w="9525">
+              <a14:hiddenLine xmlns:a14="http://schemas.microsoft.com/office/drawing/2010/main" xmlns="" w="9525">
                 <a:solidFill>
                   <a:srgbClr val="000000"/>
                 </a:solidFill>
@@ -26154,7 +26154,11 @@
           <a:p>
             <a:r>
               <a:rPr lang="en-US" altLang="zh-TW" dirty="0"/>
-              <a:t>Date : 2025/06/??</a:t>
+              <a:t>Date </a:t>
+            </a:r>
+            <a:r>
+              <a:rPr lang="en-US" altLang="zh-TW"/>
+              <a:t>: 2025/06/17</a:t>
             </a:r>
             <a:endParaRPr lang="zh-TW" altLang="en-US" dirty="0"/>
           </a:p>
